--- a/decoder.pptx
+++ b/decoder.pptx
@@ -5,11 +5,10 @@
     <p:sldMasterId id="2147483672" r:id="rId1"/>
   </p:sldMasterIdLst>
   <p:notesMasterIdLst>
-    <p:notesMasterId r:id="rId4"/>
+    <p:notesMasterId r:id="rId3"/>
   </p:notesMasterIdLst>
   <p:sldIdLst>
-    <p:sldId id="256" r:id="rId2"/>
-    <p:sldId id="261" r:id="rId3"/>
+    <p:sldId id="261" r:id="rId2"/>
   </p:sldIdLst>
   <p:sldSz cx="12192000" cy="4625975"/>
   <p:notesSz cx="6858000" cy="9144000"/>
@@ -3389,86 +3388,6 @@
       </p:grpSpPr>
       <p:sp>
         <p:nvSpPr>
-          <p:cNvPr id="2" name="标题 1">
-            <a:extLst>
-              <a:ext uri="{FF2B5EF4-FFF2-40B4-BE49-F238E27FC236}">
-                <a16:creationId xmlns:a16="http://schemas.microsoft.com/office/drawing/2014/main" id="{A8B925E1-9B8D-C04F-9E66-861DB59D65C8}"/>
-              </a:ext>
-            </a:extLst>
-          </p:cNvPr>
-          <p:cNvSpPr>
-            <a:spLocks noGrp="1"/>
-          </p:cNvSpPr>
-          <p:nvPr>
-            <p:ph type="ctrTitle"/>
-          </p:nvPr>
-        </p:nvSpPr>
-        <p:spPr/>
-        <p:txBody>
-          <a:bodyPr/>
-          <a:lstStyle/>
-          <a:p>
-            <a:endParaRPr kumimoji="1" lang="zh-CN" altLang="en-US"/>
-          </a:p>
-        </p:txBody>
-      </p:sp>
-      <p:sp>
-        <p:nvSpPr>
-          <p:cNvPr id="3" name="副标题 2">
-            <a:extLst>
-              <a:ext uri="{FF2B5EF4-FFF2-40B4-BE49-F238E27FC236}">
-                <a16:creationId xmlns:a16="http://schemas.microsoft.com/office/drawing/2014/main" id="{DD74B398-8CF1-A349-A669-23AEF6975F01}"/>
-              </a:ext>
-            </a:extLst>
-          </p:cNvPr>
-          <p:cNvSpPr>
-            <a:spLocks noGrp="1"/>
-          </p:cNvSpPr>
-          <p:nvPr>
-            <p:ph type="subTitle" idx="1"/>
-          </p:nvPr>
-        </p:nvSpPr>
-        <p:spPr/>
-        <p:txBody>
-          <a:bodyPr/>
-          <a:lstStyle/>
-          <a:p>
-            <a:endParaRPr kumimoji="1" lang="zh-CN" altLang="en-US"/>
-          </a:p>
-        </p:txBody>
-      </p:sp>
-    </p:spTree>
-    <p:extLst>
-      <p:ext uri="{BB962C8B-B14F-4D97-AF65-F5344CB8AC3E}">
-        <p14:creationId xmlns:p14="http://schemas.microsoft.com/office/powerpoint/2010/main" val="1801280739"/>
-      </p:ext>
-    </p:extLst>
-  </p:cSld>
-  <p:clrMapOvr>
-    <a:masterClrMapping/>
-  </p:clrMapOvr>
-</p:sld>
-</file>
-
-<file path=ppt/slides/slide2.xml><?xml version="1.0" encoding="utf-8"?>
-<p:sld xmlns:a="http://schemas.openxmlformats.org/drawingml/2006/main" xmlns:r="http://schemas.openxmlformats.org/officeDocument/2006/relationships" xmlns:p="http://schemas.openxmlformats.org/presentationml/2006/main">
-  <p:cSld>
-    <p:spTree>
-      <p:nvGrpSpPr>
-        <p:cNvPr id="1" name=""/>
-        <p:cNvGrpSpPr/>
-        <p:nvPr/>
-      </p:nvGrpSpPr>
-      <p:grpSpPr>
-        <a:xfrm>
-          <a:off x="0" y="0"/>
-          <a:ext cx="0" cy="0"/>
-          <a:chOff x="0" y="0"/>
-          <a:chExt cx="0" cy="0"/>
-        </a:xfrm>
-      </p:grpSpPr>
-      <p:sp>
-        <p:nvSpPr>
           <p:cNvPr id="230" name="圆角矩形 229">
             <a:extLst>
               <a:ext uri="{FF2B5EF4-FFF2-40B4-BE49-F238E27FC236}">
@@ -3481,7 +3400,7 @@
         </p:nvSpPr>
         <p:spPr>
           <a:xfrm>
-            <a:off x="10717927" y="3060144"/>
+            <a:off x="11130168" y="3061386"/>
             <a:ext cx="789197" cy="219598"/>
           </a:xfrm>
           <a:prstGeom prst="roundRect">
@@ -3536,7 +3455,7 @@
         </p:nvSpPr>
         <p:spPr>
           <a:xfrm>
-            <a:off x="10745225" y="2283356"/>
+            <a:off x="11130965" y="2263965"/>
             <a:ext cx="789197" cy="219598"/>
           </a:xfrm>
           <a:prstGeom prst="roundRect">
@@ -3591,7 +3510,7 @@
         </p:nvSpPr>
         <p:spPr>
           <a:xfrm>
-            <a:off x="10745225" y="1527514"/>
+            <a:off x="11130965" y="1562008"/>
             <a:ext cx="789197" cy="219598"/>
           </a:xfrm>
           <a:prstGeom prst="roundRect">
@@ -8215,7 +8134,7 @@
         <p:spPr>
           <a:xfrm>
             <a:off x="9929419" y="624501"/>
-            <a:ext cx="508957" cy="929525"/>
+            <a:ext cx="685209" cy="1034321"/>
           </a:xfrm>
           <a:prstGeom prst="straightConnector1">
             <a:avLst/>
@@ -11188,7 +11107,7 @@
         <p:spPr>
           <a:xfrm>
             <a:off x="9882253" y="2402600"/>
-            <a:ext cx="508956" cy="0"/>
+            <a:ext cx="732375" cy="0"/>
           </a:xfrm>
           <a:prstGeom prst="straightConnector1">
             <a:avLst/>
@@ -11228,8 +11147,8 @@
         </p:nvCxnSpPr>
         <p:spPr>
           <a:xfrm flipV="1">
-            <a:off x="9916258" y="3164132"/>
-            <a:ext cx="527298" cy="769165"/>
+            <a:off x="9916258" y="3164129"/>
+            <a:ext cx="698370" cy="769169"/>
           </a:xfrm>
           <a:prstGeom prst="straightConnector1">
             <a:avLst/>
@@ -11267,11 +11186,13 @@
         </p:nvSpPr>
         <p:spPr>
           <a:xfrm>
-            <a:off x="10459570" y="1466904"/>
-            <a:ext cx="1311655" cy="1864703"/>
+            <a:off x="10882679" y="1486212"/>
+            <a:ext cx="1251374" cy="1864703"/>
           </a:xfrm>
           <a:prstGeom prst="bracePair">
-            <a:avLst/>
+            <a:avLst>
+              <a:gd name="adj" fmla="val 10765"/>
+            </a:avLst>
           </a:prstGeom>
           <a:ln w="28575"/>
         </p:spPr>
@@ -11315,8 +11236,8 @@
         </p:nvSpPr>
         <p:spPr>
           <a:xfrm>
-            <a:off x="10720717" y="1509679"/>
-            <a:ext cx="883127" cy="1813766"/>
+            <a:off x="10415603" y="1506315"/>
+            <a:ext cx="1802411" cy="1813766"/>
           </a:xfrm>
           <a:prstGeom prst="rect">
             <a:avLst/>
@@ -11324,7 +11245,7 @@
           <a:noFill/>
         </p:spPr>
         <p:txBody>
-          <a:bodyPr wrap="none" rtlCol="0">
+          <a:bodyPr wrap="square" rtlCol="0">
             <a:spAutoFit/>
           </a:bodyPr>
           <a:lstStyle/>
@@ -11334,368 +11255,83 @@
                 <a:latin typeface="Times New Roman" panose="02020603050405020304" pitchFamily="18" charset="0"/>
                 <a:cs typeface="Times New Roman" panose="02020603050405020304" pitchFamily="18" charset="0"/>
               </a:rPr>
-              <a:t> A B I R T</a:t>
-            </a:r>
-          </a:p>
-          <a:p>
-            <a:endParaRPr kumimoji="1" lang="en-US" altLang="zh-CN" sz="1243" dirty="0">
+              <a:t>    </a:t>
+            </a:r>
+            <a:r>
+              <a:rPr kumimoji="1" lang="en-US" altLang="zh-CN" sz="1243" i="1" dirty="0">
+                <a:latin typeface="Times New Roman" panose="02020603050405020304" pitchFamily="18" charset="0"/>
+                <a:cs typeface="Times New Roman" panose="02020603050405020304" pitchFamily="18" charset="0"/>
+              </a:rPr>
+              <a:t>m=1      A B I R T</a:t>
+            </a:r>
+          </a:p>
+          <a:p>
+            <a:endParaRPr kumimoji="1" lang="en-US" altLang="zh-CN" sz="1243" i="1" dirty="0">
               <a:latin typeface="Times New Roman" panose="02020603050405020304" pitchFamily="18" charset="0"/>
               <a:cs typeface="Times New Roman" panose="02020603050405020304" pitchFamily="18" charset="0"/>
             </a:endParaRPr>
           </a:p>
           <a:p>
-            <a:endParaRPr kumimoji="1" lang="en-US" altLang="zh-CN" sz="1243" dirty="0">
+            <a:endParaRPr kumimoji="1" lang="en-US" altLang="zh-CN" sz="1243" i="1" dirty="0">
               <a:latin typeface="Times New Roman" panose="02020603050405020304" pitchFamily="18" charset="0"/>
               <a:cs typeface="Times New Roman" panose="02020603050405020304" pitchFamily="18" charset="0"/>
             </a:endParaRPr>
           </a:p>
           <a:p>
-            <a:endParaRPr kumimoji="1" lang="en-US" altLang="zh-CN" sz="1243" dirty="0">
+            <a:endParaRPr kumimoji="1" lang="en-US" altLang="zh-CN" sz="1243" i="1" dirty="0">
               <a:latin typeface="Times New Roman" panose="02020603050405020304" pitchFamily="18" charset="0"/>
               <a:cs typeface="Times New Roman" panose="02020603050405020304" pitchFamily="18" charset="0"/>
             </a:endParaRPr>
           </a:p>
           <a:p>
             <a:r>
-              <a:rPr kumimoji="1" lang="en-US" altLang="zh-CN" sz="1243" dirty="0">
+              <a:rPr kumimoji="1" lang="en-US" altLang="zh-CN" sz="1243" i="1" dirty="0">
                 <a:latin typeface="Times New Roman" panose="02020603050405020304" pitchFamily="18" charset="0"/>
                 <a:cs typeface="Times New Roman" panose="02020603050405020304" pitchFamily="18" charset="0"/>
               </a:rPr>
-              <a:t>A B O U T</a:t>
-            </a:r>
-          </a:p>
-          <a:p>
-            <a:endParaRPr kumimoji="1" lang="en-US" altLang="zh-CN" sz="1243" dirty="0">
+              <a:t>   m=</a:t>
+            </a:r>
+            <a:r>
+              <a:rPr kumimoji="1" lang="en-US" altLang="zh-CN" sz="1243" i="1" dirty="0" err="1">
+                <a:latin typeface="Times New Roman" panose="02020603050405020304" pitchFamily="18" charset="0"/>
+                <a:cs typeface="Times New Roman" panose="02020603050405020304" pitchFamily="18" charset="0"/>
+              </a:rPr>
+              <a:t>i</a:t>
+            </a:r>
+            <a:r>
+              <a:rPr kumimoji="1" lang="en-US" altLang="zh-CN" sz="1243" i="1" dirty="0">
+                <a:latin typeface="Times New Roman" panose="02020603050405020304" pitchFamily="18" charset="0"/>
+                <a:cs typeface="Times New Roman" panose="02020603050405020304" pitchFamily="18" charset="0"/>
+              </a:rPr>
+              <a:t>       A B O U T</a:t>
+            </a:r>
+          </a:p>
+          <a:p>
+            <a:endParaRPr kumimoji="1" lang="en-US" altLang="zh-CN" sz="1243" i="1" dirty="0">
               <a:latin typeface="Times New Roman" panose="02020603050405020304" pitchFamily="18" charset="0"/>
               <a:cs typeface="Times New Roman" panose="02020603050405020304" pitchFamily="18" charset="0"/>
             </a:endParaRPr>
           </a:p>
           <a:p>
-            <a:endParaRPr kumimoji="1" lang="en-US" altLang="zh-CN" sz="1243" dirty="0">
+            <a:endParaRPr kumimoji="1" lang="en-US" altLang="zh-CN" sz="1243" i="1" dirty="0">
               <a:latin typeface="Times New Roman" panose="02020603050405020304" pitchFamily="18" charset="0"/>
               <a:cs typeface="Times New Roman" panose="02020603050405020304" pitchFamily="18" charset="0"/>
             </a:endParaRPr>
           </a:p>
           <a:p>
-            <a:endParaRPr kumimoji="1" lang="en-US" altLang="zh-CN" sz="1243" dirty="0">
+            <a:endParaRPr kumimoji="1" lang="en-US" altLang="zh-CN" sz="1243" i="1" dirty="0">
               <a:latin typeface="Times New Roman" panose="02020603050405020304" pitchFamily="18" charset="0"/>
               <a:cs typeface="Times New Roman" panose="02020603050405020304" pitchFamily="18" charset="0"/>
             </a:endParaRPr>
           </a:p>
           <a:p>
             <a:r>
-              <a:rPr kumimoji="1" lang="en-US" altLang="zh-CN" sz="1243" dirty="0">
+              <a:rPr kumimoji="1" lang="en-US" altLang="zh-CN" sz="1243" i="1" dirty="0">
                 <a:latin typeface="Times New Roman" panose="02020603050405020304" pitchFamily="18" charset="0"/>
                 <a:cs typeface="Times New Roman" panose="02020603050405020304" pitchFamily="18" charset="0"/>
               </a:rPr>
-              <a:t>B C O F Q</a:t>
-            </a:r>
-          </a:p>
-        </p:txBody>
-      </p:sp>
-      <p:sp>
-        <p:nvSpPr>
-          <p:cNvPr id="210" name="椭圆 14">
-            <a:extLst>
-              <a:ext uri="{FF2B5EF4-FFF2-40B4-BE49-F238E27FC236}">
-                <a16:creationId xmlns:a16="http://schemas.microsoft.com/office/drawing/2014/main" id="{01257796-3E60-C348-811E-18D7370FA609}"/>
-              </a:ext>
-            </a:extLst>
-          </p:cNvPr>
-          <p:cNvSpPr/>
-          <p:nvPr/>
-        </p:nvSpPr>
-        <p:spPr>
-          <a:xfrm rot="5030305" flipH="1">
-            <a:off x="11118935" y="1904542"/>
-            <a:ext cx="32862" cy="31567"/>
-          </a:xfrm>
-          <a:prstGeom prst="ellipse">
-            <a:avLst/>
-          </a:prstGeom>
-        </p:spPr>
-        <p:style>
-          <a:lnRef idx="2">
-            <a:schemeClr val="dk1">
-              <a:shade val="50000"/>
-            </a:schemeClr>
-          </a:lnRef>
-          <a:fillRef idx="1">
-            <a:schemeClr val="dk1"/>
-          </a:fillRef>
-          <a:effectRef idx="0">
-            <a:schemeClr val="dk1"/>
-          </a:effectRef>
-          <a:fontRef idx="minor">
-            <a:schemeClr val="lt1"/>
-          </a:fontRef>
-        </p:style>
-        <p:txBody>
-          <a:bodyPr rot="0" spcFirstLastPara="0" vertOverflow="overflow" horzOverflow="overflow" vert="horz" wrap="square" lIns="61739" tIns="30869" rIns="61739" bIns="30869" numCol="1" spcCol="0" rtlCol="0" fromWordArt="0" anchor="ctr" anchorCtr="0" forceAA="0" compatLnSpc="1">
-            <a:noAutofit/>
-          </a:bodyPr>
-          <a:lstStyle/>
-          <a:p>
-            <a:pPr algn="ctr"/>
-            <a:endParaRPr kumimoji="1" lang="zh-CN" altLang="en-US" sz="269">
-              <a:latin typeface="Times New Roman" panose="02020603050405020304" pitchFamily="18" charset="0"/>
-              <a:cs typeface="Times New Roman" panose="02020603050405020304" pitchFamily="18" charset="0"/>
-            </a:endParaRPr>
-          </a:p>
-        </p:txBody>
-      </p:sp>
-      <p:sp>
-        <p:nvSpPr>
-          <p:cNvPr id="212" name="椭圆 14">
-            <a:extLst>
-              <a:ext uri="{FF2B5EF4-FFF2-40B4-BE49-F238E27FC236}">
-                <a16:creationId xmlns:a16="http://schemas.microsoft.com/office/drawing/2014/main" id="{2DEDC275-BAE8-AC4B-95D0-C85538F70499}"/>
-              </a:ext>
-            </a:extLst>
-          </p:cNvPr>
-          <p:cNvSpPr/>
-          <p:nvPr/>
-        </p:nvSpPr>
-        <p:spPr>
-          <a:xfrm rot="5030305" flipH="1">
-            <a:off x="11118935" y="1994110"/>
-            <a:ext cx="32862" cy="31567"/>
-          </a:xfrm>
-          <a:prstGeom prst="ellipse">
-            <a:avLst/>
-          </a:prstGeom>
-        </p:spPr>
-        <p:style>
-          <a:lnRef idx="2">
-            <a:schemeClr val="dk1">
-              <a:shade val="50000"/>
-            </a:schemeClr>
-          </a:lnRef>
-          <a:fillRef idx="1">
-            <a:schemeClr val="dk1"/>
-          </a:fillRef>
-          <a:effectRef idx="0">
-            <a:schemeClr val="dk1"/>
-          </a:effectRef>
-          <a:fontRef idx="minor">
-            <a:schemeClr val="lt1"/>
-          </a:fontRef>
-        </p:style>
-        <p:txBody>
-          <a:bodyPr rot="0" spcFirstLastPara="0" vertOverflow="overflow" horzOverflow="overflow" vert="horz" wrap="square" lIns="61739" tIns="30869" rIns="61739" bIns="30869" numCol="1" spcCol="0" rtlCol="0" fromWordArt="0" anchor="ctr" anchorCtr="0" forceAA="0" compatLnSpc="1">
-            <a:noAutofit/>
-          </a:bodyPr>
-          <a:lstStyle/>
-          <a:p>
-            <a:pPr algn="ctr"/>
-            <a:endParaRPr kumimoji="1" lang="zh-CN" altLang="en-US" sz="269">
-              <a:latin typeface="Times New Roman" panose="02020603050405020304" pitchFamily="18" charset="0"/>
-              <a:cs typeface="Times New Roman" panose="02020603050405020304" pitchFamily="18" charset="0"/>
-            </a:endParaRPr>
-          </a:p>
-        </p:txBody>
-      </p:sp>
-      <p:sp>
-        <p:nvSpPr>
-          <p:cNvPr id="216" name="椭圆 14">
-            <a:extLst>
-              <a:ext uri="{FF2B5EF4-FFF2-40B4-BE49-F238E27FC236}">
-                <a16:creationId xmlns:a16="http://schemas.microsoft.com/office/drawing/2014/main" id="{705A9347-BE95-8349-AD20-C6C83156253E}"/>
-              </a:ext>
-            </a:extLst>
-          </p:cNvPr>
-          <p:cNvSpPr/>
-          <p:nvPr/>
-        </p:nvSpPr>
-        <p:spPr>
-          <a:xfrm rot="5030305" flipH="1">
-            <a:off x="11118935" y="2090135"/>
-            <a:ext cx="32862" cy="31567"/>
-          </a:xfrm>
-          <a:prstGeom prst="ellipse">
-            <a:avLst/>
-          </a:prstGeom>
-        </p:spPr>
-        <p:style>
-          <a:lnRef idx="2">
-            <a:schemeClr val="dk1">
-              <a:shade val="50000"/>
-            </a:schemeClr>
-          </a:lnRef>
-          <a:fillRef idx="1">
-            <a:schemeClr val="dk1"/>
-          </a:fillRef>
-          <a:effectRef idx="0">
-            <a:schemeClr val="dk1"/>
-          </a:effectRef>
-          <a:fontRef idx="minor">
-            <a:schemeClr val="lt1"/>
-          </a:fontRef>
-        </p:style>
-        <p:txBody>
-          <a:bodyPr rot="0" spcFirstLastPara="0" vertOverflow="overflow" horzOverflow="overflow" vert="horz" wrap="square" lIns="61739" tIns="30869" rIns="61739" bIns="30869" numCol="1" spcCol="0" rtlCol="0" fromWordArt="0" anchor="ctr" anchorCtr="0" forceAA="0" compatLnSpc="1">
-            <a:noAutofit/>
-          </a:bodyPr>
-          <a:lstStyle/>
-          <a:p>
-            <a:pPr algn="ctr"/>
-            <a:endParaRPr kumimoji="1" lang="zh-CN" altLang="en-US" sz="269">
-              <a:latin typeface="Times New Roman" panose="02020603050405020304" pitchFamily="18" charset="0"/>
-              <a:cs typeface="Times New Roman" panose="02020603050405020304" pitchFamily="18" charset="0"/>
-            </a:endParaRPr>
-          </a:p>
-        </p:txBody>
-      </p:sp>
-      <p:sp>
-        <p:nvSpPr>
-          <p:cNvPr id="226" name="椭圆 14">
-            <a:extLst>
-              <a:ext uri="{FF2B5EF4-FFF2-40B4-BE49-F238E27FC236}">
-                <a16:creationId xmlns:a16="http://schemas.microsoft.com/office/drawing/2014/main" id="{480A3DE0-CECF-1845-A8B4-BDDAD8910C1C}"/>
-              </a:ext>
-            </a:extLst>
-          </p:cNvPr>
-          <p:cNvSpPr/>
-          <p:nvPr/>
-        </p:nvSpPr>
-        <p:spPr>
-          <a:xfrm rot="5030305" flipH="1">
-            <a:off x="11118711" y="2686425"/>
-            <a:ext cx="31567" cy="31567"/>
-          </a:xfrm>
-          <a:prstGeom prst="ellipse">
-            <a:avLst/>
-          </a:prstGeom>
-        </p:spPr>
-        <p:style>
-          <a:lnRef idx="2">
-            <a:schemeClr val="dk1">
-              <a:shade val="50000"/>
-            </a:schemeClr>
-          </a:lnRef>
-          <a:fillRef idx="1">
-            <a:schemeClr val="dk1"/>
-          </a:fillRef>
-          <a:effectRef idx="0">
-            <a:schemeClr val="dk1"/>
-          </a:effectRef>
-          <a:fontRef idx="minor">
-            <a:schemeClr val="lt1"/>
-          </a:fontRef>
-        </p:style>
-        <p:txBody>
-          <a:bodyPr rot="0" spcFirstLastPara="0" vertOverflow="overflow" horzOverflow="overflow" vert="horz" wrap="square" lIns="61739" tIns="30869" rIns="61739" bIns="30869" numCol="1" spcCol="0" rtlCol="0" fromWordArt="0" anchor="ctr" anchorCtr="0" forceAA="0" compatLnSpc="1">
-            <a:noAutofit/>
-          </a:bodyPr>
-          <a:lstStyle/>
-          <a:p>
-            <a:pPr algn="ctr"/>
-            <a:endParaRPr kumimoji="1" lang="zh-CN" altLang="en-US" sz="269">
-              <a:latin typeface="Times New Roman" panose="02020603050405020304" pitchFamily="18" charset="0"/>
-              <a:cs typeface="Times New Roman" panose="02020603050405020304" pitchFamily="18" charset="0"/>
-            </a:endParaRPr>
-          </a:p>
-        </p:txBody>
-      </p:sp>
-      <p:sp>
-        <p:nvSpPr>
-          <p:cNvPr id="227" name="椭圆 14">
-            <a:extLst>
-              <a:ext uri="{FF2B5EF4-FFF2-40B4-BE49-F238E27FC236}">
-                <a16:creationId xmlns:a16="http://schemas.microsoft.com/office/drawing/2014/main" id="{93B0189C-74C5-1640-A992-ED84DF2C35C8}"/>
-              </a:ext>
-            </a:extLst>
-          </p:cNvPr>
-          <p:cNvSpPr/>
-          <p:nvPr/>
-        </p:nvSpPr>
-        <p:spPr>
-          <a:xfrm rot="5030305" flipH="1">
-            <a:off x="11118711" y="2775993"/>
-            <a:ext cx="31567" cy="31567"/>
-          </a:xfrm>
-          <a:prstGeom prst="ellipse">
-            <a:avLst/>
-          </a:prstGeom>
-        </p:spPr>
-        <p:style>
-          <a:lnRef idx="2">
-            <a:schemeClr val="dk1">
-              <a:shade val="50000"/>
-            </a:schemeClr>
-          </a:lnRef>
-          <a:fillRef idx="1">
-            <a:schemeClr val="dk1"/>
-          </a:fillRef>
-          <a:effectRef idx="0">
-            <a:schemeClr val="dk1"/>
-          </a:effectRef>
-          <a:fontRef idx="minor">
-            <a:schemeClr val="lt1"/>
-          </a:fontRef>
-        </p:style>
-        <p:txBody>
-          <a:bodyPr rot="0" spcFirstLastPara="0" vertOverflow="overflow" horzOverflow="overflow" vert="horz" wrap="square" lIns="61739" tIns="30869" rIns="61739" bIns="30869" numCol="1" spcCol="0" rtlCol="0" fromWordArt="0" anchor="ctr" anchorCtr="0" forceAA="0" compatLnSpc="1">
-            <a:noAutofit/>
-          </a:bodyPr>
-          <a:lstStyle/>
-          <a:p>
-            <a:pPr algn="ctr"/>
-            <a:endParaRPr kumimoji="1" lang="zh-CN" altLang="en-US" sz="269">
-              <a:latin typeface="Times New Roman" panose="02020603050405020304" pitchFamily="18" charset="0"/>
-              <a:cs typeface="Times New Roman" panose="02020603050405020304" pitchFamily="18" charset="0"/>
-            </a:endParaRPr>
-          </a:p>
-        </p:txBody>
-      </p:sp>
-      <p:sp>
-        <p:nvSpPr>
-          <p:cNvPr id="228" name="椭圆 14">
-            <a:extLst>
-              <a:ext uri="{FF2B5EF4-FFF2-40B4-BE49-F238E27FC236}">
-                <a16:creationId xmlns:a16="http://schemas.microsoft.com/office/drawing/2014/main" id="{D5F81829-95A8-C345-82BA-FDD0ECAC30F6}"/>
-              </a:ext>
-            </a:extLst>
-          </p:cNvPr>
-          <p:cNvSpPr/>
-          <p:nvPr/>
-        </p:nvSpPr>
-        <p:spPr>
-          <a:xfrm rot="5030305" flipH="1">
-            <a:off x="11118711" y="2872019"/>
-            <a:ext cx="31567" cy="31567"/>
-          </a:xfrm>
-          <a:prstGeom prst="ellipse">
-            <a:avLst/>
-          </a:prstGeom>
-        </p:spPr>
-        <p:style>
-          <a:lnRef idx="2">
-            <a:schemeClr val="dk1">
-              <a:shade val="50000"/>
-            </a:schemeClr>
-          </a:lnRef>
-          <a:fillRef idx="1">
-            <a:schemeClr val="dk1"/>
-          </a:fillRef>
-          <a:effectRef idx="0">
-            <a:schemeClr val="dk1"/>
-          </a:effectRef>
-          <a:fontRef idx="minor">
-            <a:schemeClr val="lt1"/>
-          </a:fontRef>
-        </p:style>
-        <p:txBody>
-          <a:bodyPr rot="0" spcFirstLastPara="0" vertOverflow="overflow" horzOverflow="overflow" vert="horz" wrap="square" lIns="61739" tIns="30869" rIns="61739" bIns="30869" numCol="1" spcCol="0" rtlCol="0" fromWordArt="0" anchor="ctr" anchorCtr="0" forceAA="0" compatLnSpc="1">
-            <a:noAutofit/>
-          </a:bodyPr>
-          <a:lstStyle/>
-          <a:p>
-            <a:pPr algn="ctr"/>
-            <a:endParaRPr kumimoji="1" lang="zh-CN" altLang="en-US" sz="269">
-              <a:latin typeface="Times New Roman" panose="02020603050405020304" pitchFamily="18" charset="0"/>
-              <a:cs typeface="Times New Roman" panose="02020603050405020304" pitchFamily="18" charset="0"/>
-            </a:endParaRPr>
+              <a:t>   m=M     B C O F Q</a:t>
+            </a:r>
           </a:p>
         </p:txBody>
       </p:sp>
@@ -11886,6 +11522,312 @@
           </a:fontRef>
         </p:style>
       </p:cxnSp>
+      <p:sp>
+        <p:nvSpPr>
+          <p:cNvPr id="250" name="椭圆 14">
+            <a:extLst>
+              <a:ext uri="{FF2B5EF4-FFF2-40B4-BE49-F238E27FC236}">
+                <a16:creationId xmlns:a16="http://schemas.microsoft.com/office/drawing/2014/main" id="{A63130DA-0A68-A546-A42A-018518130A2B}"/>
+              </a:ext>
+            </a:extLst>
+          </p:cNvPr>
+          <p:cNvSpPr/>
+          <p:nvPr/>
+        </p:nvSpPr>
+        <p:spPr>
+          <a:xfrm rot="5030305" flipH="1">
+            <a:off x="11474995" y="2691709"/>
+            <a:ext cx="30868" cy="30868"/>
+          </a:xfrm>
+          <a:prstGeom prst="ellipse">
+            <a:avLst/>
+          </a:prstGeom>
+        </p:spPr>
+        <p:style>
+          <a:lnRef idx="2">
+            <a:schemeClr val="dk1">
+              <a:shade val="50000"/>
+            </a:schemeClr>
+          </a:lnRef>
+          <a:fillRef idx="1">
+            <a:schemeClr val="dk1"/>
+          </a:fillRef>
+          <a:effectRef idx="0">
+            <a:schemeClr val="dk1"/>
+          </a:effectRef>
+          <a:fontRef idx="minor">
+            <a:schemeClr val="lt1"/>
+          </a:fontRef>
+        </p:style>
+        <p:txBody>
+          <a:bodyPr rot="0" spcFirstLastPara="0" vertOverflow="overflow" horzOverflow="overflow" vert="horz" wrap="square" lIns="61739" tIns="30869" rIns="61739" bIns="30869" numCol="1" spcCol="0" rtlCol="0" fromWordArt="0" anchor="ctr" anchorCtr="0" forceAA="0" compatLnSpc="1">
+            <a:noAutofit/>
+          </a:bodyPr>
+          <a:lstStyle/>
+          <a:p>
+            <a:pPr algn="ctr"/>
+            <a:endParaRPr kumimoji="1" lang="zh-CN" altLang="en-US" sz="269">
+              <a:latin typeface="Times New Roman" panose="02020603050405020304" pitchFamily="18" charset="0"/>
+              <a:cs typeface="Times New Roman" panose="02020603050405020304" pitchFamily="18" charset="0"/>
+            </a:endParaRPr>
+          </a:p>
+        </p:txBody>
+      </p:sp>
+      <p:sp>
+        <p:nvSpPr>
+          <p:cNvPr id="251" name="椭圆 14">
+            <a:extLst>
+              <a:ext uri="{FF2B5EF4-FFF2-40B4-BE49-F238E27FC236}">
+                <a16:creationId xmlns:a16="http://schemas.microsoft.com/office/drawing/2014/main" id="{4ECD8B2C-2A1F-7C44-802B-9320AA933A4C}"/>
+              </a:ext>
+            </a:extLst>
+          </p:cNvPr>
+          <p:cNvSpPr/>
+          <p:nvPr/>
+        </p:nvSpPr>
+        <p:spPr>
+          <a:xfrm rot="5030305" flipH="1">
+            <a:off x="11474995" y="2781277"/>
+            <a:ext cx="30868" cy="30868"/>
+          </a:xfrm>
+          <a:prstGeom prst="ellipse">
+            <a:avLst/>
+          </a:prstGeom>
+        </p:spPr>
+        <p:style>
+          <a:lnRef idx="2">
+            <a:schemeClr val="dk1">
+              <a:shade val="50000"/>
+            </a:schemeClr>
+          </a:lnRef>
+          <a:fillRef idx="1">
+            <a:schemeClr val="dk1"/>
+          </a:fillRef>
+          <a:effectRef idx="0">
+            <a:schemeClr val="dk1"/>
+          </a:effectRef>
+          <a:fontRef idx="minor">
+            <a:schemeClr val="lt1"/>
+          </a:fontRef>
+        </p:style>
+        <p:txBody>
+          <a:bodyPr rot="0" spcFirstLastPara="0" vertOverflow="overflow" horzOverflow="overflow" vert="horz" wrap="square" lIns="61739" tIns="30869" rIns="61739" bIns="30869" numCol="1" spcCol="0" rtlCol="0" fromWordArt="0" anchor="ctr" anchorCtr="0" forceAA="0" compatLnSpc="1">
+            <a:noAutofit/>
+          </a:bodyPr>
+          <a:lstStyle/>
+          <a:p>
+            <a:pPr algn="ctr"/>
+            <a:endParaRPr kumimoji="1" lang="zh-CN" altLang="en-US" sz="269">
+              <a:latin typeface="Times New Roman" panose="02020603050405020304" pitchFamily="18" charset="0"/>
+              <a:cs typeface="Times New Roman" panose="02020603050405020304" pitchFamily="18" charset="0"/>
+            </a:endParaRPr>
+          </a:p>
+        </p:txBody>
+      </p:sp>
+      <p:sp>
+        <p:nvSpPr>
+          <p:cNvPr id="252" name="椭圆 14">
+            <a:extLst>
+              <a:ext uri="{FF2B5EF4-FFF2-40B4-BE49-F238E27FC236}">
+                <a16:creationId xmlns:a16="http://schemas.microsoft.com/office/drawing/2014/main" id="{12333D3F-0171-3144-ACC9-525FB19F8569}"/>
+              </a:ext>
+            </a:extLst>
+          </p:cNvPr>
+          <p:cNvSpPr/>
+          <p:nvPr/>
+        </p:nvSpPr>
+        <p:spPr>
+          <a:xfrm rot="5030305" flipH="1">
+            <a:off x="11474995" y="2887387"/>
+            <a:ext cx="30868" cy="30868"/>
+          </a:xfrm>
+          <a:prstGeom prst="ellipse">
+            <a:avLst/>
+          </a:prstGeom>
+        </p:spPr>
+        <p:style>
+          <a:lnRef idx="2">
+            <a:schemeClr val="dk1">
+              <a:shade val="50000"/>
+            </a:schemeClr>
+          </a:lnRef>
+          <a:fillRef idx="1">
+            <a:schemeClr val="dk1"/>
+          </a:fillRef>
+          <a:effectRef idx="0">
+            <a:schemeClr val="dk1"/>
+          </a:effectRef>
+          <a:fontRef idx="minor">
+            <a:schemeClr val="lt1"/>
+          </a:fontRef>
+        </p:style>
+        <p:txBody>
+          <a:bodyPr rot="0" spcFirstLastPara="0" vertOverflow="overflow" horzOverflow="overflow" vert="horz" wrap="square" lIns="61739" tIns="30869" rIns="61739" bIns="30869" numCol="1" spcCol="0" rtlCol="0" fromWordArt="0" anchor="ctr" anchorCtr="0" forceAA="0" compatLnSpc="1">
+            <a:noAutofit/>
+          </a:bodyPr>
+          <a:lstStyle/>
+          <a:p>
+            <a:pPr algn="ctr"/>
+            <a:endParaRPr kumimoji="1" lang="zh-CN" altLang="en-US" sz="269">
+              <a:latin typeface="Times New Roman" panose="02020603050405020304" pitchFamily="18" charset="0"/>
+              <a:cs typeface="Times New Roman" panose="02020603050405020304" pitchFamily="18" charset="0"/>
+            </a:endParaRPr>
+          </a:p>
+        </p:txBody>
+      </p:sp>
+      <p:sp>
+        <p:nvSpPr>
+          <p:cNvPr id="253" name="椭圆 14">
+            <a:extLst>
+              <a:ext uri="{FF2B5EF4-FFF2-40B4-BE49-F238E27FC236}">
+                <a16:creationId xmlns:a16="http://schemas.microsoft.com/office/drawing/2014/main" id="{26528013-16BC-984F-BADE-8B58F194FF7A}"/>
+              </a:ext>
+            </a:extLst>
+          </p:cNvPr>
+          <p:cNvSpPr/>
+          <p:nvPr/>
+        </p:nvSpPr>
+        <p:spPr>
+          <a:xfrm rot="5030305" flipH="1">
+            <a:off x="11467730" y="1911287"/>
+            <a:ext cx="30868" cy="30868"/>
+          </a:xfrm>
+          <a:prstGeom prst="ellipse">
+            <a:avLst/>
+          </a:prstGeom>
+        </p:spPr>
+        <p:style>
+          <a:lnRef idx="2">
+            <a:schemeClr val="dk1">
+              <a:shade val="50000"/>
+            </a:schemeClr>
+          </a:lnRef>
+          <a:fillRef idx="1">
+            <a:schemeClr val="dk1"/>
+          </a:fillRef>
+          <a:effectRef idx="0">
+            <a:schemeClr val="dk1"/>
+          </a:effectRef>
+          <a:fontRef idx="minor">
+            <a:schemeClr val="lt1"/>
+          </a:fontRef>
+        </p:style>
+        <p:txBody>
+          <a:bodyPr rot="0" spcFirstLastPara="0" vertOverflow="overflow" horzOverflow="overflow" vert="horz" wrap="square" lIns="61739" tIns="30869" rIns="61739" bIns="30869" numCol="1" spcCol="0" rtlCol="0" fromWordArt="0" anchor="ctr" anchorCtr="0" forceAA="0" compatLnSpc="1">
+            <a:noAutofit/>
+          </a:bodyPr>
+          <a:lstStyle/>
+          <a:p>
+            <a:pPr algn="ctr"/>
+            <a:endParaRPr kumimoji="1" lang="zh-CN" altLang="en-US" sz="269">
+              <a:latin typeface="Times New Roman" panose="02020603050405020304" pitchFamily="18" charset="0"/>
+              <a:cs typeface="Times New Roman" panose="02020603050405020304" pitchFamily="18" charset="0"/>
+            </a:endParaRPr>
+          </a:p>
+        </p:txBody>
+      </p:sp>
+      <p:sp>
+        <p:nvSpPr>
+          <p:cNvPr id="254" name="椭圆 14">
+            <a:extLst>
+              <a:ext uri="{FF2B5EF4-FFF2-40B4-BE49-F238E27FC236}">
+                <a16:creationId xmlns:a16="http://schemas.microsoft.com/office/drawing/2014/main" id="{CA8CB357-1BC2-3547-9126-941009F82A8B}"/>
+              </a:ext>
+            </a:extLst>
+          </p:cNvPr>
+          <p:cNvSpPr/>
+          <p:nvPr/>
+        </p:nvSpPr>
+        <p:spPr>
+          <a:xfrm rot="5030305" flipH="1">
+            <a:off x="11467730" y="2000855"/>
+            <a:ext cx="30868" cy="30868"/>
+          </a:xfrm>
+          <a:prstGeom prst="ellipse">
+            <a:avLst/>
+          </a:prstGeom>
+        </p:spPr>
+        <p:style>
+          <a:lnRef idx="2">
+            <a:schemeClr val="dk1">
+              <a:shade val="50000"/>
+            </a:schemeClr>
+          </a:lnRef>
+          <a:fillRef idx="1">
+            <a:schemeClr val="dk1"/>
+          </a:fillRef>
+          <a:effectRef idx="0">
+            <a:schemeClr val="dk1"/>
+          </a:effectRef>
+          <a:fontRef idx="minor">
+            <a:schemeClr val="lt1"/>
+          </a:fontRef>
+        </p:style>
+        <p:txBody>
+          <a:bodyPr rot="0" spcFirstLastPara="0" vertOverflow="overflow" horzOverflow="overflow" vert="horz" wrap="square" lIns="61739" tIns="30869" rIns="61739" bIns="30869" numCol="1" spcCol="0" rtlCol="0" fromWordArt="0" anchor="ctr" anchorCtr="0" forceAA="0" compatLnSpc="1">
+            <a:noAutofit/>
+          </a:bodyPr>
+          <a:lstStyle/>
+          <a:p>
+            <a:pPr algn="ctr"/>
+            <a:endParaRPr kumimoji="1" lang="zh-CN" altLang="en-US" sz="269">
+              <a:latin typeface="Times New Roman" panose="02020603050405020304" pitchFamily="18" charset="0"/>
+              <a:cs typeface="Times New Roman" panose="02020603050405020304" pitchFamily="18" charset="0"/>
+            </a:endParaRPr>
+          </a:p>
+        </p:txBody>
+      </p:sp>
+      <p:sp>
+        <p:nvSpPr>
+          <p:cNvPr id="255" name="椭圆 14">
+            <a:extLst>
+              <a:ext uri="{FF2B5EF4-FFF2-40B4-BE49-F238E27FC236}">
+                <a16:creationId xmlns:a16="http://schemas.microsoft.com/office/drawing/2014/main" id="{E9929107-F2C4-3847-8542-3CF891FFA5E9}"/>
+              </a:ext>
+            </a:extLst>
+          </p:cNvPr>
+          <p:cNvSpPr/>
+          <p:nvPr/>
+        </p:nvSpPr>
+        <p:spPr>
+          <a:xfrm rot="5030305" flipH="1">
+            <a:off x="11467730" y="2106965"/>
+            <a:ext cx="30868" cy="30868"/>
+          </a:xfrm>
+          <a:prstGeom prst="ellipse">
+            <a:avLst/>
+          </a:prstGeom>
+        </p:spPr>
+        <p:style>
+          <a:lnRef idx="2">
+            <a:schemeClr val="dk1">
+              <a:shade val="50000"/>
+            </a:schemeClr>
+          </a:lnRef>
+          <a:fillRef idx="1">
+            <a:schemeClr val="dk1"/>
+          </a:fillRef>
+          <a:effectRef idx="0">
+            <a:schemeClr val="dk1"/>
+          </a:effectRef>
+          <a:fontRef idx="minor">
+            <a:schemeClr val="lt1"/>
+          </a:fontRef>
+        </p:style>
+        <p:txBody>
+          <a:bodyPr rot="0" spcFirstLastPara="0" vertOverflow="overflow" horzOverflow="overflow" vert="horz" wrap="square" lIns="61739" tIns="30869" rIns="61739" bIns="30869" numCol="1" spcCol="0" rtlCol="0" fromWordArt="0" anchor="ctr" anchorCtr="0" forceAA="0" compatLnSpc="1">
+            <a:noAutofit/>
+          </a:bodyPr>
+          <a:lstStyle/>
+          <a:p>
+            <a:pPr algn="ctr"/>
+            <a:endParaRPr kumimoji="1" lang="zh-CN" altLang="en-US" sz="269">
+              <a:latin typeface="Times New Roman" panose="02020603050405020304" pitchFamily="18" charset="0"/>
+              <a:cs typeface="Times New Roman" panose="02020603050405020304" pitchFamily="18" charset="0"/>
+            </a:endParaRPr>
+          </a:p>
+        </p:txBody>
+      </p:sp>
     </p:spTree>
     <p:extLst>
       <p:ext uri="{BB962C8B-B14F-4D97-AF65-F5344CB8AC3E}">

--- a/decoder.pptx
+++ b/decoder.pptx
@@ -2,7 +2,7 @@
 <file path=ppt/presentation.xml><?xml version="1.0" encoding="utf-8"?>
 <p:presentation xmlns:a="http://schemas.openxmlformats.org/drawingml/2006/main" xmlns:r="http://schemas.openxmlformats.org/officeDocument/2006/relationships" xmlns:p="http://schemas.openxmlformats.org/presentationml/2006/main" saveSubsetFonts="1" autoCompressPictures="0">
   <p:sldMasterIdLst>
-    <p:sldMasterId id="2147483672" r:id="rId1"/>
+    <p:sldMasterId id="2147483708" r:id="rId1"/>
   </p:sldMasterIdLst>
   <p:notesMasterIdLst>
     <p:notesMasterId r:id="rId3"/>
@@ -10,7 +10,7 @@
   <p:sldIdLst>
     <p:sldId id="261" r:id="rId2"/>
   </p:sldIdLst>
-  <p:sldSz cx="12192000" cy="4625975"/>
+  <p:sldSz cx="13234988" cy="4662488"/>
   <p:notesSz cx="6858000" cy="9144000"/>
   <p:defaultTextStyle>
     <a:defPPr>
@@ -210,8 +210,8 @@
         </p:nvSpPr>
         <p:spPr>
           <a:xfrm>
-            <a:off x="-636588" y="1143000"/>
-            <a:ext cx="8131176" cy="3086100"/>
+            <a:off x="-950913" y="1143000"/>
+            <a:ext cx="8759826" cy="3086100"/>
           </a:xfrm>
           <a:prstGeom prst="rect">
             <a:avLst/>
@@ -488,8 +488,8 @@
         </p:nvSpPr>
         <p:spPr>
           <a:xfrm>
-            <a:off x="-998538" y="1279525"/>
-            <a:ext cx="9101138" cy="3454400"/>
+            <a:off x="-1349375" y="1279525"/>
+            <a:ext cx="9802813" cy="3454400"/>
           </a:xfrm>
         </p:spPr>
       </p:sp>
@@ -554,15 +554,15 @@
         </p:nvSpPr>
         <p:spPr>
           <a:xfrm>
-            <a:off x="1524000" y="757075"/>
-            <a:ext cx="9144000" cy="1610525"/>
+            <a:off x="1654374" y="763051"/>
+            <a:ext cx="9926241" cy="1623237"/>
           </a:xfrm>
         </p:spPr>
         <p:txBody>
           <a:bodyPr anchor="b"/>
           <a:lstStyle>
             <a:lvl1pPr algn="ctr">
-              <a:defRPr sz="4047"/>
+              <a:defRPr sz="4079"/>
             </a:lvl1pPr>
           </a:lstStyle>
           <a:p>
@@ -586,8 +586,8 @@
         </p:nvSpPr>
         <p:spPr>
           <a:xfrm>
-            <a:off x="1524000" y="2429708"/>
-            <a:ext cx="9144000" cy="1116873"/>
+            <a:off x="1654374" y="2448886"/>
+            <a:ext cx="9926241" cy="1125688"/>
           </a:xfrm>
         </p:spPr>
         <p:txBody>
@@ -595,39 +595,39 @@
           <a:lstStyle>
             <a:lvl1pPr marL="0" indent="0" algn="ctr">
               <a:buNone/>
-              <a:defRPr sz="1619"/>
+              <a:defRPr sz="1632"/>
             </a:lvl1pPr>
-            <a:lvl2pPr marL="308381" indent="0" algn="ctr">
+            <a:lvl2pPr marL="310850" indent="0" algn="ctr">
               <a:buNone/>
-              <a:defRPr sz="1349"/>
+              <a:defRPr sz="1360"/>
             </a:lvl2pPr>
-            <a:lvl3pPr marL="616763" indent="0" algn="ctr">
+            <a:lvl3pPr marL="621701" indent="0" algn="ctr">
               <a:buNone/>
-              <a:defRPr sz="1214"/>
+              <a:defRPr sz="1224"/>
             </a:lvl3pPr>
-            <a:lvl4pPr marL="925144" indent="0" algn="ctr">
+            <a:lvl4pPr marL="932551" indent="0" algn="ctr">
               <a:buNone/>
-              <a:defRPr sz="1079"/>
+              <a:defRPr sz="1088"/>
             </a:lvl4pPr>
-            <a:lvl5pPr marL="1233526" indent="0" algn="ctr">
+            <a:lvl5pPr marL="1243401" indent="0" algn="ctr">
               <a:buNone/>
-              <a:defRPr sz="1079"/>
+              <a:defRPr sz="1088"/>
             </a:lvl5pPr>
-            <a:lvl6pPr marL="1541907" indent="0" algn="ctr">
+            <a:lvl6pPr marL="1554251" indent="0" algn="ctr">
               <a:buNone/>
-              <a:defRPr sz="1079"/>
+              <a:defRPr sz="1088"/>
             </a:lvl6pPr>
-            <a:lvl7pPr marL="1850288" indent="0" algn="ctr">
+            <a:lvl7pPr marL="1865102" indent="0" algn="ctr">
               <a:buNone/>
-              <a:defRPr sz="1079"/>
+              <a:defRPr sz="1088"/>
             </a:lvl7pPr>
-            <a:lvl8pPr marL="2158670" indent="0" algn="ctr">
+            <a:lvl8pPr marL="2175952" indent="0" algn="ctr">
               <a:buNone/>
-              <a:defRPr sz="1079"/>
+              <a:defRPr sz="1088"/>
             </a:lvl8pPr>
-            <a:lvl9pPr marL="2467051" indent="0" algn="ctr">
+            <a:lvl9pPr marL="2486802" indent="0" algn="ctr">
               <a:buNone/>
-              <a:defRPr sz="1079"/>
+              <a:defRPr sz="1088"/>
             </a:lvl9pPr>
           </a:lstStyle>
           <a:p>
@@ -707,7 +707,7 @@
     </p:spTree>
     <p:extLst>
       <p:ext uri="{BB962C8B-B14F-4D97-AF65-F5344CB8AC3E}">
-        <p14:creationId xmlns:p14="http://schemas.microsoft.com/office/powerpoint/2010/main" val="535276181"/>
+        <p14:creationId xmlns:p14="http://schemas.microsoft.com/office/powerpoint/2010/main" val="1330238627"/>
       </p:ext>
     </p:extLst>
   </p:cSld>
@@ -877,7 +877,7 @@
     </p:spTree>
     <p:extLst>
       <p:ext uri="{BB962C8B-B14F-4D97-AF65-F5344CB8AC3E}">
-        <p14:creationId xmlns:p14="http://schemas.microsoft.com/office/powerpoint/2010/main" val="202161100"/>
+        <p14:creationId xmlns:p14="http://schemas.microsoft.com/office/powerpoint/2010/main" val="3498094629"/>
       </p:ext>
     </p:extLst>
   </p:cSld>
@@ -916,8 +916,8 @@
         </p:nvSpPr>
         <p:spPr>
           <a:xfrm>
-            <a:off x="8724900" y="246290"/>
-            <a:ext cx="2628900" cy="3920300"/>
+            <a:off x="9471288" y="248234"/>
+            <a:ext cx="2853794" cy="3951243"/>
           </a:xfrm>
         </p:spPr>
         <p:txBody>
@@ -944,8 +944,8 @@
         </p:nvSpPr>
         <p:spPr>
           <a:xfrm>
-            <a:off x="838200" y="246290"/>
-            <a:ext cx="7734300" cy="3920300"/>
+            <a:off x="909905" y="248234"/>
+            <a:ext cx="8395946" cy="3951243"/>
           </a:xfrm>
         </p:spPr>
         <p:txBody>
@@ -1057,7 +1057,7 @@
     </p:spTree>
     <p:extLst>
       <p:ext uri="{BB962C8B-B14F-4D97-AF65-F5344CB8AC3E}">
-        <p14:creationId xmlns:p14="http://schemas.microsoft.com/office/powerpoint/2010/main" val="2884861621"/>
+        <p14:creationId xmlns:p14="http://schemas.microsoft.com/office/powerpoint/2010/main" val="3471789996"/>
       </p:ext>
     </p:extLst>
   </p:cSld>
@@ -1227,7 +1227,7 @@
     </p:spTree>
     <p:extLst>
       <p:ext uri="{BB962C8B-B14F-4D97-AF65-F5344CB8AC3E}">
-        <p14:creationId xmlns:p14="http://schemas.microsoft.com/office/powerpoint/2010/main" val="3571483768"/>
+        <p14:creationId xmlns:p14="http://schemas.microsoft.com/office/powerpoint/2010/main" val="989951468"/>
       </p:ext>
     </p:extLst>
   </p:cSld>
@@ -1266,15 +1266,15 @@
         </p:nvSpPr>
         <p:spPr>
           <a:xfrm>
-            <a:off x="831850" y="1153282"/>
-            <a:ext cx="10515600" cy="1924277"/>
+            <a:off x="903012" y="1162385"/>
+            <a:ext cx="11415177" cy="1939465"/>
           </a:xfrm>
         </p:spPr>
         <p:txBody>
           <a:bodyPr anchor="b"/>
           <a:lstStyle>
             <a:lvl1pPr>
-              <a:defRPr sz="4047"/>
+              <a:defRPr sz="4079"/>
             </a:lvl1pPr>
           </a:lstStyle>
           <a:p>
@@ -1298,8 +1298,8 @@
         </p:nvSpPr>
         <p:spPr>
           <a:xfrm>
-            <a:off x="831850" y="3095763"/>
-            <a:ext cx="10515600" cy="1011932"/>
+            <a:off x="903012" y="3120198"/>
+            <a:ext cx="11415177" cy="1019919"/>
           </a:xfrm>
         </p:spPr>
         <p:txBody>
@@ -1307,7 +1307,7 @@
           <a:lstStyle>
             <a:lvl1pPr marL="0" indent="0">
               <a:buNone/>
-              <a:defRPr sz="1619">
+              <a:defRPr sz="1632">
                 <a:solidFill>
                   <a:schemeClr val="tx1">
                     <a:tint val="75000"/>
@@ -1315,9 +1315,9 @@
                 </a:solidFill>
               </a:defRPr>
             </a:lvl1pPr>
-            <a:lvl2pPr marL="308381" indent="0">
+            <a:lvl2pPr marL="310850" indent="0">
               <a:buNone/>
-              <a:defRPr sz="1349">
+              <a:defRPr sz="1360">
                 <a:solidFill>
                   <a:schemeClr val="tx1">
                     <a:tint val="75000"/>
@@ -1325,9 +1325,9 @@
                 </a:solidFill>
               </a:defRPr>
             </a:lvl2pPr>
-            <a:lvl3pPr marL="616763" indent="0">
+            <a:lvl3pPr marL="621701" indent="0">
               <a:buNone/>
-              <a:defRPr sz="1214">
+              <a:defRPr sz="1224">
                 <a:solidFill>
                   <a:schemeClr val="tx1">
                     <a:tint val="75000"/>
@@ -1335,9 +1335,9 @@
                 </a:solidFill>
               </a:defRPr>
             </a:lvl3pPr>
-            <a:lvl4pPr marL="925144" indent="0">
+            <a:lvl4pPr marL="932551" indent="0">
               <a:buNone/>
-              <a:defRPr sz="1079">
+              <a:defRPr sz="1088">
                 <a:solidFill>
                   <a:schemeClr val="tx1">
                     <a:tint val="75000"/>
@@ -1345,9 +1345,9 @@
                 </a:solidFill>
               </a:defRPr>
             </a:lvl4pPr>
-            <a:lvl5pPr marL="1233526" indent="0">
+            <a:lvl5pPr marL="1243401" indent="0">
               <a:buNone/>
-              <a:defRPr sz="1079">
+              <a:defRPr sz="1088">
                 <a:solidFill>
                   <a:schemeClr val="tx1">
                     <a:tint val="75000"/>
@@ -1355,9 +1355,9 @@
                 </a:solidFill>
               </a:defRPr>
             </a:lvl5pPr>
-            <a:lvl6pPr marL="1541907" indent="0">
+            <a:lvl6pPr marL="1554251" indent="0">
               <a:buNone/>
-              <a:defRPr sz="1079">
+              <a:defRPr sz="1088">
                 <a:solidFill>
                   <a:schemeClr val="tx1">
                     <a:tint val="75000"/>
@@ -1365,9 +1365,9 @@
                 </a:solidFill>
               </a:defRPr>
             </a:lvl6pPr>
-            <a:lvl7pPr marL="1850288" indent="0">
+            <a:lvl7pPr marL="1865102" indent="0">
               <a:buNone/>
-              <a:defRPr sz="1079">
+              <a:defRPr sz="1088">
                 <a:solidFill>
                   <a:schemeClr val="tx1">
                     <a:tint val="75000"/>
@@ -1375,9 +1375,9 @@
                 </a:solidFill>
               </a:defRPr>
             </a:lvl7pPr>
-            <a:lvl8pPr marL="2158670" indent="0">
+            <a:lvl8pPr marL="2175952" indent="0">
               <a:buNone/>
-              <a:defRPr sz="1079">
+              <a:defRPr sz="1088">
                 <a:solidFill>
                   <a:schemeClr val="tx1">
                     <a:tint val="75000"/>
@@ -1385,9 +1385,9 @@
                 </a:solidFill>
               </a:defRPr>
             </a:lvl8pPr>
-            <a:lvl9pPr marL="2467051" indent="0">
+            <a:lvl9pPr marL="2486802" indent="0">
               <a:buNone/>
-              <a:defRPr sz="1079">
+              <a:defRPr sz="1088">
                 <a:solidFill>
                   <a:schemeClr val="tx1">
                     <a:tint val="75000"/>
@@ -1473,7 +1473,7 @@
     </p:spTree>
     <p:extLst>
       <p:ext uri="{BB962C8B-B14F-4D97-AF65-F5344CB8AC3E}">
-        <p14:creationId xmlns:p14="http://schemas.microsoft.com/office/powerpoint/2010/main" val="3062419817"/>
+        <p14:creationId xmlns:p14="http://schemas.microsoft.com/office/powerpoint/2010/main" val="3519884641"/>
       </p:ext>
     </p:extLst>
   </p:cSld>
@@ -1535,8 +1535,8 @@
         </p:nvSpPr>
         <p:spPr>
           <a:xfrm>
-            <a:off x="838200" y="1231451"/>
-            <a:ext cx="5181600" cy="2935139"/>
+            <a:off x="909905" y="1241171"/>
+            <a:ext cx="5624870" cy="2958306"/>
           </a:xfrm>
         </p:spPr>
         <p:txBody>
@@ -1592,8 +1592,8 @@
         </p:nvSpPr>
         <p:spPr>
           <a:xfrm>
-            <a:off x="6172200" y="1231451"/>
-            <a:ext cx="5181600" cy="2935139"/>
+            <a:off x="6700213" y="1241171"/>
+            <a:ext cx="5624870" cy="2958306"/>
           </a:xfrm>
         </p:spPr>
         <p:txBody>
@@ -1705,7 +1705,7 @@
     </p:spTree>
     <p:extLst>
       <p:ext uri="{BB962C8B-B14F-4D97-AF65-F5344CB8AC3E}">
-        <p14:creationId xmlns:p14="http://schemas.microsoft.com/office/powerpoint/2010/main" val="468257159"/>
+        <p14:creationId xmlns:p14="http://schemas.microsoft.com/office/powerpoint/2010/main" val="518184124"/>
       </p:ext>
     </p:extLst>
   </p:cSld>
@@ -1744,8 +1744,8 @@
         </p:nvSpPr>
         <p:spPr>
           <a:xfrm>
-            <a:off x="839788" y="246291"/>
-            <a:ext cx="10515600" cy="894141"/>
+            <a:off x="911629" y="248235"/>
+            <a:ext cx="11415177" cy="901199"/>
           </a:xfrm>
         </p:spPr>
         <p:txBody>
@@ -1772,8 +1772,8 @@
         </p:nvSpPr>
         <p:spPr>
           <a:xfrm>
-            <a:off x="839789" y="1134007"/>
-            <a:ext cx="5157787" cy="555759"/>
+            <a:off x="911630" y="1142957"/>
+            <a:ext cx="5599020" cy="560146"/>
           </a:xfrm>
         </p:spPr>
         <p:txBody>
@@ -1781,39 +1781,39 @@
           <a:lstStyle>
             <a:lvl1pPr marL="0" indent="0">
               <a:buNone/>
-              <a:defRPr sz="1619" b="1"/>
+              <a:defRPr sz="1632" b="1"/>
             </a:lvl1pPr>
-            <a:lvl2pPr marL="308381" indent="0">
+            <a:lvl2pPr marL="310850" indent="0">
               <a:buNone/>
-              <a:defRPr sz="1349" b="1"/>
+              <a:defRPr sz="1360" b="1"/>
             </a:lvl2pPr>
-            <a:lvl3pPr marL="616763" indent="0">
+            <a:lvl3pPr marL="621701" indent="0">
               <a:buNone/>
-              <a:defRPr sz="1214" b="1"/>
+              <a:defRPr sz="1224" b="1"/>
             </a:lvl3pPr>
-            <a:lvl4pPr marL="925144" indent="0">
+            <a:lvl4pPr marL="932551" indent="0">
               <a:buNone/>
-              <a:defRPr sz="1079" b="1"/>
+              <a:defRPr sz="1088" b="1"/>
             </a:lvl4pPr>
-            <a:lvl5pPr marL="1233526" indent="0">
+            <a:lvl5pPr marL="1243401" indent="0">
               <a:buNone/>
-              <a:defRPr sz="1079" b="1"/>
+              <a:defRPr sz="1088" b="1"/>
             </a:lvl5pPr>
-            <a:lvl6pPr marL="1541907" indent="0">
+            <a:lvl6pPr marL="1554251" indent="0">
               <a:buNone/>
-              <a:defRPr sz="1079" b="1"/>
+              <a:defRPr sz="1088" b="1"/>
             </a:lvl6pPr>
-            <a:lvl7pPr marL="1850288" indent="0">
+            <a:lvl7pPr marL="1865102" indent="0">
               <a:buNone/>
-              <a:defRPr sz="1079" b="1"/>
+              <a:defRPr sz="1088" b="1"/>
             </a:lvl7pPr>
-            <a:lvl8pPr marL="2158670" indent="0">
+            <a:lvl8pPr marL="2175952" indent="0">
               <a:buNone/>
-              <a:defRPr sz="1079" b="1"/>
+              <a:defRPr sz="1088" b="1"/>
             </a:lvl8pPr>
-            <a:lvl9pPr marL="2467051" indent="0">
+            <a:lvl9pPr marL="2486802" indent="0">
               <a:buNone/>
-              <a:defRPr sz="1079" b="1"/>
+              <a:defRPr sz="1088" b="1"/>
             </a:lvl9pPr>
           </a:lstStyle>
           <a:p>
@@ -1837,8 +1837,8 @@
         </p:nvSpPr>
         <p:spPr>
           <a:xfrm>
-            <a:off x="839789" y="1689766"/>
-            <a:ext cx="5157787" cy="2485391"/>
+            <a:off x="911630" y="1703103"/>
+            <a:ext cx="5599020" cy="2505008"/>
           </a:xfrm>
         </p:spPr>
         <p:txBody>
@@ -1894,8 +1894,8 @@
         </p:nvSpPr>
         <p:spPr>
           <a:xfrm>
-            <a:off x="6172200" y="1134007"/>
-            <a:ext cx="5183188" cy="555759"/>
+            <a:off x="6700213" y="1142957"/>
+            <a:ext cx="5626594" cy="560146"/>
           </a:xfrm>
         </p:spPr>
         <p:txBody>
@@ -1903,39 +1903,39 @@
           <a:lstStyle>
             <a:lvl1pPr marL="0" indent="0">
               <a:buNone/>
-              <a:defRPr sz="1619" b="1"/>
+              <a:defRPr sz="1632" b="1"/>
             </a:lvl1pPr>
-            <a:lvl2pPr marL="308381" indent="0">
+            <a:lvl2pPr marL="310850" indent="0">
               <a:buNone/>
-              <a:defRPr sz="1349" b="1"/>
+              <a:defRPr sz="1360" b="1"/>
             </a:lvl2pPr>
-            <a:lvl3pPr marL="616763" indent="0">
+            <a:lvl3pPr marL="621701" indent="0">
               <a:buNone/>
-              <a:defRPr sz="1214" b="1"/>
+              <a:defRPr sz="1224" b="1"/>
             </a:lvl3pPr>
-            <a:lvl4pPr marL="925144" indent="0">
+            <a:lvl4pPr marL="932551" indent="0">
               <a:buNone/>
-              <a:defRPr sz="1079" b="1"/>
+              <a:defRPr sz="1088" b="1"/>
             </a:lvl4pPr>
-            <a:lvl5pPr marL="1233526" indent="0">
+            <a:lvl5pPr marL="1243401" indent="0">
               <a:buNone/>
-              <a:defRPr sz="1079" b="1"/>
+              <a:defRPr sz="1088" b="1"/>
             </a:lvl5pPr>
-            <a:lvl6pPr marL="1541907" indent="0">
+            <a:lvl6pPr marL="1554251" indent="0">
               <a:buNone/>
-              <a:defRPr sz="1079" b="1"/>
+              <a:defRPr sz="1088" b="1"/>
             </a:lvl6pPr>
-            <a:lvl7pPr marL="1850288" indent="0">
+            <a:lvl7pPr marL="1865102" indent="0">
               <a:buNone/>
-              <a:defRPr sz="1079" b="1"/>
+              <a:defRPr sz="1088" b="1"/>
             </a:lvl7pPr>
-            <a:lvl8pPr marL="2158670" indent="0">
+            <a:lvl8pPr marL="2175952" indent="0">
               <a:buNone/>
-              <a:defRPr sz="1079" b="1"/>
+              <a:defRPr sz="1088" b="1"/>
             </a:lvl8pPr>
-            <a:lvl9pPr marL="2467051" indent="0">
+            <a:lvl9pPr marL="2486802" indent="0">
               <a:buNone/>
-              <a:defRPr sz="1079" b="1"/>
+              <a:defRPr sz="1088" b="1"/>
             </a:lvl9pPr>
           </a:lstStyle>
           <a:p>
@@ -1959,8 +1959,8 @@
         </p:nvSpPr>
         <p:spPr>
           <a:xfrm>
-            <a:off x="6172200" y="1689766"/>
-            <a:ext cx="5183188" cy="2485391"/>
+            <a:off x="6700213" y="1703103"/>
+            <a:ext cx="5626594" cy="2505008"/>
           </a:xfrm>
         </p:spPr>
         <p:txBody>
@@ -2072,7 +2072,7 @@
     </p:spTree>
     <p:extLst>
       <p:ext uri="{BB962C8B-B14F-4D97-AF65-F5344CB8AC3E}">
-        <p14:creationId xmlns:p14="http://schemas.microsoft.com/office/powerpoint/2010/main" val="1904357884"/>
+        <p14:creationId xmlns:p14="http://schemas.microsoft.com/office/powerpoint/2010/main" val="149172607"/>
       </p:ext>
     </p:extLst>
   </p:cSld>
@@ -2190,7 +2190,7 @@
     </p:spTree>
     <p:extLst>
       <p:ext uri="{BB962C8B-B14F-4D97-AF65-F5344CB8AC3E}">
-        <p14:creationId xmlns:p14="http://schemas.microsoft.com/office/powerpoint/2010/main" val="1094167604"/>
+        <p14:creationId xmlns:p14="http://schemas.microsoft.com/office/powerpoint/2010/main" val="658338316"/>
       </p:ext>
     </p:extLst>
   </p:cSld>
@@ -2285,7 +2285,7 @@
     </p:spTree>
     <p:extLst>
       <p:ext uri="{BB962C8B-B14F-4D97-AF65-F5344CB8AC3E}">
-        <p14:creationId xmlns:p14="http://schemas.microsoft.com/office/powerpoint/2010/main" val="3359699848"/>
+        <p14:creationId xmlns:p14="http://schemas.microsoft.com/office/powerpoint/2010/main" val="2797256539"/>
       </p:ext>
     </p:extLst>
   </p:cSld>
@@ -2324,15 +2324,15 @@
         </p:nvSpPr>
         <p:spPr>
           <a:xfrm>
-            <a:off x="839789" y="308398"/>
-            <a:ext cx="3932237" cy="1079394"/>
+            <a:off x="911630" y="310832"/>
+            <a:ext cx="4268628" cy="1087914"/>
           </a:xfrm>
         </p:spPr>
         <p:txBody>
           <a:bodyPr anchor="b"/>
           <a:lstStyle>
             <a:lvl1pPr>
-              <a:defRPr sz="2158"/>
+              <a:defRPr sz="2176"/>
             </a:lvl1pPr>
           </a:lstStyle>
           <a:p>
@@ -2356,39 +2356,39 @@
         </p:nvSpPr>
         <p:spPr>
           <a:xfrm>
-            <a:off x="5183188" y="666055"/>
-            <a:ext cx="6172200" cy="3287441"/>
+            <a:off x="5626594" y="671313"/>
+            <a:ext cx="6700213" cy="3313388"/>
           </a:xfrm>
         </p:spPr>
         <p:txBody>
           <a:bodyPr/>
           <a:lstStyle>
             <a:lvl1pPr>
-              <a:defRPr sz="2158"/>
+              <a:defRPr sz="2176"/>
             </a:lvl1pPr>
             <a:lvl2pPr>
-              <a:defRPr sz="1889"/>
+              <a:defRPr sz="1904"/>
             </a:lvl2pPr>
             <a:lvl3pPr>
-              <a:defRPr sz="1619"/>
+              <a:defRPr sz="1632"/>
             </a:lvl3pPr>
             <a:lvl4pPr>
-              <a:defRPr sz="1349"/>
+              <a:defRPr sz="1360"/>
             </a:lvl4pPr>
             <a:lvl5pPr>
-              <a:defRPr sz="1349"/>
+              <a:defRPr sz="1360"/>
             </a:lvl5pPr>
             <a:lvl6pPr>
-              <a:defRPr sz="1349"/>
+              <a:defRPr sz="1360"/>
             </a:lvl6pPr>
             <a:lvl7pPr>
-              <a:defRPr sz="1349"/>
+              <a:defRPr sz="1360"/>
             </a:lvl7pPr>
             <a:lvl8pPr>
-              <a:defRPr sz="1349"/>
+              <a:defRPr sz="1360"/>
             </a:lvl8pPr>
             <a:lvl9pPr>
-              <a:defRPr sz="1349"/>
+              <a:defRPr sz="1360"/>
             </a:lvl9pPr>
           </a:lstStyle>
           <a:p>
@@ -2441,8 +2441,8 @@
         </p:nvSpPr>
         <p:spPr>
           <a:xfrm>
-            <a:off x="839789" y="1387793"/>
-            <a:ext cx="3932237" cy="2571057"/>
+            <a:off x="911630" y="1398746"/>
+            <a:ext cx="4268628" cy="2591351"/>
           </a:xfrm>
         </p:spPr>
         <p:txBody>
@@ -2450,39 +2450,39 @@
           <a:lstStyle>
             <a:lvl1pPr marL="0" indent="0">
               <a:buNone/>
-              <a:defRPr sz="1079"/>
+              <a:defRPr sz="1088"/>
             </a:lvl1pPr>
-            <a:lvl2pPr marL="308381" indent="0">
+            <a:lvl2pPr marL="310850" indent="0">
               <a:buNone/>
-              <a:defRPr sz="944"/>
+              <a:defRPr sz="952"/>
             </a:lvl2pPr>
-            <a:lvl3pPr marL="616763" indent="0">
+            <a:lvl3pPr marL="621701" indent="0">
               <a:buNone/>
-              <a:defRPr sz="809"/>
+              <a:defRPr sz="816"/>
             </a:lvl3pPr>
-            <a:lvl4pPr marL="925144" indent="0">
+            <a:lvl4pPr marL="932551" indent="0">
               <a:buNone/>
-              <a:defRPr sz="675"/>
+              <a:defRPr sz="680"/>
             </a:lvl4pPr>
-            <a:lvl5pPr marL="1233526" indent="0">
+            <a:lvl5pPr marL="1243401" indent="0">
               <a:buNone/>
-              <a:defRPr sz="675"/>
+              <a:defRPr sz="680"/>
             </a:lvl5pPr>
-            <a:lvl6pPr marL="1541907" indent="0">
+            <a:lvl6pPr marL="1554251" indent="0">
               <a:buNone/>
-              <a:defRPr sz="675"/>
+              <a:defRPr sz="680"/>
             </a:lvl6pPr>
-            <a:lvl7pPr marL="1850288" indent="0">
+            <a:lvl7pPr marL="1865102" indent="0">
               <a:buNone/>
-              <a:defRPr sz="675"/>
+              <a:defRPr sz="680"/>
             </a:lvl7pPr>
-            <a:lvl8pPr marL="2158670" indent="0">
+            <a:lvl8pPr marL="2175952" indent="0">
               <a:buNone/>
-              <a:defRPr sz="675"/>
+              <a:defRPr sz="680"/>
             </a:lvl8pPr>
-            <a:lvl9pPr marL="2467051" indent="0">
+            <a:lvl9pPr marL="2486802" indent="0">
               <a:buNone/>
-              <a:defRPr sz="675"/>
+              <a:defRPr sz="680"/>
             </a:lvl9pPr>
           </a:lstStyle>
           <a:p>
@@ -2562,7 +2562,7 @@
     </p:spTree>
     <p:extLst>
       <p:ext uri="{BB962C8B-B14F-4D97-AF65-F5344CB8AC3E}">
-        <p14:creationId xmlns:p14="http://schemas.microsoft.com/office/powerpoint/2010/main" val="1102391948"/>
+        <p14:creationId xmlns:p14="http://schemas.microsoft.com/office/powerpoint/2010/main" val="1735758549"/>
       </p:ext>
     </p:extLst>
   </p:cSld>
@@ -2601,15 +2601,15 @@
         </p:nvSpPr>
         <p:spPr>
           <a:xfrm>
-            <a:off x="839789" y="308398"/>
-            <a:ext cx="3932237" cy="1079394"/>
+            <a:off x="911630" y="310832"/>
+            <a:ext cx="4268628" cy="1087914"/>
           </a:xfrm>
         </p:spPr>
         <p:txBody>
           <a:bodyPr anchor="b"/>
           <a:lstStyle>
             <a:lvl1pPr>
-              <a:defRPr sz="2158"/>
+              <a:defRPr sz="2176"/>
             </a:lvl1pPr>
           </a:lstStyle>
           <a:p>
@@ -2633,8 +2633,8 @@
         </p:nvSpPr>
         <p:spPr>
           <a:xfrm>
-            <a:off x="5183188" y="666055"/>
-            <a:ext cx="6172200" cy="3287441"/>
+            <a:off x="5626594" y="671313"/>
+            <a:ext cx="6700213" cy="3313388"/>
           </a:xfrm>
         </p:spPr>
         <p:txBody>
@@ -2642,39 +2642,39 @@
           <a:lstStyle>
             <a:lvl1pPr marL="0" indent="0">
               <a:buNone/>
-              <a:defRPr sz="2158"/>
+              <a:defRPr sz="2176"/>
             </a:lvl1pPr>
-            <a:lvl2pPr marL="308381" indent="0">
+            <a:lvl2pPr marL="310850" indent="0">
               <a:buNone/>
-              <a:defRPr sz="1889"/>
+              <a:defRPr sz="1904"/>
             </a:lvl2pPr>
-            <a:lvl3pPr marL="616763" indent="0">
+            <a:lvl3pPr marL="621701" indent="0">
               <a:buNone/>
-              <a:defRPr sz="1619"/>
+              <a:defRPr sz="1632"/>
             </a:lvl3pPr>
-            <a:lvl4pPr marL="925144" indent="0">
+            <a:lvl4pPr marL="932551" indent="0">
               <a:buNone/>
-              <a:defRPr sz="1349"/>
+              <a:defRPr sz="1360"/>
             </a:lvl4pPr>
-            <a:lvl5pPr marL="1233526" indent="0">
+            <a:lvl5pPr marL="1243401" indent="0">
               <a:buNone/>
-              <a:defRPr sz="1349"/>
+              <a:defRPr sz="1360"/>
             </a:lvl5pPr>
-            <a:lvl6pPr marL="1541907" indent="0">
+            <a:lvl6pPr marL="1554251" indent="0">
               <a:buNone/>
-              <a:defRPr sz="1349"/>
+              <a:defRPr sz="1360"/>
             </a:lvl6pPr>
-            <a:lvl7pPr marL="1850288" indent="0">
+            <a:lvl7pPr marL="1865102" indent="0">
               <a:buNone/>
-              <a:defRPr sz="1349"/>
+              <a:defRPr sz="1360"/>
             </a:lvl7pPr>
-            <a:lvl8pPr marL="2158670" indent="0">
+            <a:lvl8pPr marL="2175952" indent="0">
               <a:buNone/>
-              <a:defRPr sz="1349"/>
+              <a:defRPr sz="1360"/>
             </a:lvl8pPr>
-            <a:lvl9pPr marL="2467051" indent="0">
+            <a:lvl9pPr marL="2486802" indent="0">
               <a:buNone/>
-              <a:defRPr sz="1349"/>
+              <a:defRPr sz="1360"/>
             </a:lvl9pPr>
           </a:lstStyle>
           <a:p>
@@ -2698,8 +2698,8 @@
         </p:nvSpPr>
         <p:spPr>
           <a:xfrm>
-            <a:off x="839789" y="1387793"/>
-            <a:ext cx="3932237" cy="2571057"/>
+            <a:off x="911630" y="1398746"/>
+            <a:ext cx="4268628" cy="2591351"/>
           </a:xfrm>
         </p:spPr>
         <p:txBody>
@@ -2707,39 +2707,39 @@
           <a:lstStyle>
             <a:lvl1pPr marL="0" indent="0">
               <a:buNone/>
-              <a:defRPr sz="1079"/>
+              <a:defRPr sz="1088"/>
             </a:lvl1pPr>
-            <a:lvl2pPr marL="308381" indent="0">
+            <a:lvl2pPr marL="310850" indent="0">
               <a:buNone/>
-              <a:defRPr sz="944"/>
+              <a:defRPr sz="952"/>
             </a:lvl2pPr>
-            <a:lvl3pPr marL="616763" indent="0">
+            <a:lvl3pPr marL="621701" indent="0">
               <a:buNone/>
-              <a:defRPr sz="809"/>
+              <a:defRPr sz="816"/>
             </a:lvl3pPr>
-            <a:lvl4pPr marL="925144" indent="0">
+            <a:lvl4pPr marL="932551" indent="0">
               <a:buNone/>
-              <a:defRPr sz="675"/>
+              <a:defRPr sz="680"/>
             </a:lvl4pPr>
-            <a:lvl5pPr marL="1233526" indent="0">
+            <a:lvl5pPr marL="1243401" indent="0">
               <a:buNone/>
-              <a:defRPr sz="675"/>
+              <a:defRPr sz="680"/>
             </a:lvl5pPr>
-            <a:lvl6pPr marL="1541907" indent="0">
+            <a:lvl6pPr marL="1554251" indent="0">
               <a:buNone/>
-              <a:defRPr sz="675"/>
+              <a:defRPr sz="680"/>
             </a:lvl6pPr>
-            <a:lvl7pPr marL="1850288" indent="0">
+            <a:lvl7pPr marL="1865102" indent="0">
               <a:buNone/>
-              <a:defRPr sz="675"/>
+              <a:defRPr sz="680"/>
             </a:lvl7pPr>
-            <a:lvl8pPr marL="2158670" indent="0">
+            <a:lvl8pPr marL="2175952" indent="0">
               <a:buNone/>
-              <a:defRPr sz="675"/>
+              <a:defRPr sz="680"/>
             </a:lvl8pPr>
-            <a:lvl9pPr marL="2467051" indent="0">
+            <a:lvl9pPr marL="2486802" indent="0">
               <a:buNone/>
-              <a:defRPr sz="675"/>
+              <a:defRPr sz="680"/>
             </a:lvl9pPr>
           </a:lstStyle>
           <a:p>
@@ -2819,7 +2819,7 @@
     </p:spTree>
     <p:extLst>
       <p:ext uri="{BB962C8B-B14F-4D97-AF65-F5344CB8AC3E}">
-        <p14:creationId xmlns:p14="http://schemas.microsoft.com/office/powerpoint/2010/main" val="2094015149"/>
+        <p14:creationId xmlns:p14="http://schemas.microsoft.com/office/powerpoint/2010/main" val="1138968197"/>
       </p:ext>
     </p:extLst>
   </p:cSld>
@@ -2863,8 +2863,8 @@
         </p:nvSpPr>
         <p:spPr>
           <a:xfrm>
-            <a:off x="838200" y="246291"/>
-            <a:ext cx="10515600" cy="894141"/>
+            <a:off x="909906" y="248235"/>
+            <a:ext cx="11415177" cy="901199"/>
           </a:xfrm>
           <a:prstGeom prst="rect">
             <a:avLst/>
@@ -2896,8 +2896,8 @@
         </p:nvSpPr>
         <p:spPr>
           <a:xfrm>
-            <a:off x="838200" y="1231451"/>
-            <a:ext cx="10515600" cy="2935139"/>
+            <a:off x="909906" y="1241171"/>
+            <a:ext cx="11415177" cy="2958306"/>
           </a:xfrm>
           <a:prstGeom prst="rect">
             <a:avLst/>
@@ -2958,8 +2958,8 @@
         </p:nvSpPr>
         <p:spPr>
           <a:xfrm>
-            <a:off x="838200" y="4287594"/>
-            <a:ext cx="2743200" cy="246290"/>
+            <a:off x="909906" y="4321436"/>
+            <a:ext cx="2977872" cy="248234"/>
           </a:xfrm>
           <a:prstGeom prst="rect">
             <a:avLst/>
@@ -2969,7 +2969,7 @@
           <a:bodyPr vert="horz" lIns="91440" tIns="45720" rIns="91440" bIns="45720" rtlCol="0" anchor="ctr"/>
           <a:lstStyle>
             <a:lvl1pPr algn="l">
-              <a:defRPr sz="809">
+              <a:defRPr sz="816">
                 <a:solidFill>
                   <a:schemeClr val="tx1">
                     <a:tint val="75000"/>
@@ -2999,8 +2999,8 @@
         </p:nvSpPr>
         <p:spPr>
           <a:xfrm>
-            <a:off x="4038600" y="4287594"/>
-            <a:ext cx="4114800" cy="246290"/>
+            <a:off x="4384090" y="4321436"/>
+            <a:ext cx="4466808" cy="248234"/>
           </a:xfrm>
           <a:prstGeom prst="rect">
             <a:avLst/>
@@ -3010,7 +3010,7 @@
           <a:bodyPr vert="horz" lIns="91440" tIns="45720" rIns="91440" bIns="45720" rtlCol="0" anchor="ctr"/>
           <a:lstStyle>
             <a:lvl1pPr algn="ctr">
-              <a:defRPr sz="809">
+              <a:defRPr sz="816">
                 <a:solidFill>
                   <a:schemeClr val="tx1">
                     <a:tint val="75000"/>
@@ -3036,8 +3036,8 @@
         </p:nvSpPr>
         <p:spPr>
           <a:xfrm>
-            <a:off x="8610600" y="4287594"/>
-            <a:ext cx="2743200" cy="246290"/>
+            <a:off x="9347210" y="4321436"/>
+            <a:ext cx="2977872" cy="248234"/>
           </a:xfrm>
           <a:prstGeom prst="rect">
             <a:avLst/>
@@ -3047,7 +3047,7 @@
           <a:bodyPr vert="horz" lIns="91440" tIns="45720" rIns="91440" bIns="45720" rtlCol="0" anchor="ctr"/>
           <a:lstStyle>
             <a:lvl1pPr algn="r">
-              <a:defRPr sz="809">
+              <a:defRPr sz="816">
                 <a:solidFill>
                   <a:schemeClr val="tx1">
                     <a:tint val="75000"/>
@@ -3068,27 +3068,27 @@
     </p:spTree>
     <p:extLst>
       <p:ext uri="{BB962C8B-B14F-4D97-AF65-F5344CB8AC3E}">
-        <p14:creationId xmlns:p14="http://schemas.microsoft.com/office/powerpoint/2010/main" val="1289302897"/>
+        <p14:creationId xmlns:p14="http://schemas.microsoft.com/office/powerpoint/2010/main" val="3366835087"/>
       </p:ext>
     </p:extLst>
   </p:cSld>
   <p:clrMap bg1="lt1" tx1="dk1" bg2="lt2" tx2="dk2" accent1="accent1" accent2="accent2" accent3="accent3" accent4="accent4" accent5="accent5" accent6="accent6" hlink="hlink" folHlink="folHlink"/>
   <p:sldLayoutIdLst>
-    <p:sldLayoutId id="2147483673" r:id="rId1"/>
-    <p:sldLayoutId id="2147483674" r:id="rId2"/>
-    <p:sldLayoutId id="2147483675" r:id="rId3"/>
-    <p:sldLayoutId id="2147483676" r:id="rId4"/>
-    <p:sldLayoutId id="2147483677" r:id="rId5"/>
-    <p:sldLayoutId id="2147483678" r:id="rId6"/>
-    <p:sldLayoutId id="2147483679" r:id="rId7"/>
-    <p:sldLayoutId id="2147483680" r:id="rId8"/>
-    <p:sldLayoutId id="2147483681" r:id="rId9"/>
-    <p:sldLayoutId id="2147483682" r:id="rId10"/>
-    <p:sldLayoutId id="2147483683" r:id="rId11"/>
+    <p:sldLayoutId id="2147483709" r:id="rId1"/>
+    <p:sldLayoutId id="2147483710" r:id="rId2"/>
+    <p:sldLayoutId id="2147483711" r:id="rId3"/>
+    <p:sldLayoutId id="2147483712" r:id="rId4"/>
+    <p:sldLayoutId id="2147483713" r:id="rId5"/>
+    <p:sldLayoutId id="2147483714" r:id="rId6"/>
+    <p:sldLayoutId id="2147483715" r:id="rId7"/>
+    <p:sldLayoutId id="2147483716" r:id="rId8"/>
+    <p:sldLayoutId id="2147483717" r:id="rId9"/>
+    <p:sldLayoutId id="2147483718" r:id="rId10"/>
+    <p:sldLayoutId id="2147483719" r:id="rId11"/>
   </p:sldLayoutIdLst>
   <p:txStyles>
     <p:titleStyle>
-      <a:lvl1pPr algn="l" defTabSz="616763" rtl="0" eaLnBrk="1" latinLnBrk="0" hangingPunct="1">
+      <a:lvl1pPr algn="l" defTabSz="621701" rtl="0" eaLnBrk="1" latinLnBrk="0" hangingPunct="1">
         <a:lnSpc>
           <a:spcPct val="90000"/>
         </a:lnSpc>
@@ -3096,7 +3096,7 @@
           <a:spcPct val="0"/>
         </a:spcBef>
         <a:buNone/>
-        <a:defRPr sz="2968" kern="1200">
+        <a:defRPr sz="2992" kern="1200">
           <a:solidFill>
             <a:schemeClr val="tx1"/>
           </a:solidFill>
@@ -3107,16 +3107,16 @@
       </a:lvl1pPr>
     </p:titleStyle>
     <p:bodyStyle>
-      <a:lvl1pPr marL="154191" indent="-154191" algn="l" defTabSz="616763" rtl="0" eaLnBrk="1" latinLnBrk="0" hangingPunct="1">
+      <a:lvl1pPr marL="155425" indent="-155425" algn="l" defTabSz="621701" rtl="0" eaLnBrk="1" latinLnBrk="0" hangingPunct="1">
         <a:lnSpc>
           <a:spcPct val="90000"/>
         </a:lnSpc>
         <a:spcBef>
-          <a:spcPts val="675"/>
+          <a:spcPts val="680"/>
         </a:spcBef>
         <a:buFont typeface="Arial" panose="020B0604020202020204" pitchFamily="34" charset="0"/>
         <a:buChar char="•"/>
-        <a:defRPr sz="1889" kern="1200">
+        <a:defRPr sz="1904" kern="1200">
           <a:solidFill>
             <a:schemeClr val="tx1"/>
           </a:solidFill>
@@ -3125,16 +3125,16 @@
           <a:cs typeface="+mn-cs"/>
         </a:defRPr>
       </a:lvl1pPr>
-      <a:lvl2pPr marL="462572" indent="-154191" algn="l" defTabSz="616763" rtl="0" eaLnBrk="1" latinLnBrk="0" hangingPunct="1">
+      <a:lvl2pPr marL="466275" indent="-155425" algn="l" defTabSz="621701" rtl="0" eaLnBrk="1" latinLnBrk="0" hangingPunct="1">
         <a:lnSpc>
           <a:spcPct val="90000"/>
         </a:lnSpc>
         <a:spcBef>
-          <a:spcPts val="337"/>
+          <a:spcPts val="340"/>
         </a:spcBef>
         <a:buFont typeface="Arial" panose="020B0604020202020204" pitchFamily="34" charset="0"/>
         <a:buChar char="•"/>
-        <a:defRPr sz="1619" kern="1200">
+        <a:defRPr sz="1632" kern="1200">
           <a:solidFill>
             <a:schemeClr val="tx1"/>
           </a:solidFill>
@@ -3143,16 +3143,16 @@
           <a:cs typeface="+mn-cs"/>
         </a:defRPr>
       </a:lvl2pPr>
-      <a:lvl3pPr marL="770954" indent="-154191" algn="l" defTabSz="616763" rtl="0" eaLnBrk="1" latinLnBrk="0" hangingPunct="1">
+      <a:lvl3pPr marL="777126" indent="-155425" algn="l" defTabSz="621701" rtl="0" eaLnBrk="1" latinLnBrk="0" hangingPunct="1">
         <a:lnSpc>
           <a:spcPct val="90000"/>
         </a:lnSpc>
         <a:spcBef>
-          <a:spcPts val="337"/>
+          <a:spcPts val="340"/>
         </a:spcBef>
         <a:buFont typeface="Arial" panose="020B0604020202020204" pitchFamily="34" charset="0"/>
         <a:buChar char="•"/>
-        <a:defRPr sz="1349" kern="1200">
+        <a:defRPr sz="1360" kern="1200">
           <a:solidFill>
             <a:schemeClr val="tx1"/>
           </a:solidFill>
@@ -3161,16 +3161,16 @@
           <a:cs typeface="+mn-cs"/>
         </a:defRPr>
       </a:lvl3pPr>
-      <a:lvl4pPr marL="1079335" indent="-154191" algn="l" defTabSz="616763" rtl="0" eaLnBrk="1" latinLnBrk="0" hangingPunct="1">
+      <a:lvl4pPr marL="1087976" indent="-155425" algn="l" defTabSz="621701" rtl="0" eaLnBrk="1" latinLnBrk="0" hangingPunct="1">
         <a:lnSpc>
           <a:spcPct val="90000"/>
         </a:lnSpc>
         <a:spcBef>
-          <a:spcPts val="337"/>
+          <a:spcPts val="340"/>
         </a:spcBef>
         <a:buFont typeface="Arial" panose="020B0604020202020204" pitchFamily="34" charset="0"/>
         <a:buChar char="•"/>
-        <a:defRPr sz="1214" kern="1200">
+        <a:defRPr sz="1224" kern="1200">
           <a:solidFill>
             <a:schemeClr val="tx1"/>
           </a:solidFill>
@@ -3179,16 +3179,16 @@
           <a:cs typeface="+mn-cs"/>
         </a:defRPr>
       </a:lvl4pPr>
-      <a:lvl5pPr marL="1387716" indent="-154191" algn="l" defTabSz="616763" rtl="0" eaLnBrk="1" latinLnBrk="0" hangingPunct="1">
+      <a:lvl5pPr marL="1398826" indent="-155425" algn="l" defTabSz="621701" rtl="0" eaLnBrk="1" latinLnBrk="0" hangingPunct="1">
         <a:lnSpc>
           <a:spcPct val="90000"/>
         </a:lnSpc>
         <a:spcBef>
-          <a:spcPts val="337"/>
+          <a:spcPts val="340"/>
         </a:spcBef>
         <a:buFont typeface="Arial" panose="020B0604020202020204" pitchFamily="34" charset="0"/>
         <a:buChar char="•"/>
-        <a:defRPr sz="1214" kern="1200">
+        <a:defRPr sz="1224" kern="1200">
           <a:solidFill>
             <a:schemeClr val="tx1"/>
           </a:solidFill>
@@ -3197,16 +3197,16 @@
           <a:cs typeface="+mn-cs"/>
         </a:defRPr>
       </a:lvl5pPr>
-      <a:lvl6pPr marL="1696098" indent="-154191" algn="l" defTabSz="616763" rtl="0" eaLnBrk="1" latinLnBrk="0" hangingPunct="1">
+      <a:lvl6pPr marL="1709677" indent="-155425" algn="l" defTabSz="621701" rtl="0" eaLnBrk="1" latinLnBrk="0" hangingPunct="1">
         <a:lnSpc>
           <a:spcPct val="90000"/>
         </a:lnSpc>
         <a:spcBef>
-          <a:spcPts val="337"/>
+          <a:spcPts val="340"/>
         </a:spcBef>
         <a:buFont typeface="Arial" panose="020B0604020202020204" pitchFamily="34" charset="0"/>
         <a:buChar char="•"/>
-        <a:defRPr sz="1214" kern="1200">
+        <a:defRPr sz="1224" kern="1200">
           <a:solidFill>
             <a:schemeClr val="tx1"/>
           </a:solidFill>
@@ -3215,16 +3215,16 @@
           <a:cs typeface="+mn-cs"/>
         </a:defRPr>
       </a:lvl6pPr>
-      <a:lvl7pPr marL="2004479" indent="-154191" algn="l" defTabSz="616763" rtl="0" eaLnBrk="1" latinLnBrk="0" hangingPunct="1">
+      <a:lvl7pPr marL="2020527" indent="-155425" algn="l" defTabSz="621701" rtl="0" eaLnBrk="1" latinLnBrk="0" hangingPunct="1">
         <a:lnSpc>
           <a:spcPct val="90000"/>
         </a:lnSpc>
         <a:spcBef>
-          <a:spcPts val="337"/>
+          <a:spcPts val="340"/>
         </a:spcBef>
         <a:buFont typeface="Arial" panose="020B0604020202020204" pitchFamily="34" charset="0"/>
         <a:buChar char="•"/>
-        <a:defRPr sz="1214" kern="1200">
+        <a:defRPr sz="1224" kern="1200">
           <a:solidFill>
             <a:schemeClr val="tx1"/>
           </a:solidFill>
@@ -3233,16 +3233,16 @@
           <a:cs typeface="+mn-cs"/>
         </a:defRPr>
       </a:lvl7pPr>
-      <a:lvl8pPr marL="2312861" indent="-154191" algn="l" defTabSz="616763" rtl="0" eaLnBrk="1" latinLnBrk="0" hangingPunct="1">
+      <a:lvl8pPr marL="2331377" indent="-155425" algn="l" defTabSz="621701" rtl="0" eaLnBrk="1" latinLnBrk="0" hangingPunct="1">
         <a:lnSpc>
           <a:spcPct val="90000"/>
         </a:lnSpc>
         <a:spcBef>
-          <a:spcPts val="337"/>
+          <a:spcPts val="340"/>
         </a:spcBef>
         <a:buFont typeface="Arial" panose="020B0604020202020204" pitchFamily="34" charset="0"/>
         <a:buChar char="•"/>
-        <a:defRPr sz="1214" kern="1200">
+        <a:defRPr sz="1224" kern="1200">
           <a:solidFill>
             <a:schemeClr val="tx1"/>
           </a:solidFill>
@@ -3251,16 +3251,16 @@
           <a:cs typeface="+mn-cs"/>
         </a:defRPr>
       </a:lvl8pPr>
-      <a:lvl9pPr marL="2621242" indent="-154191" algn="l" defTabSz="616763" rtl="0" eaLnBrk="1" latinLnBrk="0" hangingPunct="1">
+      <a:lvl9pPr marL="2642227" indent="-155425" algn="l" defTabSz="621701" rtl="0" eaLnBrk="1" latinLnBrk="0" hangingPunct="1">
         <a:lnSpc>
           <a:spcPct val="90000"/>
         </a:lnSpc>
         <a:spcBef>
-          <a:spcPts val="337"/>
+          <a:spcPts val="340"/>
         </a:spcBef>
         <a:buFont typeface="Arial" panose="020B0604020202020204" pitchFamily="34" charset="0"/>
         <a:buChar char="•"/>
-        <a:defRPr sz="1214" kern="1200">
+        <a:defRPr sz="1224" kern="1200">
           <a:solidFill>
             <a:schemeClr val="tx1"/>
           </a:solidFill>
@@ -3274,8 +3274,8 @@
       <a:defPPr>
         <a:defRPr lang="en-US"/>
       </a:defPPr>
-      <a:lvl1pPr marL="0" algn="l" defTabSz="616763" rtl="0" eaLnBrk="1" latinLnBrk="0" hangingPunct="1">
-        <a:defRPr sz="1214" kern="1200">
+      <a:lvl1pPr marL="0" algn="l" defTabSz="621701" rtl="0" eaLnBrk="1" latinLnBrk="0" hangingPunct="1">
+        <a:defRPr sz="1224" kern="1200">
           <a:solidFill>
             <a:schemeClr val="tx1"/>
           </a:solidFill>
@@ -3284,8 +3284,8 @@
           <a:cs typeface="+mn-cs"/>
         </a:defRPr>
       </a:lvl1pPr>
-      <a:lvl2pPr marL="308381" algn="l" defTabSz="616763" rtl="0" eaLnBrk="1" latinLnBrk="0" hangingPunct="1">
-        <a:defRPr sz="1214" kern="1200">
+      <a:lvl2pPr marL="310850" algn="l" defTabSz="621701" rtl="0" eaLnBrk="1" latinLnBrk="0" hangingPunct="1">
+        <a:defRPr sz="1224" kern="1200">
           <a:solidFill>
             <a:schemeClr val="tx1"/>
           </a:solidFill>
@@ -3294,8 +3294,8 @@
           <a:cs typeface="+mn-cs"/>
         </a:defRPr>
       </a:lvl2pPr>
-      <a:lvl3pPr marL="616763" algn="l" defTabSz="616763" rtl="0" eaLnBrk="1" latinLnBrk="0" hangingPunct="1">
-        <a:defRPr sz="1214" kern="1200">
+      <a:lvl3pPr marL="621701" algn="l" defTabSz="621701" rtl="0" eaLnBrk="1" latinLnBrk="0" hangingPunct="1">
+        <a:defRPr sz="1224" kern="1200">
           <a:solidFill>
             <a:schemeClr val="tx1"/>
           </a:solidFill>
@@ -3304,8 +3304,8 @@
           <a:cs typeface="+mn-cs"/>
         </a:defRPr>
       </a:lvl3pPr>
-      <a:lvl4pPr marL="925144" algn="l" defTabSz="616763" rtl="0" eaLnBrk="1" latinLnBrk="0" hangingPunct="1">
-        <a:defRPr sz="1214" kern="1200">
+      <a:lvl4pPr marL="932551" algn="l" defTabSz="621701" rtl="0" eaLnBrk="1" latinLnBrk="0" hangingPunct="1">
+        <a:defRPr sz="1224" kern="1200">
           <a:solidFill>
             <a:schemeClr val="tx1"/>
           </a:solidFill>
@@ -3314,8 +3314,8 @@
           <a:cs typeface="+mn-cs"/>
         </a:defRPr>
       </a:lvl4pPr>
-      <a:lvl5pPr marL="1233526" algn="l" defTabSz="616763" rtl="0" eaLnBrk="1" latinLnBrk="0" hangingPunct="1">
-        <a:defRPr sz="1214" kern="1200">
+      <a:lvl5pPr marL="1243401" algn="l" defTabSz="621701" rtl="0" eaLnBrk="1" latinLnBrk="0" hangingPunct="1">
+        <a:defRPr sz="1224" kern="1200">
           <a:solidFill>
             <a:schemeClr val="tx1"/>
           </a:solidFill>
@@ -3324,8 +3324,8 @@
           <a:cs typeface="+mn-cs"/>
         </a:defRPr>
       </a:lvl5pPr>
-      <a:lvl6pPr marL="1541907" algn="l" defTabSz="616763" rtl="0" eaLnBrk="1" latinLnBrk="0" hangingPunct="1">
-        <a:defRPr sz="1214" kern="1200">
+      <a:lvl6pPr marL="1554251" algn="l" defTabSz="621701" rtl="0" eaLnBrk="1" latinLnBrk="0" hangingPunct="1">
+        <a:defRPr sz="1224" kern="1200">
           <a:solidFill>
             <a:schemeClr val="tx1"/>
           </a:solidFill>
@@ -3334,8 +3334,8 @@
           <a:cs typeface="+mn-cs"/>
         </a:defRPr>
       </a:lvl6pPr>
-      <a:lvl7pPr marL="1850288" algn="l" defTabSz="616763" rtl="0" eaLnBrk="1" latinLnBrk="0" hangingPunct="1">
-        <a:defRPr sz="1214" kern="1200">
+      <a:lvl7pPr marL="1865102" algn="l" defTabSz="621701" rtl="0" eaLnBrk="1" latinLnBrk="0" hangingPunct="1">
+        <a:defRPr sz="1224" kern="1200">
           <a:solidFill>
             <a:schemeClr val="tx1"/>
           </a:solidFill>
@@ -3344,8 +3344,8 @@
           <a:cs typeface="+mn-cs"/>
         </a:defRPr>
       </a:lvl7pPr>
-      <a:lvl8pPr marL="2158670" algn="l" defTabSz="616763" rtl="0" eaLnBrk="1" latinLnBrk="0" hangingPunct="1">
-        <a:defRPr sz="1214" kern="1200">
+      <a:lvl8pPr marL="2175952" algn="l" defTabSz="621701" rtl="0" eaLnBrk="1" latinLnBrk="0" hangingPunct="1">
+        <a:defRPr sz="1224" kern="1200">
           <a:solidFill>
             <a:schemeClr val="tx1"/>
           </a:solidFill>
@@ -3354,8 +3354,8 @@
           <a:cs typeface="+mn-cs"/>
         </a:defRPr>
       </a:lvl8pPr>
-      <a:lvl9pPr marL="2467051" algn="l" defTabSz="616763" rtl="0" eaLnBrk="1" latinLnBrk="0" hangingPunct="1">
-        <a:defRPr sz="1214" kern="1200">
+      <a:lvl9pPr marL="2486802" algn="l" defTabSz="621701" rtl="0" eaLnBrk="1" latinLnBrk="0" hangingPunct="1">
+        <a:defRPr sz="1224" kern="1200">
           <a:solidFill>
             <a:schemeClr val="tx1"/>
           </a:solidFill>
@@ -3400,8 +3400,8 @@
         </p:nvSpPr>
         <p:spPr>
           <a:xfrm>
-            <a:off x="11130168" y="3061386"/>
-            <a:ext cx="789197" cy="219598"/>
+            <a:off x="10917518" y="3138110"/>
+            <a:ext cx="1952616" cy="278186"/>
           </a:xfrm>
           <a:prstGeom prst="roundRect">
             <a:avLst/>
@@ -3434,7 +3434,60 @@
           <a:lstStyle/>
           <a:p>
             <a:pPr algn="ctr"/>
-            <a:endParaRPr kumimoji="1" lang="zh-CN" altLang="en-US" sz="1243" dirty="0">
+            <a:r>
+              <a:rPr kumimoji="1" lang="en-US" altLang="zh-CN" sz="1600" dirty="0">
+                <a:solidFill>
+                  <a:schemeClr val="tx1"/>
+                </a:solidFill>
+                <a:latin typeface="Times New Roman" panose="02020603050405020304" pitchFamily="18" charset="0"/>
+                <a:cs typeface="Times New Roman" panose="02020603050405020304" pitchFamily="18" charset="0"/>
+              </a:rPr>
+              <a:t>bin </a:t>
+            </a:r>
+            <a:r>
+              <a:rPr kumimoji="1" lang="en-US" altLang="zh-CN" sz="1600" dirty="0" err="1">
+                <a:solidFill>
+                  <a:schemeClr val="tx1"/>
+                </a:solidFill>
+                <a:latin typeface="Times New Roman" panose="02020603050405020304" pitchFamily="18" charset="0"/>
+                <a:cs typeface="Times New Roman" panose="02020603050405020304" pitchFamily="18" charset="0"/>
+              </a:rPr>
+              <a:t>bluc</a:t>
+            </a:r>
+            <a:r>
+              <a:rPr kumimoji="1" lang="en-US" altLang="zh-CN" sz="1600" dirty="0">
+                <a:solidFill>
+                  <a:schemeClr val="tx1"/>
+                </a:solidFill>
+                <a:latin typeface="Times New Roman" panose="02020603050405020304" pitchFamily="18" charset="0"/>
+                <a:cs typeface="Times New Roman" panose="02020603050405020304" pitchFamily="18" charset="0"/>
+              </a:rPr>
+              <a:t> at f </a:t>
+            </a:r>
+            <a:r>
+              <a:rPr kumimoji="1" lang="en-US" altLang="zh-CN" sz="1600" dirty="0" err="1">
+                <a:solidFill>
+                  <a:schemeClr val="tx1"/>
+                </a:solidFill>
+                <a:latin typeface="Times New Roman" panose="02020603050405020304" pitchFamily="18" charset="0"/>
+                <a:cs typeface="Times New Roman" panose="02020603050405020304" pitchFamily="18" charset="0"/>
+              </a:rPr>
+              <a:t>tto</a:t>
+            </a:r>
+            <a:r>
+              <a:rPr kumimoji="1" lang="en-US" altLang="zh-CN" sz="1600" dirty="0">
+                <a:solidFill>
+                  <a:schemeClr val="tx1"/>
+                </a:solidFill>
+                <a:latin typeface="Times New Roman" panose="02020603050405020304" pitchFamily="18" charset="0"/>
+                <a:cs typeface="Times New Roman" panose="02020603050405020304" pitchFamily="18" charset="0"/>
+              </a:rPr>
+              <a:t> now</a:t>
+            </a:r>
+            <a:endParaRPr kumimoji="1" lang="zh-CN" altLang="en-US" sz="1600" dirty="0">
+              <a:solidFill>
+                <a:schemeClr val="tx1"/>
+              </a:solidFill>
               <a:latin typeface="Times New Roman" panose="02020603050405020304" pitchFamily="18" charset="0"/>
               <a:cs typeface="Times New Roman" panose="02020603050405020304" pitchFamily="18" charset="0"/>
             </a:endParaRPr>
@@ -3455,8 +3508,8 @@
         </p:nvSpPr>
         <p:spPr>
           <a:xfrm>
-            <a:off x="11130965" y="2263965"/>
-            <a:ext cx="789197" cy="219598"/>
+            <a:off x="10917517" y="2156850"/>
+            <a:ext cx="1952616" cy="323693"/>
           </a:xfrm>
           <a:prstGeom prst="roundRect">
             <a:avLst/>
@@ -3489,7 +3542,20 @@
           <a:lstStyle/>
           <a:p>
             <a:pPr algn="ctr"/>
-            <a:endParaRPr kumimoji="1" lang="zh-CN" altLang="en-US" sz="1243" dirty="0">
+            <a:r>
+              <a:rPr kumimoji="1" lang="en-US" altLang="zh-CN" sz="1600" dirty="0">
+                <a:solidFill>
+                  <a:schemeClr val="tx1"/>
+                </a:solidFill>
+                <a:latin typeface="Times New Roman" panose="02020603050405020304" pitchFamily="18" charset="0"/>
+                <a:cs typeface="Times New Roman" panose="02020603050405020304" pitchFamily="18" charset="0"/>
+              </a:rPr>
+              <a:t>bin blue at f two now</a:t>
+            </a:r>
+            <a:endParaRPr kumimoji="1" lang="zh-CN" altLang="en-US" sz="1600" dirty="0">
+              <a:solidFill>
+                <a:schemeClr val="tx1"/>
+              </a:solidFill>
               <a:latin typeface="Times New Roman" panose="02020603050405020304" pitchFamily="18" charset="0"/>
               <a:cs typeface="Times New Roman" panose="02020603050405020304" pitchFamily="18" charset="0"/>
             </a:endParaRPr>
@@ -3510,8 +3576,8 @@
         </p:nvSpPr>
         <p:spPr>
           <a:xfrm>
-            <a:off x="11130965" y="1562008"/>
-            <a:ext cx="789197" cy="219598"/>
+            <a:off x="10917518" y="1275895"/>
+            <a:ext cx="1952616" cy="288651"/>
           </a:xfrm>
           <a:prstGeom prst="roundRect">
             <a:avLst/>
@@ -3544,7 +3610,70 @@
           <a:lstStyle/>
           <a:p>
             <a:pPr algn="ctr"/>
-            <a:endParaRPr kumimoji="1" lang="zh-CN" altLang="en-US" sz="1243" dirty="0">
+            <a:r>
+              <a:rPr kumimoji="1" lang="en-US" altLang="zh-CN" sz="1600" dirty="0">
+                <a:solidFill>
+                  <a:schemeClr val="tx1"/>
+                </a:solidFill>
+                <a:latin typeface="Times New Roman" panose="02020603050405020304" pitchFamily="18" charset="0"/>
+                <a:cs typeface="Times New Roman" panose="02020603050405020304" pitchFamily="18" charset="0"/>
+              </a:rPr>
+              <a:t>biz </a:t>
+            </a:r>
+            <a:r>
+              <a:rPr kumimoji="1" lang="en-US" altLang="zh-CN" sz="1600" dirty="0" err="1">
+                <a:solidFill>
+                  <a:schemeClr val="tx1"/>
+                </a:solidFill>
+                <a:latin typeface="Times New Roman" panose="02020603050405020304" pitchFamily="18" charset="0"/>
+                <a:cs typeface="Times New Roman" panose="02020603050405020304" pitchFamily="18" charset="0"/>
+              </a:rPr>
+              <a:t>alue</a:t>
+            </a:r>
+            <a:r>
+              <a:rPr kumimoji="1" lang="en-US" altLang="zh-CN" sz="1600" dirty="0">
+                <a:solidFill>
+                  <a:schemeClr val="tx1"/>
+                </a:solidFill>
+                <a:latin typeface="Times New Roman" panose="02020603050405020304" pitchFamily="18" charset="0"/>
+                <a:cs typeface="Times New Roman" panose="02020603050405020304" pitchFamily="18" charset="0"/>
+              </a:rPr>
+              <a:t> ai f </a:t>
+            </a:r>
+            <a:r>
+              <a:rPr kumimoji="1" lang="en-US" altLang="zh-CN" sz="1600" dirty="0" err="1">
+                <a:solidFill>
+                  <a:schemeClr val="tx1"/>
+                </a:solidFill>
+                <a:latin typeface="Times New Roman" panose="02020603050405020304" pitchFamily="18" charset="0"/>
+                <a:cs typeface="Times New Roman" panose="02020603050405020304" pitchFamily="18" charset="0"/>
+              </a:rPr>
+              <a:t>tlo</a:t>
+            </a:r>
+            <a:r>
+              <a:rPr kumimoji="1" lang="en-US" altLang="zh-CN" sz="1600" dirty="0">
+                <a:solidFill>
+                  <a:schemeClr val="tx1"/>
+                </a:solidFill>
+                <a:latin typeface="Times New Roman" panose="02020603050405020304" pitchFamily="18" charset="0"/>
+                <a:cs typeface="Times New Roman" panose="02020603050405020304" pitchFamily="18" charset="0"/>
+              </a:rPr>
+              <a:t> </a:t>
+            </a:r>
+            <a:r>
+              <a:rPr kumimoji="1" lang="en-US" altLang="zh-CN" sz="1600" dirty="0" err="1">
+                <a:solidFill>
+                  <a:schemeClr val="tx1"/>
+                </a:solidFill>
+                <a:latin typeface="Times New Roman" panose="02020603050405020304" pitchFamily="18" charset="0"/>
+                <a:cs typeface="Times New Roman" panose="02020603050405020304" pitchFamily="18" charset="0"/>
+              </a:rPr>
+              <a:t>nao</a:t>
+            </a:r>
+            <a:endParaRPr kumimoji="1" lang="zh-CN" altLang="en-US" sz="1600" dirty="0">
+              <a:solidFill>
+                <a:schemeClr val="tx1"/>
+              </a:solidFill>
               <a:latin typeface="Times New Roman" panose="02020603050405020304" pitchFamily="18" charset="0"/>
               <a:cs typeface="Times New Roman" panose="02020603050405020304" pitchFamily="18" charset="0"/>
             </a:endParaRPr>
@@ -3559,7 +3688,7 @@
         </p:nvSpPr>
         <p:spPr>
           <a:xfrm>
-            <a:off x="4781507" y="1241996"/>
+            <a:off x="4480521" y="1262918"/>
             <a:ext cx="5100746" cy="2115487"/>
           </a:xfrm>
           <a:prstGeom prst="roundRect">
@@ -3612,7 +3741,7 @@
         </p:nvSpPr>
         <p:spPr>
           <a:xfrm>
-            <a:off x="386267" y="407694"/>
+            <a:off x="85284" y="428613"/>
             <a:ext cx="871473" cy="3727966"/>
           </a:xfrm>
           <a:prstGeom prst="roundRect">
@@ -3665,7 +3794,7 @@
         </p:nvSpPr>
         <p:spPr>
           <a:xfrm>
-            <a:off x="454453" y="1082278"/>
+            <a:off x="153467" y="1103197"/>
             <a:ext cx="86340" cy="97234"/>
           </a:xfrm>
           <a:prstGeom prst="rect">
@@ -3711,7 +3840,7 @@
         </p:nvSpPr>
         <p:spPr>
           <a:xfrm>
-            <a:off x="454453" y="924123"/>
+            <a:off x="153467" y="945042"/>
             <a:ext cx="86340" cy="97234"/>
           </a:xfrm>
           <a:prstGeom prst="rect">
@@ -3754,7 +3883,7 @@
         </p:nvSpPr>
         <p:spPr>
           <a:xfrm>
-            <a:off x="454453" y="1409081"/>
+            <a:off x="153467" y="1430000"/>
             <a:ext cx="86340" cy="97234"/>
           </a:xfrm>
           <a:prstGeom prst="rect">
@@ -3800,7 +3929,7 @@
         </p:nvSpPr>
         <p:spPr>
           <a:xfrm>
-            <a:off x="454453" y="1250925"/>
+            <a:off x="153467" y="1271844"/>
             <a:ext cx="86340" cy="97234"/>
           </a:xfrm>
           <a:prstGeom prst="rect">
@@ -3843,7 +3972,7 @@
         </p:nvSpPr>
         <p:spPr>
           <a:xfrm>
-            <a:off x="454453" y="1719745"/>
+            <a:off x="153467" y="1740664"/>
             <a:ext cx="86340" cy="97234"/>
           </a:xfrm>
           <a:prstGeom prst="rect">
@@ -3889,7 +4018,7 @@
         </p:nvSpPr>
         <p:spPr>
           <a:xfrm>
-            <a:off x="454453" y="1561588"/>
+            <a:off x="153467" y="1582507"/>
             <a:ext cx="86340" cy="97234"/>
           </a:xfrm>
           <a:prstGeom prst="rect">
@@ -3932,7 +4061,7 @@
         </p:nvSpPr>
         <p:spPr>
           <a:xfrm>
-            <a:off x="454453" y="2046547"/>
+            <a:off x="153467" y="2067466"/>
             <a:ext cx="86340" cy="97234"/>
           </a:xfrm>
           <a:prstGeom prst="rect">
@@ -3978,7 +4107,7 @@
         </p:nvSpPr>
         <p:spPr>
           <a:xfrm>
-            <a:off x="454453" y="1888390"/>
+            <a:off x="153467" y="1909309"/>
             <a:ext cx="86340" cy="97234"/>
           </a:xfrm>
           <a:prstGeom prst="rect">
@@ -4021,7 +4150,7 @@
         </p:nvSpPr>
         <p:spPr>
           <a:xfrm>
-            <a:off x="454453" y="2358017"/>
+            <a:off x="153467" y="2378936"/>
             <a:ext cx="86340" cy="97234"/>
           </a:xfrm>
           <a:prstGeom prst="rect">
@@ -4067,7 +4196,7 @@
         </p:nvSpPr>
         <p:spPr>
           <a:xfrm>
-            <a:off x="454453" y="2199862"/>
+            <a:off x="153467" y="2220781"/>
             <a:ext cx="86340" cy="97234"/>
           </a:xfrm>
           <a:prstGeom prst="rect">
@@ -4110,7 +4239,7 @@
         </p:nvSpPr>
         <p:spPr>
           <a:xfrm>
-            <a:off x="454453" y="2684819"/>
+            <a:off x="153467" y="2705738"/>
             <a:ext cx="86340" cy="97234"/>
           </a:xfrm>
           <a:prstGeom prst="rect">
@@ -4156,7 +4285,7 @@
         </p:nvSpPr>
         <p:spPr>
           <a:xfrm>
-            <a:off x="454453" y="2526664"/>
+            <a:off x="153467" y="2547583"/>
             <a:ext cx="86340" cy="97234"/>
           </a:xfrm>
           <a:prstGeom prst="rect">
@@ -4199,7 +4328,7 @@
         </p:nvSpPr>
         <p:spPr>
           <a:xfrm>
-            <a:off x="454453" y="2995483"/>
+            <a:off x="153467" y="3016402"/>
             <a:ext cx="86340" cy="97234"/>
           </a:xfrm>
           <a:prstGeom prst="rect">
@@ -4245,7 +4374,7 @@
         </p:nvSpPr>
         <p:spPr>
           <a:xfrm>
-            <a:off x="454453" y="2837327"/>
+            <a:off x="153467" y="2858246"/>
             <a:ext cx="86340" cy="97234"/>
           </a:xfrm>
           <a:prstGeom prst="rect">
@@ -4288,7 +4417,7 @@
         </p:nvSpPr>
         <p:spPr>
           <a:xfrm>
-            <a:off x="454453" y="3322286"/>
+            <a:off x="153467" y="3343205"/>
             <a:ext cx="86340" cy="97234"/>
           </a:xfrm>
           <a:prstGeom prst="rect">
@@ -4334,7 +4463,7 @@
         </p:nvSpPr>
         <p:spPr>
           <a:xfrm>
-            <a:off x="454453" y="3164129"/>
+            <a:off x="153467" y="3185048"/>
             <a:ext cx="86340" cy="97234"/>
           </a:xfrm>
           <a:prstGeom prst="rect">
@@ -4377,7 +4506,7 @@
         </p:nvSpPr>
         <p:spPr>
           <a:xfrm>
-            <a:off x="454453" y="3649088"/>
+            <a:off x="153467" y="3670007"/>
             <a:ext cx="86340" cy="97234"/>
           </a:xfrm>
           <a:prstGeom prst="rect">
@@ -4423,7 +4552,7 @@
         </p:nvSpPr>
         <p:spPr>
           <a:xfrm>
-            <a:off x="454453" y="3490932"/>
+            <a:off x="153467" y="3511851"/>
             <a:ext cx="86340" cy="97234"/>
           </a:xfrm>
           <a:prstGeom prst="rect">
@@ -4466,7 +4595,7 @@
         </p:nvSpPr>
         <p:spPr>
           <a:xfrm>
-            <a:off x="454453" y="3975890"/>
+            <a:off x="153467" y="3996809"/>
             <a:ext cx="86340" cy="97234"/>
           </a:xfrm>
           <a:prstGeom prst="rect">
@@ -4512,7 +4641,7 @@
         </p:nvSpPr>
         <p:spPr>
           <a:xfrm>
-            <a:off x="454453" y="3817734"/>
+            <a:off x="153467" y="3838653"/>
             <a:ext cx="86340" cy="97234"/>
           </a:xfrm>
           <a:prstGeom prst="rect">
@@ -4555,7 +4684,7 @@
         </p:nvSpPr>
         <p:spPr>
           <a:xfrm>
-            <a:off x="1092323" y="1082278"/>
+            <a:off x="791337" y="1103197"/>
             <a:ext cx="86340" cy="97234"/>
           </a:xfrm>
           <a:prstGeom prst="rect">
@@ -4601,7 +4730,7 @@
         </p:nvSpPr>
         <p:spPr>
           <a:xfrm>
-            <a:off x="1092323" y="924123"/>
+            <a:off x="791337" y="945042"/>
             <a:ext cx="86340" cy="97234"/>
           </a:xfrm>
           <a:prstGeom prst="rect">
@@ -4644,7 +4773,7 @@
         </p:nvSpPr>
         <p:spPr>
           <a:xfrm>
-            <a:off x="1092323" y="1409081"/>
+            <a:off x="791337" y="1430000"/>
             <a:ext cx="86340" cy="97234"/>
           </a:xfrm>
           <a:prstGeom prst="rect">
@@ -4690,7 +4819,7 @@
         </p:nvSpPr>
         <p:spPr>
           <a:xfrm>
-            <a:off x="1092323" y="1250925"/>
+            <a:off x="791337" y="1271844"/>
             <a:ext cx="86340" cy="97234"/>
           </a:xfrm>
           <a:prstGeom prst="rect">
@@ -4733,7 +4862,7 @@
         </p:nvSpPr>
         <p:spPr>
           <a:xfrm>
-            <a:off x="1092323" y="1719745"/>
+            <a:off x="791337" y="1740664"/>
             <a:ext cx="86340" cy="97234"/>
           </a:xfrm>
           <a:prstGeom prst="rect">
@@ -4779,7 +4908,7 @@
         </p:nvSpPr>
         <p:spPr>
           <a:xfrm>
-            <a:off x="1092323" y="1561588"/>
+            <a:off x="791337" y="1582507"/>
             <a:ext cx="86340" cy="97234"/>
           </a:xfrm>
           <a:prstGeom prst="rect">
@@ -4822,7 +4951,7 @@
         </p:nvSpPr>
         <p:spPr>
           <a:xfrm>
-            <a:off x="1092323" y="2046547"/>
+            <a:off x="791337" y="2067466"/>
             <a:ext cx="86340" cy="97234"/>
           </a:xfrm>
           <a:prstGeom prst="rect">
@@ -4868,7 +4997,7 @@
         </p:nvSpPr>
         <p:spPr>
           <a:xfrm>
-            <a:off x="1092323" y="1888390"/>
+            <a:off x="791337" y="1909309"/>
             <a:ext cx="86340" cy="97234"/>
           </a:xfrm>
           <a:prstGeom prst="rect">
@@ -4911,7 +5040,7 @@
         </p:nvSpPr>
         <p:spPr>
           <a:xfrm>
-            <a:off x="1092323" y="2358017"/>
+            <a:off x="791337" y="2378936"/>
             <a:ext cx="86340" cy="97234"/>
           </a:xfrm>
           <a:prstGeom prst="rect">
@@ -4957,7 +5086,7 @@
         </p:nvSpPr>
         <p:spPr>
           <a:xfrm>
-            <a:off x="1092323" y="2199862"/>
+            <a:off x="791337" y="2220781"/>
             <a:ext cx="86340" cy="97234"/>
           </a:xfrm>
           <a:prstGeom prst="rect">
@@ -5000,7 +5129,7 @@
         </p:nvSpPr>
         <p:spPr>
           <a:xfrm>
-            <a:off x="1092323" y="2684819"/>
+            <a:off x="791337" y="2705738"/>
             <a:ext cx="86340" cy="97234"/>
           </a:xfrm>
           <a:prstGeom prst="rect">
@@ -5046,7 +5175,7 @@
         </p:nvSpPr>
         <p:spPr>
           <a:xfrm>
-            <a:off x="1092323" y="2526664"/>
+            <a:off x="791337" y="2547583"/>
             <a:ext cx="86340" cy="97234"/>
           </a:xfrm>
           <a:prstGeom prst="rect">
@@ -5089,7 +5218,7 @@
         </p:nvSpPr>
         <p:spPr>
           <a:xfrm>
-            <a:off x="1092323" y="2995483"/>
+            <a:off x="791337" y="3016402"/>
             <a:ext cx="86340" cy="97234"/>
           </a:xfrm>
           <a:prstGeom prst="rect">
@@ -5135,7 +5264,7 @@
         </p:nvSpPr>
         <p:spPr>
           <a:xfrm>
-            <a:off x="1092323" y="2837327"/>
+            <a:off x="791337" y="2858246"/>
             <a:ext cx="86340" cy="97234"/>
           </a:xfrm>
           <a:prstGeom prst="rect">
@@ -5178,7 +5307,7 @@
         </p:nvSpPr>
         <p:spPr>
           <a:xfrm>
-            <a:off x="1092323" y="3322286"/>
+            <a:off x="791337" y="3343205"/>
             <a:ext cx="86340" cy="97234"/>
           </a:xfrm>
           <a:prstGeom prst="rect">
@@ -5224,7 +5353,7 @@
         </p:nvSpPr>
         <p:spPr>
           <a:xfrm>
-            <a:off x="1092323" y="3164129"/>
+            <a:off x="791337" y="3185048"/>
             <a:ext cx="86340" cy="97234"/>
           </a:xfrm>
           <a:prstGeom prst="rect">
@@ -5267,7 +5396,7 @@
         </p:nvSpPr>
         <p:spPr>
           <a:xfrm>
-            <a:off x="1092323" y="3649088"/>
+            <a:off x="791337" y="3670007"/>
             <a:ext cx="86340" cy="97234"/>
           </a:xfrm>
           <a:prstGeom prst="rect">
@@ -5313,7 +5442,7 @@
         </p:nvSpPr>
         <p:spPr>
           <a:xfrm>
-            <a:off x="1092323" y="3490932"/>
+            <a:off x="791337" y="3511851"/>
             <a:ext cx="86340" cy="97234"/>
           </a:xfrm>
           <a:prstGeom prst="rect">
@@ -5356,7 +5485,7 @@
         </p:nvSpPr>
         <p:spPr>
           <a:xfrm>
-            <a:off x="1092323" y="3975890"/>
+            <a:off x="791337" y="3996809"/>
             <a:ext cx="86340" cy="97234"/>
           </a:xfrm>
           <a:prstGeom prst="rect">
@@ -5402,7 +5531,7 @@
         </p:nvSpPr>
         <p:spPr>
           <a:xfrm>
-            <a:off x="1092323" y="3817734"/>
+            <a:off x="791337" y="3838653"/>
             <a:ext cx="86340" cy="97234"/>
           </a:xfrm>
           <a:prstGeom prst="rect">
@@ -5453,7 +5582,7 @@
         </p:blipFill>
         <p:spPr>
           <a:xfrm>
-            <a:off x="585576" y="786142"/>
+            <a:off x="284593" y="807064"/>
             <a:ext cx="464785" cy="464785"/>
           </a:xfrm>
           <a:prstGeom prst="rect">
@@ -5477,7 +5606,7 @@
         </p:blipFill>
         <p:spPr>
           <a:xfrm>
-            <a:off x="585576" y="1304990"/>
+            <a:off x="284593" y="1325912"/>
             <a:ext cx="464785" cy="464785"/>
           </a:xfrm>
           <a:prstGeom prst="rect">
@@ -5501,7 +5630,7 @@
         </p:blipFill>
         <p:spPr>
           <a:xfrm>
-            <a:off x="585576" y="1806894"/>
+            <a:off x="284593" y="1827816"/>
             <a:ext cx="464785" cy="464785"/>
           </a:xfrm>
           <a:prstGeom prst="rect">
@@ -5525,7 +5654,7 @@
         </p:blipFill>
         <p:spPr>
           <a:xfrm>
-            <a:off x="585579" y="3115316"/>
+            <a:off x="284596" y="3136238"/>
             <a:ext cx="472855" cy="472855"/>
           </a:xfrm>
           <a:prstGeom prst="rect">
@@ -5549,7 +5678,7 @@
         </p:blipFill>
         <p:spPr>
           <a:xfrm>
-            <a:off x="585579" y="2604133"/>
+            <a:off x="284596" y="2625055"/>
             <a:ext cx="472855" cy="472855"/>
           </a:xfrm>
           <a:prstGeom prst="rect">
@@ -5573,7 +5702,7 @@
         </p:blipFill>
         <p:spPr>
           <a:xfrm>
-            <a:off x="585579" y="3625690"/>
+            <a:off x="284596" y="3646612"/>
             <a:ext cx="472855" cy="447437"/>
           </a:xfrm>
           <a:prstGeom prst="rect">
@@ -5589,7 +5718,7 @@
         </p:nvSpPr>
         <p:spPr>
           <a:xfrm>
-            <a:off x="1092323" y="784525"/>
+            <a:off x="791337" y="805444"/>
             <a:ext cx="86340" cy="97234"/>
           </a:xfrm>
           <a:prstGeom prst="rect">
@@ -5635,7 +5764,7 @@
         </p:nvSpPr>
         <p:spPr>
           <a:xfrm>
-            <a:off x="454453" y="786140"/>
+            <a:off x="153467" y="807059"/>
             <a:ext cx="86340" cy="97234"/>
           </a:xfrm>
           <a:prstGeom prst="rect">
@@ -5681,7 +5810,7 @@
         </p:nvSpPr>
         <p:spPr>
           <a:xfrm rot="5030305" flipH="1">
-            <a:off x="802423" y="2327066"/>
+            <a:off x="501437" y="2347985"/>
             <a:ext cx="30868" cy="30868"/>
           </a:xfrm>
           <a:prstGeom prst="ellipse">
@@ -5726,7 +5855,7 @@
         </p:nvSpPr>
         <p:spPr>
           <a:xfrm rot="5030305" flipH="1">
-            <a:off x="802423" y="2416634"/>
+            <a:off x="501437" y="2437553"/>
             <a:ext cx="30868" cy="30868"/>
           </a:xfrm>
           <a:prstGeom prst="ellipse">
@@ -5771,7 +5900,7 @@
         </p:nvSpPr>
         <p:spPr>
           <a:xfrm rot="5030305" flipH="1">
-            <a:off x="802423" y="2522743"/>
+            <a:off x="501437" y="2543662"/>
             <a:ext cx="30868" cy="30868"/>
           </a:xfrm>
           <a:prstGeom prst="ellipse">
@@ -5816,7 +5945,7 @@
         </p:nvSpPr>
         <p:spPr>
           <a:xfrm>
-            <a:off x="454730" y="407697"/>
+            <a:off x="153744" y="428616"/>
             <a:ext cx="726482" cy="444096"/>
           </a:xfrm>
           <a:prstGeom prst="rect">
@@ -5862,7 +5991,7 @@
         </p:nvCxnSpPr>
         <p:spPr>
           <a:xfrm flipV="1">
-            <a:off x="2544740" y="1611713"/>
+            <a:off x="2243754" y="1632635"/>
             <a:ext cx="416082" cy="822957"/>
           </a:xfrm>
           <a:prstGeom prst="straightConnector1">
@@ -5903,7 +6032,7 @@
         </p:nvCxnSpPr>
         <p:spPr>
           <a:xfrm flipV="1">
-            <a:off x="2544742" y="2432476"/>
+            <a:off x="2243759" y="2453395"/>
             <a:ext cx="262627" cy="2192"/>
           </a:xfrm>
           <a:prstGeom prst="straightConnector1">
@@ -5945,7 +6074,7 @@
         </p:nvCxnSpPr>
         <p:spPr>
           <a:xfrm flipV="1">
-            <a:off x="4035721" y="2419212"/>
+            <a:off x="3734738" y="2440134"/>
             <a:ext cx="828219" cy="13153"/>
           </a:xfrm>
           <a:prstGeom prst="straightConnector1">
@@ -5983,7 +6112,7 @@
         </p:nvSpPr>
         <p:spPr>
           <a:xfrm>
-            <a:off x="4193052" y="2137003"/>
+            <a:off x="3892069" y="2157925"/>
             <a:ext cx="511679" cy="327141"/>
           </a:xfrm>
           <a:prstGeom prst="rect">
@@ -6033,7 +6162,7 @@
         </p:nvSpPr>
         <p:spPr>
           <a:xfrm>
-            <a:off x="4193052" y="456816"/>
+            <a:off x="3892069" y="477738"/>
             <a:ext cx="534121" cy="327141"/>
           </a:xfrm>
           <a:prstGeom prst="rect">
@@ -6072,7 +6201,7 @@
         </p:nvSpPr>
         <p:spPr>
           <a:xfrm>
-            <a:off x="4149207" y="3786028"/>
+            <a:off x="3848224" y="3806950"/>
             <a:ext cx="620683" cy="327141"/>
           </a:xfrm>
           <a:prstGeom prst="rect">
@@ -6118,7 +6247,7 @@
         </p:nvSpPr>
         <p:spPr>
           <a:xfrm rot="5030305" flipH="1">
-            <a:off x="4488974" y="1529083"/>
+            <a:off x="4187988" y="1550002"/>
             <a:ext cx="30868" cy="30868"/>
           </a:xfrm>
           <a:prstGeom prst="ellipse">
@@ -6163,7 +6292,7 @@
         </p:nvSpPr>
         <p:spPr>
           <a:xfrm rot="5030305" flipH="1">
-            <a:off x="4488974" y="1618651"/>
+            <a:off x="4187988" y="1639570"/>
             <a:ext cx="30868" cy="30868"/>
           </a:xfrm>
           <a:prstGeom prst="ellipse">
@@ -6208,7 +6337,7 @@
         </p:nvSpPr>
         <p:spPr>
           <a:xfrm rot="5030305" flipH="1">
-            <a:off x="4488974" y="1714677"/>
+            <a:off x="4187988" y="1735596"/>
             <a:ext cx="30868" cy="30868"/>
           </a:xfrm>
           <a:prstGeom prst="ellipse">
@@ -6253,7 +6382,7 @@
         </p:nvSpPr>
         <p:spPr>
           <a:xfrm rot="5030305" flipH="1">
-            <a:off x="4488899" y="2870774"/>
+            <a:off x="4187913" y="2891693"/>
             <a:ext cx="30868" cy="30868"/>
           </a:xfrm>
           <a:prstGeom prst="ellipse">
@@ -6298,7 +6427,7 @@
         </p:nvSpPr>
         <p:spPr>
           <a:xfrm rot="5030305" flipH="1">
-            <a:off x="4488899" y="2960342"/>
+            <a:off x="4187913" y="2981261"/>
             <a:ext cx="30868" cy="30868"/>
           </a:xfrm>
           <a:prstGeom prst="ellipse">
@@ -6343,7 +6472,7 @@
         </p:nvSpPr>
         <p:spPr>
           <a:xfrm rot="5030305" flipH="1">
-            <a:off x="4488899" y="3066452"/>
+            <a:off x="4187913" y="3087371"/>
             <a:ext cx="30868" cy="30868"/>
           </a:xfrm>
           <a:prstGeom prst="ellipse">
@@ -6391,7 +6520,7 @@
         </p:nvCxnSpPr>
         <p:spPr>
           <a:xfrm flipV="1">
-            <a:off x="3508275" y="1284084"/>
+            <a:off x="3207292" y="1305003"/>
             <a:ext cx="5420469" cy="15346"/>
           </a:xfrm>
           <a:prstGeom prst="line">
@@ -6426,7 +6555,7 @@
         </p:nvSpPr>
         <p:spPr>
           <a:xfrm>
-            <a:off x="6113281" y="1229839"/>
+            <a:off x="5812295" y="1250761"/>
             <a:ext cx="364202" cy="327141"/>
           </a:xfrm>
           <a:prstGeom prst="rect">
@@ -6465,7 +6594,7 @@
         </p:nvSpPr>
         <p:spPr>
           <a:xfrm>
-            <a:off x="5081964" y="1250623"/>
+            <a:off x="4780978" y="1271545"/>
             <a:ext cx="364202" cy="327141"/>
           </a:xfrm>
           <a:prstGeom prst="rect">
@@ -6504,7 +6633,7 @@
         </p:nvCxnSpPr>
         <p:spPr>
           <a:xfrm flipH="1">
-            <a:off x="5241327" y="1537304"/>
+            <a:off x="4940341" y="1558223"/>
             <a:ext cx="1210" cy="137176"/>
           </a:xfrm>
           <a:prstGeom prst="straightConnector1">
@@ -6540,7 +6669,7 @@
         </p:nvSpPr>
         <p:spPr>
           <a:xfrm>
-            <a:off x="4826234" y="1674737"/>
+            <a:off x="4525251" y="1695656"/>
             <a:ext cx="832603" cy="248530"/>
           </a:xfrm>
           <a:prstGeom prst="rect">
@@ -6624,7 +6753,7 @@
         </p:nvCxnSpPr>
         <p:spPr>
           <a:xfrm flipH="1">
-            <a:off x="6273488" y="1548265"/>
+            <a:off x="5972502" y="1569184"/>
             <a:ext cx="1210" cy="137176"/>
           </a:xfrm>
           <a:prstGeom prst="straightConnector1">
@@ -6660,7 +6789,7 @@
         </p:nvSpPr>
         <p:spPr>
           <a:xfrm>
-            <a:off x="5858762" y="1674737"/>
+            <a:off x="5557776" y="1695656"/>
             <a:ext cx="835672" cy="248530"/>
           </a:xfrm>
           <a:prstGeom prst="rect">
@@ -6747,7 +6876,7 @@
         </p:nvCxnSpPr>
         <p:spPr>
           <a:xfrm flipH="1">
-            <a:off x="7321844" y="1537376"/>
+            <a:off x="7020858" y="1558295"/>
             <a:ext cx="1210" cy="137176"/>
           </a:xfrm>
           <a:prstGeom prst="straightConnector1">
@@ -6783,7 +6912,7 @@
         </p:nvSpPr>
         <p:spPr>
           <a:xfrm>
-            <a:off x="9074306" y="1660519"/>
+            <a:off x="8773320" y="1681438"/>
             <a:ext cx="612668" cy="262380"/>
           </a:xfrm>
           <a:prstGeom prst="rect">
@@ -6815,7 +6944,7 @@
         </p:nvCxnSpPr>
         <p:spPr>
           <a:xfrm flipV="1">
-            <a:off x="5239245" y="2797591"/>
+            <a:off x="4938259" y="2818513"/>
             <a:ext cx="2192" cy="256489"/>
           </a:xfrm>
           <a:prstGeom prst="straightConnector1">
@@ -6848,7 +6977,7 @@
         </p:nvSpPr>
         <p:spPr>
           <a:xfrm>
-            <a:off x="4907344" y="3089592"/>
+            <a:off x="4606358" y="3110511"/>
             <a:ext cx="716854" cy="262380"/>
           </a:xfrm>
           <a:prstGeom prst="rect">
@@ -6880,7 +7009,7 @@
         </p:nvSpPr>
         <p:spPr>
           <a:xfrm>
-            <a:off x="6122640" y="3018486"/>
+            <a:off x="5821654" y="3039408"/>
             <a:ext cx="332142" cy="304827"/>
           </a:xfrm>
           <a:prstGeom prst="rect">
@@ -6919,7 +7048,7 @@
         </p:nvSpPr>
         <p:spPr>
           <a:xfrm>
-            <a:off x="3624052" y="1045941"/>
+            <a:off x="3323069" y="1066863"/>
             <a:ext cx="798617" cy="287899"/>
           </a:xfrm>
           <a:prstGeom prst="rect">
@@ -6951,7 +7080,7 @@
         </p:nvSpPr>
         <p:spPr>
           <a:xfrm>
-            <a:off x="9236290" y="1210163"/>
+            <a:off x="8935304" y="1231085"/>
             <a:ext cx="393056" cy="327141"/>
           </a:xfrm>
           <a:prstGeom prst="rect">
@@ -6990,7 +7119,7 @@
         </p:nvCxnSpPr>
         <p:spPr>
           <a:xfrm flipH="1">
-            <a:off x="9398268" y="1541250"/>
+            <a:off x="9097282" y="1562169"/>
             <a:ext cx="1210" cy="137176"/>
           </a:xfrm>
           <a:prstGeom prst="straightConnector1">
@@ -7026,7 +7155,7 @@
         </p:nvCxnSpPr>
         <p:spPr>
           <a:xfrm flipH="1" flipV="1">
-            <a:off x="9403163" y="1888438"/>
+            <a:off x="9102180" y="1909360"/>
             <a:ext cx="807" cy="159367"/>
           </a:xfrm>
           <a:prstGeom prst="straightConnector1">
@@ -7059,7 +7188,7 @@
         </p:nvCxnSpPr>
         <p:spPr>
           <a:xfrm flipV="1">
-            <a:off x="9399532" y="2788965"/>
+            <a:off x="9098549" y="2809884"/>
             <a:ext cx="3631" cy="276370"/>
           </a:xfrm>
           <a:prstGeom prst="straightConnector1">
@@ -7092,7 +7221,7 @@
         </p:nvSpPr>
         <p:spPr>
           <a:xfrm>
-            <a:off x="7153153" y="1229874"/>
+            <a:off x="6852167" y="1250796"/>
             <a:ext cx="364202" cy="327141"/>
           </a:xfrm>
           <a:prstGeom prst="rect">
@@ -7131,7 +7260,7 @@
         </p:nvSpPr>
         <p:spPr>
           <a:xfrm>
-            <a:off x="6904012" y="1674737"/>
+            <a:off x="6603026" y="1695656"/>
             <a:ext cx="835234" cy="248530"/>
           </a:xfrm>
           <a:prstGeom prst="rect">
@@ -7218,7 +7347,7 @@
         </p:nvSpPr>
         <p:spPr>
           <a:xfrm rot="5030305" flipH="1">
-            <a:off x="8437949" y="1375840"/>
+            <a:off x="8136963" y="1396759"/>
             <a:ext cx="30868" cy="30868"/>
           </a:xfrm>
           <a:prstGeom prst="ellipse">
@@ -7263,7 +7392,7 @@
         </p:nvSpPr>
         <p:spPr>
           <a:xfrm rot="5030305" flipH="1">
-            <a:off x="8328208" y="1376244"/>
+            <a:off x="8027222" y="1397163"/>
             <a:ext cx="30868" cy="30868"/>
           </a:xfrm>
           <a:prstGeom prst="ellipse">
@@ -7308,7 +7437,7 @@
         </p:nvSpPr>
         <p:spPr>
           <a:xfrm rot="5030305" flipH="1">
-            <a:off x="8222905" y="1376244"/>
+            <a:off x="7921919" y="1397163"/>
             <a:ext cx="30868" cy="30868"/>
           </a:xfrm>
           <a:prstGeom prst="ellipse">
@@ -7353,7 +7482,7 @@
         </p:nvSpPr>
         <p:spPr>
           <a:xfrm>
-            <a:off x="7926460" y="1674737"/>
+            <a:off x="7625477" y="1695656"/>
             <a:ext cx="834795" cy="248530"/>
           </a:xfrm>
           <a:prstGeom prst="rect">
@@ -7391,7 +7520,7 @@
         </p:nvSpPr>
         <p:spPr>
           <a:xfrm rot="5030305" flipH="1">
-            <a:off x="8438215" y="1753513"/>
+            <a:off x="8137229" y="1774432"/>
             <a:ext cx="30868" cy="30868"/>
           </a:xfrm>
           <a:prstGeom prst="ellipse">
@@ -7436,7 +7565,7 @@
         </p:nvSpPr>
         <p:spPr>
           <a:xfrm rot="5030305" flipH="1">
-            <a:off x="8328474" y="1753916"/>
+            <a:off x="8027488" y="1774835"/>
             <a:ext cx="30868" cy="30868"/>
           </a:xfrm>
           <a:prstGeom prst="ellipse">
@@ -7481,7 +7610,7 @@
         </p:nvSpPr>
         <p:spPr>
           <a:xfrm rot="5030305" flipH="1">
-            <a:off x="8223171" y="1753916"/>
+            <a:off x="7922185" y="1774835"/>
             <a:ext cx="30868" cy="30868"/>
           </a:xfrm>
           <a:prstGeom prst="ellipse">
@@ -7526,7 +7655,7 @@
         </p:nvCxnSpPr>
         <p:spPr>
           <a:xfrm flipH="1">
-            <a:off x="8346596" y="1537551"/>
+            <a:off x="8045610" y="1558470"/>
             <a:ext cx="1210" cy="137176"/>
           </a:xfrm>
           <a:prstGeom prst="straightConnector1">
@@ -7562,7 +7691,7 @@
         </p:nvCxnSpPr>
         <p:spPr>
           <a:xfrm flipH="1" flipV="1">
-            <a:off x="8351631" y="1893646"/>
+            <a:off x="8050648" y="1914568"/>
             <a:ext cx="807" cy="159367"/>
           </a:xfrm>
           <a:prstGeom prst="straightConnector1">
@@ -7595,7 +7724,7 @@
         </p:nvSpPr>
         <p:spPr>
           <a:xfrm rot="5030305" flipH="1">
-            <a:off x="8472148" y="3123018"/>
+            <a:off x="8171162" y="3143937"/>
             <a:ext cx="30868" cy="30868"/>
           </a:xfrm>
           <a:prstGeom prst="ellipse">
@@ -7640,7 +7769,7 @@
         </p:nvSpPr>
         <p:spPr>
           <a:xfrm rot="5030305" flipH="1">
-            <a:off x="8362406" y="3123422"/>
+            <a:off x="8061420" y="3144341"/>
             <a:ext cx="30868" cy="30868"/>
           </a:xfrm>
           <a:prstGeom prst="ellipse">
@@ -7685,7 +7814,7 @@
         </p:nvSpPr>
         <p:spPr>
           <a:xfrm rot="5030305" flipH="1">
-            <a:off x="8257103" y="3123422"/>
+            <a:off x="7956117" y="3144341"/>
             <a:ext cx="30868" cy="30868"/>
           </a:xfrm>
           <a:prstGeom prst="ellipse">
@@ -7730,7 +7859,7 @@
         </p:nvSpPr>
         <p:spPr>
           <a:xfrm>
-            <a:off x="4776327" y="70210"/>
+            <a:off x="4475341" y="91129"/>
             <a:ext cx="5153092" cy="1108582"/>
           </a:xfrm>
           <a:prstGeom prst="roundRect">
@@ -7783,7 +7912,7 @@
         </p:nvSpPr>
         <p:spPr>
           <a:xfrm>
-            <a:off x="4857439" y="214095"/>
+            <a:off x="4556453" y="235017"/>
             <a:ext cx="760260" cy="754999"/>
           </a:xfrm>
           <a:prstGeom prst="ellipse">
@@ -7866,7 +7995,7 @@
         </p:nvSpPr>
         <p:spPr>
           <a:xfrm>
-            <a:off x="7974332" y="214097"/>
+            <a:off x="7673349" y="235016"/>
             <a:ext cx="759383" cy="754560"/>
           </a:xfrm>
           <a:prstGeom prst="ellipse">
@@ -7923,7 +8052,7 @@
         </p:nvSpPr>
         <p:spPr>
           <a:xfrm rot="5030305" flipH="1">
-            <a:off x="8443870" y="575192"/>
+            <a:off x="8142884" y="596111"/>
             <a:ext cx="30868" cy="30868"/>
           </a:xfrm>
           <a:prstGeom prst="ellipse">
@@ -7968,7 +8097,7 @@
         </p:nvSpPr>
         <p:spPr>
           <a:xfrm rot="5030305" flipH="1">
-            <a:off x="8321414" y="575157"/>
+            <a:off x="8020428" y="596076"/>
             <a:ext cx="30868" cy="30868"/>
           </a:xfrm>
           <a:prstGeom prst="ellipse">
@@ -8013,7 +8142,7 @@
         </p:nvSpPr>
         <p:spPr>
           <a:xfrm rot="5030305" flipH="1">
-            <a:off x="8194189" y="576034"/>
+            <a:off x="7893203" y="596953"/>
             <a:ext cx="30868" cy="30868"/>
           </a:xfrm>
           <a:prstGeom prst="ellipse">
@@ -8061,7 +8190,7 @@
         </p:nvCxnSpPr>
         <p:spPr>
           <a:xfrm>
-            <a:off x="6649796" y="591154"/>
+            <a:off x="6348813" y="612073"/>
             <a:ext cx="279727" cy="0"/>
           </a:xfrm>
           <a:prstGeom prst="straightConnector1">
@@ -8097,7 +8226,7 @@
         </p:nvCxnSpPr>
         <p:spPr>
           <a:xfrm>
-            <a:off x="7689786" y="591158"/>
+            <a:off x="7388803" y="612077"/>
             <a:ext cx="284549" cy="438"/>
           </a:xfrm>
           <a:prstGeom prst="straightConnector1">
@@ -8128,13 +8257,14 @@
           <p:cNvCxnSpPr>
             <a:cxnSpLocks/>
             <a:stCxn id="146" idx="3"/>
+            <a:endCxn id="264" idx="1"/>
           </p:cNvCxnSpPr>
           <p:nvPr/>
         </p:nvCxnSpPr>
         <p:spPr>
           <a:xfrm>
-            <a:off x="9929419" y="624501"/>
-            <a:ext cx="685209" cy="1034321"/>
+            <a:off x="9628433" y="645420"/>
+            <a:ext cx="406182" cy="770362"/>
           </a:xfrm>
           <a:prstGeom prst="straightConnector1">
             <a:avLst/>
@@ -8169,7 +8299,7 @@
         </p:nvCxnSpPr>
         <p:spPr>
           <a:xfrm rot="16200000" flipH="1">
-            <a:off x="7454338" y="68971"/>
+            <a:off x="7153355" y="89893"/>
             <a:ext cx="754999" cy="1044371"/>
           </a:xfrm>
           <a:prstGeom prst="bentConnector5">
@@ -8212,7 +8342,7 @@
         </p:nvCxnSpPr>
         <p:spPr>
           <a:xfrm rot="16200000" flipH="1">
-            <a:off x="8498711" y="69410"/>
+            <a:off x="8197725" y="90329"/>
             <a:ext cx="754560" cy="1043932"/>
           </a:xfrm>
           <a:prstGeom prst="bentConnector5">
@@ -8252,7 +8382,7 @@
         </p:nvCxnSpPr>
         <p:spPr>
           <a:xfrm rot="16200000" flipH="1">
-            <a:off x="5376340" y="75329"/>
+            <a:off x="5075354" y="96251"/>
             <a:ext cx="754560" cy="1032095"/>
           </a:xfrm>
           <a:prstGeom prst="bentConnector5">
@@ -8295,7 +8425,7 @@
         </p:nvCxnSpPr>
         <p:spPr>
           <a:xfrm>
-            <a:off x="6694434" y="1799004"/>
+            <a:off x="6393448" y="1819926"/>
             <a:ext cx="475646" cy="1372335"/>
           </a:xfrm>
           <a:prstGeom prst="bentConnector3">
@@ -8336,7 +8466,7 @@
         </p:nvCxnSpPr>
         <p:spPr>
           <a:xfrm>
-            <a:off x="8761255" y="1799004"/>
+            <a:off x="8460272" y="1819926"/>
             <a:ext cx="484415" cy="1354797"/>
           </a:xfrm>
           <a:prstGeom prst="bentConnector3">
@@ -8374,7 +8504,7 @@
         </p:nvSpPr>
         <p:spPr>
           <a:xfrm>
-            <a:off x="2413039" y="987257"/>
+            <a:off x="2112053" y="1008179"/>
             <a:ext cx="1095230" cy="624343"/>
           </a:xfrm>
           <a:prstGeom prst="roundRect">
@@ -8469,7 +8599,7 @@
         </p:nvSpPr>
         <p:spPr>
           <a:xfrm>
-            <a:off x="2807201" y="2106166"/>
+            <a:off x="2506218" y="2127088"/>
             <a:ext cx="1228517" cy="651965"/>
           </a:xfrm>
           <a:prstGeom prst="roundRect">
@@ -8564,7 +8694,7 @@
         </p:nvSpPr>
         <p:spPr>
           <a:xfrm>
-            <a:off x="1565968" y="2071089"/>
+            <a:off x="1264982" y="2092008"/>
             <a:ext cx="978604" cy="726500"/>
           </a:xfrm>
           <a:prstGeom prst="roundRect">
@@ -8646,7 +8776,7 @@
         </p:nvCxnSpPr>
         <p:spPr>
           <a:xfrm flipV="1">
-            <a:off x="1257759" y="2434668"/>
+            <a:off x="956773" y="2455587"/>
             <a:ext cx="303402" cy="944"/>
           </a:xfrm>
           <a:prstGeom prst="straightConnector1">
@@ -8687,7 +8817,7 @@
         </p:nvCxnSpPr>
         <p:spPr>
           <a:xfrm>
-            <a:off x="5658837" y="1799002"/>
+            <a:off x="5357854" y="1819921"/>
             <a:ext cx="463805" cy="1371896"/>
           </a:xfrm>
           <a:prstGeom prst="bentConnector3">
@@ -8729,7 +8859,7 @@
         </p:nvCxnSpPr>
         <p:spPr>
           <a:xfrm flipV="1">
-            <a:off x="4035718" y="591595"/>
+            <a:off x="3734735" y="612514"/>
             <a:ext cx="821721" cy="1840554"/>
           </a:xfrm>
           <a:prstGeom prst="straightConnector1">
@@ -8767,7 +8897,7 @@
         </p:nvSpPr>
         <p:spPr>
           <a:xfrm>
-            <a:off x="5889534" y="213657"/>
+            <a:off x="5588548" y="234579"/>
             <a:ext cx="760260" cy="754999"/>
           </a:xfrm>
           <a:prstGeom prst="ellipse">
@@ -8870,7 +9000,7 @@
         </p:nvSpPr>
         <p:spPr>
           <a:xfrm>
-            <a:off x="6929520" y="213657"/>
+            <a:off x="6628534" y="234579"/>
             <a:ext cx="760260" cy="754999"/>
           </a:xfrm>
           <a:prstGeom prst="ellipse">
@@ -8973,7 +9103,7 @@
         </p:nvSpPr>
         <p:spPr>
           <a:xfrm>
-            <a:off x="9017824" y="213657"/>
+            <a:off x="8716838" y="234579"/>
             <a:ext cx="760260" cy="754999"/>
           </a:xfrm>
           <a:prstGeom prst="ellipse">
@@ -9079,7 +9209,7 @@
         </p:nvCxnSpPr>
         <p:spPr>
           <a:xfrm rot="16200000" flipH="1">
-            <a:off x="6412160" y="71161"/>
+            <a:off x="6111177" y="92080"/>
             <a:ext cx="754999" cy="1039986"/>
           </a:xfrm>
           <a:prstGeom prst="bentConnector5">
@@ -9119,7 +9249,7 @@
         </p:nvCxnSpPr>
         <p:spPr>
           <a:xfrm>
-            <a:off x="8738099" y="591154"/>
+            <a:off x="8437116" y="612073"/>
             <a:ext cx="279727" cy="0"/>
           </a:xfrm>
           <a:prstGeom prst="straightConnector1">
@@ -9152,7 +9282,7 @@
         </p:nvCxnSpPr>
         <p:spPr>
           <a:xfrm>
-            <a:off x="5617701" y="590716"/>
+            <a:off x="5316718" y="611635"/>
             <a:ext cx="279727" cy="0"/>
           </a:xfrm>
           <a:prstGeom prst="straightConnector1">
@@ -9185,7 +9315,7 @@
         </p:nvSpPr>
         <p:spPr>
           <a:xfrm>
-            <a:off x="4863935" y="2041712"/>
+            <a:off x="4562949" y="2062634"/>
             <a:ext cx="760260" cy="754999"/>
           </a:xfrm>
           <a:prstGeom prst="ellipse">
@@ -9268,7 +9398,7 @@
         </p:nvSpPr>
         <p:spPr>
           <a:xfrm>
-            <a:off x="7979512" y="2046533"/>
+            <a:off x="7678529" y="2067452"/>
             <a:ext cx="759383" cy="746230"/>
           </a:xfrm>
           <a:prstGeom prst="ellipse">
@@ -9325,7 +9455,7 @@
         </p:nvSpPr>
         <p:spPr>
           <a:xfrm rot="5030305" flipH="1">
-            <a:off x="8475795" y="2390094"/>
+            <a:off x="8174809" y="2411013"/>
             <a:ext cx="30868" cy="30868"/>
           </a:xfrm>
           <a:prstGeom prst="ellipse">
@@ -9370,7 +9500,7 @@
         </p:nvSpPr>
         <p:spPr>
           <a:xfrm rot="5030305" flipH="1">
-            <a:off x="8353339" y="2390059"/>
+            <a:off x="8052353" y="2410978"/>
             <a:ext cx="30868" cy="30868"/>
           </a:xfrm>
           <a:prstGeom prst="ellipse">
@@ -9415,7 +9545,7 @@
         </p:nvSpPr>
         <p:spPr>
           <a:xfrm rot="5030305" flipH="1">
-            <a:off x="8226114" y="2390936"/>
+            <a:off x="7925128" y="2411855"/>
             <a:ext cx="30868" cy="30868"/>
           </a:xfrm>
           <a:prstGeom prst="ellipse">
@@ -9463,7 +9593,7 @@
         </p:nvCxnSpPr>
         <p:spPr>
           <a:xfrm>
-            <a:off x="7694087" y="2415264"/>
+            <a:off x="7393101" y="2436183"/>
             <a:ext cx="285426" cy="4384"/>
           </a:xfrm>
           <a:prstGeom prst="straightConnector1">
@@ -9496,7 +9626,7 @@
         </p:nvSpPr>
         <p:spPr>
           <a:xfrm>
-            <a:off x="6933824" y="2037766"/>
+            <a:off x="6632838" y="2058688"/>
             <a:ext cx="760260" cy="754999"/>
           </a:xfrm>
           <a:prstGeom prst="ellipse">
@@ -9579,7 +9709,7 @@
         </p:nvSpPr>
         <p:spPr>
           <a:xfrm>
-            <a:off x="9023004" y="2042151"/>
+            <a:off x="8722018" y="2063073"/>
             <a:ext cx="760260" cy="754999"/>
           </a:xfrm>
           <a:prstGeom prst="ellipse">
@@ -9662,7 +9792,7 @@
         </p:nvCxnSpPr>
         <p:spPr>
           <a:xfrm>
-            <a:off x="8743279" y="2419648"/>
+            <a:off x="8442296" y="2440567"/>
             <a:ext cx="279727" cy="0"/>
           </a:xfrm>
           <a:prstGeom prst="straightConnector1">
@@ -9695,7 +9825,7 @@
         </p:nvCxnSpPr>
         <p:spPr>
           <a:xfrm>
-            <a:off x="5622881" y="2419210"/>
+            <a:off x="5321898" y="2440129"/>
             <a:ext cx="279727" cy="0"/>
           </a:xfrm>
           <a:prstGeom prst="straightConnector1">
@@ -9728,7 +9858,7 @@
         </p:nvCxnSpPr>
         <p:spPr>
           <a:xfrm flipV="1">
-            <a:off x="5242753" y="1885191"/>
+            <a:off x="4941767" y="1906113"/>
             <a:ext cx="2192" cy="157401"/>
           </a:xfrm>
           <a:prstGeom prst="straightConnector1">
@@ -9761,7 +9891,7 @@
         </p:nvCxnSpPr>
         <p:spPr>
           <a:xfrm flipH="1" flipV="1">
-            <a:off x="6277477" y="1893520"/>
+            <a:off x="5976494" y="1914439"/>
             <a:ext cx="877" cy="150386"/>
           </a:xfrm>
           <a:prstGeom prst="straightConnector1">
@@ -9794,7 +9924,7 @@
         </p:nvSpPr>
         <p:spPr>
           <a:xfrm>
-            <a:off x="5893837" y="2041712"/>
+            <a:off x="5592851" y="2062634"/>
             <a:ext cx="760260" cy="754999"/>
           </a:xfrm>
           <a:prstGeom prst="ellipse">
@@ -9897,7 +10027,7 @@
         </p:nvCxnSpPr>
         <p:spPr>
           <a:xfrm>
-            <a:off x="6654099" y="2415264"/>
+            <a:off x="6353116" y="2436183"/>
             <a:ext cx="279727" cy="0"/>
           </a:xfrm>
           <a:prstGeom prst="straightConnector1">
@@ -9930,7 +10060,7 @@
         </p:nvCxnSpPr>
         <p:spPr>
           <a:xfrm flipH="1" flipV="1">
-            <a:off x="7320971" y="1893520"/>
+            <a:off x="7019988" y="1914439"/>
             <a:ext cx="877" cy="150386"/>
           </a:xfrm>
           <a:prstGeom prst="straightConnector1">
@@ -9963,7 +10093,7 @@
         </p:nvCxnSpPr>
         <p:spPr>
           <a:xfrm>
-            <a:off x="7741000" y="1786098"/>
+            <a:off x="7440014" y="1807017"/>
             <a:ext cx="445020" cy="1366188"/>
           </a:xfrm>
           <a:prstGeom prst="bentConnector3">
@@ -10001,7 +10131,7 @@
         </p:nvCxnSpPr>
         <p:spPr>
           <a:xfrm flipV="1">
-            <a:off x="6278355" y="2797591"/>
+            <a:off x="5977369" y="2818513"/>
             <a:ext cx="2192" cy="256489"/>
           </a:xfrm>
           <a:prstGeom prst="straightConnector1">
@@ -10034,7 +10164,7 @@
         </p:nvSpPr>
         <p:spPr>
           <a:xfrm>
-            <a:off x="7170080" y="3018925"/>
+            <a:off x="6869094" y="3039847"/>
             <a:ext cx="332142" cy="304827"/>
           </a:xfrm>
           <a:prstGeom prst="rect">
@@ -10073,7 +10203,7 @@
         </p:nvCxnSpPr>
         <p:spPr>
           <a:xfrm flipV="1">
-            <a:off x="7323164" y="2788822"/>
+            <a:off x="7022178" y="2809744"/>
             <a:ext cx="2192" cy="256489"/>
           </a:xfrm>
           <a:prstGeom prst="straightConnector1">
@@ -10106,7 +10236,7 @@
         </p:nvSpPr>
         <p:spPr>
           <a:xfrm>
-            <a:off x="9245668" y="3001387"/>
+            <a:off x="8944682" y="3022309"/>
             <a:ext cx="344966" cy="304827"/>
           </a:xfrm>
           <a:prstGeom prst="rect">
@@ -10145,7 +10275,7 @@
         </p:nvSpPr>
         <p:spPr>
           <a:xfrm>
-            <a:off x="4781508" y="3419735"/>
+            <a:off x="4480522" y="3440657"/>
             <a:ext cx="5134750" cy="1136029"/>
           </a:xfrm>
           <a:prstGeom prst="roundRect">
@@ -10198,7 +10328,7 @@
         </p:nvSpPr>
         <p:spPr>
           <a:xfrm>
-            <a:off x="4859989" y="3522334"/>
+            <a:off x="4559003" y="3543256"/>
             <a:ext cx="760260" cy="754999"/>
           </a:xfrm>
           <a:prstGeom prst="ellipse">
@@ -10281,7 +10411,7 @@
         </p:nvSpPr>
         <p:spPr>
           <a:xfrm>
-            <a:off x="7976881" y="3522335"/>
+            <a:off x="7675898" y="3543254"/>
             <a:ext cx="759383" cy="754560"/>
           </a:xfrm>
           <a:prstGeom prst="ellipse">
@@ -10338,7 +10468,7 @@
         </p:nvSpPr>
         <p:spPr>
           <a:xfrm rot="5030305" flipH="1">
-            <a:off x="8446420" y="3883431"/>
+            <a:off x="8145434" y="3904350"/>
             <a:ext cx="30868" cy="30868"/>
           </a:xfrm>
           <a:prstGeom prst="ellipse">
@@ -10383,7 +10513,7 @@
         </p:nvSpPr>
         <p:spPr>
           <a:xfrm rot="5030305" flipH="1">
-            <a:off x="8323964" y="3883395"/>
+            <a:off x="8022978" y="3904314"/>
             <a:ext cx="30868" cy="30868"/>
           </a:xfrm>
           <a:prstGeom prst="ellipse">
@@ -10428,7 +10558,7 @@
         </p:nvSpPr>
         <p:spPr>
           <a:xfrm rot="5030305" flipH="1">
-            <a:off x="8196738" y="3884272"/>
+            <a:off x="7895752" y="3905191"/>
             <a:ext cx="30868" cy="30868"/>
           </a:xfrm>
           <a:prstGeom prst="ellipse">
@@ -10476,7 +10606,7 @@
         </p:nvCxnSpPr>
         <p:spPr>
           <a:xfrm>
-            <a:off x="6652345" y="3899393"/>
+            <a:off x="6351362" y="3920312"/>
             <a:ext cx="279727" cy="0"/>
           </a:xfrm>
           <a:prstGeom prst="straightConnector1">
@@ -10512,7 +10642,7 @@
         </p:nvCxnSpPr>
         <p:spPr>
           <a:xfrm>
-            <a:off x="7692335" y="3899396"/>
+            <a:off x="7391352" y="3920315"/>
             <a:ext cx="284549" cy="438"/>
           </a:xfrm>
           <a:prstGeom prst="straightConnector1">
@@ -10548,7 +10678,7 @@
         </p:nvCxnSpPr>
         <p:spPr>
           <a:xfrm rot="16200000" flipH="1">
-            <a:off x="7456888" y="3377209"/>
+            <a:off x="7155905" y="3398131"/>
             <a:ext cx="754999" cy="1044371"/>
           </a:xfrm>
           <a:prstGeom prst="bentConnector5">
@@ -10591,7 +10721,7 @@
         </p:nvCxnSpPr>
         <p:spPr>
           <a:xfrm rot="16200000" flipH="1">
-            <a:off x="8501260" y="3377649"/>
+            <a:off x="8200274" y="3398568"/>
             <a:ext cx="754560" cy="1043932"/>
           </a:xfrm>
           <a:prstGeom prst="bentConnector5">
@@ -10631,7 +10761,7 @@
         </p:nvCxnSpPr>
         <p:spPr>
           <a:xfrm rot="16200000" flipH="1">
-            <a:off x="5378889" y="3383567"/>
+            <a:off x="5077903" y="3404489"/>
             <a:ext cx="754560" cy="1032095"/>
           </a:xfrm>
           <a:prstGeom prst="bentConnector5">
@@ -10671,7 +10801,7 @@
         </p:nvSpPr>
         <p:spPr>
           <a:xfrm>
-            <a:off x="5892083" y="3521895"/>
+            <a:off x="5591097" y="3542817"/>
             <a:ext cx="760260" cy="754999"/>
           </a:xfrm>
           <a:prstGeom prst="ellipse">
@@ -10764,7 +10894,7 @@
         </p:nvSpPr>
         <p:spPr>
           <a:xfrm>
-            <a:off x="6932070" y="3521895"/>
+            <a:off x="6631084" y="3542817"/>
             <a:ext cx="760260" cy="754999"/>
           </a:xfrm>
           <a:prstGeom prst="ellipse">
@@ -10857,7 +10987,7 @@
         </p:nvSpPr>
         <p:spPr>
           <a:xfrm>
-            <a:off x="9020373" y="3521895"/>
+            <a:off x="8719387" y="3542817"/>
             <a:ext cx="760260" cy="754999"/>
           </a:xfrm>
           <a:prstGeom prst="ellipse">
@@ -10950,7 +11080,7 @@
         </p:nvCxnSpPr>
         <p:spPr>
           <a:xfrm rot="16200000" flipH="1">
-            <a:off x="6414709" y="3379838"/>
+            <a:off x="6113726" y="3400757"/>
             <a:ext cx="754999" cy="1039986"/>
           </a:xfrm>
           <a:prstGeom prst="bentConnector5">
@@ -10990,7 +11120,7 @@
         </p:nvCxnSpPr>
         <p:spPr>
           <a:xfrm>
-            <a:off x="8740648" y="3899393"/>
+            <a:off x="8439665" y="3920312"/>
             <a:ext cx="279727" cy="0"/>
           </a:xfrm>
           <a:prstGeom prst="straightConnector1">
@@ -11023,7 +11153,7 @@
         </p:nvCxnSpPr>
         <p:spPr>
           <a:xfrm>
-            <a:off x="5620251" y="3898954"/>
+            <a:off x="5319268" y="3919873"/>
             <a:ext cx="279727" cy="0"/>
           </a:xfrm>
           <a:prstGeom prst="straightConnector1">
@@ -11060,7 +11190,7 @@
         </p:nvCxnSpPr>
         <p:spPr>
           <a:xfrm>
-            <a:off x="4035718" y="2432366"/>
+            <a:off x="3734735" y="2453285"/>
             <a:ext cx="824273" cy="1467468"/>
           </a:xfrm>
           <a:prstGeom prst="straightConnector1">
@@ -11106,8 +11236,8 @@
         </p:nvCxnSpPr>
         <p:spPr>
           <a:xfrm>
-            <a:off x="9882253" y="2402600"/>
-            <a:ext cx="732375" cy="0"/>
+            <a:off x="9573398" y="2337840"/>
+            <a:ext cx="529085" cy="4034"/>
           </a:xfrm>
           <a:prstGeom prst="straightConnector1">
             <a:avLst/>
@@ -11142,13 +11272,15 @@
           </p:cNvPr>
           <p:cNvCxnSpPr>
             <a:cxnSpLocks/>
+            <a:stCxn id="164" idx="3"/>
+            <a:endCxn id="258" idx="1"/>
           </p:cNvCxnSpPr>
           <p:nvPr/>
         </p:nvCxnSpPr>
         <p:spPr>
           <a:xfrm flipV="1">
-            <a:off x="9916258" y="3164129"/>
-            <a:ext cx="698370" cy="769169"/>
+            <a:off x="9615272" y="3295191"/>
+            <a:ext cx="419343" cy="713481"/>
           </a:xfrm>
           <a:prstGeom prst="straightConnector1">
             <a:avLst/>
@@ -11186,8 +11318,8 @@
         </p:nvSpPr>
         <p:spPr>
           <a:xfrm>
-            <a:off x="10882679" y="1486212"/>
-            <a:ext cx="1251374" cy="1864703"/>
+            <a:off x="10506888" y="1185706"/>
+            <a:ext cx="2729382" cy="2292584"/>
           </a:xfrm>
           <a:prstGeom prst="bracePair">
             <a:avLst>
@@ -11219,119 +11351,6 @@
               <a:latin typeface="Times New Roman" panose="02020603050405020304" pitchFamily="18" charset="0"/>
               <a:cs typeface="Times New Roman" panose="02020603050405020304" pitchFamily="18" charset="0"/>
             </a:endParaRPr>
-          </a:p>
-        </p:txBody>
-      </p:sp>
-      <p:sp>
-        <p:nvSpPr>
-          <p:cNvPr id="92" name="文本框 91">
-            <a:extLst>
-              <a:ext uri="{FF2B5EF4-FFF2-40B4-BE49-F238E27FC236}">
-                <a16:creationId xmlns:a16="http://schemas.microsoft.com/office/drawing/2014/main" id="{FA63B59F-6A41-F946-8786-6E1C595DC4D4}"/>
-              </a:ext>
-            </a:extLst>
-          </p:cNvPr>
-          <p:cNvSpPr txBox="1"/>
-          <p:nvPr/>
-        </p:nvSpPr>
-        <p:spPr>
-          <a:xfrm>
-            <a:off x="10415603" y="1506315"/>
-            <a:ext cx="1802411" cy="1813766"/>
-          </a:xfrm>
-          <a:prstGeom prst="rect">
-            <a:avLst/>
-          </a:prstGeom>
-          <a:noFill/>
-        </p:spPr>
-        <p:txBody>
-          <a:bodyPr wrap="square" rtlCol="0">
-            <a:spAutoFit/>
-          </a:bodyPr>
-          <a:lstStyle/>
-          <a:p>
-            <a:r>
-              <a:rPr kumimoji="1" lang="en-US" altLang="zh-CN" sz="1243" dirty="0">
-                <a:latin typeface="Times New Roman" panose="02020603050405020304" pitchFamily="18" charset="0"/>
-                <a:cs typeface="Times New Roman" panose="02020603050405020304" pitchFamily="18" charset="0"/>
-              </a:rPr>
-              <a:t>    </a:t>
-            </a:r>
-            <a:r>
-              <a:rPr kumimoji="1" lang="en-US" altLang="zh-CN" sz="1243" i="1" dirty="0">
-                <a:latin typeface="Times New Roman" panose="02020603050405020304" pitchFamily="18" charset="0"/>
-                <a:cs typeface="Times New Roman" panose="02020603050405020304" pitchFamily="18" charset="0"/>
-              </a:rPr>
-              <a:t>m=1      A B I R T</a:t>
-            </a:r>
-          </a:p>
-          <a:p>
-            <a:endParaRPr kumimoji="1" lang="en-US" altLang="zh-CN" sz="1243" i="1" dirty="0">
-              <a:latin typeface="Times New Roman" panose="02020603050405020304" pitchFamily="18" charset="0"/>
-              <a:cs typeface="Times New Roman" panose="02020603050405020304" pitchFamily="18" charset="0"/>
-            </a:endParaRPr>
-          </a:p>
-          <a:p>
-            <a:endParaRPr kumimoji="1" lang="en-US" altLang="zh-CN" sz="1243" i="1" dirty="0">
-              <a:latin typeface="Times New Roman" panose="02020603050405020304" pitchFamily="18" charset="0"/>
-              <a:cs typeface="Times New Roman" panose="02020603050405020304" pitchFamily="18" charset="0"/>
-            </a:endParaRPr>
-          </a:p>
-          <a:p>
-            <a:endParaRPr kumimoji="1" lang="en-US" altLang="zh-CN" sz="1243" i="1" dirty="0">
-              <a:latin typeface="Times New Roman" panose="02020603050405020304" pitchFamily="18" charset="0"/>
-              <a:cs typeface="Times New Roman" panose="02020603050405020304" pitchFamily="18" charset="0"/>
-            </a:endParaRPr>
-          </a:p>
-          <a:p>
-            <a:r>
-              <a:rPr kumimoji="1" lang="en-US" altLang="zh-CN" sz="1243" i="1" dirty="0">
-                <a:latin typeface="Times New Roman" panose="02020603050405020304" pitchFamily="18" charset="0"/>
-                <a:cs typeface="Times New Roman" panose="02020603050405020304" pitchFamily="18" charset="0"/>
-              </a:rPr>
-              <a:t>   m=</a:t>
-            </a:r>
-            <a:r>
-              <a:rPr kumimoji="1" lang="en-US" altLang="zh-CN" sz="1243" i="1" dirty="0" err="1">
-                <a:latin typeface="Times New Roman" panose="02020603050405020304" pitchFamily="18" charset="0"/>
-                <a:cs typeface="Times New Roman" panose="02020603050405020304" pitchFamily="18" charset="0"/>
-              </a:rPr>
-              <a:t>i</a:t>
-            </a:r>
-            <a:r>
-              <a:rPr kumimoji="1" lang="en-US" altLang="zh-CN" sz="1243" i="1" dirty="0">
-                <a:latin typeface="Times New Roman" panose="02020603050405020304" pitchFamily="18" charset="0"/>
-                <a:cs typeface="Times New Roman" panose="02020603050405020304" pitchFamily="18" charset="0"/>
-              </a:rPr>
-              <a:t>       A B O U T</a:t>
-            </a:r>
-          </a:p>
-          <a:p>
-            <a:endParaRPr kumimoji="1" lang="en-US" altLang="zh-CN" sz="1243" i="1" dirty="0">
-              <a:latin typeface="Times New Roman" panose="02020603050405020304" pitchFamily="18" charset="0"/>
-              <a:cs typeface="Times New Roman" panose="02020603050405020304" pitchFamily="18" charset="0"/>
-            </a:endParaRPr>
-          </a:p>
-          <a:p>
-            <a:endParaRPr kumimoji="1" lang="en-US" altLang="zh-CN" sz="1243" i="1" dirty="0">
-              <a:latin typeface="Times New Roman" panose="02020603050405020304" pitchFamily="18" charset="0"/>
-              <a:cs typeface="Times New Roman" panose="02020603050405020304" pitchFamily="18" charset="0"/>
-            </a:endParaRPr>
-          </a:p>
-          <a:p>
-            <a:endParaRPr kumimoji="1" lang="en-US" altLang="zh-CN" sz="1243" i="1" dirty="0">
-              <a:latin typeface="Times New Roman" panose="02020603050405020304" pitchFamily="18" charset="0"/>
-              <a:cs typeface="Times New Roman" panose="02020603050405020304" pitchFamily="18" charset="0"/>
-            </a:endParaRPr>
-          </a:p>
-          <a:p>
-            <a:r>
-              <a:rPr kumimoji="1" lang="en-US" altLang="zh-CN" sz="1243" i="1" dirty="0">
-                <a:latin typeface="Times New Roman" panose="02020603050405020304" pitchFamily="18" charset="0"/>
-                <a:cs typeface="Times New Roman" panose="02020603050405020304" pitchFamily="18" charset="0"/>
-              </a:rPr>
-              <a:t>   m=M     B C O F Q</a:t>
-            </a:r>
           </a:p>
         </p:txBody>
       </p:sp>
@@ -11351,7 +11370,7 @@
         </p:nvCxnSpPr>
         <p:spPr>
           <a:xfrm rot="16200000" flipH="1">
-            <a:off x="5468832" y="1615936"/>
+            <a:off x="5167849" y="1636855"/>
             <a:ext cx="852849" cy="219836"/>
           </a:xfrm>
           <a:prstGeom prst="bentConnector3">
@@ -11398,7 +11417,7 @@
         </p:nvCxnSpPr>
         <p:spPr>
           <a:xfrm rot="16200000" flipH="1">
-            <a:off x="6502884" y="1606056"/>
+            <a:off x="6201898" y="1626975"/>
             <a:ext cx="864180" cy="220374"/>
           </a:xfrm>
           <a:prstGeom prst="bentConnector3">
@@ -11445,7 +11464,7 @@
         </p:nvCxnSpPr>
         <p:spPr>
           <a:xfrm rot="16200000" flipH="1">
-            <a:off x="7553547" y="1618642"/>
+            <a:off x="7252561" y="1639564"/>
             <a:ext cx="857796" cy="216551"/>
           </a:xfrm>
           <a:prstGeom prst="bentConnector3">
@@ -11492,7 +11511,7 @@
         </p:nvCxnSpPr>
         <p:spPr>
           <a:xfrm rot="16200000" flipH="1">
-            <a:off x="8589008" y="1607385"/>
+            <a:off x="8288022" y="1628304"/>
             <a:ext cx="883662" cy="207004"/>
           </a:xfrm>
           <a:prstGeom prst="bentConnector3">
@@ -11536,7 +11555,7 @@
         </p:nvSpPr>
         <p:spPr>
           <a:xfrm rot="5030305" flipH="1">
-            <a:off x="11474995" y="2691709"/>
+            <a:off x="11866179" y="2754923"/>
             <a:ext cx="30868" cy="30868"/>
           </a:xfrm>
           <a:prstGeom prst="ellipse">
@@ -11587,7 +11606,7 @@
         </p:nvSpPr>
         <p:spPr>
           <a:xfrm rot="5030305" flipH="1">
-            <a:off x="11474995" y="2781277"/>
+            <a:off x="11866179" y="2844491"/>
             <a:ext cx="30868" cy="30868"/>
           </a:xfrm>
           <a:prstGeom prst="ellipse">
@@ -11638,7 +11657,7 @@
         </p:nvSpPr>
         <p:spPr>
           <a:xfrm rot="5030305" flipH="1">
-            <a:off x="11474995" y="2887387"/>
+            <a:off x="11866179" y="2950601"/>
             <a:ext cx="30868" cy="30868"/>
           </a:xfrm>
           <a:prstGeom prst="ellipse">
@@ -11689,7 +11708,7 @@
         </p:nvSpPr>
         <p:spPr>
           <a:xfrm rot="5030305" flipH="1">
-            <a:off x="11467730" y="1911287"/>
+            <a:off x="11883180" y="1781153"/>
             <a:ext cx="30868" cy="30868"/>
           </a:xfrm>
           <a:prstGeom prst="ellipse">
@@ -11740,7 +11759,7 @@
         </p:nvSpPr>
         <p:spPr>
           <a:xfrm rot="5030305" flipH="1">
-            <a:off x="11467730" y="2000855"/>
+            <a:off x="11883180" y="1870721"/>
             <a:ext cx="30868" cy="30868"/>
           </a:xfrm>
           <a:prstGeom prst="ellipse">
@@ -11791,7 +11810,7 @@
         </p:nvSpPr>
         <p:spPr>
           <a:xfrm rot="5030305" flipH="1">
-            <a:off x="11467730" y="2106965"/>
+            <a:off x="11883180" y="1976831"/>
             <a:ext cx="30868" cy="30868"/>
           </a:xfrm>
           <a:prstGeom prst="ellipse">
@@ -11822,6 +11841,139 @@
           <a:p>
             <a:pPr algn="ctr"/>
             <a:endParaRPr kumimoji="1" lang="zh-CN" altLang="en-US" sz="269">
+              <a:latin typeface="Times New Roman" panose="02020603050405020304" pitchFamily="18" charset="0"/>
+              <a:cs typeface="Times New Roman" panose="02020603050405020304" pitchFamily="18" charset="0"/>
+            </a:endParaRPr>
+          </a:p>
+        </p:txBody>
+      </p:sp>
+      <p:sp>
+        <p:nvSpPr>
+          <p:cNvPr id="258" name="文本框 257">
+            <a:extLst>
+              <a:ext uri="{FF2B5EF4-FFF2-40B4-BE49-F238E27FC236}">
+                <a16:creationId xmlns:a16="http://schemas.microsoft.com/office/drawing/2014/main" id="{C2F564AE-C1BD-CB46-95E4-D1C2F45729B7}"/>
+              </a:ext>
+            </a:extLst>
+          </p:cNvPr>
+          <p:cNvSpPr txBox="1"/>
+          <p:nvPr/>
+        </p:nvSpPr>
+        <p:spPr>
+          <a:xfrm>
+            <a:off x="10034615" y="3110525"/>
+            <a:ext cx="699230" cy="369332"/>
+          </a:xfrm>
+          <a:prstGeom prst="rect">
+            <a:avLst/>
+          </a:prstGeom>
+          <a:noFill/>
+        </p:spPr>
+        <p:txBody>
+          <a:bodyPr wrap="none" rtlCol="0">
+            <a:spAutoFit/>
+          </a:bodyPr>
+          <a:lstStyle/>
+          <a:p>
+            <a:r>
+              <a:rPr kumimoji="1" lang="en-US" altLang="zh-CN" i="1" dirty="0">
+                <a:latin typeface="Times New Roman" panose="02020603050405020304" pitchFamily="18" charset="0"/>
+                <a:cs typeface="Times New Roman" panose="02020603050405020304" pitchFamily="18" charset="0"/>
+              </a:rPr>
+              <a:t>m=M</a:t>
+            </a:r>
+            <a:endParaRPr kumimoji="1" lang="zh-CN" altLang="en-US" i="1" dirty="0">
+              <a:latin typeface="Times New Roman" panose="02020603050405020304" pitchFamily="18" charset="0"/>
+              <a:cs typeface="Times New Roman" panose="02020603050405020304" pitchFamily="18" charset="0"/>
+            </a:endParaRPr>
+          </a:p>
+        </p:txBody>
+      </p:sp>
+      <p:sp>
+        <p:nvSpPr>
+          <p:cNvPr id="261" name="文本框 260">
+            <a:extLst>
+              <a:ext uri="{FF2B5EF4-FFF2-40B4-BE49-F238E27FC236}">
+                <a16:creationId xmlns:a16="http://schemas.microsoft.com/office/drawing/2014/main" id="{56EF6B48-3D19-F44B-92B2-851484A6018D}"/>
+              </a:ext>
+            </a:extLst>
+          </p:cNvPr>
+          <p:cNvSpPr txBox="1"/>
+          <p:nvPr/>
+        </p:nvSpPr>
+        <p:spPr>
+          <a:xfrm>
+            <a:off x="10045186" y="2145407"/>
+            <a:ext cx="570990" cy="369332"/>
+          </a:xfrm>
+          <a:prstGeom prst="rect">
+            <a:avLst/>
+          </a:prstGeom>
+          <a:noFill/>
+        </p:spPr>
+        <p:txBody>
+          <a:bodyPr wrap="none" rtlCol="0">
+            <a:spAutoFit/>
+          </a:bodyPr>
+          <a:lstStyle/>
+          <a:p>
+            <a:r>
+              <a:rPr kumimoji="1" lang="en-US" altLang="zh-CN" i="1" dirty="0">
+                <a:latin typeface="Times New Roman" panose="02020603050405020304" pitchFamily="18" charset="0"/>
+                <a:cs typeface="Times New Roman" panose="02020603050405020304" pitchFamily="18" charset="0"/>
+              </a:rPr>
+              <a:t>m=</a:t>
+            </a:r>
+            <a:r>
+              <a:rPr kumimoji="1" lang="en-US" altLang="zh-CN" i="1" dirty="0" err="1">
+                <a:latin typeface="Times New Roman" panose="02020603050405020304" pitchFamily="18" charset="0"/>
+                <a:cs typeface="Times New Roman" panose="02020603050405020304" pitchFamily="18" charset="0"/>
+              </a:rPr>
+              <a:t>i</a:t>
+            </a:r>
+            <a:endParaRPr kumimoji="1" lang="zh-CN" altLang="en-US" i="1" dirty="0">
+              <a:latin typeface="Times New Roman" panose="02020603050405020304" pitchFamily="18" charset="0"/>
+              <a:cs typeface="Times New Roman" panose="02020603050405020304" pitchFamily="18" charset="0"/>
+            </a:endParaRPr>
+          </a:p>
+        </p:txBody>
+      </p:sp>
+      <p:sp>
+        <p:nvSpPr>
+          <p:cNvPr id="264" name="文本框 263">
+            <a:extLst>
+              <a:ext uri="{FF2B5EF4-FFF2-40B4-BE49-F238E27FC236}">
+                <a16:creationId xmlns:a16="http://schemas.microsoft.com/office/drawing/2014/main" id="{E11D2757-14A6-9F44-98DD-B27BF2E3E682}"/>
+              </a:ext>
+            </a:extLst>
+          </p:cNvPr>
+          <p:cNvSpPr txBox="1"/>
+          <p:nvPr/>
+        </p:nvSpPr>
+        <p:spPr>
+          <a:xfrm>
+            <a:off x="10034615" y="1231116"/>
+            <a:ext cx="622286" cy="369332"/>
+          </a:xfrm>
+          <a:prstGeom prst="rect">
+            <a:avLst/>
+          </a:prstGeom>
+          <a:noFill/>
+        </p:spPr>
+        <p:txBody>
+          <a:bodyPr wrap="none" rtlCol="0">
+            <a:spAutoFit/>
+          </a:bodyPr>
+          <a:lstStyle/>
+          <a:p>
+            <a:r>
+              <a:rPr kumimoji="1" lang="en-US" altLang="zh-CN" i="1" dirty="0">
+                <a:latin typeface="Times New Roman" panose="02020603050405020304" pitchFamily="18" charset="0"/>
+                <a:cs typeface="Times New Roman" panose="02020603050405020304" pitchFamily="18" charset="0"/>
+              </a:rPr>
+              <a:t>m=1</a:t>
+            </a:r>
+            <a:endParaRPr kumimoji="1" lang="zh-CN" altLang="en-US" i="1" dirty="0">
               <a:latin typeface="Times New Roman" panose="02020603050405020304" pitchFamily="18" charset="0"/>
               <a:cs typeface="Times New Roman" panose="02020603050405020304" pitchFamily="18" charset="0"/>
             </a:endParaRPr>

--- a/decoder.pptx
+++ b/decoder.pptx
@@ -5,10 +5,11 @@
     <p:sldMasterId id="2147483708" r:id="rId1"/>
   </p:sldMasterIdLst>
   <p:notesMasterIdLst>
-    <p:notesMasterId r:id="rId3"/>
+    <p:notesMasterId r:id="rId4"/>
   </p:notesMasterIdLst>
   <p:sldIdLst>
     <p:sldId id="261" r:id="rId2"/>
+    <p:sldId id="262" r:id="rId3"/>
   </p:sldIdLst>
   <p:sldSz cx="13234988" cy="4662488"/>
   <p:notesSz cx="6858000" cy="9144000"/>
@@ -107,6 +108,11 @@
       </a:defRPr>
     </a:lvl9pPr>
   </p:defaultTextStyle>
+  <p:extLst>
+    <p:ext uri="{EFAFB233-063F-42B5-8137-9DF3F51BA10A}">
+      <p15:sldGuideLst xmlns:p15="http://schemas.microsoft.com/office/powerpoint/2012/main"/>
+    </p:ext>
+  </p:extLst>
 </p:presentation>
 </file>
 
@@ -192,7 +198,7 @@
           <a:p>
             <a:fld id="{34FEEB7B-A60D-CF44-A26E-C1F43E7A972B}" type="datetimeFigureOut">
               <a:rPr kumimoji="1" lang="zh-CN" altLang="en-US" smtClean="0"/>
-              <a:t>2019/10/6</a:t>
+              <a:t>2019/10/9</a:t>
             </a:fld>
             <a:endParaRPr kumimoji="1" lang="zh-CN" altLang="en-US"/>
           </a:p>
@@ -525,6 +531,72 @@
 </p:notes>
 </file>
 
+<file path=ppt/notesSlides/notesSlide2.xml><?xml version="1.0" encoding="utf-8"?>
+<p:notes xmlns:a="http://schemas.openxmlformats.org/drawingml/2006/main" xmlns:r="http://schemas.openxmlformats.org/officeDocument/2006/relationships" xmlns:p="http://schemas.openxmlformats.org/presentationml/2006/main">
+  <p:cSld>
+    <p:spTree>
+      <p:nvGrpSpPr>
+        <p:cNvPr id="1" name=""/>
+        <p:cNvGrpSpPr/>
+        <p:nvPr/>
+      </p:nvGrpSpPr>
+      <p:grpSpPr>
+        <a:xfrm>
+          <a:off x="0" y="0"/>
+          <a:ext cx="0" cy="0"/>
+          <a:chOff x="0" y="0"/>
+          <a:chExt cx="0" cy="0"/>
+        </a:xfrm>
+      </p:grpSpPr>
+      <p:sp>
+        <p:nvSpPr>
+          <p:cNvPr id="2" name="Slide Image Placeholder 1"/>
+          <p:cNvSpPr>
+            <a:spLocks noGrp="1" noRot="1" noChangeAspect="1"/>
+          </p:cNvSpPr>
+          <p:nvPr>
+            <p:ph type="sldImg" idx="2"/>
+          </p:nvPr>
+        </p:nvSpPr>
+        <p:spPr>
+          <a:xfrm>
+            <a:off x="-1349375" y="1279525"/>
+            <a:ext cx="9802813" cy="3454400"/>
+          </a:xfrm>
+        </p:spPr>
+      </p:sp>
+      <p:sp>
+        <p:nvSpPr>
+          <p:cNvPr id="3" name="Text Placeholder 2"/>
+          <p:cNvSpPr>
+            <a:spLocks noGrp="1"/>
+          </p:cNvSpPr>
+          <p:nvPr>
+            <p:ph type="body" idx="3"/>
+          </p:nvPr>
+        </p:nvSpPr>
+        <p:spPr/>
+        <p:txBody>
+          <a:bodyPr/>
+          <a:lstStyle/>
+          <a:p>
+            <a:endParaRPr lang="en-US"/>
+          </a:p>
+        </p:txBody>
+      </p:sp>
+    </p:spTree>
+    <p:extLst>
+      <p:ext uri="{BB962C8B-B14F-4D97-AF65-F5344CB8AC3E}">
+        <p14:creationId xmlns:p14="http://schemas.microsoft.com/office/powerpoint/2010/main" val="1998044473"/>
+      </p:ext>
+    </p:extLst>
+  </p:cSld>
+  <p:clrMapOvr>
+    <a:masterClrMapping/>
+  </p:clrMapOvr>
+</p:notes>
+</file>
+
 <file path=ppt/slideLayouts/slideLayout1.xml><?xml version="1.0" encoding="utf-8"?>
 <p:sldLayout xmlns:a="http://schemas.openxmlformats.org/drawingml/2006/main" xmlns:r="http://schemas.openxmlformats.org/officeDocument/2006/relationships" xmlns:p="http://schemas.openxmlformats.org/presentationml/2006/main" type="title" preserve="1">
   <p:cSld name="标题幻灯片">
@@ -656,7 +728,7 @@
           <a:p>
             <a:fld id="{DDF035F8-E19C-9E46-ACA2-ECAB4646CC80}" type="datetimeFigureOut">
               <a:rPr kumimoji="1" lang="zh-CN" altLang="en-US" smtClean="0"/>
-              <a:t>2019/10/6</a:t>
+              <a:t>2019/10/9</a:t>
             </a:fld>
             <a:endParaRPr kumimoji="1" lang="zh-CN" altLang="en-US"/>
           </a:p>
@@ -826,7 +898,7 @@
           <a:p>
             <a:fld id="{DDF035F8-E19C-9E46-ACA2-ECAB4646CC80}" type="datetimeFigureOut">
               <a:rPr kumimoji="1" lang="zh-CN" altLang="en-US" smtClean="0"/>
-              <a:t>2019/10/6</a:t>
+              <a:t>2019/10/9</a:t>
             </a:fld>
             <a:endParaRPr kumimoji="1" lang="zh-CN" altLang="en-US"/>
           </a:p>
@@ -1006,7 +1078,7 @@
           <a:p>
             <a:fld id="{DDF035F8-E19C-9E46-ACA2-ECAB4646CC80}" type="datetimeFigureOut">
               <a:rPr kumimoji="1" lang="zh-CN" altLang="en-US" smtClean="0"/>
-              <a:t>2019/10/6</a:t>
+              <a:t>2019/10/9</a:t>
             </a:fld>
             <a:endParaRPr kumimoji="1" lang="zh-CN" altLang="en-US"/>
           </a:p>
@@ -1176,7 +1248,7 @@
           <a:p>
             <a:fld id="{DDF035F8-E19C-9E46-ACA2-ECAB4646CC80}" type="datetimeFigureOut">
               <a:rPr kumimoji="1" lang="zh-CN" altLang="en-US" smtClean="0"/>
-              <a:t>2019/10/6</a:t>
+              <a:t>2019/10/9</a:t>
             </a:fld>
             <a:endParaRPr kumimoji="1" lang="zh-CN" altLang="en-US"/>
           </a:p>
@@ -1422,7 +1494,7 @@
           <a:p>
             <a:fld id="{DDF035F8-E19C-9E46-ACA2-ECAB4646CC80}" type="datetimeFigureOut">
               <a:rPr kumimoji="1" lang="zh-CN" altLang="en-US" smtClean="0"/>
-              <a:t>2019/10/6</a:t>
+              <a:t>2019/10/9</a:t>
             </a:fld>
             <a:endParaRPr kumimoji="1" lang="zh-CN" altLang="en-US"/>
           </a:p>
@@ -1654,7 +1726,7 @@
           <a:p>
             <a:fld id="{DDF035F8-E19C-9E46-ACA2-ECAB4646CC80}" type="datetimeFigureOut">
               <a:rPr kumimoji="1" lang="zh-CN" altLang="en-US" smtClean="0"/>
-              <a:t>2019/10/6</a:t>
+              <a:t>2019/10/9</a:t>
             </a:fld>
             <a:endParaRPr kumimoji="1" lang="zh-CN" altLang="en-US"/>
           </a:p>
@@ -2021,7 +2093,7 @@
           <a:p>
             <a:fld id="{DDF035F8-E19C-9E46-ACA2-ECAB4646CC80}" type="datetimeFigureOut">
               <a:rPr kumimoji="1" lang="zh-CN" altLang="en-US" smtClean="0"/>
-              <a:t>2019/10/6</a:t>
+              <a:t>2019/10/9</a:t>
             </a:fld>
             <a:endParaRPr kumimoji="1" lang="zh-CN" altLang="en-US"/>
           </a:p>
@@ -2139,7 +2211,7 @@
           <a:p>
             <a:fld id="{DDF035F8-E19C-9E46-ACA2-ECAB4646CC80}" type="datetimeFigureOut">
               <a:rPr kumimoji="1" lang="zh-CN" altLang="en-US" smtClean="0"/>
-              <a:t>2019/10/6</a:t>
+              <a:t>2019/10/9</a:t>
             </a:fld>
             <a:endParaRPr kumimoji="1" lang="zh-CN" altLang="en-US"/>
           </a:p>
@@ -2234,7 +2306,7 @@
           <a:p>
             <a:fld id="{DDF035F8-E19C-9E46-ACA2-ECAB4646CC80}" type="datetimeFigureOut">
               <a:rPr kumimoji="1" lang="zh-CN" altLang="en-US" smtClean="0"/>
-              <a:t>2019/10/6</a:t>
+              <a:t>2019/10/9</a:t>
             </a:fld>
             <a:endParaRPr kumimoji="1" lang="zh-CN" altLang="en-US"/>
           </a:p>
@@ -2511,7 +2583,7 @@
           <a:p>
             <a:fld id="{DDF035F8-E19C-9E46-ACA2-ECAB4646CC80}" type="datetimeFigureOut">
               <a:rPr kumimoji="1" lang="zh-CN" altLang="en-US" smtClean="0"/>
-              <a:t>2019/10/6</a:t>
+              <a:t>2019/10/9</a:t>
             </a:fld>
             <a:endParaRPr kumimoji="1" lang="zh-CN" altLang="en-US"/>
           </a:p>
@@ -2768,7 +2840,7 @@
           <a:p>
             <a:fld id="{DDF035F8-E19C-9E46-ACA2-ECAB4646CC80}" type="datetimeFigureOut">
               <a:rPr kumimoji="1" lang="zh-CN" altLang="en-US" smtClean="0"/>
-              <a:t>2019/10/6</a:t>
+              <a:t>2019/10/9</a:t>
             </a:fld>
             <a:endParaRPr kumimoji="1" lang="zh-CN" altLang="en-US"/>
           </a:p>
@@ -2981,7 +3053,7 @@
           <a:p>
             <a:fld id="{DDF035F8-E19C-9E46-ACA2-ECAB4646CC80}" type="datetimeFigureOut">
               <a:rPr kumimoji="1" lang="zh-CN" altLang="en-US" smtClean="0"/>
-              <a:t>2019/10/6</a:t>
+              <a:t>2019/10/9</a:t>
             </a:fld>
             <a:endParaRPr kumimoji="1" lang="zh-CN" altLang="en-US"/>
           </a:p>
@@ -3388,6 +3460,57 @@
       </p:grpSpPr>
       <p:sp>
         <p:nvSpPr>
+          <p:cNvPr id="107" name="圆角矩形 106"/>
+          <p:cNvSpPr/>
+          <p:nvPr/>
+        </p:nvSpPr>
+        <p:spPr>
+          <a:xfrm>
+            <a:off x="10380533" y="1178017"/>
+            <a:ext cx="2606314" cy="2431076"/>
+          </a:xfrm>
+          <a:prstGeom prst="roundRect">
+            <a:avLst>
+              <a:gd name="adj" fmla="val 3183"/>
+            </a:avLst>
+          </a:prstGeom>
+          <a:solidFill>
+            <a:schemeClr val="bg1">
+              <a:lumMod val="85000"/>
+              <a:alpha val="30196"/>
+            </a:schemeClr>
+          </a:solidFill>
+          <a:ln>
+            <a:noFill/>
+          </a:ln>
+        </p:spPr>
+        <p:style>
+          <a:lnRef idx="2">
+            <a:schemeClr val="accent1">
+              <a:shade val="50000"/>
+            </a:schemeClr>
+          </a:lnRef>
+          <a:fillRef idx="1">
+            <a:schemeClr val="accent1"/>
+          </a:fillRef>
+          <a:effectRef idx="0">
+            <a:schemeClr val="accent1"/>
+          </a:effectRef>
+          <a:fontRef idx="minor">
+            <a:schemeClr val="lt1"/>
+          </a:fontRef>
+        </p:style>
+        <p:txBody>
+          <a:bodyPr rtlCol="0" anchor="ctr"/>
+          <a:lstStyle/>
+          <a:p>
+            <a:pPr algn="ctr"/>
+            <a:endParaRPr lang="zh-CN" altLang="en-US"/>
+          </a:p>
+        </p:txBody>
+      </p:sp>
+      <p:sp>
+        <p:nvSpPr>
           <p:cNvPr id="230" name="圆角矩形 229">
             <a:extLst>
               <a:ext uri="{FF2B5EF4-FFF2-40B4-BE49-F238E27FC236}">
@@ -3400,8 +3523,8 @@
         </p:nvSpPr>
         <p:spPr>
           <a:xfrm>
-            <a:off x="10917518" y="3138110"/>
-            <a:ext cx="1952616" cy="278186"/>
+            <a:off x="11012426" y="3138110"/>
+            <a:ext cx="1909464" cy="278186"/>
           </a:xfrm>
           <a:prstGeom prst="roundRect">
             <a:avLst/>
@@ -3508,7 +3631,7 @@
         </p:nvSpPr>
         <p:spPr>
           <a:xfrm>
-            <a:off x="10917517" y="2156850"/>
+            <a:off x="10969273" y="2156850"/>
             <a:ext cx="1952616" cy="323693"/>
           </a:xfrm>
           <a:prstGeom prst="roundRect">
@@ -3576,7 +3699,7 @@
         </p:nvSpPr>
         <p:spPr>
           <a:xfrm>
-            <a:off x="10917518" y="1275895"/>
+            <a:off x="10960648" y="1275895"/>
             <a:ext cx="1952616" cy="288651"/>
           </a:xfrm>
           <a:prstGeom prst="roundRect">
@@ -3688,7 +3811,7 @@
         </p:nvSpPr>
         <p:spPr>
           <a:xfrm>
-            <a:off x="4480521" y="1262918"/>
+            <a:off x="4696174" y="1262918"/>
             <a:ext cx="5100746" cy="2115487"/>
           </a:xfrm>
           <a:prstGeom prst="roundRect">
@@ -3741,8 +3864,8 @@
         </p:nvSpPr>
         <p:spPr>
           <a:xfrm>
-            <a:off x="85284" y="428613"/>
-            <a:ext cx="871473" cy="3727966"/>
+            <a:off x="85284" y="301255"/>
+            <a:ext cx="871473" cy="3855324"/>
           </a:xfrm>
           <a:prstGeom prst="roundRect">
             <a:avLst/>
@@ -5945,8 +6068,8 @@
         </p:nvSpPr>
         <p:spPr>
           <a:xfrm>
-            <a:off x="153744" y="428616"/>
-            <a:ext cx="726482" cy="444096"/>
+            <a:off x="47832" y="301255"/>
+            <a:ext cx="938077" cy="486287"/>
           </a:xfrm>
           <a:prstGeom prst="rect">
             <a:avLst/>
@@ -5959,9 +6082,13 @@
           </a:bodyPr>
           <a:lstStyle/>
           <a:p>
-            <a:pPr algn="ctr"/>
-            <a:r>
-              <a:rPr lang="en-US" altLang="en-US" sz="1143">
+            <a:pPr algn="ctr">
+              <a:lnSpc>
+                <a:spcPct val="80000"/>
+              </a:lnSpc>
+            </a:pPr>
+            <a:r>
+              <a:rPr lang="en-US" altLang="en-US" sz="1600" dirty="0">
                 <a:latin typeface="Times New Roman" panose="02020603050405020304" pitchFamily="18" charset="0"/>
                 <a:cs typeface="Times New Roman" panose="02020603050405020304" pitchFamily="18" charset="0"/>
               </a:rPr>
@@ -5969,9 +6096,13 @@
             </a:r>
           </a:p>
           <a:p>
-            <a:pPr algn="ctr"/>
-            <a:r>
-              <a:rPr lang="en-US" altLang="en-US" sz="1143">
+            <a:pPr algn="ctr">
+              <a:lnSpc>
+                <a:spcPct val="80000"/>
+              </a:lnSpc>
+            </a:pPr>
+            <a:r>
+              <a:rPr lang="en-US" altLang="en-US" sz="1600" dirty="0">
                 <a:latin typeface="Times New Roman" panose="02020603050405020304" pitchFamily="18" charset="0"/>
                 <a:cs typeface="Times New Roman" panose="02020603050405020304" pitchFamily="18" charset="0"/>
               </a:rPr>
@@ -5991,8 +6122,8 @@
         </p:nvCxnSpPr>
         <p:spPr>
           <a:xfrm flipV="1">
-            <a:off x="2243754" y="1632635"/>
-            <a:ext cx="416082" cy="822957"/>
+            <a:off x="2243586" y="1632522"/>
+            <a:ext cx="238159" cy="822736"/>
           </a:xfrm>
           <a:prstGeom prst="straightConnector1">
             <a:avLst/>
@@ -6032,8 +6163,8 @@
         </p:nvCxnSpPr>
         <p:spPr>
           <a:xfrm flipV="1">
-            <a:off x="2243759" y="2453395"/>
-            <a:ext cx="262627" cy="2192"/>
+            <a:off x="2243586" y="2453071"/>
+            <a:ext cx="262632" cy="2187"/>
           </a:xfrm>
           <a:prstGeom prst="straightConnector1">
             <a:avLst/>
@@ -6074,8 +6205,8 @@
         </p:nvCxnSpPr>
         <p:spPr>
           <a:xfrm flipV="1">
-            <a:off x="3734738" y="2440134"/>
-            <a:ext cx="828219" cy="13153"/>
+            <a:off x="3734735" y="2440134"/>
+            <a:ext cx="1043867" cy="12937"/>
           </a:xfrm>
           <a:prstGeom prst="straightConnector1">
             <a:avLst/>
@@ -6112,7 +6243,7 @@
         </p:nvSpPr>
         <p:spPr>
           <a:xfrm>
-            <a:off x="3892069" y="2157925"/>
+            <a:off x="4142929" y="2105827"/>
             <a:ext cx="511679" cy="327141"/>
           </a:xfrm>
           <a:prstGeom prst="rect">
@@ -6128,6 +6259,9 @@
           <a:p>
             <a:r>
               <a:rPr lang="" altLang="en-US" sz="1526" i="1" dirty="0">
+                <a:solidFill>
+                  <a:srgbClr val="0070C0"/>
+                </a:solidFill>
                 <a:latin typeface="Times New Roman" panose="02020603050405020304" pitchFamily="18" charset="0"/>
                 <a:cs typeface="Times New Roman" panose="02020603050405020304" pitchFamily="18" charset="0"/>
               </a:rPr>
@@ -6135,6 +6269,9 @@
             </a:r>
             <a:r>
               <a:rPr lang="en-US" altLang="en-US" sz="1526" i="1" dirty="0">
+                <a:solidFill>
+                  <a:srgbClr val="0070C0"/>
+                </a:solidFill>
                 <a:latin typeface="Times New Roman" panose="02020603050405020304" pitchFamily="18" charset="0"/>
                 <a:cs typeface="Times New Roman" panose="02020603050405020304" pitchFamily="18" charset="0"/>
               </a:rPr>
@@ -6142,12 +6279,18 @@
             </a:r>
             <a:r>
               <a:rPr lang="en-US" altLang="en-US" sz="1526" i="1" dirty="0" err="1">
+                <a:solidFill>
+                  <a:srgbClr val="0070C0"/>
+                </a:solidFill>
                 <a:latin typeface="Times New Roman" panose="02020603050405020304" pitchFamily="18" charset="0"/>
                 <a:cs typeface="Times New Roman" panose="02020603050405020304" pitchFamily="18" charset="0"/>
               </a:rPr>
               <a:t>i</a:t>
             </a:r>
             <a:endParaRPr lang="en-US" altLang="en-US" sz="1526" i="1" dirty="0">
+              <a:solidFill>
+                <a:srgbClr val="0070C0"/>
+              </a:solidFill>
               <a:latin typeface="Times New Roman" panose="02020603050405020304" pitchFamily="18" charset="0"/>
               <a:cs typeface="Times New Roman" panose="02020603050405020304" pitchFamily="18" charset="0"/>
             </a:endParaRPr>
@@ -6162,7 +6305,7 @@
         </p:nvSpPr>
         <p:spPr>
           <a:xfrm>
-            <a:off x="3892069" y="477738"/>
+            <a:off x="4193983" y="477738"/>
             <a:ext cx="534121" cy="327141"/>
           </a:xfrm>
           <a:prstGeom prst="rect">
@@ -6178,6 +6321,9 @@
           <a:p>
             <a:r>
               <a:rPr lang="" altLang="en-US" sz="1526" i="1" dirty="0">
+                <a:solidFill>
+                  <a:srgbClr val="0070C0"/>
+                </a:solidFill>
                 <a:latin typeface="Times New Roman" panose="02020603050405020304" pitchFamily="18" charset="0"/>
                 <a:cs typeface="Times New Roman" panose="02020603050405020304" pitchFamily="18" charset="0"/>
               </a:rPr>
@@ -6185,6 +6331,9 @@
             </a:r>
             <a:r>
               <a:rPr lang="en-US" altLang="en-US" sz="1526" dirty="0">
+                <a:solidFill>
+                  <a:srgbClr val="0070C0"/>
+                </a:solidFill>
                 <a:latin typeface="Times New Roman" panose="02020603050405020304" pitchFamily="18" charset="0"/>
                 <a:cs typeface="Times New Roman" panose="02020603050405020304" pitchFamily="18" charset="0"/>
               </a:rPr>
@@ -6201,7 +6350,7 @@
         </p:nvSpPr>
         <p:spPr>
           <a:xfrm>
-            <a:off x="3848224" y="3806950"/>
+            <a:off x="4053935" y="3902746"/>
             <a:ext cx="620683" cy="327141"/>
           </a:xfrm>
           <a:prstGeom prst="rect">
@@ -6217,6 +6366,9 @@
           <a:p>
             <a:r>
               <a:rPr lang="" altLang="en-US" sz="1526" i="1" dirty="0">
+                <a:solidFill>
+                  <a:srgbClr val="0070C0"/>
+                </a:solidFill>
                 <a:latin typeface="Times New Roman" panose="02020603050405020304" pitchFamily="18" charset="0"/>
                 <a:cs typeface="Times New Roman" panose="02020603050405020304" pitchFamily="18" charset="0"/>
               </a:rPr>
@@ -6224,6 +6376,9 @@
             </a:r>
             <a:r>
               <a:rPr lang="en-US" altLang="en-US" sz="1526" i="1" dirty="0">
+                <a:solidFill>
+                  <a:srgbClr val="0070C0"/>
+                </a:solidFill>
                 <a:latin typeface="Times New Roman" panose="02020603050405020304" pitchFamily="18" charset="0"/>
                 <a:cs typeface="Times New Roman" panose="02020603050405020304" pitchFamily="18" charset="0"/>
               </a:rPr>
@@ -6231,281 +6386,14 @@
             </a:r>
             <a:r>
               <a:rPr lang="" altLang="en-US" sz="1526" i="1" dirty="0">
+                <a:solidFill>
+                  <a:srgbClr val="0070C0"/>
+                </a:solidFill>
                 <a:latin typeface="Times New Roman" panose="02020603050405020304" pitchFamily="18" charset="0"/>
                 <a:cs typeface="Times New Roman" panose="02020603050405020304" pitchFamily="18" charset="0"/>
               </a:rPr>
               <a:t>M</a:t>
             </a:r>
-          </a:p>
-        </p:txBody>
-      </p:sp>
-      <p:sp>
-        <p:nvSpPr>
-          <p:cNvPr id="76" name="椭圆 14"/>
-          <p:cNvSpPr/>
-          <p:nvPr/>
-        </p:nvSpPr>
-        <p:spPr>
-          <a:xfrm rot="5030305" flipH="1">
-            <a:off x="4187988" y="1550002"/>
-            <a:ext cx="30868" cy="30868"/>
-          </a:xfrm>
-          <a:prstGeom prst="ellipse">
-            <a:avLst/>
-          </a:prstGeom>
-        </p:spPr>
-        <p:style>
-          <a:lnRef idx="2">
-            <a:schemeClr val="dk1">
-              <a:shade val="50000"/>
-            </a:schemeClr>
-          </a:lnRef>
-          <a:fillRef idx="1">
-            <a:schemeClr val="dk1"/>
-          </a:fillRef>
-          <a:effectRef idx="0">
-            <a:schemeClr val="dk1"/>
-          </a:effectRef>
-          <a:fontRef idx="minor">
-            <a:schemeClr val="lt1"/>
-          </a:fontRef>
-        </p:style>
-        <p:txBody>
-          <a:bodyPr rot="0" spcFirstLastPara="0" vertOverflow="overflow" horzOverflow="overflow" vert="horz" wrap="square" lIns="61739" tIns="30869" rIns="61739" bIns="30869" numCol="1" spcCol="0" rtlCol="0" fromWordArt="0" anchor="ctr" anchorCtr="0" forceAA="0" compatLnSpc="1">
-            <a:noAutofit/>
-          </a:bodyPr>
-          <a:lstStyle/>
-          <a:p>
-            <a:pPr algn="ctr"/>
-            <a:endParaRPr kumimoji="1" lang="zh-CN" altLang="en-US" sz="269">
-              <a:latin typeface="Times New Roman" panose="02020603050405020304" pitchFamily="18" charset="0"/>
-              <a:cs typeface="Times New Roman" panose="02020603050405020304" pitchFamily="18" charset="0"/>
-            </a:endParaRPr>
-          </a:p>
-        </p:txBody>
-      </p:sp>
-      <p:sp>
-        <p:nvSpPr>
-          <p:cNvPr id="77" name="椭圆 14"/>
-          <p:cNvSpPr/>
-          <p:nvPr/>
-        </p:nvSpPr>
-        <p:spPr>
-          <a:xfrm rot="5030305" flipH="1">
-            <a:off x="4187988" y="1639570"/>
-            <a:ext cx="30868" cy="30868"/>
-          </a:xfrm>
-          <a:prstGeom prst="ellipse">
-            <a:avLst/>
-          </a:prstGeom>
-        </p:spPr>
-        <p:style>
-          <a:lnRef idx="2">
-            <a:schemeClr val="dk1">
-              <a:shade val="50000"/>
-            </a:schemeClr>
-          </a:lnRef>
-          <a:fillRef idx="1">
-            <a:schemeClr val="dk1"/>
-          </a:fillRef>
-          <a:effectRef idx="0">
-            <a:schemeClr val="dk1"/>
-          </a:effectRef>
-          <a:fontRef idx="minor">
-            <a:schemeClr val="lt1"/>
-          </a:fontRef>
-        </p:style>
-        <p:txBody>
-          <a:bodyPr rot="0" spcFirstLastPara="0" vertOverflow="overflow" horzOverflow="overflow" vert="horz" wrap="square" lIns="61739" tIns="30869" rIns="61739" bIns="30869" numCol="1" spcCol="0" rtlCol="0" fromWordArt="0" anchor="ctr" anchorCtr="0" forceAA="0" compatLnSpc="1">
-            <a:noAutofit/>
-          </a:bodyPr>
-          <a:lstStyle/>
-          <a:p>
-            <a:pPr algn="ctr"/>
-            <a:endParaRPr kumimoji="1" lang="zh-CN" altLang="en-US" sz="269">
-              <a:latin typeface="Times New Roman" panose="02020603050405020304" pitchFamily="18" charset="0"/>
-              <a:cs typeface="Times New Roman" panose="02020603050405020304" pitchFamily="18" charset="0"/>
-            </a:endParaRPr>
-          </a:p>
-        </p:txBody>
-      </p:sp>
-      <p:sp>
-        <p:nvSpPr>
-          <p:cNvPr id="78" name="椭圆 14"/>
-          <p:cNvSpPr/>
-          <p:nvPr/>
-        </p:nvSpPr>
-        <p:spPr>
-          <a:xfrm rot="5030305" flipH="1">
-            <a:off x="4187988" y="1735596"/>
-            <a:ext cx="30868" cy="30868"/>
-          </a:xfrm>
-          <a:prstGeom prst="ellipse">
-            <a:avLst/>
-          </a:prstGeom>
-        </p:spPr>
-        <p:style>
-          <a:lnRef idx="2">
-            <a:schemeClr val="dk1">
-              <a:shade val="50000"/>
-            </a:schemeClr>
-          </a:lnRef>
-          <a:fillRef idx="1">
-            <a:schemeClr val="dk1"/>
-          </a:fillRef>
-          <a:effectRef idx="0">
-            <a:schemeClr val="dk1"/>
-          </a:effectRef>
-          <a:fontRef idx="minor">
-            <a:schemeClr val="lt1"/>
-          </a:fontRef>
-        </p:style>
-        <p:txBody>
-          <a:bodyPr rot="0" spcFirstLastPara="0" vertOverflow="overflow" horzOverflow="overflow" vert="horz" wrap="square" lIns="61739" tIns="30869" rIns="61739" bIns="30869" numCol="1" spcCol="0" rtlCol="0" fromWordArt="0" anchor="ctr" anchorCtr="0" forceAA="0" compatLnSpc="1">
-            <a:noAutofit/>
-          </a:bodyPr>
-          <a:lstStyle/>
-          <a:p>
-            <a:pPr algn="ctr"/>
-            <a:endParaRPr kumimoji="1" lang="zh-CN" altLang="en-US" sz="269">
-              <a:latin typeface="Times New Roman" panose="02020603050405020304" pitchFamily="18" charset="0"/>
-              <a:cs typeface="Times New Roman" panose="02020603050405020304" pitchFamily="18" charset="0"/>
-            </a:endParaRPr>
-          </a:p>
-        </p:txBody>
-      </p:sp>
-      <p:sp>
-        <p:nvSpPr>
-          <p:cNvPr id="79" name="椭圆 14"/>
-          <p:cNvSpPr/>
-          <p:nvPr/>
-        </p:nvSpPr>
-        <p:spPr>
-          <a:xfrm rot="5030305" flipH="1">
-            <a:off x="4187913" y="2891693"/>
-            <a:ext cx="30868" cy="30868"/>
-          </a:xfrm>
-          <a:prstGeom prst="ellipse">
-            <a:avLst/>
-          </a:prstGeom>
-        </p:spPr>
-        <p:style>
-          <a:lnRef idx="2">
-            <a:schemeClr val="dk1">
-              <a:shade val="50000"/>
-            </a:schemeClr>
-          </a:lnRef>
-          <a:fillRef idx="1">
-            <a:schemeClr val="dk1"/>
-          </a:fillRef>
-          <a:effectRef idx="0">
-            <a:schemeClr val="dk1"/>
-          </a:effectRef>
-          <a:fontRef idx="minor">
-            <a:schemeClr val="lt1"/>
-          </a:fontRef>
-        </p:style>
-        <p:txBody>
-          <a:bodyPr rot="0" spcFirstLastPara="0" vertOverflow="overflow" horzOverflow="overflow" vert="horz" wrap="square" lIns="61739" tIns="30869" rIns="61739" bIns="30869" numCol="1" spcCol="0" rtlCol="0" fromWordArt="0" anchor="ctr" anchorCtr="0" forceAA="0" compatLnSpc="1">
-            <a:noAutofit/>
-          </a:bodyPr>
-          <a:lstStyle/>
-          <a:p>
-            <a:pPr algn="ctr"/>
-            <a:endParaRPr kumimoji="1" lang="zh-CN" altLang="en-US" sz="269">
-              <a:latin typeface="Times New Roman" panose="02020603050405020304" pitchFamily="18" charset="0"/>
-              <a:cs typeface="Times New Roman" panose="02020603050405020304" pitchFamily="18" charset="0"/>
-            </a:endParaRPr>
-          </a:p>
-        </p:txBody>
-      </p:sp>
-      <p:sp>
-        <p:nvSpPr>
-          <p:cNvPr id="80" name="椭圆 14"/>
-          <p:cNvSpPr/>
-          <p:nvPr/>
-        </p:nvSpPr>
-        <p:spPr>
-          <a:xfrm rot="5030305" flipH="1">
-            <a:off x="4187913" y="2981261"/>
-            <a:ext cx="30868" cy="30868"/>
-          </a:xfrm>
-          <a:prstGeom prst="ellipse">
-            <a:avLst/>
-          </a:prstGeom>
-        </p:spPr>
-        <p:style>
-          <a:lnRef idx="2">
-            <a:schemeClr val="dk1">
-              <a:shade val="50000"/>
-            </a:schemeClr>
-          </a:lnRef>
-          <a:fillRef idx="1">
-            <a:schemeClr val="dk1"/>
-          </a:fillRef>
-          <a:effectRef idx="0">
-            <a:schemeClr val="dk1"/>
-          </a:effectRef>
-          <a:fontRef idx="minor">
-            <a:schemeClr val="lt1"/>
-          </a:fontRef>
-        </p:style>
-        <p:txBody>
-          <a:bodyPr rot="0" spcFirstLastPara="0" vertOverflow="overflow" horzOverflow="overflow" vert="horz" wrap="square" lIns="61739" tIns="30869" rIns="61739" bIns="30869" numCol="1" spcCol="0" rtlCol="0" fromWordArt="0" anchor="ctr" anchorCtr="0" forceAA="0" compatLnSpc="1">
-            <a:noAutofit/>
-          </a:bodyPr>
-          <a:lstStyle/>
-          <a:p>
-            <a:pPr algn="ctr"/>
-            <a:endParaRPr kumimoji="1" lang="zh-CN" altLang="en-US" sz="269">
-              <a:latin typeface="Times New Roman" panose="02020603050405020304" pitchFamily="18" charset="0"/>
-              <a:cs typeface="Times New Roman" panose="02020603050405020304" pitchFamily="18" charset="0"/>
-            </a:endParaRPr>
-          </a:p>
-        </p:txBody>
-      </p:sp>
-      <p:sp>
-        <p:nvSpPr>
-          <p:cNvPr id="81" name="椭圆 14"/>
-          <p:cNvSpPr/>
-          <p:nvPr/>
-        </p:nvSpPr>
-        <p:spPr>
-          <a:xfrm rot="5030305" flipH="1">
-            <a:off x="4187913" y="3087371"/>
-            <a:ext cx="30868" cy="30868"/>
-          </a:xfrm>
-          <a:prstGeom prst="ellipse">
-            <a:avLst/>
-          </a:prstGeom>
-        </p:spPr>
-        <p:style>
-          <a:lnRef idx="2">
-            <a:schemeClr val="dk1">
-              <a:shade val="50000"/>
-            </a:schemeClr>
-          </a:lnRef>
-          <a:fillRef idx="1">
-            <a:schemeClr val="dk1"/>
-          </a:fillRef>
-          <a:effectRef idx="0">
-            <a:schemeClr val="dk1"/>
-          </a:effectRef>
-          <a:fontRef idx="minor">
-            <a:schemeClr val="lt1"/>
-          </a:fontRef>
-        </p:style>
-        <p:txBody>
-          <a:bodyPr rot="0" spcFirstLastPara="0" vertOverflow="overflow" horzOverflow="overflow" vert="horz" wrap="square" lIns="61739" tIns="30869" rIns="61739" bIns="30869" numCol="1" spcCol="0" rtlCol="0" fromWordArt="0" anchor="ctr" anchorCtr="0" forceAA="0" compatLnSpc="1">
-            <a:noAutofit/>
-          </a:bodyPr>
-          <a:lstStyle/>
-          <a:p>
-            <a:pPr algn="ctr"/>
-            <a:endParaRPr kumimoji="1" lang="zh-CN" altLang="en-US" sz="269">
-              <a:latin typeface="Times New Roman" panose="02020603050405020304" pitchFamily="18" charset="0"/>
-              <a:cs typeface="Times New Roman" panose="02020603050405020304" pitchFamily="18" charset="0"/>
-            </a:endParaRPr>
           </a:p>
         </p:txBody>
       </p:sp>
@@ -6520,8 +6408,8 @@
         </p:nvCxnSpPr>
         <p:spPr>
           <a:xfrm flipV="1">
-            <a:off x="3207292" y="1305003"/>
-            <a:ext cx="5420469" cy="15346"/>
+            <a:off x="3207283" y="1292634"/>
+            <a:ext cx="5643601" cy="27717"/>
           </a:xfrm>
           <a:prstGeom prst="line">
             <a:avLst/>
@@ -6555,7 +6443,7 @@
         </p:nvSpPr>
         <p:spPr>
           <a:xfrm>
-            <a:off x="5812295" y="1250761"/>
+            <a:off x="6027948" y="1250761"/>
             <a:ext cx="364202" cy="327141"/>
           </a:xfrm>
           <a:prstGeom prst="rect">
@@ -6594,7 +6482,7 @@
         </p:nvSpPr>
         <p:spPr>
           <a:xfrm>
-            <a:off x="4780978" y="1271545"/>
+            <a:off x="4996631" y="1271545"/>
             <a:ext cx="364202" cy="327141"/>
           </a:xfrm>
           <a:prstGeom prst="rect">
@@ -6633,7 +6521,7 @@
         </p:nvCxnSpPr>
         <p:spPr>
           <a:xfrm flipH="1">
-            <a:off x="4940341" y="1558223"/>
+            <a:off x="5155994" y="1558223"/>
             <a:ext cx="1210" cy="137176"/>
           </a:xfrm>
           <a:prstGeom prst="straightConnector1">
@@ -6669,7 +6557,7 @@
         </p:nvSpPr>
         <p:spPr>
           <a:xfrm>
-            <a:off x="4525251" y="1695656"/>
+            <a:off x="4740904" y="1695656"/>
             <a:ext cx="832603" cy="248530"/>
           </a:xfrm>
           <a:prstGeom prst="rect">
@@ -6753,7 +6641,7 @@
         </p:nvCxnSpPr>
         <p:spPr>
           <a:xfrm flipH="1">
-            <a:off x="5972502" y="1569184"/>
+            <a:off x="6188155" y="1569184"/>
             <a:ext cx="1210" cy="137176"/>
           </a:xfrm>
           <a:prstGeom prst="straightConnector1">
@@ -6789,7 +6677,7 @@
         </p:nvSpPr>
         <p:spPr>
           <a:xfrm>
-            <a:off x="5557776" y="1695656"/>
+            <a:off x="5773429" y="1695656"/>
             <a:ext cx="835672" cy="248530"/>
           </a:xfrm>
           <a:prstGeom prst="rect">
@@ -6876,7 +6764,7 @@
         </p:nvCxnSpPr>
         <p:spPr>
           <a:xfrm flipH="1">
-            <a:off x="7020858" y="1558295"/>
+            <a:off x="7236511" y="1558295"/>
             <a:ext cx="1210" cy="137176"/>
           </a:xfrm>
           <a:prstGeom prst="straightConnector1">
@@ -6912,7 +6800,7 @@
         </p:nvSpPr>
         <p:spPr>
           <a:xfrm>
-            <a:off x="8773320" y="1681438"/>
+            <a:off x="8988973" y="1681438"/>
             <a:ext cx="612668" cy="262380"/>
           </a:xfrm>
           <a:prstGeom prst="rect">
@@ -6944,7 +6832,7 @@
         </p:nvCxnSpPr>
         <p:spPr>
           <a:xfrm flipV="1">
-            <a:off x="4938259" y="2818513"/>
+            <a:off x="5153912" y="2818513"/>
             <a:ext cx="2192" cy="256489"/>
           </a:xfrm>
           <a:prstGeom prst="straightConnector1">
@@ -6977,7 +6865,7 @@
         </p:nvSpPr>
         <p:spPr>
           <a:xfrm>
-            <a:off x="4606358" y="3110511"/>
+            <a:off x="4822011" y="3110511"/>
             <a:ext cx="716854" cy="262380"/>
           </a:xfrm>
           <a:prstGeom prst="rect">
@@ -7009,7 +6897,7 @@
         </p:nvSpPr>
         <p:spPr>
           <a:xfrm>
-            <a:off x="5821654" y="3039408"/>
+            <a:off x="6037307" y="3039408"/>
             <a:ext cx="332142" cy="304827"/>
           </a:xfrm>
           <a:prstGeom prst="rect">
@@ -7048,8 +6936,8 @@
         </p:nvSpPr>
         <p:spPr>
           <a:xfrm>
-            <a:off x="3323069" y="1066863"/>
-            <a:ext cx="798617" cy="287899"/>
+            <a:off x="3210883" y="1058237"/>
+            <a:ext cx="862737" cy="307777"/>
           </a:xfrm>
           <a:prstGeom prst="rect">
             <a:avLst/>
@@ -7063,7 +6951,7 @@
           <a:lstStyle/>
           <a:p>
             <a:r>
-              <a:rPr lang="en-US" altLang="en-US" sz="1271">
+              <a:rPr lang="en-US" altLang="en-US" sz="1400" dirty="0">
                 <a:latin typeface="Times New Roman" panose="02020603050405020304" pitchFamily="18" charset="0"/>
                 <a:cs typeface="Times New Roman" panose="02020603050405020304" pitchFamily="18" charset="0"/>
               </a:rPr>
@@ -7080,7 +6968,7 @@
         </p:nvSpPr>
         <p:spPr>
           <a:xfrm>
-            <a:off x="8935304" y="1231085"/>
+            <a:off x="9150957" y="1231085"/>
             <a:ext cx="393056" cy="327141"/>
           </a:xfrm>
           <a:prstGeom prst="rect">
@@ -7119,7 +7007,7 @@
         </p:nvCxnSpPr>
         <p:spPr>
           <a:xfrm flipH="1">
-            <a:off x="9097282" y="1562169"/>
+            <a:off x="9312935" y="1562169"/>
             <a:ext cx="1210" cy="137176"/>
           </a:xfrm>
           <a:prstGeom prst="straightConnector1">
@@ -7155,7 +7043,7 @@
         </p:nvCxnSpPr>
         <p:spPr>
           <a:xfrm flipH="1" flipV="1">
-            <a:off x="9102180" y="1909360"/>
+            <a:off x="9317833" y="1909360"/>
             <a:ext cx="807" cy="159367"/>
           </a:xfrm>
           <a:prstGeom prst="straightConnector1">
@@ -7188,7 +7076,7 @@
         </p:nvCxnSpPr>
         <p:spPr>
           <a:xfrm flipV="1">
-            <a:off x="9098549" y="2809884"/>
+            <a:off x="9314202" y="2809884"/>
             <a:ext cx="3631" cy="276370"/>
           </a:xfrm>
           <a:prstGeom prst="straightConnector1">
@@ -7221,7 +7109,7 @@
         </p:nvSpPr>
         <p:spPr>
           <a:xfrm>
-            <a:off x="6852167" y="1250796"/>
+            <a:off x="7067820" y="1250796"/>
             <a:ext cx="364202" cy="327141"/>
           </a:xfrm>
           <a:prstGeom prst="rect">
@@ -7260,7 +7148,7 @@
         </p:nvSpPr>
         <p:spPr>
           <a:xfrm>
-            <a:off x="6603026" y="1695656"/>
+            <a:off x="6818679" y="1695656"/>
             <a:ext cx="835234" cy="248530"/>
           </a:xfrm>
           <a:prstGeom prst="rect">
@@ -7347,7 +7235,7 @@
         </p:nvSpPr>
         <p:spPr>
           <a:xfrm rot="5030305" flipH="1">
-            <a:off x="8136963" y="1396759"/>
+            <a:off x="8352616" y="1396759"/>
             <a:ext cx="30868" cy="30868"/>
           </a:xfrm>
           <a:prstGeom prst="ellipse">
@@ -7392,7 +7280,7 @@
         </p:nvSpPr>
         <p:spPr>
           <a:xfrm rot="5030305" flipH="1">
-            <a:off x="8027222" y="1397163"/>
+            <a:off x="8242875" y="1397163"/>
             <a:ext cx="30868" cy="30868"/>
           </a:xfrm>
           <a:prstGeom prst="ellipse">
@@ -7437,7 +7325,7 @@
         </p:nvSpPr>
         <p:spPr>
           <a:xfrm rot="5030305" flipH="1">
-            <a:off x="7921919" y="1397163"/>
+            <a:off x="8137572" y="1397163"/>
             <a:ext cx="30868" cy="30868"/>
           </a:xfrm>
           <a:prstGeom prst="ellipse">
@@ -7482,7 +7370,7 @@
         </p:nvSpPr>
         <p:spPr>
           <a:xfrm>
-            <a:off x="7625477" y="1695656"/>
+            <a:off x="7841130" y="1695656"/>
             <a:ext cx="834795" cy="248530"/>
           </a:xfrm>
           <a:prstGeom prst="rect">
@@ -7520,7 +7408,7 @@
         </p:nvSpPr>
         <p:spPr>
           <a:xfrm rot="5030305" flipH="1">
-            <a:off x="8137229" y="1774432"/>
+            <a:off x="8352882" y="1774432"/>
             <a:ext cx="30868" cy="30868"/>
           </a:xfrm>
           <a:prstGeom prst="ellipse">
@@ -7565,7 +7453,7 @@
         </p:nvSpPr>
         <p:spPr>
           <a:xfrm rot="5030305" flipH="1">
-            <a:off x="8027488" y="1774835"/>
+            <a:off x="8243141" y="1774835"/>
             <a:ext cx="30868" cy="30868"/>
           </a:xfrm>
           <a:prstGeom prst="ellipse">
@@ -7610,7 +7498,7 @@
         </p:nvSpPr>
         <p:spPr>
           <a:xfrm rot="5030305" flipH="1">
-            <a:off x="7922185" y="1774835"/>
+            <a:off x="8137838" y="1774835"/>
             <a:ext cx="30868" cy="30868"/>
           </a:xfrm>
           <a:prstGeom prst="ellipse">
@@ -7655,7 +7543,7 @@
         </p:nvCxnSpPr>
         <p:spPr>
           <a:xfrm flipH="1">
-            <a:off x="8045610" y="1558470"/>
+            <a:off x="8261263" y="1558470"/>
             <a:ext cx="1210" cy="137176"/>
           </a:xfrm>
           <a:prstGeom prst="straightConnector1">
@@ -7691,7 +7579,7 @@
         </p:nvCxnSpPr>
         <p:spPr>
           <a:xfrm flipH="1" flipV="1">
-            <a:off x="8050648" y="1914568"/>
+            <a:off x="8266301" y="1914568"/>
             <a:ext cx="807" cy="159367"/>
           </a:xfrm>
           <a:prstGeom prst="straightConnector1">
@@ -7724,7 +7612,7 @@
         </p:nvSpPr>
         <p:spPr>
           <a:xfrm rot="5030305" flipH="1">
-            <a:off x="8171162" y="3143937"/>
+            <a:off x="8386815" y="3143937"/>
             <a:ext cx="30868" cy="30868"/>
           </a:xfrm>
           <a:prstGeom prst="ellipse">
@@ -7769,7 +7657,7 @@
         </p:nvSpPr>
         <p:spPr>
           <a:xfrm rot="5030305" flipH="1">
-            <a:off x="8061420" y="3144341"/>
+            <a:off x="8277073" y="3144341"/>
             <a:ext cx="30868" cy="30868"/>
           </a:xfrm>
           <a:prstGeom prst="ellipse">
@@ -7814,7 +7702,7 @@
         </p:nvSpPr>
         <p:spPr>
           <a:xfrm rot="5030305" flipH="1">
-            <a:off x="7956117" y="3144341"/>
+            <a:off x="8171770" y="3144341"/>
             <a:ext cx="30868" cy="30868"/>
           </a:xfrm>
           <a:prstGeom prst="ellipse">
@@ -7859,7 +7747,7 @@
         </p:nvSpPr>
         <p:spPr>
           <a:xfrm>
-            <a:off x="4475341" y="91129"/>
+            <a:off x="4690994" y="91129"/>
             <a:ext cx="5153092" cy="1108582"/>
           </a:xfrm>
           <a:prstGeom prst="roundRect">
@@ -7912,7 +7800,7 @@
         </p:nvSpPr>
         <p:spPr>
           <a:xfrm>
-            <a:off x="4556453" y="235017"/>
+            <a:off x="4772106" y="235017"/>
             <a:ext cx="760260" cy="754999"/>
           </a:xfrm>
           <a:prstGeom prst="ellipse">
@@ -7995,7 +7883,7 @@
         </p:nvSpPr>
         <p:spPr>
           <a:xfrm>
-            <a:off x="7673349" y="235016"/>
+            <a:off x="7889002" y="235016"/>
             <a:ext cx="759383" cy="754560"/>
           </a:xfrm>
           <a:prstGeom prst="ellipse">
@@ -8052,7 +7940,7 @@
         </p:nvSpPr>
         <p:spPr>
           <a:xfrm rot="5030305" flipH="1">
-            <a:off x="8142884" y="596111"/>
+            <a:off x="8358537" y="596111"/>
             <a:ext cx="30868" cy="30868"/>
           </a:xfrm>
           <a:prstGeom prst="ellipse">
@@ -8097,7 +7985,7 @@
         </p:nvSpPr>
         <p:spPr>
           <a:xfrm rot="5030305" flipH="1">
-            <a:off x="8020428" y="596076"/>
+            <a:off x="8236081" y="596076"/>
             <a:ext cx="30868" cy="30868"/>
           </a:xfrm>
           <a:prstGeom prst="ellipse">
@@ -8142,7 +8030,7 @@
         </p:nvSpPr>
         <p:spPr>
           <a:xfrm rot="5030305" flipH="1">
-            <a:off x="7893203" y="596953"/>
+            <a:off x="8108856" y="596953"/>
             <a:ext cx="30868" cy="30868"/>
           </a:xfrm>
           <a:prstGeom prst="ellipse">
@@ -8179,78 +8067,6 @@
           </a:p>
         </p:txBody>
       </p:sp>
-      <p:cxnSp>
-        <p:nvCxnSpPr>
-          <p:cNvPr id="178" name="直线箭头连接符 64"/>
-          <p:cNvCxnSpPr>
-            <a:stCxn id="61" idx="6"/>
-            <a:endCxn id="62" idx="2"/>
-          </p:cNvCxnSpPr>
-          <p:nvPr/>
-        </p:nvCxnSpPr>
-        <p:spPr>
-          <a:xfrm>
-            <a:off x="6348813" y="612073"/>
-            <a:ext cx="279727" cy="0"/>
-          </a:xfrm>
-          <a:prstGeom prst="straightConnector1">
-            <a:avLst/>
-          </a:prstGeom>
-          <a:ln w="47625">
-            <a:tailEnd type="triangle"/>
-          </a:ln>
-        </p:spPr>
-        <p:style>
-          <a:lnRef idx="1">
-            <a:schemeClr val="dk1"/>
-          </a:lnRef>
-          <a:fillRef idx="0">
-            <a:schemeClr val="dk1"/>
-          </a:fillRef>
-          <a:effectRef idx="0">
-            <a:schemeClr val="dk1"/>
-          </a:effectRef>
-          <a:fontRef idx="minor">
-            <a:schemeClr val="tx1"/>
-          </a:fontRef>
-        </p:style>
-      </p:cxnSp>
-      <p:cxnSp>
-        <p:nvCxnSpPr>
-          <p:cNvPr id="179" name="直线箭头连接符 64"/>
-          <p:cNvCxnSpPr>
-            <a:stCxn id="62" idx="6"/>
-            <a:endCxn id="153" idx="2"/>
-          </p:cNvCxnSpPr>
-          <p:nvPr/>
-        </p:nvCxnSpPr>
-        <p:spPr>
-          <a:xfrm>
-            <a:off x="7388803" y="612077"/>
-            <a:ext cx="284549" cy="438"/>
-          </a:xfrm>
-          <a:prstGeom prst="straightConnector1">
-            <a:avLst/>
-          </a:prstGeom>
-          <a:ln w="47625">
-            <a:tailEnd type="triangle"/>
-          </a:ln>
-        </p:spPr>
-        <p:style>
-          <a:lnRef idx="1">
-            <a:schemeClr val="dk1"/>
-          </a:lnRef>
-          <a:fillRef idx="0">
-            <a:schemeClr val="dk1"/>
-          </a:fillRef>
-          <a:effectRef idx="0">
-            <a:schemeClr val="dk1"/>
-          </a:effectRef>
-          <a:fontRef idx="minor">
-            <a:schemeClr val="tx1"/>
-          </a:fontRef>
-        </p:style>
-      </p:cxnSp>
       <p:cxnSp>
         <p:nvCxnSpPr>
           <p:cNvPr id="180" name="直线箭头连接符 64"/>
@@ -8263,13 +8079,18 @@
         </p:nvCxnSpPr>
         <p:spPr>
           <a:xfrm>
-            <a:off x="9628433" y="645420"/>
-            <a:ext cx="406182" cy="770362"/>
+            <a:off x="9844086" y="645420"/>
+            <a:ext cx="494298" cy="770362"/>
           </a:xfrm>
           <a:prstGeom prst="straightConnector1">
             <a:avLst/>
           </a:prstGeom>
           <a:ln w="47625">
+            <a:solidFill>
+              <a:schemeClr val="accent1">
+                <a:lumMod val="50000"/>
+              </a:schemeClr>
+            </a:solidFill>
             <a:tailEnd type="triangle"/>
           </a:ln>
         </p:spPr>
@@ -8299,7 +8120,7 @@
         </p:nvCxnSpPr>
         <p:spPr>
           <a:xfrm rot="16200000" flipH="1">
-            <a:off x="7153355" y="89893"/>
+            <a:off x="7369008" y="89893"/>
             <a:ext cx="754999" cy="1044371"/>
           </a:xfrm>
           <a:prstGeom prst="bentConnector5">
@@ -8342,7 +8163,7 @@
         </p:nvCxnSpPr>
         <p:spPr>
           <a:xfrm rot="16200000" flipH="1">
-            <a:off x="8197725" y="90329"/>
+            <a:off x="8413378" y="90329"/>
             <a:ext cx="754560" cy="1043932"/>
           </a:xfrm>
           <a:prstGeom prst="bentConnector5">
@@ -8382,7 +8203,7 @@
         </p:nvCxnSpPr>
         <p:spPr>
           <a:xfrm rot="16200000" flipH="1">
-            <a:off x="5075354" y="96251"/>
+            <a:off x="5291007" y="96251"/>
             <a:ext cx="754560" cy="1032095"/>
           </a:xfrm>
           <a:prstGeom prst="bentConnector5">
@@ -8425,7 +8246,7 @@
         </p:nvCxnSpPr>
         <p:spPr>
           <a:xfrm>
-            <a:off x="6393448" y="1819926"/>
+            <a:off x="6609101" y="1819926"/>
             <a:ext cx="475646" cy="1372335"/>
           </a:xfrm>
           <a:prstGeom prst="bentConnector3">
@@ -8466,7 +8287,7 @@
         </p:nvCxnSpPr>
         <p:spPr>
           <a:xfrm>
-            <a:off x="8460272" y="1819926"/>
+            <a:off x="8675925" y="1819926"/>
             <a:ext cx="484415" cy="1354797"/>
           </a:xfrm>
           <a:prstGeom prst="bentConnector3">
@@ -8504,8 +8325,8 @@
         </p:nvSpPr>
         <p:spPr>
           <a:xfrm>
-            <a:off x="2112053" y="1008179"/>
-            <a:ext cx="1095230" cy="624343"/>
+            <a:off x="1756207" y="1008179"/>
+            <a:ext cx="1451076" cy="624343"/>
           </a:xfrm>
           <a:prstGeom prst="roundRect">
             <a:avLst/>
@@ -8546,7 +8367,7 @@
           <a:p>
             <a:pPr algn="ctr"/>
             <a:r>
-              <a:rPr kumimoji="1" lang="en-US" altLang="zh-CN" sz="1243" dirty="0">
+              <a:rPr kumimoji="1" lang="en-US" altLang="zh-CN" sz="1400" dirty="0">
                 <a:solidFill>
                   <a:schemeClr val="tx1"/>
                 </a:solidFill>
@@ -8559,7 +8380,7 @@
           <a:p>
             <a:pPr algn="ctr"/>
             <a:r>
-              <a:rPr kumimoji="1" lang="" altLang="en-US" sz="1243" dirty="0">
+              <a:rPr kumimoji="1" lang="" altLang="en-US" sz="1400" dirty="0">
                 <a:solidFill>
                   <a:schemeClr val="tx1"/>
                 </a:solidFill>
@@ -8569,7 +8390,7 @@
               <a:t>(T</a:t>
             </a:r>
             <a:r>
-              <a:rPr kumimoji="1" lang="" altLang="en-US" sz="1243" baseline="-25000" dirty="0">
+              <a:rPr kumimoji="1" lang="" altLang="en-US" sz="1400" baseline="-25000" dirty="0">
                 <a:solidFill>
                   <a:schemeClr val="tx1"/>
                 </a:solidFill>
@@ -8579,7 +8400,7 @@
               <a:t>frames</a:t>
             </a:r>
             <a:r>
-              <a:rPr kumimoji="1" lang="" altLang="en-US" sz="1243" dirty="0">
+              <a:rPr kumimoji="1" lang="" altLang="en-US" sz="1400" dirty="0">
                 <a:solidFill>
                   <a:schemeClr val="tx1"/>
                 </a:solidFill>
@@ -8641,7 +8462,7 @@
           <a:p>
             <a:pPr algn="ctr"/>
             <a:r>
-              <a:rPr kumimoji="1" lang="en-US" altLang="zh-CN" sz="1243" dirty="0">
+              <a:rPr kumimoji="1" lang="en-US" altLang="zh-CN" sz="1400" dirty="0">
                 <a:solidFill>
                   <a:schemeClr val="tx1"/>
                 </a:solidFill>
@@ -8654,7 +8475,7 @@
           <a:p>
             <a:pPr algn="ctr"/>
             <a:r>
-              <a:rPr kumimoji="1" lang="" altLang="en-US" sz="1243" dirty="0">
+              <a:rPr kumimoji="1" lang="" altLang="en-US" sz="1400" dirty="0">
                 <a:solidFill>
                   <a:schemeClr val="tx1"/>
                 </a:solidFill>
@@ -8664,7 +8485,7 @@
               <a:t>(N</a:t>
             </a:r>
             <a:r>
-              <a:rPr kumimoji="1" lang="" altLang="en-US" sz="1243" baseline="-25000" dirty="0">
+              <a:rPr kumimoji="1" lang="" altLang="en-US" sz="1400" baseline="-25000" dirty="0">
                 <a:solidFill>
                   <a:schemeClr val="tx1"/>
                 </a:solidFill>
@@ -8674,7 +8495,7 @@
               <a:t>layers</a:t>
             </a:r>
             <a:r>
-              <a:rPr kumimoji="1" lang="" altLang="en-US" sz="1243" dirty="0">
+              <a:rPr kumimoji="1" lang="" altLang="en-US" sz="1400" dirty="0">
                 <a:solidFill>
                   <a:schemeClr val="tx1"/>
                 </a:solidFill>
@@ -8694,8 +8515,8 @@
         </p:nvSpPr>
         <p:spPr>
           <a:xfrm>
-            <a:off x="1264982" y="2092008"/>
-            <a:ext cx="978604" cy="726500"/>
+            <a:off x="1153783" y="2092008"/>
+            <a:ext cx="1089803" cy="726500"/>
           </a:xfrm>
           <a:prstGeom prst="roundRect">
             <a:avLst/>
@@ -8736,7 +8557,7 @@
           <a:p>
             <a:pPr algn="ctr"/>
             <a:r>
-              <a:rPr lang="en-US" altLang="zh-CN" sz="1243" dirty="0">
+              <a:rPr lang="en-US" altLang="zh-CN" sz="1400" dirty="0">
                 <a:solidFill>
                   <a:schemeClr val="tx1"/>
                 </a:solidFill>
@@ -8749,7 +8570,7 @@
           <a:p>
             <a:pPr algn="ctr"/>
             <a:r>
-              <a:rPr lang="en-US" altLang="zh-CN" sz="1243" dirty="0">
+              <a:rPr lang="en-US" altLang="zh-CN" sz="1400" dirty="0">
                 <a:solidFill>
                   <a:schemeClr val="tx1"/>
                 </a:solidFill>
@@ -8758,7 +8579,7 @@
               </a:rPr>
               <a:t>Encoder</a:t>
             </a:r>
-            <a:endParaRPr lang="zh-CN" altLang="en-US" sz="1243" dirty="0">
+            <a:endParaRPr lang="zh-CN" altLang="en-US" sz="1400" dirty="0">
               <a:solidFill>
                 <a:schemeClr val="tx1"/>
               </a:solidFill>
@@ -8771,13 +8592,15 @@
       <p:cxnSp>
         <p:nvCxnSpPr>
           <p:cNvPr id="191" name="直线箭头连接符 64"/>
-          <p:cNvCxnSpPr/>
+          <p:cNvCxnSpPr>
+            <a:endCxn id="5" idx="1"/>
+          </p:cNvCxnSpPr>
           <p:nvPr/>
         </p:nvCxnSpPr>
         <p:spPr>
           <a:xfrm flipV="1">
-            <a:off x="956773" y="2455587"/>
-            <a:ext cx="303402" cy="944"/>
+            <a:off x="956773" y="2455258"/>
+            <a:ext cx="197010" cy="1273"/>
           </a:xfrm>
           <a:prstGeom prst="straightConnector1">
             <a:avLst/>
@@ -8817,7 +8640,7 @@
         </p:nvCxnSpPr>
         <p:spPr>
           <a:xfrm>
-            <a:off x="5357854" y="1819921"/>
+            <a:off x="5573507" y="1819921"/>
             <a:ext cx="463805" cy="1371896"/>
           </a:xfrm>
           <a:prstGeom prst="bentConnector3">
@@ -8859,8 +8682,8 @@
         </p:nvCxnSpPr>
         <p:spPr>
           <a:xfrm flipV="1">
-            <a:off x="3734735" y="612514"/>
-            <a:ext cx="821721" cy="1840554"/>
+            <a:off x="3734735" y="612517"/>
+            <a:ext cx="1037371" cy="1840554"/>
           </a:xfrm>
           <a:prstGeom prst="straightConnector1">
             <a:avLst/>
@@ -8897,7 +8720,7 @@
         </p:nvSpPr>
         <p:spPr>
           <a:xfrm>
-            <a:off x="5588548" y="234579"/>
+            <a:off x="5804201" y="234579"/>
             <a:ext cx="760260" cy="754999"/>
           </a:xfrm>
           <a:prstGeom prst="ellipse">
@@ -9000,7 +8823,7 @@
         </p:nvSpPr>
         <p:spPr>
           <a:xfrm>
-            <a:off x="6628534" y="234579"/>
+            <a:off x="6844187" y="234579"/>
             <a:ext cx="760260" cy="754999"/>
           </a:xfrm>
           <a:prstGeom prst="ellipse">
@@ -9103,7 +8926,7 @@
         </p:nvSpPr>
         <p:spPr>
           <a:xfrm>
-            <a:off x="8716838" y="234579"/>
+            <a:off x="8932491" y="234579"/>
             <a:ext cx="760260" cy="754999"/>
           </a:xfrm>
           <a:prstGeom prst="ellipse">
@@ -9209,7 +9032,7 @@
         </p:nvCxnSpPr>
         <p:spPr>
           <a:xfrm rot="16200000" flipH="1">
-            <a:off x="6111177" y="92080"/>
+            <a:off x="6326830" y="92080"/>
             <a:ext cx="754999" cy="1039986"/>
           </a:xfrm>
           <a:prstGeom prst="bentConnector5">
@@ -9249,13 +9072,18 @@
         </p:nvCxnSpPr>
         <p:spPr>
           <a:xfrm>
-            <a:off x="8437116" y="612073"/>
+            <a:off x="8652769" y="612073"/>
             <a:ext cx="279727" cy="0"/>
           </a:xfrm>
           <a:prstGeom prst="straightConnector1">
             <a:avLst/>
           </a:prstGeom>
           <a:ln w="47625">
+            <a:solidFill>
+              <a:schemeClr val="accent1">
+                <a:lumMod val="50000"/>
+              </a:schemeClr>
+            </a:solidFill>
             <a:tailEnd type="triangle"/>
           </a:ln>
         </p:spPr>
@@ -9282,13 +9110,18 @@
         </p:nvCxnSpPr>
         <p:spPr>
           <a:xfrm>
-            <a:off x="5316718" y="611635"/>
+            <a:off x="5532371" y="611635"/>
             <a:ext cx="279727" cy="0"/>
           </a:xfrm>
           <a:prstGeom prst="straightConnector1">
             <a:avLst/>
           </a:prstGeom>
           <a:ln w="47625">
+            <a:solidFill>
+              <a:schemeClr val="accent1">
+                <a:lumMod val="50000"/>
+              </a:schemeClr>
+            </a:solidFill>
             <a:tailEnd type="triangle"/>
           </a:ln>
         </p:spPr>
@@ -9315,7 +9148,7 @@
         </p:nvSpPr>
         <p:spPr>
           <a:xfrm>
-            <a:off x="4562949" y="2062634"/>
+            <a:off x="4778602" y="2062634"/>
             <a:ext cx="760260" cy="754999"/>
           </a:xfrm>
           <a:prstGeom prst="ellipse">
@@ -9398,7 +9231,7 @@
         </p:nvSpPr>
         <p:spPr>
           <a:xfrm>
-            <a:off x="7678529" y="2067452"/>
+            <a:off x="7894182" y="2067452"/>
             <a:ext cx="759383" cy="746230"/>
           </a:xfrm>
           <a:prstGeom prst="ellipse">
@@ -9455,7 +9288,7 @@
         </p:nvSpPr>
         <p:spPr>
           <a:xfrm rot="5030305" flipH="1">
-            <a:off x="8174809" y="2411013"/>
+            <a:off x="8390462" y="2411013"/>
             <a:ext cx="30868" cy="30868"/>
           </a:xfrm>
           <a:prstGeom prst="ellipse">
@@ -9500,7 +9333,7 @@
         </p:nvSpPr>
         <p:spPr>
           <a:xfrm rot="5030305" flipH="1">
-            <a:off x="8052353" y="2410978"/>
+            <a:off x="8268006" y="2410978"/>
             <a:ext cx="30868" cy="30868"/>
           </a:xfrm>
           <a:prstGeom prst="ellipse">
@@ -9545,7 +9378,7 @@
         </p:nvSpPr>
         <p:spPr>
           <a:xfrm rot="5030305" flipH="1">
-            <a:off x="7925128" y="2411855"/>
+            <a:off x="8140781" y="2411855"/>
             <a:ext cx="30868" cy="30868"/>
           </a:xfrm>
           <a:prstGeom prst="ellipse">
@@ -9582,42 +9415,6 @@
           </a:p>
         </p:txBody>
       </p:sp>
-      <p:cxnSp>
-        <p:nvCxnSpPr>
-          <p:cNvPr id="89" name="直线箭头连接符 64"/>
-          <p:cNvCxnSpPr>
-            <a:stCxn id="109" idx="6"/>
-            <a:endCxn id="71" idx="2"/>
-          </p:cNvCxnSpPr>
-          <p:nvPr/>
-        </p:nvCxnSpPr>
-        <p:spPr>
-          <a:xfrm>
-            <a:off x="7393101" y="2436183"/>
-            <a:ext cx="285426" cy="4384"/>
-          </a:xfrm>
-          <a:prstGeom prst="straightConnector1">
-            <a:avLst/>
-          </a:prstGeom>
-          <a:ln w="47625">
-            <a:tailEnd type="triangle"/>
-          </a:ln>
-        </p:spPr>
-        <p:style>
-          <a:lnRef idx="1">
-            <a:schemeClr val="dk1"/>
-          </a:lnRef>
-          <a:fillRef idx="0">
-            <a:schemeClr val="dk1"/>
-          </a:fillRef>
-          <a:effectRef idx="0">
-            <a:schemeClr val="dk1"/>
-          </a:effectRef>
-          <a:fontRef idx="minor">
-            <a:schemeClr val="tx1"/>
-          </a:fontRef>
-        </p:style>
-      </p:cxnSp>
       <p:sp>
         <p:nvSpPr>
           <p:cNvPr id="109" name="Oval 108"/>
@@ -9626,7 +9423,7 @@
         </p:nvSpPr>
         <p:spPr>
           <a:xfrm>
-            <a:off x="6632838" y="2058688"/>
+            <a:off x="6848491" y="2058688"/>
             <a:ext cx="760260" cy="754999"/>
           </a:xfrm>
           <a:prstGeom prst="ellipse">
@@ -9709,7 +9506,7 @@
         </p:nvSpPr>
         <p:spPr>
           <a:xfrm>
-            <a:off x="8722018" y="2063073"/>
+            <a:off x="8937671" y="2063073"/>
             <a:ext cx="760260" cy="754999"/>
           </a:xfrm>
           <a:prstGeom prst="ellipse">
@@ -9792,13 +9589,18 @@
         </p:nvCxnSpPr>
         <p:spPr>
           <a:xfrm>
-            <a:off x="8442296" y="2440567"/>
+            <a:off x="8657949" y="2440567"/>
             <a:ext cx="279727" cy="0"/>
           </a:xfrm>
           <a:prstGeom prst="straightConnector1">
             <a:avLst/>
           </a:prstGeom>
           <a:ln w="47625">
+            <a:solidFill>
+              <a:schemeClr val="accent1">
+                <a:lumMod val="50000"/>
+              </a:schemeClr>
+            </a:solidFill>
             <a:tailEnd type="triangle"/>
           </a:ln>
         </p:spPr>
@@ -9825,13 +9627,18 @@
         </p:nvCxnSpPr>
         <p:spPr>
           <a:xfrm>
-            <a:off x="5321898" y="2440129"/>
+            <a:off x="5537551" y="2440129"/>
             <a:ext cx="279727" cy="0"/>
           </a:xfrm>
           <a:prstGeom prst="straightConnector1">
             <a:avLst/>
           </a:prstGeom>
           <a:ln w="47625">
+            <a:solidFill>
+              <a:schemeClr val="accent1">
+                <a:lumMod val="50000"/>
+              </a:schemeClr>
+            </a:solidFill>
             <a:tailEnd type="triangle"/>
           </a:ln>
         </p:spPr>
@@ -9858,7 +9665,7 @@
         </p:nvCxnSpPr>
         <p:spPr>
           <a:xfrm flipV="1">
-            <a:off x="4941767" y="1906113"/>
+            <a:off x="5157420" y="1906113"/>
             <a:ext cx="2192" cy="157401"/>
           </a:xfrm>
           <a:prstGeom prst="straightConnector1">
@@ -9891,7 +9698,7 @@
         </p:nvCxnSpPr>
         <p:spPr>
           <a:xfrm flipH="1" flipV="1">
-            <a:off x="5976494" y="1914439"/>
+            <a:off x="6192147" y="1914439"/>
             <a:ext cx="877" cy="150386"/>
           </a:xfrm>
           <a:prstGeom prst="straightConnector1">
@@ -9924,7 +9731,7 @@
         </p:nvSpPr>
         <p:spPr>
           <a:xfrm>
-            <a:off x="5592851" y="2062634"/>
+            <a:off x="5808504" y="2062634"/>
             <a:ext cx="760260" cy="754999"/>
           </a:xfrm>
           <a:prstGeom prst="ellipse">
@@ -10027,13 +9834,18 @@
         </p:nvCxnSpPr>
         <p:spPr>
           <a:xfrm>
-            <a:off x="6353116" y="2436183"/>
+            <a:off x="6568769" y="2436183"/>
             <a:ext cx="279727" cy="0"/>
           </a:xfrm>
           <a:prstGeom prst="straightConnector1">
             <a:avLst/>
           </a:prstGeom>
           <a:ln w="47625">
+            <a:solidFill>
+              <a:schemeClr val="accent1">
+                <a:lumMod val="50000"/>
+              </a:schemeClr>
+            </a:solidFill>
             <a:tailEnd type="triangle"/>
           </a:ln>
         </p:spPr>
@@ -10060,7 +9872,7 @@
         </p:nvCxnSpPr>
         <p:spPr>
           <a:xfrm flipH="1" flipV="1">
-            <a:off x="7019988" y="1914439"/>
+            <a:off x="7235641" y="1914439"/>
             <a:ext cx="877" cy="150386"/>
           </a:xfrm>
           <a:prstGeom prst="straightConnector1">
@@ -10093,7 +9905,7 @@
         </p:nvCxnSpPr>
         <p:spPr>
           <a:xfrm>
-            <a:off x="7440014" y="1807017"/>
+            <a:off x="7655667" y="1807017"/>
             <a:ext cx="445020" cy="1366188"/>
           </a:xfrm>
           <a:prstGeom prst="bentConnector3">
@@ -10131,7 +9943,7 @@
         </p:nvCxnSpPr>
         <p:spPr>
           <a:xfrm flipV="1">
-            <a:off x="5977369" y="2818513"/>
+            <a:off x="6193022" y="2818513"/>
             <a:ext cx="2192" cy="256489"/>
           </a:xfrm>
           <a:prstGeom prst="straightConnector1">
@@ -10164,7 +9976,7 @@
         </p:nvSpPr>
         <p:spPr>
           <a:xfrm>
-            <a:off x="6869094" y="3039847"/>
+            <a:off x="7084747" y="3039847"/>
             <a:ext cx="332142" cy="304827"/>
           </a:xfrm>
           <a:prstGeom prst="rect">
@@ -10203,7 +10015,7 @@
         </p:nvCxnSpPr>
         <p:spPr>
           <a:xfrm flipV="1">
-            <a:off x="7022178" y="2809744"/>
+            <a:off x="7237831" y="2809744"/>
             <a:ext cx="2192" cy="256489"/>
           </a:xfrm>
           <a:prstGeom prst="straightConnector1">
@@ -10236,7 +10048,7 @@
         </p:nvSpPr>
         <p:spPr>
           <a:xfrm>
-            <a:off x="8944682" y="3022309"/>
+            <a:off x="9160335" y="3022309"/>
             <a:ext cx="344966" cy="304827"/>
           </a:xfrm>
           <a:prstGeom prst="rect">
@@ -10275,7 +10087,7 @@
         </p:nvSpPr>
         <p:spPr>
           <a:xfrm>
-            <a:off x="4480522" y="3440657"/>
+            <a:off x="4696175" y="3440657"/>
             <a:ext cx="5134750" cy="1136029"/>
           </a:xfrm>
           <a:prstGeom prst="roundRect">
@@ -10328,7 +10140,7 @@
         </p:nvSpPr>
         <p:spPr>
           <a:xfrm>
-            <a:off x="4559003" y="3543256"/>
+            <a:off x="4774656" y="3543256"/>
             <a:ext cx="760260" cy="754999"/>
           </a:xfrm>
           <a:prstGeom prst="ellipse">
@@ -10411,7 +10223,7 @@
         </p:nvSpPr>
         <p:spPr>
           <a:xfrm>
-            <a:off x="7675898" y="3543254"/>
+            <a:off x="7891551" y="3543254"/>
             <a:ext cx="759383" cy="754560"/>
           </a:xfrm>
           <a:prstGeom prst="ellipse">
@@ -10468,7 +10280,7 @@
         </p:nvSpPr>
         <p:spPr>
           <a:xfrm rot="5030305" flipH="1">
-            <a:off x="8145434" y="3904350"/>
+            <a:off x="8361087" y="3904350"/>
             <a:ext cx="30868" cy="30868"/>
           </a:xfrm>
           <a:prstGeom prst="ellipse">
@@ -10513,7 +10325,7 @@
         </p:nvSpPr>
         <p:spPr>
           <a:xfrm rot="5030305" flipH="1">
-            <a:off x="8022978" y="3904314"/>
+            <a:off x="8238631" y="3904314"/>
             <a:ext cx="30868" cy="30868"/>
           </a:xfrm>
           <a:prstGeom prst="ellipse">
@@ -10558,7 +10370,7 @@
         </p:nvSpPr>
         <p:spPr>
           <a:xfrm rot="5030305" flipH="1">
-            <a:off x="7895752" y="3905191"/>
+            <a:off x="8111405" y="3905191"/>
             <a:ext cx="30868" cy="30868"/>
           </a:xfrm>
           <a:prstGeom prst="ellipse">
@@ -10595,78 +10407,6 @@
           </a:p>
         </p:txBody>
       </p:sp>
-      <p:cxnSp>
-        <p:nvCxnSpPr>
-          <p:cNvPr id="193" name="直线箭头连接符 64"/>
-          <p:cNvCxnSpPr>
-            <a:stCxn id="220" idx="6"/>
-            <a:endCxn id="221" idx="2"/>
-          </p:cNvCxnSpPr>
-          <p:nvPr/>
-        </p:nvCxnSpPr>
-        <p:spPr>
-          <a:xfrm>
-            <a:off x="6351362" y="3920312"/>
-            <a:ext cx="279727" cy="0"/>
-          </a:xfrm>
-          <a:prstGeom prst="straightConnector1">
-            <a:avLst/>
-          </a:prstGeom>
-          <a:ln w="47625">
-            <a:tailEnd type="triangle"/>
-          </a:ln>
-        </p:spPr>
-        <p:style>
-          <a:lnRef idx="1">
-            <a:schemeClr val="dk1"/>
-          </a:lnRef>
-          <a:fillRef idx="0">
-            <a:schemeClr val="dk1"/>
-          </a:fillRef>
-          <a:effectRef idx="0">
-            <a:schemeClr val="dk1"/>
-          </a:effectRef>
-          <a:fontRef idx="minor">
-            <a:schemeClr val="tx1"/>
-          </a:fontRef>
-        </p:style>
-      </p:cxnSp>
-      <p:cxnSp>
-        <p:nvCxnSpPr>
-          <p:cNvPr id="195" name="直线箭头连接符 64"/>
-          <p:cNvCxnSpPr>
-            <a:stCxn id="221" idx="6"/>
-            <a:endCxn id="175" idx="2"/>
-          </p:cNvCxnSpPr>
-          <p:nvPr/>
-        </p:nvCxnSpPr>
-        <p:spPr>
-          <a:xfrm>
-            <a:off x="7391352" y="3920315"/>
-            <a:ext cx="284549" cy="438"/>
-          </a:xfrm>
-          <a:prstGeom prst="straightConnector1">
-            <a:avLst/>
-          </a:prstGeom>
-          <a:ln w="47625">
-            <a:tailEnd type="triangle"/>
-          </a:ln>
-        </p:spPr>
-        <p:style>
-          <a:lnRef idx="1">
-            <a:schemeClr val="dk1"/>
-          </a:lnRef>
-          <a:fillRef idx="0">
-            <a:schemeClr val="dk1"/>
-          </a:fillRef>
-          <a:effectRef idx="0">
-            <a:schemeClr val="dk1"/>
-          </a:effectRef>
-          <a:fontRef idx="minor">
-            <a:schemeClr val="tx1"/>
-          </a:fontRef>
-        </p:style>
-      </p:cxnSp>
       <p:cxnSp>
         <p:nvCxnSpPr>
           <p:cNvPr id="197" name="Elbow Connector 196"/>
@@ -10678,7 +10418,7 @@
         </p:nvCxnSpPr>
         <p:spPr>
           <a:xfrm rot="16200000" flipH="1">
-            <a:off x="7155905" y="3398131"/>
+            <a:off x="7371558" y="3398131"/>
             <a:ext cx="754999" cy="1044371"/>
           </a:xfrm>
           <a:prstGeom prst="bentConnector5">
@@ -10721,7 +10461,7 @@
         </p:nvCxnSpPr>
         <p:spPr>
           <a:xfrm rot="16200000" flipH="1">
-            <a:off x="8200274" y="3398568"/>
+            <a:off x="8415927" y="3398568"/>
             <a:ext cx="754560" cy="1043932"/>
           </a:xfrm>
           <a:prstGeom prst="bentConnector5">
@@ -10761,7 +10501,7 @@
         </p:nvCxnSpPr>
         <p:spPr>
           <a:xfrm rot="16200000" flipH="1">
-            <a:off x="5077903" y="3404489"/>
+            <a:off x="5293556" y="3404489"/>
             <a:ext cx="754560" cy="1032095"/>
           </a:xfrm>
           <a:prstGeom prst="bentConnector5">
@@ -10801,7 +10541,7 @@
         </p:nvSpPr>
         <p:spPr>
           <a:xfrm>
-            <a:off x="5591097" y="3542817"/>
+            <a:off x="5806750" y="3542817"/>
             <a:ext cx="760260" cy="754999"/>
           </a:xfrm>
           <a:prstGeom prst="ellipse">
@@ -10894,7 +10634,7 @@
         </p:nvSpPr>
         <p:spPr>
           <a:xfrm>
-            <a:off x="6631084" y="3542817"/>
+            <a:off x="6846737" y="3542817"/>
             <a:ext cx="760260" cy="754999"/>
           </a:xfrm>
           <a:prstGeom prst="ellipse">
@@ -10987,7 +10727,7 @@
         </p:nvSpPr>
         <p:spPr>
           <a:xfrm>
-            <a:off x="8719387" y="3542817"/>
+            <a:off x="8935040" y="3542817"/>
             <a:ext cx="760260" cy="754999"/>
           </a:xfrm>
           <a:prstGeom prst="ellipse">
@@ -11080,7 +10820,7 @@
         </p:nvCxnSpPr>
         <p:spPr>
           <a:xfrm rot="16200000" flipH="1">
-            <a:off x="6113726" y="3400757"/>
+            <a:off x="6329379" y="3400757"/>
             <a:ext cx="754999" cy="1039986"/>
           </a:xfrm>
           <a:prstGeom prst="bentConnector5">
@@ -11120,13 +10860,18 @@
         </p:nvCxnSpPr>
         <p:spPr>
           <a:xfrm>
-            <a:off x="8439665" y="3920312"/>
+            <a:off x="8655318" y="3920312"/>
             <a:ext cx="279727" cy="0"/>
           </a:xfrm>
           <a:prstGeom prst="straightConnector1">
             <a:avLst/>
           </a:prstGeom>
           <a:ln w="47625">
+            <a:solidFill>
+              <a:schemeClr val="accent1">
+                <a:lumMod val="50000"/>
+              </a:schemeClr>
+            </a:solidFill>
             <a:tailEnd type="triangle"/>
           </a:ln>
         </p:spPr>
@@ -11153,13 +10898,18 @@
         </p:nvCxnSpPr>
         <p:spPr>
           <a:xfrm>
-            <a:off x="5319268" y="3919873"/>
+            <a:off x="5534921" y="3919873"/>
             <a:ext cx="279727" cy="0"/>
           </a:xfrm>
           <a:prstGeom prst="straightConnector1">
             <a:avLst/>
           </a:prstGeom>
           <a:ln w="47625">
+            <a:solidFill>
+              <a:schemeClr val="accent1">
+                <a:lumMod val="50000"/>
+              </a:schemeClr>
+            </a:solidFill>
             <a:tailEnd type="triangle"/>
           </a:ln>
         </p:spPr>
@@ -11190,8 +10940,8 @@
         </p:nvCxnSpPr>
         <p:spPr>
           <a:xfrm>
-            <a:off x="3734735" y="2453285"/>
-            <a:ext cx="824273" cy="1467468"/>
+            <a:off x="3734735" y="2453071"/>
+            <a:ext cx="1039921" cy="1467685"/>
           </a:xfrm>
           <a:prstGeom prst="straightConnector1">
             <a:avLst/>
@@ -11236,13 +10986,18 @@
         </p:nvCxnSpPr>
         <p:spPr>
           <a:xfrm>
-            <a:off x="9573398" y="2337840"/>
-            <a:ext cx="529085" cy="4034"/>
+            <a:off x="9788776" y="2432749"/>
+            <a:ext cx="549608" cy="9411"/>
           </a:xfrm>
           <a:prstGeom prst="straightConnector1">
             <a:avLst/>
           </a:prstGeom>
           <a:ln w="47625">
+            <a:solidFill>
+              <a:schemeClr val="accent1">
+                <a:lumMod val="50000"/>
+              </a:schemeClr>
+            </a:solidFill>
             <a:tailEnd type="triangle"/>
           </a:ln>
         </p:spPr>
@@ -11279,13 +11034,18 @@
         </p:nvCxnSpPr>
         <p:spPr>
           <a:xfrm flipV="1">
-            <a:off x="9615272" y="3295191"/>
-            <a:ext cx="419343" cy="713481"/>
+            <a:off x="9830925" y="3295191"/>
+            <a:ext cx="506241" cy="713481"/>
           </a:xfrm>
           <a:prstGeom prst="straightConnector1">
             <a:avLst/>
           </a:prstGeom>
           <a:ln w="47625">
+            <a:solidFill>
+              <a:schemeClr val="accent1">
+                <a:lumMod val="50000"/>
+              </a:schemeClr>
+            </a:solidFill>
             <a:tailEnd type="triangle"/>
           </a:ln>
         </p:spPr>
@@ -11304,56 +11064,6 @@
           </a:fontRef>
         </p:style>
       </p:cxnSp>
-      <p:sp>
-        <p:nvSpPr>
-          <p:cNvPr id="6" name="双大括号 5">
-            <a:extLst>
-              <a:ext uri="{FF2B5EF4-FFF2-40B4-BE49-F238E27FC236}">
-                <a16:creationId xmlns:a16="http://schemas.microsoft.com/office/drawing/2014/main" id="{98759DE0-FE14-DA4C-99D6-B09F0E9D0EC1}"/>
-              </a:ext>
-            </a:extLst>
-          </p:cNvPr>
-          <p:cNvSpPr/>
-          <p:nvPr/>
-        </p:nvSpPr>
-        <p:spPr>
-          <a:xfrm>
-            <a:off x="10506888" y="1185706"/>
-            <a:ext cx="2729382" cy="2292584"/>
-          </a:xfrm>
-          <a:prstGeom prst="bracePair">
-            <a:avLst>
-              <a:gd name="adj" fmla="val 10765"/>
-            </a:avLst>
-          </a:prstGeom>
-          <a:ln w="28575"/>
-        </p:spPr>
-        <p:style>
-          <a:lnRef idx="1">
-            <a:schemeClr val="accent2"/>
-          </a:lnRef>
-          <a:fillRef idx="0">
-            <a:schemeClr val="accent2"/>
-          </a:fillRef>
-          <a:effectRef idx="0">
-            <a:schemeClr val="accent2"/>
-          </a:effectRef>
-          <a:fontRef idx="minor">
-            <a:schemeClr val="tx1"/>
-          </a:fontRef>
-        </p:style>
-        <p:txBody>
-          <a:bodyPr rtlCol="0" anchor="ctr"/>
-          <a:lstStyle/>
-          <a:p>
-            <a:pPr algn="ctr"/>
-            <a:endParaRPr kumimoji="1" lang="zh-CN" altLang="en-US" sz="1243" dirty="0">
-              <a:latin typeface="Times New Roman" panose="02020603050405020304" pitchFamily="18" charset="0"/>
-              <a:cs typeface="Times New Roman" panose="02020603050405020304" pitchFamily="18" charset="0"/>
-            </a:endParaRPr>
-          </a:p>
-        </p:txBody>
-      </p:sp>
       <p:cxnSp>
         <p:nvCxnSpPr>
           <p:cNvPr id="118" name="肘形连接符 117">
@@ -11370,7 +11080,7 @@
         </p:nvCxnSpPr>
         <p:spPr>
           <a:xfrm rot="16200000" flipH="1">
-            <a:off x="5167849" y="1636855"/>
+            <a:off x="5383502" y="1636855"/>
             <a:ext cx="852849" cy="219836"/>
           </a:xfrm>
           <a:prstGeom prst="bentConnector3">
@@ -11417,7 +11127,7 @@
         </p:nvCxnSpPr>
         <p:spPr>
           <a:xfrm rot="16200000" flipH="1">
-            <a:off x="6201898" y="1626975"/>
+            <a:off x="6417551" y="1626975"/>
             <a:ext cx="864180" cy="220374"/>
           </a:xfrm>
           <a:prstGeom prst="bentConnector3">
@@ -11464,7 +11174,7 @@
         </p:nvCxnSpPr>
         <p:spPr>
           <a:xfrm rot="16200000" flipH="1">
-            <a:off x="7252561" y="1639564"/>
+            <a:off x="7468214" y="1639564"/>
             <a:ext cx="857796" cy="216551"/>
           </a:xfrm>
           <a:prstGeom prst="bentConnector3">
@@ -11511,7 +11221,7 @@
         </p:nvCxnSpPr>
         <p:spPr>
           <a:xfrm rot="16200000" flipH="1">
-            <a:off x="8288022" y="1628304"/>
+            <a:off x="8503675" y="1628304"/>
             <a:ext cx="883662" cy="207004"/>
           </a:xfrm>
           <a:prstGeom prst="bentConnector3">
@@ -11861,7 +11571,7 @@
         </p:nvSpPr>
         <p:spPr>
           <a:xfrm>
-            <a:off x="10034615" y="3110525"/>
+            <a:off x="10337166" y="3110525"/>
             <a:ext cx="699230" cy="369332"/>
           </a:xfrm>
           <a:prstGeom prst="rect">
@@ -11877,12 +11587,18 @@
           <a:p>
             <a:r>
               <a:rPr kumimoji="1" lang="en-US" altLang="zh-CN" i="1" dirty="0">
+                <a:solidFill>
+                  <a:srgbClr val="0070C0"/>
+                </a:solidFill>
                 <a:latin typeface="Times New Roman" panose="02020603050405020304" pitchFamily="18" charset="0"/>
                 <a:cs typeface="Times New Roman" panose="02020603050405020304" pitchFamily="18" charset="0"/>
               </a:rPr>
               <a:t>m=M</a:t>
             </a:r>
             <a:endParaRPr kumimoji="1" lang="zh-CN" altLang="en-US" i="1" dirty="0">
+              <a:solidFill>
+                <a:srgbClr val="0070C0"/>
+              </a:solidFill>
               <a:latin typeface="Times New Roman" panose="02020603050405020304" pitchFamily="18" charset="0"/>
               <a:cs typeface="Times New Roman" panose="02020603050405020304" pitchFamily="18" charset="0"/>
             </a:endParaRPr>
@@ -11903,7 +11619,7 @@
         </p:nvSpPr>
         <p:spPr>
           <a:xfrm>
-            <a:off x="10045186" y="2145407"/>
+            <a:off x="10346528" y="2145407"/>
             <a:ext cx="570990" cy="369332"/>
           </a:xfrm>
           <a:prstGeom prst="rect">
@@ -11919,6 +11635,9 @@
           <a:p>
             <a:r>
               <a:rPr kumimoji="1" lang="en-US" altLang="zh-CN" i="1" dirty="0">
+                <a:solidFill>
+                  <a:srgbClr val="0070C0"/>
+                </a:solidFill>
                 <a:latin typeface="Times New Roman" panose="02020603050405020304" pitchFamily="18" charset="0"/>
                 <a:cs typeface="Times New Roman" panose="02020603050405020304" pitchFamily="18" charset="0"/>
               </a:rPr>
@@ -11926,12 +11645,18 @@
             </a:r>
             <a:r>
               <a:rPr kumimoji="1" lang="en-US" altLang="zh-CN" i="1" dirty="0" err="1">
+                <a:solidFill>
+                  <a:srgbClr val="0070C0"/>
+                </a:solidFill>
                 <a:latin typeface="Times New Roman" panose="02020603050405020304" pitchFamily="18" charset="0"/>
                 <a:cs typeface="Times New Roman" panose="02020603050405020304" pitchFamily="18" charset="0"/>
               </a:rPr>
               <a:t>i</a:t>
             </a:r>
             <a:endParaRPr kumimoji="1" lang="zh-CN" altLang="en-US" i="1" dirty="0">
+              <a:solidFill>
+                <a:srgbClr val="0070C0"/>
+              </a:solidFill>
               <a:latin typeface="Times New Roman" panose="02020603050405020304" pitchFamily="18" charset="0"/>
               <a:cs typeface="Times New Roman" panose="02020603050405020304" pitchFamily="18" charset="0"/>
             </a:endParaRPr>
@@ -11952,7 +11677,7 @@
         </p:nvSpPr>
         <p:spPr>
           <a:xfrm>
-            <a:off x="10034615" y="1231116"/>
+            <a:off x="10338384" y="1231116"/>
             <a:ext cx="622286" cy="369332"/>
           </a:xfrm>
           <a:prstGeom prst="rect">
@@ -11968,12 +11693,764 @@
           <a:p>
             <a:r>
               <a:rPr kumimoji="1" lang="en-US" altLang="zh-CN" i="1" dirty="0">
+                <a:solidFill>
+                  <a:srgbClr val="0070C0"/>
+                </a:solidFill>
                 <a:latin typeface="Times New Roman" panose="02020603050405020304" pitchFamily="18" charset="0"/>
                 <a:cs typeface="Times New Roman" panose="02020603050405020304" pitchFamily="18" charset="0"/>
               </a:rPr>
               <a:t>m=1</a:t>
             </a:r>
             <a:endParaRPr kumimoji="1" lang="zh-CN" altLang="en-US" i="1" dirty="0">
+              <a:solidFill>
+                <a:srgbClr val="0070C0"/>
+              </a:solidFill>
+              <a:latin typeface="Times New Roman" panose="02020603050405020304" pitchFamily="18" charset="0"/>
+              <a:cs typeface="Times New Roman" panose="02020603050405020304" pitchFamily="18" charset="0"/>
+            </a:endParaRPr>
+          </a:p>
+        </p:txBody>
+      </p:sp>
+      <p:sp>
+        <p:nvSpPr>
+          <p:cNvPr id="90" name="左中括号 89"/>
+          <p:cNvSpPr/>
+          <p:nvPr/>
+        </p:nvSpPr>
+        <p:spPr>
+          <a:xfrm>
+            <a:off x="10365937" y="1178017"/>
+            <a:ext cx="129221" cy="2386867"/>
+          </a:xfrm>
+          <a:prstGeom prst="leftBracket">
+            <a:avLst/>
+          </a:prstGeom>
+          <a:ln w="28575">
+            <a:solidFill>
+              <a:schemeClr val="accent2"/>
+            </a:solidFill>
+          </a:ln>
+        </p:spPr>
+        <p:style>
+          <a:lnRef idx="1">
+            <a:schemeClr val="accent1"/>
+          </a:lnRef>
+          <a:fillRef idx="0">
+            <a:schemeClr val="accent1"/>
+          </a:fillRef>
+          <a:effectRef idx="0">
+            <a:schemeClr val="accent1"/>
+          </a:effectRef>
+          <a:fontRef idx="minor">
+            <a:schemeClr val="tx1"/>
+          </a:fontRef>
+        </p:style>
+        <p:txBody>
+          <a:bodyPr rtlCol="0" anchor="ctr"/>
+          <a:lstStyle/>
+          <a:p>
+            <a:pPr algn="ctr"/>
+            <a:endParaRPr lang="zh-CN" altLang="en-US"/>
+          </a:p>
+        </p:txBody>
+      </p:sp>
+      <p:sp>
+        <p:nvSpPr>
+          <p:cNvPr id="95" name="右中括号 94"/>
+          <p:cNvSpPr/>
+          <p:nvPr/>
+        </p:nvSpPr>
+        <p:spPr>
+          <a:xfrm>
+            <a:off x="12879187" y="1178017"/>
+            <a:ext cx="107660" cy="2375025"/>
+          </a:xfrm>
+          <a:prstGeom prst="rightBracket">
+            <a:avLst/>
+          </a:prstGeom>
+          <a:noFill/>
+          <a:ln w="28575">
+            <a:solidFill>
+              <a:schemeClr val="accent2"/>
+            </a:solidFill>
+          </a:ln>
+        </p:spPr>
+        <p:style>
+          <a:lnRef idx="1">
+            <a:schemeClr val="accent1"/>
+          </a:lnRef>
+          <a:fillRef idx="0">
+            <a:schemeClr val="accent1"/>
+          </a:fillRef>
+          <a:effectRef idx="0">
+            <a:schemeClr val="accent1"/>
+          </a:effectRef>
+          <a:fontRef idx="minor">
+            <a:schemeClr val="tx1"/>
+          </a:fontRef>
+        </p:style>
+        <p:txBody>
+          <a:bodyPr rtlCol="0" anchor="ctr"/>
+          <a:lstStyle/>
+          <a:p>
+            <a:pPr algn="ctr"/>
+            <a:endParaRPr lang="zh-CN" altLang="en-US"/>
+          </a:p>
+        </p:txBody>
+      </p:sp>
+      <p:sp>
+        <p:nvSpPr>
+          <p:cNvPr id="96" name="文本框 95"/>
+          <p:cNvSpPr txBox="1"/>
+          <p:nvPr/>
+        </p:nvSpPr>
+        <p:spPr>
+          <a:xfrm>
+            <a:off x="10633555" y="826956"/>
+            <a:ext cx="2133918" cy="369332"/>
+          </a:xfrm>
+          <a:prstGeom prst="rect">
+            <a:avLst/>
+          </a:prstGeom>
+          <a:noFill/>
+        </p:spPr>
+        <p:txBody>
+          <a:bodyPr wrap="none" rtlCol="0">
+            <a:spAutoFit/>
+          </a:bodyPr>
+          <a:lstStyle/>
+          <a:p>
+            <a:r>
+              <a:rPr lang="en-US" altLang="zh-CN" i="1" dirty="0">
+                <a:latin typeface="Times New Roman" panose="02020603050405020304" pitchFamily="18" charset="0"/>
+                <a:cs typeface="Times New Roman" panose="02020603050405020304" pitchFamily="18" charset="0"/>
+              </a:rPr>
+              <a:t>M</a:t>
+            </a:r>
+            <a:r>
+              <a:rPr lang="en-US" altLang="zh-CN" dirty="0">
+                <a:latin typeface="Times New Roman" panose="02020603050405020304" pitchFamily="18" charset="0"/>
+                <a:cs typeface="Times New Roman" panose="02020603050405020304" pitchFamily="18" charset="0"/>
+              </a:rPr>
+              <a:t> Prediction Results</a:t>
+            </a:r>
+            <a:endParaRPr lang="zh-CN" altLang="en-US" dirty="0">
+              <a:latin typeface="Times New Roman" panose="02020603050405020304" pitchFamily="18" charset="0"/>
+              <a:cs typeface="Times New Roman" panose="02020603050405020304" pitchFamily="18" charset="0"/>
+            </a:endParaRPr>
+          </a:p>
+        </p:txBody>
+      </p:sp>
+      <p:sp>
+        <p:nvSpPr>
+          <p:cNvPr id="97" name="文本框 96"/>
+          <p:cNvSpPr txBox="1"/>
+          <p:nvPr/>
+        </p:nvSpPr>
+        <p:spPr>
+          <a:xfrm rot="18003626">
+            <a:off x="3401437" y="1353126"/>
+            <a:ext cx="1420582" cy="307777"/>
+          </a:xfrm>
+          <a:prstGeom prst="rect">
+            <a:avLst/>
+          </a:prstGeom>
+          <a:noFill/>
+        </p:spPr>
+        <p:txBody>
+          <a:bodyPr wrap="none" rtlCol="0">
+            <a:spAutoFit/>
+          </a:bodyPr>
+          <a:lstStyle/>
+          <a:p>
+            <a:r>
+              <a:rPr lang="en-US" altLang="zh-CN" sz="1400" dirty="0">
+                <a:solidFill>
+                  <a:schemeClr val="accent1">
+                    <a:lumMod val="50000"/>
+                  </a:schemeClr>
+                </a:solidFill>
+                <a:latin typeface="Times New Roman" panose="02020603050405020304" pitchFamily="18" charset="0"/>
+                <a:cs typeface="Times New Roman" panose="02020603050405020304" pitchFamily="18" charset="0"/>
+              </a:rPr>
+              <a:t>The First Sample</a:t>
+            </a:r>
+            <a:endParaRPr lang="zh-CN" altLang="en-US" sz="1400" dirty="0">
+              <a:solidFill>
+                <a:schemeClr val="accent1">
+                  <a:lumMod val="50000"/>
+                </a:schemeClr>
+              </a:solidFill>
+              <a:latin typeface="Times New Roman" panose="02020603050405020304" pitchFamily="18" charset="0"/>
+              <a:cs typeface="Times New Roman" panose="02020603050405020304" pitchFamily="18" charset="0"/>
+            </a:endParaRPr>
+          </a:p>
+        </p:txBody>
+      </p:sp>
+      <p:sp>
+        <p:nvSpPr>
+          <p:cNvPr id="198" name="文本框 197"/>
+          <p:cNvSpPr txBox="1"/>
+          <p:nvPr/>
+        </p:nvSpPr>
+        <p:spPr>
+          <a:xfrm rot="3301761">
+            <a:off x="3400511" y="3104194"/>
+            <a:ext cx="1451038" cy="307777"/>
+          </a:xfrm>
+          <a:prstGeom prst="rect">
+            <a:avLst/>
+          </a:prstGeom>
+          <a:noFill/>
+        </p:spPr>
+        <p:txBody>
+          <a:bodyPr wrap="none" rtlCol="0">
+            <a:spAutoFit/>
+          </a:bodyPr>
+          <a:lstStyle/>
+          <a:p>
+            <a:r>
+              <a:rPr lang="en-US" altLang="zh-CN" sz="1400" dirty="0">
+                <a:solidFill>
+                  <a:schemeClr val="accent1">
+                    <a:lumMod val="50000"/>
+                  </a:schemeClr>
+                </a:solidFill>
+                <a:latin typeface="Times New Roman" panose="02020603050405020304" pitchFamily="18" charset="0"/>
+                <a:cs typeface="Times New Roman" panose="02020603050405020304" pitchFamily="18" charset="0"/>
+              </a:rPr>
+              <a:t>The M-</a:t>
+            </a:r>
+            <a:r>
+              <a:rPr lang="en-US" altLang="zh-CN" sz="1400" dirty="0" err="1">
+                <a:solidFill>
+                  <a:schemeClr val="accent1">
+                    <a:lumMod val="50000"/>
+                  </a:schemeClr>
+                </a:solidFill>
+                <a:latin typeface="Times New Roman" panose="02020603050405020304" pitchFamily="18" charset="0"/>
+                <a:cs typeface="Times New Roman" panose="02020603050405020304" pitchFamily="18" charset="0"/>
+              </a:rPr>
+              <a:t>th</a:t>
+            </a:r>
+            <a:r>
+              <a:rPr lang="en-US" altLang="zh-CN" sz="1400" dirty="0">
+                <a:solidFill>
+                  <a:schemeClr val="accent1">
+                    <a:lumMod val="50000"/>
+                  </a:schemeClr>
+                </a:solidFill>
+                <a:latin typeface="Times New Roman" panose="02020603050405020304" pitchFamily="18" charset="0"/>
+                <a:cs typeface="Times New Roman" panose="02020603050405020304" pitchFamily="18" charset="0"/>
+              </a:rPr>
+              <a:t> Sample</a:t>
+            </a:r>
+            <a:endParaRPr lang="zh-CN" altLang="en-US" sz="1400" dirty="0">
+              <a:solidFill>
+                <a:schemeClr val="accent1">
+                  <a:lumMod val="50000"/>
+                </a:schemeClr>
+              </a:solidFill>
+              <a:latin typeface="Times New Roman" panose="02020603050405020304" pitchFamily="18" charset="0"/>
+              <a:cs typeface="Times New Roman" panose="02020603050405020304" pitchFamily="18" charset="0"/>
+            </a:endParaRPr>
+          </a:p>
+        </p:txBody>
+      </p:sp>
+      <p:sp>
+        <p:nvSpPr>
+          <p:cNvPr id="199" name="文本框 198"/>
+          <p:cNvSpPr txBox="1"/>
+          <p:nvPr/>
+        </p:nvSpPr>
+        <p:spPr>
+          <a:xfrm>
+            <a:off x="3953211" y="2475255"/>
+            <a:ext cx="830502" cy="398379"/>
+          </a:xfrm>
+          <a:prstGeom prst="rect">
+            <a:avLst/>
+          </a:prstGeom>
+          <a:noFill/>
+        </p:spPr>
+        <p:txBody>
+          <a:bodyPr wrap="square" rtlCol="0">
+            <a:spAutoFit/>
+          </a:bodyPr>
+          <a:lstStyle/>
+          <a:p>
+            <a:pPr>
+              <a:lnSpc>
+                <a:spcPct val="70000"/>
+              </a:lnSpc>
+            </a:pPr>
+            <a:r>
+              <a:rPr lang="en-US" altLang="zh-CN" sz="1400" dirty="0">
+                <a:solidFill>
+                  <a:schemeClr val="accent1">
+                    <a:lumMod val="50000"/>
+                  </a:schemeClr>
+                </a:solidFill>
+                <a:latin typeface="Times New Roman" panose="02020603050405020304" pitchFamily="18" charset="0"/>
+                <a:cs typeface="Times New Roman" panose="02020603050405020304" pitchFamily="18" charset="0"/>
+              </a:rPr>
+              <a:t>The </a:t>
+            </a:r>
+            <a:r>
+              <a:rPr lang="en-US" altLang="zh-CN" sz="1400" i="1" dirty="0" err="1">
+                <a:solidFill>
+                  <a:schemeClr val="accent1">
+                    <a:lumMod val="50000"/>
+                  </a:schemeClr>
+                </a:solidFill>
+                <a:latin typeface="Times New Roman" panose="02020603050405020304" pitchFamily="18" charset="0"/>
+                <a:cs typeface="Times New Roman" panose="02020603050405020304" pitchFamily="18" charset="0"/>
+              </a:rPr>
+              <a:t>i</a:t>
+            </a:r>
+            <a:r>
+              <a:rPr lang="en-US" altLang="zh-CN" sz="1400" dirty="0" err="1">
+                <a:solidFill>
+                  <a:schemeClr val="accent1">
+                    <a:lumMod val="50000"/>
+                  </a:schemeClr>
+                </a:solidFill>
+                <a:latin typeface="Times New Roman" panose="02020603050405020304" pitchFamily="18" charset="0"/>
+                <a:cs typeface="Times New Roman" panose="02020603050405020304" pitchFamily="18" charset="0"/>
+              </a:rPr>
+              <a:t>-th</a:t>
+            </a:r>
+            <a:r>
+              <a:rPr lang="en-US" altLang="zh-CN" sz="1400" dirty="0">
+                <a:solidFill>
+                  <a:schemeClr val="accent1">
+                    <a:lumMod val="50000"/>
+                  </a:schemeClr>
+                </a:solidFill>
+                <a:latin typeface="Times New Roman" panose="02020603050405020304" pitchFamily="18" charset="0"/>
+                <a:cs typeface="Times New Roman" panose="02020603050405020304" pitchFamily="18" charset="0"/>
+              </a:rPr>
+              <a:t> Sample</a:t>
+            </a:r>
+            <a:endParaRPr lang="zh-CN" altLang="en-US" sz="1400" dirty="0">
+              <a:solidFill>
+                <a:schemeClr val="accent1">
+                  <a:lumMod val="50000"/>
+                </a:schemeClr>
+              </a:solidFill>
+              <a:latin typeface="Times New Roman" panose="02020603050405020304" pitchFamily="18" charset="0"/>
+              <a:cs typeface="Times New Roman" panose="02020603050405020304" pitchFamily="18" charset="0"/>
+            </a:endParaRPr>
+          </a:p>
+        </p:txBody>
+      </p:sp>
+      <p:sp>
+        <p:nvSpPr>
+          <p:cNvPr id="100" name="文本框 99"/>
+          <p:cNvSpPr txBox="1"/>
+          <p:nvPr/>
+        </p:nvSpPr>
+        <p:spPr>
+          <a:xfrm>
+            <a:off x="4306131" y="1423163"/>
+            <a:ext cx="615553" cy="733687"/>
+          </a:xfrm>
+          <a:prstGeom prst="rect">
+            <a:avLst/>
+          </a:prstGeom>
+          <a:noFill/>
+        </p:spPr>
+        <p:txBody>
+          <a:bodyPr vert="eaVert" wrap="square" rtlCol="0" anchor="t">
+            <a:spAutoFit/>
+          </a:bodyPr>
+          <a:lstStyle/>
+          <a:p>
+            <a:r>
+              <a:rPr lang="en-US" altLang="zh-CN" sz="2800" dirty="0"/>
+              <a:t>… …</a:t>
+            </a:r>
+            <a:endParaRPr lang="zh-CN" altLang="en-US" sz="2800" dirty="0"/>
+          </a:p>
+        </p:txBody>
+      </p:sp>
+      <p:sp>
+        <p:nvSpPr>
+          <p:cNvPr id="212" name="文本框 211"/>
+          <p:cNvSpPr txBox="1"/>
+          <p:nvPr/>
+        </p:nvSpPr>
+        <p:spPr>
+          <a:xfrm>
+            <a:off x="4327016" y="2826781"/>
+            <a:ext cx="615553" cy="733687"/>
+          </a:xfrm>
+          <a:prstGeom prst="rect">
+            <a:avLst/>
+          </a:prstGeom>
+          <a:noFill/>
+        </p:spPr>
+        <p:txBody>
+          <a:bodyPr vert="eaVert" wrap="square" rtlCol="0" anchor="t">
+            <a:spAutoFit/>
+          </a:bodyPr>
+          <a:lstStyle/>
+          <a:p>
+            <a:r>
+              <a:rPr lang="en-US" altLang="zh-CN" sz="2800" dirty="0"/>
+              <a:t>… …</a:t>
+            </a:r>
+            <a:endParaRPr lang="zh-CN" altLang="en-US" sz="2800" dirty="0"/>
+          </a:p>
+        </p:txBody>
+      </p:sp>
+      <p:cxnSp>
+        <p:nvCxnSpPr>
+          <p:cNvPr id="178" name="直线箭头连接符 64"/>
+          <p:cNvCxnSpPr>
+            <a:stCxn id="61" idx="6"/>
+            <a:endCxn id="62" idx="2"/>
+          </p:cNvCxnSpPr>
+          <p:nvPr/>
+        </p:nvCxnSpPr>
+        <p:spPr>
+          <a:xfrm>
+            <a:off x="6564466" y="612073"/>
+            <a:ext cx="279727" cy="0"/>
+          </a:xfrm>
+          <a:prstGeom prst="straightConnector1">
+            <a:avLst/>
+          </a:prstGeom>
+          <a:ln w="47625">
+            <a:solidFill>
+              <a:schemeClr val="accent1">
+                <a:lumMod val="50000"/>
+              </a:schemeClr>
+            </a:solidFill>
+            <a:tailEnd type="triangle"/>
+          </a:ln>
+        </p:spPr>
+        <p:style>
+          <a:lnRef idx="1">
+            <a:schemeClr val="dk1"/>
+          </a:lnRef>
+          <a:fillRef idx="0">
+            <a:schemeClr val="dk1"/>
+          </a:fillRef>
+          <a:effectRef idx="0">
+            <a:schemeClr val="dk1"/>
+          </a:effectRef>
+          <a:fontRef idx="minor">
+            <a:schemeClr val="tx1"/>
+          </a:fontRef>
+        </p:style>
+      </p:cxnSp>
+      <p:cxnSp>
+        <p:nvCxnSpPr>
+          <p:cNvPr id="179" name="直线箭头连接符 64"/>
+          <p:cNvCxnSpPr>
+            <a:stCxn id="62" idx="6"/>
+            <a:endCxn id="153" idx="2"/>
+          </p:cNvCxnSpPr>
+          <p:nvPr/>
+        </p:nvCxnSpPr>
+        <p:spPr>
+          <a:xfrm>
+            <a:off x="7604456" y="612077"/>
+            <a:ext cx="284549" cy="438"/>
+          </a:xfrm>
+          <a:prstGeom prst="straightConnector1">
+            <a:avLst/>
+          </a:prstGeom>
+          <a:ln w="47625">
+            <a:solidFill>
+              <a:schemeClr val="accent1">
+                <a:lumMod val="50000"/>
+              </a:schemeClr>
+            </a:solidFill>
+            <a:tailEnd type="triangle"/>
+          </a:ln>
+        </p:spPr>
+        <p:style>
+          <a:lnRef idx="1">
+            <a:schemeClr val="dk1"/>
+          </a:lnRef>
+          <a:fillRef idx="0">
+            <a:schemeClr val="dk1"/>
+          </a:fillRef>
+          <a:effectRef idx="0">
+            <a:schemeClr val="dk1"/>
+          </a:effectRef>
+          <a:fontRef idx="minor">
+            <a:schemeClr val="tx1"/>
+          </a:fontRef>
+        </p:style>
+      </p:cxnSp>
+      <p:cxnSp>
+        <p:nvCxnSpPr>
+          <p:cNvPr id="89" name="直线箭头连接符 64"/>
+          <p:cNvCxnSpPr>
+            <a:stCxn id="109" idx="6"/>
+            <a:endCxn id="71" idx="2"/>
+          </p:cNvCxnSpPr>
+          <p:nvPr/>
+        </p:nvCxnSpPr>
+        <p:spPr>
+          <a:xfrm>
+            <a:off x="7608754" y="2436183"/>
+            <a:ext cx="285426" cy="4384"/>
+          </a:xfrm>
+          <a:prstGeom prst="straightConnector1">
+            <a:avLst/>
+          </a:prstGeom>
+          <a:ln w="47625">
+            <a:solidFill>
+              <a:schemeClr val="accent1">
+                <a:lumMod val="50000"/>
+              </a:schemeClr>
+            </a:solidFill>
+            <a:tailEnd type="triangle"/>
+          </a:ln>
+        </p:spPr>
+        <p:style>
+          <a:lnRef idx="1">
+            <a:schemeClr val="dk1"/>
+          </a:lnRef>
+          <a:fillRef idx="0">
+            <a:schemeClr val="dk1"/>
+          </a:fillRef>
+          <a:effectRef idx="0">
+            <a:schemeClr val="dk1"/>
+          </a:effectRef>
+          <a:fontRef idx="minor">
+            <a:schemeClr val="tx1"/>
+          </a:fontRef>
+        </p:style>
+      </p:cxnSp>
+      <p:cxnSp>
+        <p:nvCxnSpPr>
+          <p:cNvPr id="193" name="直线箭头连接符 64"/>
+          <p:cNvCxnSpPr>
+            <a:stCxn id="220" idx="6"/>
+            <a:endCxn id="221" idx="2"/>
+          </p:cNvCxnSpPr>
+          <p:nvPr/>
+        </p:nvCxnSpPr>
+        <p:spPr>
+          <a:xfrm>
+            <a:off x="6567015" y="3920312"/>
+            <a:ext cx="279727" cy="0"/>
+          </a:xfrm>
+          <a:prstGeom prst="straightConnector1">
+            <a:avLst/>
+          </a:prstGeom>
+          <a:ln w="47625">
+            <a:solidFill>
+              <a:schemeClr val="accent1">
+                <a:lumMod val="50000"/>
+              </a:schemeClr>
+            </a:solidFill>
+            <a:tailEnd type="triangle"/>
+          </a:ln>
+        </p:spPr>
+        <p:style>
+          <a:lnRef idx="1">
+            <a:schemeClr val="dk1"/>
+          </a:lnRef>
+          <a:fillRef idx="0">
+            <a:schemeClr val="dk1"/>
+          </a:fillRef>
+          <a:effectRef idx="0">
+            <a:schemeClr val="dk1"/>
+          </a:effectRef>
+          <a:fontRef idx="minor">
+            <a:schemeClr val="tx1"/>
+          </a:fontRef>
+        </p:style>
+      </p:cxnSp>
+      <p:cxnSp>
+        <p:nvCxnSpPr>
+          <p:cNvPr id="195" name="直线箭头连接符 64"/>
+          <p:cNvCxnSpPr>
+            <a:stCxn id="221" idx="6"/>
+            <a:endCxn id="175" idx="2"/>
+          </p:cNvCxnSpPr>
+          <p:nvPr/>
+        </p:nvCxnSpPr>
+        <p:spPr>
+          <a:xfrm>
+            <a:off x="7607005" y="3920315"/>
+            <a:ext cx="284549" cy="438"/>
+          </a:xfrm>
+          <a:prstGeom prst="straightConnector1">
+            <a:avLst/>
+          </a:prstGeom>
+          <a:ln w="47625">
+            <a:solidFill>
+              <a:schemeClr val="accent1">
+                <a:lumMod val="50000"/>
+              </a:schemeClr>
+            </a:solidFill>
+            <a:tailEnd type="triangle"/>
+          </a:ln>
+        </p:spPr>
+        <p:style>
+          <a:lnRef idx="1">
+            <a:schemeClr val="dk1"/>
+          </a:lnRef>
+          <a:fillRef idx="0">
+            <a:schemeClr val="dk1"/>
+          </a:fillRef>
+          <a:effectRef idx="0">
+            <a:schemeClr val="dk1"/>
+          </a:effectRef>
+          <a:fontRef idx="minor">
+            <a:schemeClr val="tx1"/>
+          </a:fontRef>
+        </p:style>
+      </p:cxnSp>
+      <p:sp>
+        <p:nvSpPr>
+          <p:cNvPr id="106" name="文本框 105"/>
+          <p:cNvSpPr txBox="1"/>
+          <p:nvPr/>
+        </p:nvSpPr>
+        <p:spPr>
+          <a:xfrm>
+            <a:off x="10383076" y="3634930"/>
+            <a:ext cx="2295821" cy="437043"/>
+          </a:xfrm>
+          <a:prstGeom prst="rect">
+            <a:avLst/>
+          </a:prstGeom>
+          <a:noFill/>
+        </p:spPr>
+        <p:txBody>
+          <a:bodyPr wrap="none" rtlCol="0">
+            <a:spAutoFit/>
+          </a:bodyPr>
+          <a:lstStyle/>
+          <a:p>
+            <a:pPr>
+              <a:lnSpc>
+                <a:spcPct val="70000"/>
+              </a:lnSpc>
+            </a:pPr>
+            <a:r>
+              <a:rPr lang="en-US" altLang="zh-CN" sz="1600" dirty="0">
+                <a:latin typeface="Times New Roman" panose="02020603050405020304" pitchFamily="18" charset="0"/>
+                <a:cs typeface="Times New Roman" panose="02020603050405020304" pitchFamily="18" charset="0"/>
+              </a:rPr>
+              <a:t>Ground Truth</a:t>
+            </a:r>
+            <a:r>
+              <a:rPr lang="zh-CN" altLang="en-US" sz="1600" dirty="0">
+                <a:latin typeface="Times New Roman" panose="02020603050405020304" pitchFamily="18" charset="0"/>
+                <a:cs typeface="Times New Roman" panose="02020603050405020304" pitchFamily="18" charset="0"/>
+              </a:rPr>
+              <a:t>：</a:t>
+            </a:r>
+            <a:endParaRPr lang="en-US" altLang="zh-CN" sz="1600" dirty="0">
+              <a:latin typeface="Times New Roman" panose="02020603050405020304" pitchFamily="18" charset="0"/>
+              <a:cs typeface="Times New Roman" panose="02020603050405020304" pitchFamily="18" charset="0"/>
+            </a:endParaRPr>
+          </a:p>
+          <a:p>
+            <a:pPr>
+              <a:lnSpc>
+                <a:spcPct val="70000"/>
+              </a:lnSpc>
+            </a:pPr>
+            <a:r>
+              <a:rPr lang="en-US" altLang="zh-CN" sz="1600" dirty="0">
+                <a:latin typeface="Times New Roman" panose="02020603050405020304" pitchFamily="18" charset="0"/>
+                <a:cs typeface="Times New Roman" panose="02020603050405020304" pitchFamily="18" charset="0"/>
+              </a:rPr>
+              <a:t>       bin blue at f two now</a:t>
+            </a:r>
+            <a:endParaRPr lang="zh-CN" altLang="en-US" sz="1600" dirty="0">
+              <a:latin typeface="Times New Roman" panose="02020603050405020304" pitchFamily="18" charset="0"/>
+              <a:cs typeface="Times New Roman" panose="02020603050405020304" pitchFamily="18" charset="0"/>
+            </a:endParaRPr>
+          </a:p>
+        </p:txBody>
+      </p:sp>
+      <p:cxnSp>
+        <p:nvCxnSpPr>
+          <p:cNvPr id="216" name="直线箭头连接符 64">
+            <a:extLst>
+              <a:ext uri="{FF2B5EF4-FFF2-40B4-BE49-F238E27FC236}">
+                <a16:creationId xmlns:a16="http://schemas.microsoft.com/office/drawing/2014/main" id="{5E68787B-03A7-C745-99BB-DB96FF877F92}"/>
+              </a:ext>
+            </a:extLst>
+          </p:cNvPr>
+          <p:cNvCxnSpPr>
+            <a:cxnSpLocks/>
+          </p:cNvCxnSpPr>
+          <p:nvPr/>
+        </p:nvCxnSpPr>
+        <p:spPr>
+          <a:xfrm>
+            <a:off x="12986847" y="2426412"/>
+            <a:ext cx="352081" cy="0"/>
+          </a:xfrm>
+          <a:prstGeom prst="straightConnector1">
+            <a:avLst/>
+          </a:prstGeom>
+          <a:ln w="47625">
+            <a:solidFill>
+              <a:schemeClr val="accent1">
+                <a:lumMod val="50000"/>
+              </a:schemeClr>
+            </a:solidFill>
+            <a:tailEnd type="triangle"/>
+          </a:ln>
+        </p:spPr>
+        <p:style>
+          <a:lnRef idx="1">
+            <a:schemeClr val="dk1"/>
+          </a:lnRef>
+          <a:fillRef idx="0">
+            <a:schemeClr val="dk1"/>
+          </a:fillRef>
+          <a:effectRef idx="0">
+            <a:schemeClr val="dk1"/>
+          </a:effectRef>
+          <a:fontRef idx="minor">
+            <a:schemeClr val="tx1"/>
+          </a:fontRef>
+        </p:style>
+      </p:cxnSp>
+      <p:sp>
+        <p:nvSpPr>
+          <p:cNvPr id="117" name="文本框 116"/>
+          <p:cNvSpPr txBox="1"/>
+          <p:nvPr/>
+        </p:nvSpPr>
+        <p:spPr>
+          <a:xfrm>
+            <a:off x="11800654" y="282018"/>
+            <a:ext cx="2539478" cy="338554"/>
+          </a:xfrm>
+          <a:prstGeom prst="rect">
+            <a:avLst/>
+          </a:prstGeom>
+          <a:noFill/>
+        </p:spPr>
+        <p:txBody>
+          <a:bodyPr wrap="none" rtlCol="0">
+            <a:spAutoFit/>
+          </a:bodyPr>
+          <a:lstStyle/>
+          <a:p>
+            <a:r>
+              <a:rPr lang="en-US" altLang="zh-CN" sz="1600" dirty="0">
+                <a:latin typeface="Times New Roman" panose="02020603050405020304" pitchFamily="18" charset="0"/>
+                <a:cs typeface="Times New Roman" panose="02020603050405020304" pitchFamily="18" charset="0"/>
+              </a:rPr>
+              <a:t>Computing for Optimization</a:t>
+            </a:r>
+            <a:endParaRPr lang="zh-CN" altLang="en-US" sz="1600" dirty="0">
               <a:latin typeface="Times New Roman" panose="02020603050405020304" pitchFamily="18" charset="0"/>
               <a:cs typeface="Times New Roman" panose="02020603050405020304" pitchFamily="18" charset="0"/>
             </a:endParaRPr>
@@ -11984,6 +12461,6906 @@
     <p:extLst>
       <p:ext uri="{BB962C8B-B14F-4D97-AF65-F5344CB8AC3E}">
         <p14:creationId xmlns:p14="http://schemas.microsoft.com/office/powerpoint/2010/main" val="1430763596"/>
+      </p:ext>
+    </p:extLst>
+  </p:cSld>
+  <p:clrMapOvr>
+    <a:masterClrMapping/>
+  </p:clrMapOvr>
+</p:sld>
+</file>
+
+<file path=ppt/slides/slide2.xml><?xml version="1.0" encoding="utf-8"?>
+<p:sld xmlns:a="http://schemas.openxmlformats.org/drawingml/2006/main" xmlns:r="http://schemas.openxmlformats.org/officeDocument/2006/relationships" xmlns:p="http://schemas.openxmlformats.org/presentationml/2006/main">
+  <p:cSld>
+    <p:spTree>
+      <p:nvGrpSpPr>
+        <p:cNvPr id="1" name=""/>
+        <p:cNvGrpSpPr/>
+        <p:nvPr/>
+      </p:nvGrpSpPr>
+      <p:grpSpPr>
+        <a:xfrm>
+          <a:off x="0" y="0"/>
+          <a:ext cx="0" cy="0"/>
+          <a:chOff x="0" y="0"/>
+          <a:chExt cx="0" cy="0"/>
+        </a:xfrm>
+      </p:grpSpPr>
+      <p:sp>
+        <p:nvSpPr>
+          <p:cNvPr id="107" name="圆角矩形 106"/>
+          <p:cNvSpPr/>
+          <p:nvPr/>
+        </p:nvSpPr>
+        <p:spPr>
+          <a:xfrm>
+            <a:off x="8998664" y="1221897"/>
+            <a:ext cx="2485023" cy="2431076"/>
+          </a:xfrm>
+          <a:prstGeom prst="roundRect">
+            <a:avLst>
+              <a:gd name="adj" fmla="val 3183"/>
+            </a:avLst>
+          </a:prstGeom>
+          <a:solidFill>
+            <a:schemeClr val="accent4">
+              <a:lumMod val="20000"/>
+              <a:lumOff val="80000"/>
+              <a:alpha val="30196"/>
+            </a:schemeClr>
+          </a:solidFill>
+          <a:ln>
+            <a:noFill/>
+          </a:ln>
+        </p:spPr>
+        <p:style>
+          <a:lnRef idx="2">
+            <a:schemeClr val="accent1">
+              <a:shade val="50000"/>
+            </a:schemeClr>
+          </a:lnRef>
+          <a:fillRef idx="1">
+            <a:schemeClr val="accent1"/>
+          </a:fillRef>
+          <a:effectRef idx="0">
+            <a:schemeClr val="accent1"/>
+          </a:effectRef>
+          <a:fontRef idx="minor">
+            <a:schemeClr val="lt1"/>
+          </a:fontRef>
+        </p:style>
+        <p:txBody>
+          <a:bodyPr rtlCol="0" anchor="ctr"/>
+          <a:lstStyle/>
+          <a:p>
+            <a:pPr algn="ctr"/>
+            <a:endParaRPr lang="zh-CN" altLang="en-US"/>
+          </a:p>
+        </p:txBody>
+      </p:sp>
+      <p:sp>
+        <p:nvSpPr>
+          <p:cNvPr id="230" name="圆角矩形 229">
+            <a:extLst>
+              <a:ext uri="{FF2B5EF4-FFF2-40B4-BE49-F238E27FC236}">
+                <a16:creationId xmlns:a16="http://schemas.microsoft.com/office/drawing/2014/main" id="{188DBCE7-2E38-4C44-AE84-1EE2B9F08819}"/>
+              </a:ext>
+            </a:extLst>
+          </p:cNvPr>
+          <p:cNvSpPr/>
+          <p:nvPr/>
+        </p:nvSpPr>
+        <p:spPr>
+          <a:xfrm>
+            <a:off x="9518417" y="3181990"/>
+            <a:ext cx="1909464" cy="278186"/>
+          </a:xfrm>
+          <a:prstGeom prst="roundRect">
+            <a:avLst/>
+          </a:prstGeom>
+          <a:solidFill>
+            <a:schemeClr val="accent4">
+              <a:lumMod val="40000"/>
+              <a:lumOff val="60000"/>
+            </a:schemeClr>
+          </a:solidFill>
+        </p:spPr>
+        <p:style>
+          <a:lnRef idx="2">
+            <a:schemeClr val="accent2">
+              <a:shade val="50000"/>
+            </a:schemeClr>
+          </a:lnRef>
+          <a:fillRef idx="1">
+            <a:schemeClr val="accent2"/>
+          </a:fillRef>
+          <a:effectRef idx="0">
+            <a:schemeClr val="accent2"/>
+          </a:effectRef>
+          <a:fontRef idx="minor">
+            <a:schemeClr val="lt1"/>
+          </a:fontRef>
+        </p:style>
+        <p:txBody>
+          <a:bodyPr rtlCol="0" anchor="ctr"/>
+          <a:lstStyle/>
+          <a:p>
+            <a:pPr algn="ctr"/>
+            <a:r>
+              <a:rPr kumimoji="1" lang="en-US" altLang="zh-CN" sz="1600" dirty="0">
+                <a:solidFill>
+                  <a:schemeClr val="tx1"/>
+                </a:solidFill>
+                <a:latin typeface="Times New Roman" panose="02020603050405020304" pitchFamily="18" charset="0"/>
+                <a:cs typeface="Times New Roman" panose="02020603050405020304" pitchFamily="18" charset="0"/>
+              </a:rPr>
+              <a:t>bin </a:t>
+            </a:r>
+            <a:r>
+              <a:rPr kumimoji="1" lang="en-US" altLang="zh-CN" sz="1600" dirty="0" err="1">
+                <a:solidFill>
+                  <a:schemeClr val="tx1"/>
+                </a:solidFill>
+                <a:latin typeface="Times New Roman" panose="02020603050405020304" pitchFamily="18" charset="0"/>
+                <a:cs typeface="Times New Roman" panose="02020603050405020304" pitchFamily="18" charset="0"/>
+              </a:rPr>
+              <a:t>bluc</a:t>
+            </a:r>
+            <a:r>
+              <a:rPr kumimoji="1" lang="en-US" altLang="zh-CN" sz="1600" dirty="0">
+                <a:solidFill>
+                  <a:schemeClr val="tx1"/>
+                </a:solidFill>
+                <a:latin typeface="Times New Roman" panose="02020603050405020304" pitchFamily="18" charset="0"/>
+                <a:cs typeface="Times New Roman" panose="02020603050405020304" pitchFamily="18" charset="0"/>
+              </a:rPr>
+              <a:t> at f </a:t>
+            </a:r>
+            <a:r>
+              <a:rPr kumimoji="1" lang="en-US" altLang="zh-CN" sz="1600" dirty="0" err="1">
+                <a:solidFill>
+                  <a:schemeClr val="tx1"/>
+                </a:solidFill>
+                <a:latin typeface="Times New Roman" panose="02020603050405020304" pitchFamily="18" charset="0"/>
+                <a:cs typeface="Times New Roman" panose="02020603050405020304" pitchFamily="18" charset="0"/>
+              </a:rPr>
+              <a:t>tto</a:t>
+            </a:r>
+            <a:r>
+              <a:rPr kumimoji="1" lang="en-US" altLang="zh-CN" sz="1600" dirty="0">
+                <a:solidFill>
+                  <a:schemeClr val="tx1"/>
+                </a:solidFill>
+                <a:latin typeface="Times New Roman" panose="02020603050405020304" pitchFamily="18" charset="0"/>
+                <a:cs typeface="Times New Roman" panose="02020603050405020304" pitchFamily="18" charset="0"/>
+              </a:rPr>
+              <a:t> now</a:t>
+            </a:r>
+            <a:endParaRPr kumimoji="1" lang="zh-CN" altLang="en-US" sz="1600" dirty="0">
+              <a:solidFill>
+                <a:schemeClr val="tx1"/>
+              </a:solidFill>
+              <a:latin typeface="Times New Roman" panose="02020603050405020304" pitchFamily="18" charset="0"/>
+              <a:cs typeface="Times New Roman" panose="02020603050405020304" pitchFamily="18" charset="0"/>
+            </a:endParaRPr>
+          </a:p>
+        </p:txBody>
+      </p:sp>
+      <p:sp>
+        <p:nvSpPr>
+          <p:cNvPr id="229" name="圆角矩形 228">
+            <a:extLst>
+              <a:ext uri="{FF2B5EF4-FFF2-40B4-BE49-F238E27FC236}">
+                <a16:creationId xmlns:a16="http://schemas.microsoft.com/office/drawing/2014/main" id="{B0673EF2-2ACD-374B-9CF8-ED060A0114F5}"/>
+              </a:ext>
+            </a:extLst>
+          </p:cNvPr>
+          <p:cNvSpPr/>
+          <p:nvPr/>
+        </p:nvSpPr>
+        <p:spPr>
+          <a:xfrm>
+            <a:off x="9475264" y="2200730"/>
+            <a:ext cx="1952616" cy="323693"/>
+          </a:xfrm>
+          <a:prstGeom prst="roundRect">
+            <a:avLst/>
+          </a:prstGeom>
+          <a:solidFill>
+            <a:schemeClr val="accent4">
+              <a:lumMod val="40000"/>
+              <a:lumOff val="60000"/>
+            </a:schemeClr>
+          </a:solidFill>
+        </p:spPr>
+        <p:style>
+          <a:lnRef idx="2">
+            <a:schemeClr val="accent2">
+              <a:shade val="50000"/>
+            </a:schemeClr>
+          </a:lnRef>
+          <a:fillRef idx="1">
+            <a:schemeClr val="accent2"/>
+          </a:fillRef>
+          <a:effectRef idx="0">
+            <a:schemeClr val="accent2"/>
+          </a:effectRef>
+          <a:fontRef idx="minor">
+            <a:schemeClr val="lt1"/>
+          </a:fontRef>
+        </p:style>
+        <p:txBody>
+          <a:bodyPr rtlCol="0" anchor="ctr"/>
+          <a:lstStyle/>
+          <a:p>
+            <a:pPr algn="ctr"/>
+            <a:r>
+              <a:rPr kumimoji="1" lang="en-US" altLang="zh-CN" sz="1600" dirty="0">
+                <a:solidFill>
+                  <a:schemeClr val="tx1"/>
+                </a:solidFill>
+                <a:latin typeface="Times New Roman" panose="02020603050405020304" pitchFamily="18" charset="0"/>
+                <a:cs typeface="Times New Roman" panose="02020603050405020304" pitchFamily="18" charset="0"/>
+              </a:rPr>
+              <a:t>bin blue at f two now</a:t>
+            </a:r>
+            <a:endParaRPr kumimoji="1" lang="zh-CN" altLang="en-US" sz="1600" dirty="0">
+              <a:solidFill>
+                <a:schemeClr val="tx1"/>
+              </a:solidFill>
+              <a:latin typeface="Times New Roman" panose="02020603050405020304" pitchFamily="18" charset="0"/>
+              <a:cs typeface="Times New Roman" panose="02020603050405020304" pitchFamily="18" charset="0"/>
+            </a:endParaRPr>
+          </a:p>
+        </p:txBody>
+      </p:sp>
+      <p:sp>
+        <p:nvSpPr>
+          <p:cNvPr id="93" name="圆角矩形 92">
+            <a:extLst>
+              <a:ext uri="{FF2B5EF4-FFF2-40B4-BE49-F238E27FC236}">
+                <a16:creationId xmlns:a16="http://schemas.microsoft.com/office/drawing/2014/main" id="{86085D31-93F0-904F-A845-BE0AB2894C91}"/>
+              </a:ext>
+            </a:extLst>
+          </p:cNvPr>
+          <p:cNvSpPr/>
+          <p:nvPr/>
+        </p:nvSpPr>
+        <p:spPr>
+          <a:xfrm>
+            <a:off x="9466639" y="1319775"/>
+            <a:ext cx="1952616" cy="288651"/>
+          </a:xfrm>
+          <a:prstGeom prst="roundRect">
+            <a:avLst/>
+          </a:prstGeom>
+          <a:solidFill>
+            <a:schemeClr val="accent4">
+              <a:lumMod val="40000"/>
+              <a:lumOff val="60000"/>
+            </a:schemeClr>
+          </a:solidFill>
+        </p:spPr>
+        <p:style>
+          <a:lnRef idx="2">
+            <a:schemeClr val="accent2">
+              <a:shade val="50000"/>
+            </a:schemeClr>
+          </a:lnRef>
+          <a:fillRef idx="1">
+            <a:schemeClr val="accent2"/>
+          </a:fillRef>
+          <a:effectRef idx="0">
+            <a:schemeClr val="accent2"/>
+          </a:effectRef>
+          <a:fontRef idx="minor">
+            <a:schemeClr val="lt1"/>
+          </a:fontRef>
+        </p:style>
+        <p:txBody>
+          <a:bodyPr rtlCol="0" anchor="ctr"/>
+          <a:lstStyle/>
+          <a:p>
+            <a:pPr algn="ctr"/>
+            <a:r>
+              <a:rPr kumimoji="1" lang="en-US" altLang="zh-CN" sz="1600" dirty="0">
+                <a:solidFill>
+                  <a:schemeClr val="tx1"/>
+                </a:solidFill>
+                <a:latin typeface="Times New Roman" panose="02020603050405020304" pitchFamily="18" charset="0"/>
+                <a:cs typeface="Times New Roman" panose="02020603050405020304" pitchFamily="18" charset="0"/>
+              </a:rPr>
+              <a:t>biz </a:t>
+            </a:r>
+            <a:r>
+              <a:rPr kumimoji="1" lang="en-US" altLang="zh-CN" sz="1600" dirty="0" err="1">
+                <a:solidFill>
+                  <a:schemeClr val="tx1"/>
+                </a:solidFill>
+                <a:latin typeface="Times New Roman" panose="02020603050405020304" pitchFamily="18" charset="0"/>
+                <a:cs typeface="Times New Roman" panose="02020603050405020304" pitchFamily="18" charset="0"/>
+              </a:rPr>
+              <a:t>alue</a:t>
+            </a:r>
+            <a:r>
+              <a:rPr kumimoji="1" lang="en-US" altLang="zh-CN" sz="1600" dirty="0">
+                <a:solidFill>
+                  <a:schemeClr val="tx1"/>
+                </a:solidFill>
+                <a:latin typeface="Times New Roman" panose="02020603050405020304" pitchFamily="18" charset="0"/>
+                <a:cs typeface="Times New Roman" panose="02020603050405020304" pitchFamily="18" charset="0"/>
+              </a:rPr>
+              <a:t> ai f </a:t>
+            </a:r>
+            <a:r>
+              <a:rPr kumimoji="1" lang="en-US" altLang="zh-CN" sz="1600" dirty="0" err="1">
+                <a:solidFill>
+                  <a:schemeClr val="tx1"/>
+                </a:solidFill>
+                <a:latin typeface="Times New Roman" panose="02020603050405020304" pitchFamily="18" charset="0"/>
+                <a:cs typeface="Times New Roman" panose="02020603050405020304" pitchFamily="18" charset="0"/>
+              </a:rPr>
+              <a:t>tlo</a:t>
+            </a:r>
+            <a:r>
+              <a:rPr kumimoji="1" lang="en-US" altLang="zh-CN" sz="1600" dirty="0">
+                <a:solidFill>
+                  <a:schemeClr val="tx1"/>
+                </a:solidFill>
+                <a:latin typeface="Times New Roman" panose="02020603050405020304" pitchFamily="18" charset="0"/>
+                <a:cs typeface="Times New Roman" panose="02020603050405020304" pitchFamily="18" charset="0"/>
+              </a:rPr>
+              <a:t> </a:t>
+            </a:r>
+            <a:r>
+              <a:rPr kumimoji="1" lang="en-US" altLang="zh-CN" sz="1600" dirty="0" err="1">
+                <a:solidFill>
+                  <a:schemeClr val="tx1"/>
+                </a:solidFill>
+                <a:latin typeface="Times New Roman" panose="02020603050405020304" pitchFamily="18" charset="0"/>
+                <a:cs typeface="Times New Roman" panose="02020603050405020304" pitchFamily="18" charset="0"/>
+              </a:rPr>
+              <a:t>nao</a:t>
+            </a:r>
+            <a:endParaRPr kumimoji="1" lang="zh-CN" altLang="en-US" sz="1600" dirty="0">
+              <a:solidFill>
+                <a:schemeClr val="tx1"/>
+              </a:solidFill>
+              <a:latin typeface="Times New Roman" panose="02020603050405020304" pitchFamily="18" charset="0"/>
+              <a:cs typeface="Times New Roman" panose="02020603050405020304" pitchFamily="18" charset="0"/>
+            </a:endParaRPr>
+          </a:p>
+        </p:txBody>
+      </p:sp>
+      <p:sp>
+        <p:nvSpPr>
+          <p:cNvPr id="4" name="Rounded Rectangle 3"/>
+          <p:cNvSpPr/>
+          <p:nvPr/>
+        </p:nvSpPr>
+        <p:spPr>
+          <a:xfrm>
+            <a:off x="3314305" y="1306798"/>
+            <a:ext cx="5100746" cy="2115487"/>
+          </a:xfrm>
+          <a:prstGeom prst="roundRect">
+            <a:avLst/>
+          </a:prstGeom>
+          <a:solidFill>
+            <a:schemeClr val="accent4">
+              <a:lumMod val="20000"/>
+              <a:lumOff val="80000"/>
+            </a:schemeClr>
+          </a:solidFill>
+          <a:ln>
+            <a:solidFill>
+              <a:srgbClr val="FF0000"/>
+            </a:solidFill>
+            <a:prstDash val="sysDash"/>
+          </a:ln>
+        </p:spPr>
+        <p:style>
+          <a:lnRef idx="2">
+            <a:schemeClr val="accent6"/>
+          </a:lnRef>
+          <a:fillRef idx="1">
+            <a:schemeClr val="lt1"/>
+          </a:fillRef>
+          <a:effectRef idx="0">
+            <a:schemeClr val="accent6"/>
+          </a:effectRef>
+          <a:fontRef idx="minor">
+            <a:schemeClr val="dk1"/>
+          </a:fontRef>
+        </p:style>
+        <p:txBody>
+          <a:bodyPr rtlCol="0" anchor="ctr"/>
+          <a:lstStyle/>
+          <a:p>
+            <a:pPr algn="ctr"/>
+            <a:endParaRPr lang="en-US" sz="1143">
+              <a:latin typeface="Times New Roman" panose="02020603050405020304" pitchFamily="18" charset="0"/>
+              <a:cs typeface="Times New Roman" panose="02020603050405020304" pitchFamily="18" charset="0"/>
+            </a:endParaRPr>
+          </a:p>
+        </p:txBody>
+      </p:sp>
+      <p:cxnSp>
+        <p:nvCxnSpPr>
+          <p:cNvPr id="67" name="直线箭头连接符 64"/>
+          <p:cNvCxnSpPr>
+            <a:cxnSpLocks/>
+            <a:stCxn id="181" idx="3"/>
+            <a:endCxn id="70" idx="2"/>
+          </p:cNvCxnSpPr>
+          <p:nvPr/>
+        </p:nvCxnSpPr>
+        <p:spPr>
+          <a:xfrm flipV="1">
+            <a:off x="2352866" y="2484014"/>
+            <a:ext cx="1043867" cy="12937"/>
+          </a:xfrm>
+          <a:prstGeom prst="straightConnector1">
+            <a:avLst/>
+          </a:prstGeom>
+          <a:ln w="47625">
+            <a:solidFill>
+              <a:schemeClr val="accent5">
+                <a:lumMod val="50000"/>
+              </a:schemeClr>
+            </a:solidFill>
+            <a:tailEnd type="triangle"/>
+          </a:ln>
+        </p:spPr>
+        <p:style>
+          <a:lnRef idx="1">
+            <a:schemeClr val="dk1"/>
+          </a:lnRef>
+          <a:fillRef idx="0">
+            <a:schemeClr val="dk1"/>
+          </a:fillRef>
+          <a:effectRef idx="0">
+            <a:schemeClr val="dk1"/>
+          </a:effectRef>
+          <a:fontRef idx="minor">
+            <a:schemeClr val="tx1"/>
+          </a:fontRef>
+        </p:style>
+      </p:cxnSp>
+      <p:sp>
+        <p:nvSpPr>
+          <p:cNvPr id="73" name="Text Box 72"/>
+          <p:cNvSpPr txBox="1"/>
+          <p:nvPr/>
+        </p:nvSpPr>
+        <p:spPr>
+          <a:xfrm>
+            <a:off x="2761060" y="2149707"/>
+            <a:ext cx="511679" cy="327141"/>
+          </a:xfrm>
+          <a:prstGeom prst="rect">
+            <a:avLst/>
+          </a:prstGeom>
+          <a:noFill/>
+        </p:spPr>
+        <p:txBody>
+          <a:bodyPr wrap="none" rtlCol="0">
+            <a:spAutoFit/>
+          </a:bodyPr>
+          <a:lstStyle/>
+          <a:p>
+            <a:r>
+              <a:rPr lang="" altLang="en-US" sz="1526" i="1" dirty="0">
+                <a:latin typeface="Times New Roman" panose="02020603050405020304" pitchFamily="18" charset="0"/>
+                <a:cs typeface="Times New Roman" panose="02020603050405020304" pitchFamily="18" charset="0"/>
+              </a:rPr>
+              <a:t>m</a:t>
+            </a:r>
+            <a:r>
+              <a:rPr lang="en-US" altLang="en-US" sz="1526" i="1" dirty="0">
+                <a:latin typeface="Times New Roman" panose="02020603050405020304" pitchFamily="18" charset="0"/>
+                <a:cs typeface="Times New Roman" panose="02020603050405020304" pitchFamily="18" charset="0"/>
+              </a:rPr>
+              <a:t>=</a:t>
+            </a:r>
+            <a:r>
+              <a:rPr lang="en-US" altLang="en-US" sz="1526" i="1" dirty="0" err="1">
+                <a:latin typeface="Times New Roman" panose="02020603050405020304" pitchFamily="18" charset="0"/>
+                <a:cs typeface="Times New Roman" panose="02020603050405020304" pitchFamily="18" charset="0"/>
+              </a:rPr>
+              <a:t>i</a:t>
+            </a:r>
+            <a:endParaRPr lang="en-US" altLang="en-US" sz="1526" i="1" dirty="0">
+              <a:latin typeface="Times New Roman" panose="02020603050405020304" pitchFamily="18" charset="0"/>
+              <a:cs typeface="Times New Roman" panose="02020603050405020304" pitchFamily="18" charset="0"/>
+            </a:endParaRPr>
+          </a:p>
+        </p:txBody>
+      </p:sp>
+      <p:sp>
+        <p:nvSpPr>
+          <p:cNvPr id="74" name="Text Box 73"/>
+          <p:cNvSpPr txBox="1"/>
+          <p:nvPr/>
+        </p:nvSpPr>
+        <p:spPr>
+          <a:xfrm>
+            <a:off x="2812114" y="521618"/>
+            <a:ext cx="534121" cy="327141"/>
+          </a:xfrm>
+          <a:prstGeom prst="rect">
+            <a:avLst/>
+          </a:prstGeom>
+          <a:noFill/>
+        </p:spPr>
+        <p:txBody>
+          <a:bodyPr wrap="none" rtlCol="0">
+            <a:spAutoFit/>
+          </a:bodyPr>
+          <a:lstStyle/>
+          <a:p>
+            <a:r>
+              <a:rPr lang="" altLang="en-US" sz="1526" i="1" dirty="0">
+                <a:latin typeface="Times New Roman" panose="02020603050405020304" pitchFamily="18" charset="0"/>
+                <a:cs typeface="Times New Roman" panose="02020603050405020304" pitchFamily="18" charset="0"/>
+              </a:rPr>
+              <a:t>m</a:t>
+            </a:r>
+            <a:r>
+              <a:rPr lang="en-US" altLang="en-US" sz="1526" dirty="0">
+                <a:latin typeface="Times New Roman" panose="02020603050405020304" pitchFamily="18" charset="0"/>
+                <a:cs typeface="Times New Roman" panose="02020603050405020304" pitchFamily="18" charset="0"/>
+              </a:rPr>
+              <a:t>=1</a:t>
+            </a:r>
+          </a:p>
+        </p:txBody>
+      </p:sp>
+      <p:sp>
+        <p:nvSpPr>
+          <p:cNvPr id="75" name="Text Box 74"/>
+          <p:cNvSpPr txBox="1"/>
+          <p:nvPr/>
+        </p:nvSpPr>
+        <p:spPr>
+          <a:xfrm>
+            <a:off x="2672066" y="3946626"/>
+            <a:ext cx="620683" cy="327141"/>
+          </a:xfrm>
+          <a:prstGeom prst="rect">
+            <a:avLst/>
+          </a:prstGeom>
+          <a:noFill/>
+        </p:spPr>
+        <p:txBody>
+          <a:bodyPr wrap="none" rtlCol="0">
+            <a:spAutoFit/>
+          </a:bodyPr>
+          <a:lstStyle/>
+          <a:p>
+            <a:r>
+              <a:rPr lang="" altLang="en-US" sz="1526" i="1" dirty="0">
+                <a:latin typeface="Times New Roman" panose="02020603050405020304" pitchFamily="18" charset="0"/>
+                <a:cs typeface="Times New Roman" panose="02020603050405020304" pitchFamily="18" charset="0"/>
+              </a:rPr>
+              <a:t>m</a:t>
+            </a:r>
+            <a:r>
+              <a:rPr lang="en-US" altLang="en-US" sz="1526" i="1" dirty="0">
+                <a:latin typeface="Times New Roman" panose="02020603050405020304" pitchFamily="18" charset="0"/>
+                <a:cs typeface="Times New Roman" panose="02020603050405020304" pitchFamily="18" charset="0"/>
+              </a:rPr>
+              <a:t>=</a:t>
+            </a:r>
+            <a:r>
+              <a:rPr lang="" altLang="en-US" sz="1526" i="1" dirty="0">
+                <a:latin typeface="Times New Roman" panose="02020603050405020304" pitchFamily="18" charset="0"/>
+                <a:cs typeface="Times New Roman" panose="02020603050405020304" pitchFamily="18" charset="0"/>
+              </a:rPr>
+              <a:t>M</a:t>
+            </a:r>
+          </a:p>
+        </p:txBody>
+      </p:sp>
+      <p:cxnSp>
+        <p:nvCxnSpPr>
+          <p:cNvPr id="98" name="Straight Connector 97"/>
+          <p:cNvCxnSpPr>
+            <a:cxnSpLocks/>
+            <a:stCxn id="2" idx="3"/>
+          </p:cNvCxnSpPr>
+          <p:nvPr/>
+        </p:nvCxnSpPr>
+        <p:spPr>
+          <a:xfrm flipV="1">
+            <a:off x="1825414" y="1336514"/>
+            <a:ext cx="5643601" cy="27717"/>
+          </a:xfrm>
+          <a:prstGeom prst="line">
+            <a:avLst/>
+          </a:prstGeom>
+          <a:ln w="28575">
+            <a:solidFill>
+              <a:srgbClr val="C00000"/>
+            </a:solidFill>
+          </a:ln>
+        </p:spPr>
+        <p:style>
+          <a:lnRef idx="3">
+            <a:schemeClr val="accent2"/>
+          </a:lnRef>
+          <a:fillRef idx="0">
+            <a:schemeClr val="accent2"/>
+          </a:fillRef>
+          <a:effectRef idx="2">
+            <a:schemeClr val="accent2"/>
+          </a:effectRef>
+          <a:fontRef idx="minor">
+            <a:schemeClr val="tx1"/>
+          </a:fontRef>
+        </p:style>
+      </p:cxnSp>
+      <p:sp>
+        <p:nvSpPr>
+          <p:cNvPr id="104" name="Text Box 103"/>
+          <p:cNvSpPr txBox="1"/>
+          <p:nvPr/>
+        </p:nvSpPr>
+        <p:spPr>
+          <a:xfrm>
+            <a:off x="4646079" y="1294641"/>
+            <a:ext cx="364202" cy="327141"/>
+          </a:xfrm>
+          <a:prstGeom prst="rect">
+            <a:avLst/>
+          </a:prstGeom>
+          <a:noFill/>
+        </p:spPr>
+        <p:txBody>
+          <a:bodyPr wrap="none" rtlCol="0">
+            <a:spAutoFit/>
+          </a:bodyPr>
+          <a:lstStyle/>
+          <a:p>
+            <a:r>
+              <a:rPr lang="en-US" altLang="en-US" sz="1526" i="1" dirty="0">
+                <a:latin typeface="Times New Roman" panose="02020603050405020304" pitchFamily="18" charset="0"/>
+                <a:cs typeface="Times New Roman" panose="02020603050405020304" pitchFamily="18" charset="0"/>
+              </a:rPr>
+              <a:t>r</a:t>
+            </a:r>
+            <a:r>
+              <a:rPr lang="" altLang="en-US" sz="1526" baseline="-25000" dirty="0">
+                <a:latin typeface="Times New Roman" panose="02020603050405020304" pitchFamily="18" charset="0"/>
+                <a:cs typeface="Times New Roman" panose="02020603050405020304" pitchFamily="18" charset="0"/>
+              </a:rPr>
+              <a:t>i2</a:t>
+            </a:r>
+          </a:p>
+        </p:txBody>
+      </p:sp>
+      <p:sp>
+        <p:nvSpPr>
+          <p:cNvPr id="105" name="Text Box 104"/>
+          <p:cNvSpPr txBox="1"/>
+          <p:nvPr/>
+        </p:nvSpPr>
+        <p:spPr>
+          <a:xfrm>
+            <a:off x="3614762" y="1315425"/>
+            <a:ext cx="364202" cy="327141"/>
+          </a:xfrm>
+          <a:prstGeom prst="rect">
+            <a:avLst/>
+          </a:prstGeom>
+          <a:noFill/>
+        </p:spPr>
+        <p:txBody>
+          <a:bodyPr wrap="none" rtlCol="0">
+            <a:spAutoFit/>
+          </a:bodyPr>
+          <a:lstStyle/>
+          <a:p>
+            <a:r>
+              <a:rPr lang="en-US" altLang="en-US" sz="1526" i="1" dirty="0">
+                <a:latin typeface="Times New Roman" panose="02020603050405020304" pitchFamily="18" charset="0"/>
+                <a:cs typeface="Times New Roman" panose="02020603050405020304" pitchFamily="18" charset="0"/>
+              </a:rPr>
+              <a:t>r</a:t>
+            </a:r>
+            <a:r>
+              <a:rPr lang="" altLang="en-US" sz="1526" baseline="-25000" dirty="0">
+                <a:latin typeface="Times New Roman" panose="02020603050405020304" pitchFamily="18" charset="0"/>
+                <a:cs typeface="Times New Roman" panose="02020603050405020304" pitchFamily="18" charset="0"/>
+              </a:rPr>
+              <a:t>i1</a:t>
+            </a:r>
+          </a:p>
+        </p:txBody>
+      </p:sp>
+      <p:cxnSp>
+        <p:nvCxnSpPr>
+          <p:cNvPr id="111" name="Straight Arrow Connector 110"/>
+          <p:cNvCxnSpPr/>
+          <p:nvPr/>
+        </p:nvCxnSpPr>
+        <p:spPr>
+          <a:xfrm flipH="1">
+            <a:off x="3774125" y="1602103"/>
+            <a:ext cx="1210" cy="137176"/>
+          </a:xfrm>
+          <a:prstGeom prst="straightConnector1">
+            <a:avLst/>
+          </a:prstGeom>
+          <a:ln w="28575">
+            <a:solidFill>
+              <a:srgbClr val="FF0000"/>
+            </a:solidFill>
+            <a:tailEnd type="arrow"/>
+          </a:ln>
+        </p:spPr>
+        <p:style>
+          <a:lnRef idx="1">
+            <a:schemeClr val="accent1"/>
+          </a:lnRef>
+          <a:fillRef idx="0">
+            <a:schemeClr val="accent1"/>
+          </a:fillRef>
+          <a:effectRef idx="0">
+            <a:schemeClr val="accent1"/>
+          </a:effectRef>
+          <a:fontRef idx="minor">
+            <a:schemeClr val="tx1"/>
+          </a:fontRef>
+        </p:style>
+      </p:cxnSp>
+      <p:sp>
+        <p:nvSpPr>
+          <p:cNvPr id="112" name="Text Box 111"/>
+          <p:cNvSpPr txBox="1"/>
+          <p:nvPr/>
+        </p:nvSpPr>
+        <p:spPr>
+          <a:xfrm>
+            <a:off x="3359035" y="1739536"/>
+            <a:ext cx="832603" cy="248530"/>
+          </a:xfrm>
+          <a:prstGeom prst="rect">
+            <a:avLst/>
+          </a:prstGeom>
+          <a:noFill/>
+          <a:ln w="12700" cmpd="sng">
+            <a:solidFill>
+              <a:schemeClr val="accent2">
+                <a:lumMod val="60000"/>
+                <a:lumOff val="40000"/>
+              </a:schemeClr>
+            </a:solidFill>
+            <a:prstDash val="solid"/>
+          </a:ln>
+        </p:spPr>
+        <p:txBody>
+          <a:bodyPr wrap="square" rtlCol="0">
+            <a:spAutoFit/>
+          </a:bodyPr>
+          <a:lstStyle/>
+          <a:p>
+            <a:r>
+              <a:rPr lang="" altLang="en-US" sz="1015" dirty="0">
+                <a:latin typeface="Times New Roman" panose="02020603050405020304" pitchFamily="18" charset="0"/>
+                <a:cs typeface="Times New Roman" panose="02020603050405020304" pitchFamily="18" charset="0"/>
+              </a:rPr>
+              <a:t> </a:t>
+            </a:r>
+            <a:r>
+              <a:rPr lang="en-US" altLang="en-US" sz="1015" dirty="0">
+                <a:latin typeface="Times New Roman" panose="02020603050405020304" pitchFamily="18" charset="0"/>
+                <a:cs typeface="Times New Roman" panose="02020603050405020304" pitchFamily="18" charset="0"/>
+              </a:rPr>
+              <a:t>y</a:t>
+            </a:r>
+            <a:r>
+              <a:rPr lang="" altLang="en-US" sz="1015" baseline="-25000" dirty="0">
+                <a:latin typeface="Times New Roman" panose="02020603050405020304" pitchFamily="18" charset="0"/>
+                <a:cs typeface="Times New Roman" panose="02020603050405020304" pitchFamily="18" charset="0"/>
+              </a:rPr>
+              <a:t>i1</a:t>
+            </a:r>
+            <a:r>
+              <a:rPr lang="en-US" altLang="en-US" sz="1015" dirty="0">
+                <a:latin typeface="Times New Roman" panose="02020603050405020304" pitchFamily="18" charset="0"/>
+                <a:cs typeface="Times New Roman" panose="02020603050405020304" pitchFamily="18" charset="0"/>
+              </a:rPr>
+              <a:t>, P(y</a:t>
+            </a:r>
+            <a:r>
+              <a:rPr lang="" altLang="en-US" sz="1015" baseline="-25000" dirty="0">
+                <a:latin typeface="Times New Roman" panose="02020603050405020304" pitchFamily="18" charset="0"/>
+                <a:cs typeface="Times New Roman" panose="02020603050405020304" pitchFamily="18" charset="0"/>
+              </a:rPr>
+              <a:t>i1</a:t>
+            </a:r>
+            <a:r>
+              <a:rPr lang="en-US" altLang="en-US" sz="1015" dirty="0">
+                <a:latin typeface="Times New Roman" panose="02020603050405020304" pitchFamily="18" charset="0"/>
+                <a:cs typeface="Times New Roman" panose="02020603050405020304" pitchFamily="18" charset="0"/>
+              </a:rPr>
+              <a:t>|</a:t>
+            </a:r>
+            <a:r>
+              <a:rPr lang="en-US" altLang="zh-CN" sz="1015" dirty="0">
+                <a:latin typeface="Times New Roman" panose="02020603050405020304" pitchFamily="18" charset="0"/>
+                <a:cs typeface="Times New Roman" panose="02020603050405020304" pitchFamily="18" charset="0"/>
+              </a:rPr>
+              <a:t>·)</a:t>
+            </a:r>
+            <a:endParaRPr lang="en-US" altLang="en-US" sz="1015" dirty="0">
+              <a:latin typeface="Times New Roman" panose="02020603050405020304" pitchFamily="18" charset="0"/>
+              <a:cs typeface="Times New Roman" panose="02020603050405020304" pitchFamily="18" charset="0"/>
+            </a:endParaRPr>
+          </a:p>
+        </p:txBody>
+      </p:sp>
+      <p:cxnSp>
+        <p:nvCxnSpPr>
+          <p:cNvPr id="114" name="Straight Arrow Connector 113"/>
+          <p:cNvCxnSpPr/>
+          <p:nvPr/>
+        </p:nvCxnSpPr>
+        <p:spPr>
+          <a:xfrm flipH="1">
+            <a:off x="4806286" y="1613064"/>
+            <a:ext cx="1210" cy="137176"/>
+          </a:xfrm>
+          <a:prstGeom prst="straightConnector1">
+            <a:avLst/>
+          </a:prstGeom>
+          <a:ln w="28575">
+            <a:solidFill>
+              <a:srgbClr val="FF0000"/>
+            </a:solidFill>
+            <a:tailEnd type="arrow"/>
+          </a:ln>
+        </p:spPr>
+        <p:style>
+          <a:lnRef idx="1">
+            <a:schemeClr val="accent1"/>
+          </a:lnRef>
+          <a:fillRef idx="0">
+            <a:schemeClr val="accent1"/>
+          </a:fillRef>
+          <a:effectRef idx="0">
+            <a:schemeClr val="accent1"/>
+          </a:effectRef>
+          <a:fontRef idx="minor">
+            <a:schemeClr val="tx1"/>
+          </a:fontRef>
+        </p:style>
+      </p:cxnSp>
+      <p:sp>
+        <p:nvSpPr>
+          <p:cNvPr id="115" name="Text Box 114"/>
+          <p:cNvSpPr txBox="1"/>
+          <p:nvPr/>
+        </p:nvSpPr>
+        <p:spPr>
+          <a:xfrm>
+            <a:off x="4391560" y="1739536"/>
+            <a:ext cx="835672" cy="248530"/>
+          </a:xfrm>
+          <a:prstGeom prst="rect">
+            <a:avLst/>
+          </a:prstGeom>
+          <a:noFill/>
+          <a:ln w="12700" cmpd="sng">
+            <a:solidFill>
+              <a:schemeClr val="accent2">
+                <a:lumMod val="60000"/>
+                <a:lumOff val="40000"/>
+              </a:schemeClr>
+            </a:solidFill>
+            <a:prstDash val="solid"/>
+          </a:ln>
+        </p:spPr>
+        <p:txBody>
+          <a:bodyPr wrap="square" rtlCol="0">
+            <a:spAutoFit/>
+          </a:bodyPr>
+          <a:lstStyle/>
+          <a:p>
+            <a:r>
+              <a:rPr lang="" altLang="en-US" sz="1015" dirty="0">
+                <a:latin typeface="Times New Roman" panose="02020603050405020304" pitchFamily="18" charset="0"/>
+                <a:cs typeface="Times New Roman" panose="02020603050405020304" pitchFamily="18" charset="0"/>
+              </a:rPr>
+              <a:t> </a:t>
+            </a:r>
+            <a:r>
+              <a:rPr lang="en-US" altLang="en-US" sz="1015" dirty="0">
+                <a:latin typeface="Times New Roman" panose="02020603050405020304" pitchFamily="18" charset="0"/>
+                <a:cs typeface="Times New Roman" panose="02020603050405020304" pitchFamily="18" charset="0"/>
+              </a:rPr>
+              <a:t>y</a:t>
+            </a:r>
+            <a:r>
+              <a:rPr lang="" altLang="en-US" sz="1015" baseline="-25000" dirty="0">
+                <a:latin typeface="Times New Roman" panose="02020603050405020304" pitchFamily="18" charset="0"/>
+                <a:cs typeface="Times New Roman" panose="02020603050405020304" pitchFamily="18" charset="0"/>
+              </a:rPr>
+              <a:t>i2</a:t>
+            </a:r>
+            <a:r>
+              <a:rPr lang="en-US" altLang="en-US" sz="1015" dirty="0">
+                <a:latin typeface="Times New Roman" panose="02020603050405020304" pitchFamily="18" charset="0"/>
+                <a:cs typeface="Times New Roman" panose="02020603050405020304" pitchFamily="18" charset="0"/>
+              </a:rPr>
+              <a:t>, P(y</a:t>
+            </a:r>
+            <a:r>
+              <a:rPr lang="" altLang="en-US" sz="1015" baseline="-25000" dirty="0">
+                <a:latin typeface="Times New Roman" panose="02020603050405020304" pitchFamily="18" charset="0"/>
+                <a:cs typeface="Times New Roman" panose="02020603050405020304" pitchFamily="18" charset="0"/>
+              </a:rPr>
+              <a:t>i2</a:t>
+            </a:r>
+            <a:r>
+              <a:rPr lang="en-US" altLang="en-US" sz="1015" dirty="0">
+                <a:latin typeface="Times New Roman" panose="02020603050405020304" pitchFamily="18" charset="0"/>
+                <a:cs typeface="Times New Roman" panose="02020603050405020304" pitchFamily="18" charset="0"/>
+              </a:rPr>
+              <a:t>|</a:t>
+            </a:r>
+            <a:r>
+              <a:rPr lang="en-US" altLang="zh-CN" sz="1015" dirty="0">
+                <a:latin typeface="Times New Roman" panose="02020603050405020304" pitchFamily="18" charset="0"/>
+                <a:cs typeface="Times New Roman" panose="02020603050405020304" pitchFamily="18" charset="0"/>
+              </a:rPr>
+              <a:t>·</a:t>
+            </a:r>
+            <a:r>
+              <a:rPr lang="en-US" altLang="en-US" sz="1015" dirty="0">
+                <a:latin typeface="Times New Roman" panose="02020603050405020304" pitchFamily="18" charset="0"/>
+                <a:cs typeface="Times New Roman" panose="02020603050405020304" pitchFamily="18" charset="0"/>
+              </a:rPr>
+              <a:t>) </a:t>
+            </a:r>
+          </a:p>
+        </p:txBody>
+      </p:sp>
+      <p:cxnSp>
+        <p:nvCxnSpPr>
+          <p:cNvPr id="121" name="Straight Arrow Connector 120"/>
+          <p:cNvCxnSpPr/>
+          <p:nvPr/>
+        </p:nvCxnSpPr>
+        <p:spPr>
+          <a:xfrm flipH="1">
+            <a:off x="5854642" y="1602175"/>
+            <a:ext cx="1210" cy="137176"/>
+          </a:xfrm>
+          <a:prstGeom prst="straightConnector1">
+            <a:avLst/>
+          </a:prstGeom>
+          <a:ln w="28575">
+            <a:solidFill>
+              <a:srgbClr val="FF0000"/>
+            </a:solidFill>
+            <a:tailEnd type="arrow"/>
+          </a:ln>
+        </p:spPr>
+        <p:style>
+          <a:lnRef idx="1">
+            <a:schemeClr val="accent1"/>
+          </a:lnRef>
+          <a:fillRef idx="0">
+            <a:schemeClr val="accent1"/>
+          </a:fillRef>
+          <a:effectRef idx="0">
+            <a:schemeClr val="accent1"/>
+          </a:effectRef>
+          <a:fontRef idx="minor">
+            <a:schemeClr val="tx1"/>
+          </a:fontRef>
+        </p:style>
+      </p:cxnSp>
+      <p:sp>
+        <p:nvSpPr>
+          <p:cNvPr id="123" name="Text Box 122"/>
+          <p:cNvSpPr txBox="1"/>
+          <p:nvPr/>
+        </p:nvSpPr>
+        <p:spPr>
+          <a:xfrm>
+            <a:off x="7607104" y="1725318"/>
+            <a:ext cx="612668" cy="262380"/>
+          </a:xfrm>
+          <a:prstGeom prst="rect">
+            <a:avLst/>
+          </a:prstGeom>
+          <a:noFill/>
+        </p:spPr>
+        <p:txBody>
+          <a:bodyPr wrap="none" rtlCol="0">
+            <a:spAutoFit/>
+          </a:bodyPr>
+          <a:lstStyle/>
+          <a:p>
+            <a:r>
+              <a:rPr lang="en-US" altLang="en-US" sz="1105">
+                <a:latin typeface="Times New Roman" panose="02020603050405020304" pitchFamily="18" charset="0"/>
+                <a:cs typeface="Times New Roman" panose="02020603050405020304" pitchFamily="18" charset="0"/>
+              </a:rPr>
+              <a:t>&lt;EOS&gt;</a:t>
+            </a:r>
+          </a:p>
+        </p:txBody>
+      </p:sp>
+      <p:cxnSp>
+        <p:nvCxnSpPr>
+          <p:cNvPr id="132" name="Straight Arrow Connector 131"/>
+          <p:cNvCxnSpPr/>
+          <p:nvPr/>
+        </p:nvCxnSpPr>
+        <p:spPr>
+          <a:xfrm flipV="1">
+            <a:off x="3772043" y="2862393"/>
+            <a:ext cx="2192" cy="256489"/>
+          </a:xfrm>
+          <a:prstGeom prst="straightConnector1">
+            <a:avLst/>
+          </a:prstGeom>
+          <a:ln w="28575">
+            <a:tailEnd type="arrow" w="med" len="med"/>
+          </a:ln>
+        </p:spPr>
+        <p:style>
+          <a:lnRef idx="1">
+            <a:schemeClr val="dk1"/>
+          </a:lnRef>
+          <a:fillRef idx="0">
+            <a:schemeClr val="dk1"/>
+          </a:fillRef>
+          <a:effectRef idx="0">
+            <a:schemeClr val="dk1"/>
+          </a:effectRef>
+          <a:fontRef idx="minor">
+            <a:schemeClr val="tx1"/>
+          </a:fontRef>
+        </p:style>
+      </p:cxnSp>
+      <p:sp>
+        <p:nvSpPr>
+          <p:cNvPr id="133" name="Text Box 132"/>
+          <p:cNvSpPr txBox="1"/>
+          <p:nvPr/>
+        </p:nvSpPr>
+        <p:spPr>
+          <a:xfrm>
+            <a:off x="3440142" y="3154391"/>
+            <a:ext cx="716854" cy="262380"/>
+          </a:xfrm>
+          <a:prstGeom prst="rect">
+            <a:avLst/>
+          </a:prstGeom>
+          <a:noFill/>
+        </p:spPr>
+        <p:txBody>
+          <a:bodyPr wrap="square" rtlCol="0">
+            <a:spAutoFit/>
+          </a:bodyPr>
+          <a:lstStyle/>
+          <a:p>
+            <a:r>
+              <a:rPr lang="en-US" altLang="en-US" sz="1105">
+                <a:latin typeface="Times New Roman" panose="02020603050405020304" pitchFamily="18" charset="0"/>
+                <a:cs typeface="Times New Roman" panose="02020603050405020304" pitchFamily="18" charset="0"/>
+              </a:rPr>
+              <a:t>&lt;SOS&gt;</a:t>
+            </a:r>
+          </a:p>
+        </p:txBody>
+      </p:sp>
+      <p:sp>
+        <p:nvSpPr>
+          <p:cNvPr id="135" name="Text Box 134"/>
+          <p:cNvSpPr txBox="1"/>
+          <p:nvPr/>
+        </p:nvSpPr>
+        <p:spPr>
+          <a:xfrm>
+            <a:off x="4655438" y="3083288"/>
+            <a:ext cx="332142" cy="304827"/>
+          </a:xfrm>
+          <a:prstGeom prst="rect">
+            <a:avLst/>
+          </a:prstGeom>
+          <a:noFill/>
+        </p:spPr>
+        <p:txBody>
+          <a:bodyPr wrap="none" rtlCol="0">
+            <a:spAutoFit/>
+          </a:bodyPr>
+          <a:lstStyle/>
+          <a:p>
+            <a:r>
+              <a:rPr lang="en-US" altLang="en-US" sz="1381" dirty="0">
+                <a:latin typeface="Times New Roman" panose="02020603050405020304" pitchFamily="18" charset="0"/>
+                <a:cs typeface="Times New Roman" panose="02020603050405020304" pitchFamily="18" charset="0"/>
+              </a:rPr>
+              <a:t>y</a:t>
+            </a:r>
+            <a:r>
+              <a:rPr lang="en-US" altLang="en-US" sz="1381" baseline="-25000" dirty="0">
+                <a:latin typeface="Times New Roman" panose="02020603050405020304" pitchFamily="18" charset="0"/>
+                <a:cs typeface="Times New Roman" panose="02020603050405020304" pitchFamily="18" charset="0"/>
+              </a:rPr>
+              <a:t>1</a:t>
+            </a:r>
+          </a:p>
+        </p:txBody>
+      </p:sp>
+      <p:sp>
+        <p:nvSpPr>
+          <p:cNvPr id="154" name="Text Box 153"/>
+          <p:cNvSpPr txBox="1"/>
+          <p:nvPr/>
+        </p:nvSpPr>
+        <p:spPr>
+          <a:xfrm>
+            <a:off x="1829014" y="1102117"/>
+            <a:ext cx="862737" cy="307777"/>
+          </a:xfrm>
+          <a:prstGeom prst="rect">
+            <a:avLst/>
+          </a:prstGeom>
+          <a:noFill/>
+        </p:spPr>
+        <p:txBody>
+          <a:bodyPr wrap="none" rtlCol="0">
+            <a:spAutoFit/>
+          </a:bodyPr>
+          <a:lstStyle/>
+          <a:p>
+            <a:r>
+              <a:rPr lang="en-US" altLang="en-US" sz="1400" dirty="0">
+                <a:latin typeface="Times New Roman" panose="02020603050405020304" pitchFamily="18" charset="0"/>
+                <a:cs typeface="Times New Roman" panose="02020603050405020304" pitchFamily="18" charset="0"/>
+              </a:rPr>
+              <a:t>Attention</a:t>
+            </a:r>
+          </a:p>
+        </p:txBody>
+      </p:sp>
+      <p:sp>
+        <p:nvSpPr>
+          <p:cNvPr id="168" name="Text Box 167"/>
+          <p:cNvSpPr txBox="1"/>
+          <p:nvPr/>
+        </p:nvSpPr>
+        <p:spPr>
+          <a:xfrm>
+            <a:off x="7769088" y="1274965"/>
+            <a:ext cx="393056" cy="327141"/>
+          </a:xfrm>
+          <a:prstGeom prst="rect">
+            <a:avLst/>
+          </a:prstGeom>
+          <a:noFill/>
+        </p:spPr>
+        <p:txBody>
+          <a:bodyPr wrap="none" rtlCol="0">
+            <a:spAutoFit/>
+          </a:bodyPr>
+          <a:lstStyle/>
+          <a:p>
+            <a:r>
+              <a:rPr lang="en-US" altLang="en-US" sz="1526" i="1" dirty="0">
+                <a:latin typeface="Times New Roman" panose="02020603050405020304" pitchFamily="18" charset="0"/>
+                <a:cs typeface="Times New Roman" panose="02020603050405020304" pitchFamily="18" charset="0"/>
+              </a:rPr>
+              <a:t>r</a:t>
+            </a:r>
+            <a:r>
+              <a:rPr lang="" altLang="en-US" sz="1526" i="1" baseline="-25000" dirty="0">
+                <a:latin typeface="Times New Roman" panose="02020603050405020304" pitchFamily="18" charset="0"/>
+                <a:cs typeface="Times New Roman" panose="02020603050405020304" pitchFamily="18" charset="0"/>
+              </a:rPr>
+              <a:t>iU</a:t>
+            </a:r>
+          </a:p>
+        </p:txBody>
+      </p:sp>
+      <p:cxnSp>
+        <p:nvCxnSpPr>
+          <p:cNvPr id="169" name="Straight Arrow Connector 168"/>
+          <p:cNvCxnSpPr/>
+          <p:nvPr/>
+        </p:nvCxnSpPr>
+        <p:spPr>
+          <a:xfrm flipH="1">
+            <a:off x="7931066" y="1606049"/>
+            <a:ext cx="1210" cy="137176"/>
+          </a:xfrm>
+          <a:prstGeom prst="straightConnector1">
+            <a:avLst/>
+          </a:prstGeom>
+          <a:ln w="28575">
+            <a:solidFill>
+              <a:srgbClr val="FF0000"/>
+            </a:solidFill>
+            <a:tailEnd type="arrow"/>
+          </a:ln>
+        </p:spPr>
+        <p:style>
+          <a:lnRef idx="1">
+            <a:schemeClr val="accent1"/>
+          </a:lnRef>
+          <a:fillRef idx="0">
+            <a:schemeClr val="accent1"/>
+          </a:fillRef>
+          <a:effectRef idx="0">
+            <a:schemeClr val="accent1"/>
+          </a:effectRef>
+          <a:fontRef idx="minor">
+            <a:schemeClr val="tx1"/>
+          </a:fontRef>
+        </p:style>
+      </p:cxnSp>
+      <p:cxnSp>
+        <p:nvCxnSpPr>
+          <p:cNvPr id="170" name="Straight Arrow Connector 169"/>
+          <p:cNvCxnSpPr/>
+          <p:nvPr/>
+        </p:nvCxnSpPr>
+        <p:spPr>
+          <a:xfrm flipH="1" flipV="1">
+            <a:off x="7935964" y="1953240"/>
+            <a:ext cx="807" cy="159367"/>
+          </a:xfrm>
+          <a:prstGeom prst="straightConnector1">
+            <a:avLst/>
+          </a:prstGeom>
+          <a:ln w="28575">
+            <a:tailEnd type="arrow" w="med" len="med"/>
+          </a:ln>
+        </p:spPr>
+        <p:style>
+          <a:lnRef idx="1">
+            <a:schemeClr val="dk1"/>
+          </a:lnRef>
+          <a:fillRef idx="0">
+            <a:schemeClr val="dk1"/>
+          </a:fillRef>
+          <a:effectRef idx="0">
+            <a:schemeClr val="dk1"/>
+          </a:effectRef>
+          <a:fontRef idx="minor">
+            <a:schemeClr val="tx1"/>
+          </a:fontRef>
+        </p:style>
+      </p:cxnSp>
+      <p:cxnSp>
+        <p:nvCxnSpPr>
+          <p:cNvPr id="173" name="Straight Arrow Connector 172"/>
+          <p:cNvCxnSpPr/>
+          <p:nvPr/>
+        </p:nvCxnSpPr>
+        <p:spPr>
+          <a:xfrm flipV="1">
+            <a:off x="7932333" y="2853764"/>
+            <a:ext cx="3631" cy="276370"/>
+          </a:xfrm>
+          <a:prstGeom prst="straightConnector1">
+            <a:avLst/>
+          </a:prstGeom>
+          <a:ln w="28575">
+            <a:tailEnd type="arrow" w="med" len="med"/>
+          </a:ln>
+        </p:spPr>
+        <p:style>
+          <a:lnRef idx="1">
+            <a:schemeClr val="dk1"/>
+          </a:lnRef>
+          <a:fillRef idx="0">
+            <a:schemeClr val="dk1"/>
+          </a:fillRef>
+          <a:effectRef idx="0">
+            <a:schemeClr val="dk1"/>
+          </a:effectRef>
+          <a:fontRef idx="minor">
+            <a:schemeClr val="tx1"/>
+          </a:fontRef>
+        </p:style>
+      </p:cxnSp>
+      <p:sp>
+        <p:nvSpPr>
+          <p:cNvPr id="194" name="Text Box 193"/>
+          <p:cNvSpPr txBox="1"/>
+          <p:nvPr/>
+        </p:nvSpPr>
+        <p:spPr>
+          <a:xfrm>
+            <a:off x="5685951" y="1294676"/>
+            <a:ext cx="364202" cy="327141"/>
+          </a:xfrm>
+          <a:prstGeom prst="rect">
+            <a:avLst/>
+          </a:prstGeom>
+          <a:noFill/>
+        </p:spPr>
+        <p:txBody>
+          <a:bodyPr wrap="none" rtlCol="0">
+            <a:spAutoFit/>
+          </a:bodyPr>
+          <a:lstStyle/>
+          <a:p>
+            <a:r>
+              <a:rPr lang="en-US" altLang="en-US" sz="1526" i="1" dirty="0">
+                <a:latin typeface="Times New Roman" panose="02020603050405020304" pitchFamily="18" charset="0"/>
+                <a:cs typeface="Times New Roman" panose="02020603050405020304" pitchFamily="18" charset="0"/>
+              </a:rPr>
+              <a:t>r</a:t>
+            </a:r>
+            <a:r>
+              <a:rPr lang="" altLang="en-US" sz="1526" baseline="-25000" dirty="0">
+                <a:latin typeface="Times New Roman" panose="02020603050405020304" pitchFamily="18" charset="0"/>
+                <a:cs typeface="Times New Roman" panose="02020603050405020304" pitchFamily="18" charset="0"/>
+              </a:rPr>
+              <a:t>i3</a:t>
+            </a:r>
+          </a:p>
+        </p:txBody>
+      </p:sp>
+      <p:sp>
+        <p:nvSpPr>
+          <p:cNvPr id="196" name="Text Box 195"/>
+          <p:cNvSpPr txBox="1"/>
+          <p:nvPr/>
+        </p:nvSpPr>
+        <p:spPr>
+          <a:xfrm>
+            <a:off x="5436810" y="1739536"/>
+            <a:ext cx="835234" cy="248530"/>
+          </a:xfrm>
+          <a:prstGeom prst="rect">
+            <a:avLst/>
+          </a:prstGeom>
+          <a:noFill/>
+          <a:ln w="12700" cmpd="sng">
+            <a:solidFill>
+              <a:schemeClr val="accent2">
+                <a:lumMod val="60000"/>
+                <a:lumOff val="40000"/>
+              </a:schemeClr>
+            </a:solidFill>
+            <a:prstDash val="solid"/>
+          </a:ln>
+        </p:spPr>
+        <p:txBody>
+          <a:bodyPr wrap="square" rtlCol="0">
+            <a:spAutoFit/>
+          </a:bodyPr>
+          <a:lstStyle/>
+          <a:p>
+            <a:r>
+              <a:rPr lang="" altLang="en-US" sz="1015" dirty="0">
+                <a:latin typeface="Times New Roman" panose="02020603050405020304" pitchFamily="18" charset="0"/>
+                <a:cs typeface="Times New Roman" panose="02020603050405020304" pitchFamily="18" charset="0"/>
+              </a:rPr>
+              <a:t> </a:t>
+            </a:r>
+            <a:r>
+              <a:rPr lang="en-US" altLang="en-US" sz="1015" dirty="0">
+                <a:latin typeface="Times New Roman" panose="02020603050405020304" pitchFamily="18" charset="0"/>
+                <a:cs typeface="Times New Roman" panose="02020603050405020304" pitchFamily="18" charset="0"/>
+              </a:rPr>
+              <a:t>y</a:t>
+            </a:r>
+            <a:r>
+              <a:rPr lang="" altLang="en-US" sz="1015" baseline="-25000" dirty="0">
+                <a:latin typeface="Times New Roman" panose="02020603050405020304" pitchFamily="18" charset="0"/>
+                <a:cs typeface="Times New Roman" panose="02020603050405020304" pitchFamily="18" charset="0"/>
+              </a:rPr>
+              <a:t>i3</a:t>
+            </a:r>
+            <a:r>
+              <a:rPr lang="en-US" altLang="en-US" sz="1015" dirty="0">
+                <a:latin typeface="Times New Roman" panose="02020603050405020304" pitchFamily="18" charset="0"/>
+                <a:cs typeface="Times New Roman" panose="02020603050405020304" pitchFamily="18" charset="0"/>
+              </a:rPr>
+              <a:t>, P(y</a:t>
+            </a:r>
+            <a:r>
+              <a:rPr lang="" altLang="en-US" sz="1015" baseline="-25000" dirty="0">
+                <a:latin typeface="Times New Roman" panose="02020603050405020304" pitchFamily="18" charset="0"/>
+                <a:cs typeface="Times New Roman" panose="02020603050405020304" pitchFamily="18" charset="0"/>
+              </a:rPr>
+              <a:t>i3</a:t>
+            </a:r>
+            <a:r>
+              <a:rPr lang="en-US" altLang="en-US" sz="1015" dirty="0">
+                <a:latin typeface="Times New Roman" panose="02020603050405020304" pitchFamily="18" charset="0"/>
+                <a:cs typeface="Times New Roman" panose="02020603050405020304" pitchFamily="18" charset="0"/>
+              </a:rPr>
+              <a:t>|</a:t>
+            </a:r>
+            <a:r>
+              <a:rPr lang="en-US" altLang="zh-CN" sz="1015" dirty="0">
+                <a:latin typeface="Times New Roman" panose="02020603050405020304" pitchFamily="18" charset="0"/>
+                <a:cs typeface="Times New Roman" panose="02020603050405020304" pitchFamily="18" charset="0"/>
+              </a:rPr>
+              <a:t>·</a:t>
+            </a:r>
+            <a:r>
+              <a:rPr lang="en-US" altLang="en-US" sz="1015" dirty="0">
+                <a:latin typeface="Times New Roman" panose="02020603050405020304" pitchFamily="18" charset="0"/>
+                <a:cs typeface="Times New Roman" panose="02020603050405020304" pitchFamily="18" charset="0"/>
+              </a:rPr>
+              <a:t>) </a:t>
+            </a:r>
+          </a:p>
+        </p:txBody>
+      </p:sp>
+      <p:sp>
+        <p:nvSpPr>
+          <p:cNvPr id="200" name="椭圆 14"/>
+          <p:cNvSpPr/>
+          <p:nvPr/>
+        </p:nvSpPr>
+        <p:spPr>
+          <a:xfrm rot="5030305" flipH="1">
+            <a:off x="6970747" y="1440639"/>
+            <a:ext cx="30868" cy="30868"/>
+          </a:xfrm>
+          <a:prstGeom prst="ellipse">
+            <a:avLst/>
+          </a:prstGeom>
+        </p:spPr>
+        <p:style>
+          <a:lnRef idx="2">
+            <a:schemeClr val="dk1">
+              <a:shade val="50000"/>
+            </a:schemeClr>
+          </a:lnRef>
+          <a:fillRef idx="1">
+            <a:schemeClr val="dk1"/>
+          </a:fillRef>
+          <a:effectRef idx="0">
+            <a:schemeClr val="dk1"/>
+          </a:effectRef>
+          <a:fontRef idx="minor">
+            <a:schemeClr val="lt1"/>
+          </a:fontRef>
+        </p:style>
+        <p:txBody>
+          <a:bodyPr rot="0" spcFirstLastPara="0" vertOverflow="overflow" horzOverflow="overflow" vert="horz" wrap="square" lIns="61739" tIns="30869" rIns="61739" bIns="30869" numCol="1" spcCol="0" rtlCol="0" fromWordArt="0" anchor="ctr" anchorCtr="0" forceAA="0" compatLnSpc="1">
+            <a:noAutofit/>
+          </a:bodyPr>
+          <a:lstStyle/>
+          <a:p>
+            <a:pPr algn="ctr"/>
+            <a:endParaRPr kumimoji="1" lang="zh-CN" altLang="en-US" sz="269">
+              <a:latin typeface="Times New Roman" panose="02020603050405020304" pitchFamily="18" charset="0"/>
+              <a:cs typeface="Times New Roman" panose="02020603050405020304" pitchFamily="18" charset="0"/>
+            </a:endParaRPr>
+          </a:p>
+        </p:txBody>
+      </p:sp>
+      <p:sp>
+        <p:nvSpPr>
+          <p:cNvPr id="201" name="椭圆 14"/>
+          <p:cNvSpPr/>
+          <p:nvPr/>
+        </p:nvSpPr>
+        <p:spPr>
+          <a:xfrm rot="5030305" flipH="1">
+            <a:off x="6861006" y="1441043"/>
+            <a:ext cx="30868" cy="30868"/>
+          </a:xfrm>
+          <a:prstGeom prst="ellipse">
+            <a:avLst/>
+          </a:prstGeom>
+        </p:spPr>
+        <p:style>
+          <a:lnRef idx="2">
+            <a:schemeClr val="dk1">
+              <a:shade val="50000"/>
+            </a:schemeClr>
+          </a:lnRef>
+          <a:fillRef idx="1">
+            <a:schemeClr val="dk1"/>
+          </a:fillRef>
+          <a:effectRef idx="0">
+            <a:schemeClr val="dk1"/>
+          </a:effectRef>
+          <a:fontRef idx="minor">
+            <a:schemeClr val="lt1"/>
+          </a:fontRef>
+        </p:style>
+        <p:txBody>
+          <a:bodyPr rot="0" spcFirstLastPara="0" vertOverflow="overflow" horzOverflow="overflow" vert="horz" wrap="square" lIns="61739" tIns="30869" rIns="61739" bIns="30869" numCol="1" spcCol="0" rtlCol="0" fromWordArt="0" anchor="ctr" anchorCtr="0" forceAA="0" compatLnSpc="1">
+            <a:noAutofit/>
+          </a:bodyPr>
+          <a:lstStyle/>
+          <a:p>
+            <a:pPr algn="ctr"/>
+            <a:endParaRPr kumimoji="1" lang="zh-CN" altLang="en-US" sz="269">
+              <a:latin typeface="Times New Roman" panose="02020603050405020304" pitchFamily="18" charset="0"/>
+              <a:cs typeface="Times New Roman" panose="02020603050405020304" pitchFamily="18" charset="0"/>
+            </a:endParaRPr>
+          </a:p>
+        </p:txBody>
+      </p:sp>
+      <p:sp>
+        <p:nvSpPr>
+          <p:cNvPr id="202" name="椭圆 14"/>
+          <p:cNvSpPr/>
+          <p:nvPr/>
+        </p:nvSpPr>
+        <p:spPr>
+          <a:xfrm rot="5030305" flipH="1">
+            <a:off x="6755703" y="1441043"/>
+            <a:ext cx="30868" cy="30868"/>
+          </a:xfrm>
+          <a:prstGeom prst="ellipse">
+            <a:avLst/>
+          </a:prstGeom>
+        </p:spPr>
+        <p:style>
+          <a:lnRef idx="2">
+            <a:schemeClr val="dk1">
+              <a:shade val="50000"/>
+            </a:schemeClr>
+          </a:lnRef>
+          <a:fillRef idx="1">
+            <a:schemeClr val="dk1"/>
+          </a:fillRef>
+          <a:effectRef idx="0">
+            <a:schemeClr val="dk1"/>
+          </a:effectRef>
+          <a:fontRef idx="minor">
+            <a:schemeClr val="lt1"/>
+          </a:fontRef>
+        </p:style>
+        <p:txBody>
+          <a:bodyPr rot="0" spcFirstLastPara="0" vertOverflow="overflow" horzOverflow="overflow" vert="horz" wrap="square" lIns="61739" tIns="30869" rIns="61739" bIns="30869" numCol="1" spcCol="0" rtlCol="0" fromWordArt="0" anchor="ctr" anchorCtr="0" forceAA="0" compatLnSpc="1">
+            <a:noAutofit/>
+          </a:bodyPr>
+          <a:lstStyle/>
+          <a:p>
+            <a:pPr algn="ctr"/>
+            <a:endParaRPr kumimoji="1" lang="zh-CN" altLang="en-US" sz="269">
+              <a:latin typeface="Times New Roman" panose="02020603050405020304" pitchFamily="18" charset="0"/>
+              <a:cs typeface="Times New Roman" panose="02020603050405020304" pitchFamily="18" charset="0"/>
+            </a:endParaRPr>
+          </a:p>
+        </p:txBody>
+      </p:sp>
+      <p:sp>
+        <p:nvSpPr>
+          <p:cNvPr id="203" name="Text Box 202"/>
+          <p:cNvSpPr txBox="1"/>
+          <p:nvPr/>
+        </p:nvSpPr>
+        <p:spPr>
+          <a:xfrm>
+            <a:off x="6459261" y="1739536"/>
+            <a:ext cx="834795" cy="248530"/>
+          </a:xfrm>
+          <a:prstGeom prst="rect">
+            <a:avLst/>
+          </a:prstGeom>
+          <a:noFill/>
+          <a:ln w="12700" cmpd="sng">
+            <a:solidFill>
+              <a:schemeClr val="accent2">
+                <a:lumMod val="60000"/>
+                <a:lumOff val="40000"/>
+              </a:schemeClr>
+            </a:solidFill>
+            <a:prstDash val="solid"/>
+          </a:ln>
+        </p:spPr>
+        <p:txBody>
+          <a:bodyPr wrap="square" rtlCol="0">
+            <a:spAutoFit/>
+          </a:bodyPr>
+          <a:lstStyle/>
+          <a:p>
+            <a:r>
+              <a:rPr lang="en-US" altLang="en-US" sz="1015">
+                <a:latin typeface="Times New Roman" panose="02020603050405020304" pitchFamily="18" charset="0"/>
+                <a:cs typeface="Times New Roman" panose="02020603050405020304" pitchFamily="18" charset="0"/>
+              </a:rPr>
+              <a:t> </a:t>
+            </a:r>
+          </a:p>
+        </p:txBody>
+      </p:sp>
+      <p:sp>
+        <p:nvSpPr>
+          <p:cNvPr id="204" name="椭圆 14"/>
+          <p:cNvSpPr/>
+          <p:nvPr/>
+        </p:nvSpPr>
+        <p:spPr>
+          <a:xfrm rot="5030305" flipH="1">
+            <a:off x="6971013" y="1818312"/>
+            <a:ext cx="30868" cy="30868"/>
+          </a:xfrm>
+          <a:prstGeom prst="ellipse">
+            <a:avLst/>
+          </a:prstGeom>
+        </p:spPr>
+        <p:style>
+          <a:lnRef idx="2">
+            <a:schemeClr val="dk1">
+              <a:shade val="50000"/>
+            </a:schemeClr>
+          </a:lnRef>
+          <a:fillRef idx="1">
+            <a:schemeClr val="dk1"/>
+          </a:fillRef>
+          <a:effectRef idx="0">
+            <a:schemeClr val="dk1"/>
+          </a:effectRef>
+          <a:fontRef idx="minor">
+            <a:schemeClr val="lt1"/>
+          </a:fontRef>
+        </p:style>
+        <p:txBody>
+          <a:bodyPr rot="0" spcFirstLastPara="0" vertOverflow="overflow" horzOverflow="overflow" vert="horz" wrap="square" lIns="61739" tIns="30869" rIns="61739" bIns="30869" numCol="1" spcCol="0" rtlCol="0" fromWordArt="0" anchor="ctr" anchorCtr="0" forceAA="0" compatLnSpc="1">
+            <a:noAutofit/>
+          </a:bodyPr>
+          <a:lstStyle/>
+          <a:p>
+            <a:pPr algn="ctr"/>
+            <a:endParaRPr kumimoji="1" lang="zh-CN" altLang="en-US" sz="269">
+              <a:latin typeface="Times New Roman" panose="02020603050405020304" pitchFamily="18" charset="0"/>
+              <a:cs typeface="Times New Roman" panose="02020603050405020304" pitchFamily="18" charset="0"/>
+            </a:endParaRPr>
+          </a:p>
+        </p:txBody>
+      </p:sp>
+      <p:sp>
+        <p:nvSpPr>
+          <p:cNvPr id="205" name="椭圆 14"/>
+          <p:cNvSpPr/>
+          <p:nvPr/>
+        </p:nvSpPr>
+        <p:spPr>
+          <a:xfrm rot="5030305" flipH="1">
+            <a:off x="6861272" y="1818715"/>
+            <a:ext cx="30868" cy="30868"/>
+          </a:xfrm>
+          <a:prstGeom prst="ellipse">
+            <a:avLst/>
+          </a:prstGeom>
+        </p:spPr>
+        <p:style>
+          <a:lnRef idx="2">
+            <a:schemeClr val="dk1">
+              <a:shade val="50000"/>
+            </a:schemeClr>
+          </a:lnRef>
+          <a:fillRef idx="1">
+            <a:schemeClr val="dk1"/>
+          </a:fillRef>
+          <a:effectRef idx="0">
+            <a:schemeClr val="dk1"/>
+          </a:effectRef>
+          <a:fontRef idx="minor">
+            <a:schemeClr val="lt1"/>
+          </a:fontRef>
+        </p:style>
+        <p:txBody>
+          <a:bodyPr rot="0" spcFirstLastPara="0" vertOverflow="overflow" horzOverflow="overflow" vert="horz" wrap="square" lIns="61739" tIns="30869" rIns="61739" bIns="30869" numCol="1" spcCol="0" rtlCol="0" fromWordArt="0" anchor="ctr" anchorCtr="0" forceAA="0" compatLnSpc="1">
+            <a:noAutofit/>
+          </a:bodyPr>
+          <a:lstStyle/>
+          <a:p>
+            <a:pPr algn="ctr"/>
+            <a:endParaRPr kumimoji="1" lang="zh-CN" altLang="en-US" sz="269">
+              <a:latin typeface="Times New Roman" panose="02020603050405020304" pitchFamily="18" charset="0"/>
+              <a:cs typeface="Times New Roman" panose="02020603050405020304" pitchFamily="18" charset="0"/>
+            </a:endParaRPr>
+          </a:p>
+        </p:txBody>
+      </p:sp>
+      <p:sp>
+        <p:nvSpPr>
+          <p:cNvPr id="206" name="椭圆 14"/>
+          <p:cNvSpPr/>
+          <p:nvPr/>
+        </p:nvSpPr>
+        <p:spPr>
+          <a:xfrm rot="5030305" flipH="1">
+            <a:off x="6755969" y="1818715"/>
+            <a:ext cx="30868" cy="30868"/>
+          </a:xfrm>
+          <a:prstGeom prst="ellipse">
+            <a:avLst/>
+          </a:prstGeom>
+        </p:spPr>
+        <p:style>
+          <a:lnRef idx="2">
+            <a:schemeClr val="dk1">
+              <a:shade val="50000"/>
+            </a:schemeClr>
+          </a:lnRef>
+          <a:fillRef idx="1">
+            <a:schemeClr val="dk1"/>
+          </a:fillRef>
+          <a:effectRef idx="0">
+            <a:schemeClr val="dk1"/>
+          </a:effectRef>
+          <a:fontRef idx="minor">
+            <a:schemeClr val="lt1"/>
+          </a:fontRef>
+        </p:style>
+        <p:txBody>
+          <a:bodyPr rot="0" spcFirstLastPara="0" vertOverflow="overflow" horzOverflow="overflow" vert="horz" wrap="square" lIns="61739" tIns="30869" rIns="61739" bIns="30869" numCol="1" spcCol="0" rtlCol="0" fromWordArt="0" anchor="ctr" anchorCtr="0" forceAA="0" compatLnSpc="1">
+            <a:noAutofit/>
+          </a:bodyPr>
+          <a:lstStyle/>
+          <a:p>
+            <a:pPr algn="ctr"/>
+            <a:endParaRPr kumimoji="1" lang="zh-CN" altLang="en-US" sz="269">
+              <a:latin typeface="Times New Roman" panose="02020603050405020304" pitchFamily="18" charset="0"/>
+              <a:cs typeface="Times New Roman" panose="02020603050405020304" pitchFamily="18" charset="0"/>
+            </a:endParaRPr>
+          </a:p>
+        </p:txBody>
+      </p:sp>
+      <p:cxnSp>
+        <p:nvCxnSpPr>
+          <p:cNvPr id="207" name="Straight Arrow Connector 206"/>
+          <p:cNvCxnSpPr/>
+          <p:nvPr/>
+        </p:nvCxnSpPr>
+        <p:spPr>
+          <a:xfrm flipH="1">
+            <a:off x="6879394" y="1602350"/>
+            <a:ext cx="1210" cy="137176"/>
+          </a:xfrm>
+          <a:prstGeom prst="straightConnector1">
+            <a:avLst/>
+          </a:prstGeom>
+          <a:ln w="28575">
+            <a:solidFill>
+              <a:srgbClr val="FF0000"/>
+            </a:solidFill>
+            <a:tailEnd type="arrow"/>
+          </a:ln>
+        </p:spPr>
+        <p:style>
+          <a:lnRef idx="1">
+            <a:schemeClr val="accent1"/>
+          </a:lnRef>
+          <a:fillRef idx="0">
+            <a:schemeClr val="accent1"/>
+          </a:fillRef>
+          <a:effectRef idx="0">
+            <a:schemeClr val="accent1"/>
+          </a:effectRef>
+          <a:fontRef idx="minor">
+            <a:schemeClr val="tx1"/>
+          </a:fontRef>
+        </p:style>
+      </p:cxnSp>
+      <p:cxnSp>
+        <p:nvCxnSpPr>
+          <p:cNvPr id="211" name="Straight Arrow Connector 210"/>
+          <p:cNvCxnSpPr/>
+          <p:nvPr/>
+        </p:nvCxnSpPr>
+        <p:spPr>
+          <a:xfrm flipH="1" flipV="1">
+            <a:off x="6884432" y="1958448"/>
+            <a:ext cx="807" cy="159367"/>
+          </a:xfrm>
+          <a:prstGeom prst="straightConnector1">
+            <a:avLst/>
+          </a:prstGeom>
+          <a:ln w="28575">
+            <a:tailEnd type="arrow" w="med" len="med"/>
+          </a:ln>
+        </p:spPr>
+        <p:style>
+          <a:lnRef idx="1">
+            <a:schemeClr val="dk1"/>
+          </a:lnRef>
+          <a:fillRef idx="0">
+            <a:schemeClr val="dk1"/>
+          </a:fillRef>
+          <a:effectRef idx="0">
+            <a:schemeClr val="dk1"/>
+          </a:effectRef>
+          <a:fontRef idx="minor">
+            <a:schemeClr val="tx1"/>
+          </a:fontRef>
+        </p:style>
+      </p:cxnSp>
+      <p:sp>
+        <p:nvSpPr>
+          <p:cNvPr id="213" name="椭圆 14"/>
+          <p:cNvSpPr/>
+          <p:nvPr/>
+        </p:nvSpPr>
+        <p:spPr>
+          <a:xfrm rot="5030305" flipH="1">
+            <a:off x="7004946" y="3187817"/>
+            <a:ext cx="30868" cy="30868"/>
+          </a:xfrm>
+          <a:prstGeom prst="ellipse">
+            <a:avLst/>
+          </a:prstGeom>
+        </p:spPr>
+        <p:style>
+          <a:lnRef idx="2">
+            <a:schemeClr val="dk1">
+              <a:shade val="50000"/>
+            </a:schemeClr>
+          </a:lnRef>
+          <a:fillRef idx="1">
+            <a:schemeClr val="dk1"/>
+          </a:fillRef>
+          <a:effectRef idx="0">
+            <a:schemeClr val="dk1"/>
+          </a:effectRef>
+          <a:fontRef idx="minor">
+            <a:schemeClr val="lt1"/>
+          </a:fontRef>
+        </p:style>
+        <p:txBody>
+          <a:bodyPr rot="0" spcFirstLastPara="0" vertOverflow="overflow" horzOverflow="overflow" vert="horz" wrap="square" lIns="61739" tIns="30869" rIns="61739" bIns="30869" numCol="1" spcCol="0" rtlCol="0" fromWordArt="0" anchor="ctr" anchorCtr="0" forceAA="0" compatLnSpc="1">
+            <a:noAutofit/>
+          </a:bodyPr>
+          <a:lstStyle/>
+          <a:p>
+            <a:pPr algn="ctr"/>
+            <a:endParaRPr kumimoji="1" lang="zh-CN" altLang="en-US" sz="2210">
+              <a:latin typeface="Times New Roman" panose="02020603050405020304" pitchFamily="18" charset="0"/>
+              <a:cs typeface="Times New Roman" panose="02020603050405020304" pitchFamily="18" charset="0"/>
+            </a:endParaRPr>
+          </a:p>
+        </p:txBody>
+      </p:sp>
+      <p:sp>
+        <p:nvSpPr>
+          <p:cNvPr id="214" name="椭圆 14"/>
+          <p:cNvSpPr/>
+          <p:nvPr/>
+        </p:nvSpPr>
+        <p:spPr>
+          <a:xfrm rot="5030305" flipH="1">
+            <a:off x="6895204" y="3188221"/>
+            <a:ext cx="30868" cy="30868"/>
+          </a:xfrm>
+          <a:prstGeom prst="ellipse">
+            <a:avLst/>
+          </a:prstGeom>
+        </p:spPr>
+        <p:style>
+          <a:lnRef idx="2">
+            <a:schemeClr val="dk1">
+              <a:shade val="50000"/>
+            </a:schemeClr>
+          </a:lnRef>
+          <a:fillRef idx="1">
+            <a:schemeClr val="dk1"/>
+          </a:fillRef>
+          <a:effectRef idx="0">
+            <a:schemeClr val="dk1"/>
+          </a:effectRef>
+          <a:fontRef idx="minor">
+            <a:schemeClr val="lt1"/>
+          </a:fontRef>
+        </p:style>
+        <p:txBody>
+          <a:bodyPr rot="0" spcFirstLastPara="0" vertOverflow="overflow" horzOverflow="overflow" vert="horz" wrap="square" lIns="61739" tIns="30869" rIns="61739" bIns="30869" numCol="1" spcCol="0" rtlCol="0" fromWordArt="0" anchor="ctr" anchorCtr="0" forceAA="0" compatLnSpc="1">
+            <a:noAutofit/>
+          </a:bodyPr>
+          <a:lstStyle/>
+          <a:p>
+            <a:pPr algn="ctr"/>
+            <a:endParaRPr kumimoji="1" lang="zh-CN" altLang="en-US" sz="2210">
+              <a:latin typeface="Times New Roman" panose="02020603050405020304" pitchFamily="18" charset="0"/>
+              <a:cs typeface="Times New Roman" panose="02020603050405020304" pitchFamily="18" charset="0"/>
+            </a:endParaRPr>
+          </a:p>
+        </p:txBody>
+      </p:sp>
+      <p:sp>
+        <p:nvSpPr>
+          <p:cNvPr id="215" name="椭圆 14"/>
+          <p:cNvSpPr/>
+          <p:nvPr/>
+        </p:nvSpPr>
+        <p:spPr>
+          <a:xfrm rot="5030305" flipH="1">
+            <a:off x="6789901" y="3188221"/>
+            <a:ext cx="30868" cy="30868"/>
+          </a:xfrm>
+          <a:prstGeom prst="ellipse">
+            <a:avLst/>
+          </a:prstGeom>
+        </p:spPr>
+        <p:style>
+          <a:lnRef idx="2">
+            <a:schemeClr val="dk1">
+              <a:shade val="50000"/>
+            </a:schemeClr>
+          </a:lnRef>
+          <a:fillRef idx="1">
+            <a:schemeClr val="dk1"/>
+          </a:fillRef>
+          <a:effectRef idx="0">
+            <a:schemeClr val="dk1"/>
+          </a:effectRef>
+          <a:fontRef idx="minor">
+            <a:schemeClr val="lt1"/>
+          </a:fontRef>
+        </p:style>
+        <p:txBody>
+          <a:bodyPr rot="0" spcFirstLastPara="0" vertOverflow="overflow" horzOverflow="overflow" vert="horz" wrap="square" lIns="61739" tIns="30869" rIns="61739" bIns="30869" numCol="1" spcCol="0" rtlCol="0" fromWordArt="0" anchor="ctr" anchorCtr="0" forceAA="0" compatLnSpc="1">
+            <a:noAutofit/>
+          </a:bodyPr>
+          <a:lstStyle/>
+          <a:p>
+            <a:pPr algn="ctr"/>
+            <a:endParaRPr kumimoji="1" lang="zh-CN" altLang="en-US" sz="2210">
+              <a:latin typeface="Times New Roman" panose="02020603050405020304" pitchFamily="18" charset="0"/>
+              <a:cs typeface="Times New Roman" panose="02020603050405020304" pitchFamily="18" charset="0"/>
+            </a:endParaRPr>
+          </a:p>
+        </p:txBody>
+      </p:sp>
+      <p:sp>
+        <p:nvSpPr>
+          <p:cNvPr id="146" name="Rounded Rectangle 145"/>
+          <p:cNvSpPr/>
+          <p:nvPr/>
+        </p:nvSpPr>
+        <p:spPr>
+          <a:xfrm>
+            <a:off x="3309125" y="135009"/>
+            <a:ext cx="5153092" cy="1108582"/>
+          </a:xfrm>
+          <a:prstGeom prst="roundRect">
+            <a:avLst/>
+          </a:prstGeom>
+          <a:solidFill>
+            <a:schemeClr val="accent4">
+              <a:lumMod val="20000"/>
+              <a:lumOff val="80000"/>
+            </a:schemeClr>
+          </a:solidFill>
+          <a:ln>
+            <a:solidFill>
+              <a:srgbClr val="FF0000"/>
+            </a:solidFill>
+            <a:prstDash val="sysDash"/>
+          </a:ln>
+        </p:spPr>
+        <p:style>
+          <a:lnRef idx="2">
+            <a:schemeClr val="accent6"/>
+          </a:lnRef>
+          <a:fillRef idx="1">
+            <a:schemeClr val="lt1"/>
+          </a:fillRef>
+          <a:effectRef idx="0">
+            <a:schemeClr val="accent6"/>
+          </a:effectRef>
+          <a:fontRef idx="minor">
+            <a:schemeClr val="dk1"/>
+          </a:fontRef>
+        </p:style>
+        <p:txBody>
+          <a:bodyPr rtlCol="0" anchor="ctr"/>
+          <a:lstStyle/>
+          <a:p>
+            <a:pPr algn="ctr"/>
+            <a:endParaRPr lang="en-US" sz="1143">
+              <a:latin typeface="Times New Roman" panose="02020603050405020304" pitchFamily="18" charset="0"/>
+              <a:cs typeface="Times New Roman" panose="02020603050405020304" pitchFamily="18" charset="0"/>
+            </a:endParaRPr>
+          </a:p>
+        </p:txBody>
+      </p:sp>
+      <p:sp>
+        <p:nvSpPr>
+          <p:cNvPr id="147" name="Oval 146"/>
+          <p:cNvSpPr/>
+          <p:nvPr/>
+        </p:nvSpPr>
+        <p:spPr>
+          <a:xfrm>
+            <a:off x="3390237" y="278897"/>
+            <a:ext cx="760260" cy="754999"/>
+          </a:xfrm>
+          <a:prstGeom prst="ellipse">
+            <a:avLst/>
+          </a:prstGeom>
+          <a:solidFill>
+            <a:schemeClr val="accent2">
+              <a:lumMod val="40000"/>
+              <a:lumOff val="60000"/>
+            </a:schemeClr>
+          </a:solidFill>
+          <a:ln>
+            <a:solidFill>
+              <a:schemeClr val="accent2">
+                <a:lumMod val="60000"/>
+                <a:lumOff val="40000"/>
+              </a:schemeClr>
+            </a:solidFill>
+          </a:ln>
+        </p:spPr>
+        <p:style>
+          <a:lnRef idx="2">
+            <a:schemeClr val="accent1">
+              <a:shade val="50000"/>
+            </a:schemeClr>
+          </a:lnRef>
+          <a:fillRef idx="1">
+            <a:schemeClr val="accent1"/>
+          </a:fillRef>
+          <a:effectRef idx="0">
+            <a:schemeClr val="accent1"/>
+          </a:effectRef>
+          <a:fontRef idx="minor">
+            <a:schemeClr val="lt1"/>
+          </a:fontRef>
+        </p:style>
+        <p:txBody>
+          <a:bodyPr lIns="0" rIns="0" rtlCol="0" anchor="ctr"/>
+          <a:lstStyle/>
+          <a:p>
+            <a:pPr algn="ctr"/>
+            <a:r>
+              <a:rPr lang="" altLang="en-US" sz="1271" dirty="0">
+                <a:solidFill>
+                  <a:schemeClr val="tx1"/>
+                </a:solidFill>
+                <a:latin typeface="Times New Roman" panose="02020603050405020304" pitchFamily="18" charset="0"/>
+                <a:cs typeface="Times New Roman" panose="02020603050405020304" pitchFamily="18" charset="0"/>
+              </a:rPr>
+              <a:t>GRU</a:t>
+            </a:r>
+          </a:p>
+          <a:p>
+            <a:pPr algn="ctr"/>
+            <a:r>
+              <a:rPr lang="" altLang="en-US" sz="1271" dirty="0">
+                <a:solidFill>
+                  <a:schemeClr val="tx1"/>
+                </a:solidFill>
+                <a:latin typeface="Times New Roman" panose="02020603050405020304" pitchFamily="18" charset="0"/>
+                <a:cs typeface="Times New Roman" panose="02020603050405020304" pitchFamily="18" charset="0"/>
+              </a:rPr>
+              <a:t>(</a:t>
+            </a:r>
+            <a:r>
+              <a:rPr lang="" altLang="en-US" sz="1271" i="1" dirty="0">
+                <a:solidFill>
+                  <a:schemeClr val="tx1"/>
+                </a:solidFill>
+                <a:latin typeface="Times New Roman" panose="02020603050405020304" pitchFamily="18" charset="0"/>
+                <a:cs typeface="Times New Roman" panose="02020603050405020304" pitchFamily="18" charset="0"/>
+              </a:rPr>
+              <a:t>t</a:t>
+            </a:r>
+            <a:r>
+              <a:rPr lang="" altLang="en-US" sz="1271" i="1" baseline="-25000" dirty="0">
+                <a:solidFill>
+                  <a:schemeClr val="tx1"/>
+                </a:solidFill>
+                <a:latin typeface="Times New Roman" panose="02020603050405020304" pitchFamily="18" charset="0"/>
+                <a:cs typeface="Times New Roman" panose="02020603050405020304" pitchFamily="18" charset="0"/>
+              </a:rPr>
+              <a:t>11</a:t>
+            </a:r>
+            <a:r>
+              <a:rPr lang="en-US" altLang="en-US" sz="1271" dirty="0">
+                <a:solidFill>
+                  <a:schemeClr val="tx1"/>
+                </a:solidFill>
+                <a:latin typeface="Times New Roman" panose="02020603050405020304" pitchFamily="18" charset="0"/>
+                <a:cs typeface="Times New Roman" panose="02020603050405020304" pitchFamily="18" charset="0"/>
+              </a:rPr>
+              <a:t>=1)</a:t>
+            </a:r>
+          </a:p>
+        </p:txBody>
+      </p:sp>
+      <p:sp>
+        <p:nvSpPr>
+          <p:cNvPr id="153" name="Oval 152"/>
+          <p:cNvSpPr/>
+          <p:nvPr/>
+        </p:nvSpPr>
+        <p:spPr>
+          <a:xfrm>
+            <a:off x="6507133" y="278896"/>
+            <a:ext cx="759383" cy="754560"/>
+          </a:xfrm>
+          <a:prstGeom prst="ellipse">
+            <a:avLst/>
+          </a:prstGeom>
+          <a:solidFill>
+            <a:schemeClr val="accent2">
+              <a:lumMod val="40000"/>
+              <a:lumOff val="60000"/>
+            </a:schemeClr>
+          </a:solidFill>
+          <a:ln>
+            <a:solidFill>
+              <a:schemeClr val="accent2">
+                <a:lumMod val="60000"/>
+                <a:lumOff val="40000"/>
+              </a:schemeClr>
+            </a:solidFill>
+          </a:ln>
+        </p:spPr>
+        <p:style>
+          <a:lnRef idx="2">
+            <a:schemeClr val="accent1">
+              <a:shade val="50000"/>
+            </a:schemeClr>
+          </a:lnRef>
+          <a:fillRef idx="1">
+            <a:schemeClr val="accent1"/>
+          </a:fillRef>
+          <a:effectRef idx="0">
+            <a:schemeClr val="accent1"/>
+          </a:effectRef>
+          <a:fontRef idx="minor">
+            <a:schemeClr val="lt1"/>
+          </a:fontRef>
+        </p:style>
+        <p:txBody>
+          <a:bodyPr lIns="0" rIns="0" rtlCol="0" anchor="ctr"/>
+          <a:lstStyle/>
+          <a:p>
+            <a:pPr algn="ctr"/>
+            <a:endParaRPr lang="en-US" sz="1526">
+              <a:latin typeface="Times New Roman" panose="02020603050405020304" pitchFamily="18" charset="0"/>
+              <a:cs typeface="Times New Roman" panose="02020603050405020304" pitchFamily="18" charset="0"/>
+            </a:endParaRPr>
+          </a:p>
+        </p:txBody>
+      </p:sp>
+      <p:sp>
+        <p:nvSpPr>
+          <p:cNvPr id="172" name="椭圆 14"/>
+          <p:cNvSpPr/>
+          <p:nvPr/>
+        </p:nvSpPr>
+        <p:spPr>
+          <a:xfrm rot="5030305" flipH="1">
+            <a:off x="6976668" y="639991"/>
+            <a:ext cx="30868" cy="30868"/>
+          </a:xfrm>
+          <a:prstGeom prst="ellipse">
+            <a:avLst/>
+          </a:prstGeom>
+        </p:spPr>
+        <p:style>
+          <a:lnRef idx="2">
+            <a:schemeClr val="dk1">
+              <a:shade val="50000"/>
+            </a:schemeClr>
+          </a:lnRef>
+          <a:fillRef idx="1">
+            <a:schemeClr val="dk1"/>
+          </a:fillRef>
+          <a:effectRef idx="0">
+            <a:schemeClr val="dk1"/>
+          </a:effectRef>
+          <a:fontRef idx="minor">
+            <a:schemeClr val="lt1"/>
+          </a:fontRef>
+        </p:style>
+        <p:txBody>
+          <a:bodyPr rot="0" spcFirstLastPara="0" vertOverflow="overflow" horzOverflow="overflow" vert="horz" wrap="square" lIns="61739" tIns="30869" rIns="61739" bIns="30869" numCol="1" spcCol="0" rtlCol="0" fromWordArt="0" anchor="ctr" anchorCtr="0" forceAA="0" compatLnSpc="1">
+            <a:noAutofit/>
+          </a:bodyPr>
+          <a:lstStyle/>
+          <a:p>
+            <a:pPr algn="ctr"/>
+            <a:endParaRPr kumimoji="1" lang="zh-CN" altLang="en-US" sz="400">
+              <a:latin typeface="Times New Roman" panose="02020603050405020304" pitchFamily="18" charset="0"/>
+              <a:cs typeface="Times New Roman" panose="02020603050405020304" pitchFamily="18" charset="0"/>
+            </a:endParaRPr>
+          </a:p>
+        </p:txBody>
+      </p:sp>
+      <p:sp>
+        <p:nvSpPr>
+          <p:cNvPr id="176" name="椭圆 14"/>
+          <p:cNvSpPr/>
+          <p:nvPr/>
+        </p:nvSpPr>
+        <p:spPr>
+          <a:xfrm rot="5030305" flipH="1">
+            <a:off x="6854212" y="639956"/>
+            <a:ext cx="30868" cy="30868"/>
+          </a:xfrm>
+          <a:prstGeom prst="ellipse">
+            <a:avLst/>
+          </a:prstGeom>
+        </p:spPr>
+        <p:style>
+          <a:lnRef idx="2">
+            <a:schemeClr val="dk1">
+              <a:shade val="50000"/>
+            </a:schemeClr>
+          </a:lnRef>
+          <a:fillRef idx="1">
+            <a:schemeClr val="dk1"/>
+          </a:fillRef>
+          <a:effectRef idx="0">
+            <a:schemeClr val="dk1"/>
+          </a:effectRef>
+          <a:fontRef idx="minor">
+            <a:schemeClr val="lt1"/>
+          </a:fontRef>
+        </p:style>
+        <p:txBody>
+          <a:bodyPr rot="0" spcFirstLastPara="0" vertOverflow="overflow" horzOverflow="overflow" vert="horz" wrap="square" lIns="61739" tIns="30869" rIns="61739" bIns="30869" numCol="1" spcCol="0" rtlCol="0" fromWordArt="0" anchor="ctr" anchorCtr="0" forceAA="0" compatLnSpc="1">
+            <a:noAutofit/>
+          </a:bodyPr>
+          <a:lstStyle/>
+          <a:p>
+            <a:pPr algn="ctr"/>
+            <a:endParaRPr kumimoji="1" lang="zh-CN" altLang="en-US" sz="400">
+              <a:latin typeface="Times New Roman" panose="02020603050405020304" pitchFamily="18" charset="0"/>
+              <a:cs typeface="Times New Roman" panose="02020603050405020304" pitchFamily="18" charset="0"/>
+            </a:endParaRPr>
+          </a:p>
+        </p:txBody>
+      </p:sp>
+      <p:sp>
+        <p:nvSpPr>
+          <p:cNvPr id="177" name="椭圆 14"/>
+          <p:cNvSpPr/>
+          <p:nvPr/>
+        </p:nvSpPr>
+        <p:spPr>
+          <a:xfrm rot="5030305" flipH="1">
+            <a:off x="6726987" y="640833"/>
+            <a:ext cx="30868" cy="30868"/>
+          </a:xfrm>
+          <a:prstGeom prst="ellipse">
+            <a:avLst/>
+          </a:prstGeom>
+        </p:spPr>
+        <p:style>
+          <a:lnRef idx="2">
+            <a:schemeClr val="dk1">
+              <a:shade val="50000"/>
+            </a:schemeClr>
+          </a:lnRef>
+          <a:fillRef idx="1">
+            <a:schemeClr val="dk1"/>
+          </a:fillRef>
+          <a:effectRef idx="0">
+            <a:schemeClr val="dk1"/>
+          </a:effectRef>
+          <a:fontRef idx="minor">
+            <a:schemeClr val="lt1"/>
+          </a:fontRef>
+        </p:style>
+        <p:txBody>
+          <a:bodyPr rot="0" spcFirstLastPara="0" vertOverflow="overflow" horzOverflow="overflow" vert="horz" wrap="square" lIns="61739" tIns="30869" rIns="61739" bIns="30869" numCol="1" spcCol="0" rtlCol="0" fromWordArt="0" anchor="ctr" anchorCtr="0" forceAA="0" compatLnSpc="1">
+            <a:noAutofit/>
+          </a:bodyPr>
+          <a:lstStyle/>
+          <a:p>
+            <a:pPr algn="ctr"/>
+            <a:endParaRPr kumimoji="1" lang="zh-CN" altLang="en-US" sz="400">
+              <a:latin typeface="Times New Roman" panose="02020603050405020304" pitchFamily="18" charset="0"/>
+              <a:cs typeface="Times New Roman" panose="02020603050405020304" pitchFamily="18" charset="0"/>
+            </a:endParaRPr>
+          </a:p>
+        </p:txBody>
+      </p:sp>
+      <p:cxnSp>
+        <p:nvCxnSpPr>
+          <p:cNvPr id="180" name="直线箭头连接符 64"/>
+          <p:cNvCxnSpPr>
+            <a:cxnSpLocks/>
+            <a:stCxn id="146" idx="3"/>
+            <a:endCxn id="264" idx="1"/>
+          </p:cNvCxnSpPr>
+          <p:nvPr/>
+        </p:nvCxnSpPr>
+        <p:spPr>
+          <a:xfrm>
+            <a:off x="8462217" y="689300"/>
+            <a:ext cx="494298" cy="770362"/>
+          </a:xfrm>
+          <a:prstGeom prst="straightConnector1">
+            <a:avLst/>
+          </a:prstGeom>
+          <a:ln w="47625">
+            <a:solidFill>
+              <a:schemeClr val="accent1">
+                <a:lumMod val="50000"/>
+              </a:schemeClr>
+            </a:solidFill>
+            <a:tailEnd type="triangle"/>
+          </a:ln>
+        </p:spPr>
+        <p:style>
+          <a:lnRef idx="1">
+            <a:schemeClr val="dk1"/>
+          </a:lnRef>
+          <a:fillRef idx="0">
+            <a:schemeClr val="dk1"/>
+          </a:fillRef>
+          <a:effectRef idx="0">
+            <a:schemeClr val="dk1"/>
+          </a:effectRef>
+          <a:fontRef idx="minor">
+            <a:schemeClr val="tx1"/>
+          </a:fontRef>
+        </p:style>
+      </p:cxnSp>
+      <p:cxnSp>
+        <p:nvCxnSpPr>
+          <p:cNvPr id="183" name="Elbow Connector 182"/>
+          <p:cNvCxnSpPr>
+            <a:stCxn id="62" idx="0"/>
+            <a:endCxn id="153" idx="4"/>
+          </p:cNvCxnSpPr>
+          <p:nvPr/>
+        </p:nvCxnSpPr>
+        <p:spPr>
+          <a:xfrm rot="16200000" flipH="1">
+            <a:off x="5987139" y="133773"/>
+            <a:ext cx="754999" cy="1044371"/>
+          </a:xfrm>
+          <a:prstGeom prst="bentConnector5">
+            <a:avLst>
+              <a:gd name="adj1" fmla="val -9988"/>
+              <a:gd name="adj2" fmla="val 43724"/>
+              <a:gd name="adj3" fmla="val 121796"/>
+            </a:avLst>
+          </a:prstGeom>
+          <a:ln w="28575">
+            <a:solidFill>
+              <a:schemeClr val="accent2"/>
+            </a:solidFill>
+            <a:tailEnd type="arrow"/>
+          </a:ln>
+        </p:spPr>
+        <p:style>
+          <a:lnRef idx="1">
+            <a:schemeClr val="accent1"/>
+          </a:lnRef>
+          <a:fillRef idx="0">
+            <a:schemeClr val="accent1"/>
+          </a:fillRef>
+          <a:effectRef idx="0">
+            <a:schemeClr val="accent1"/>
+          </a:effectRef>
+          <a:fontRef idx="minor">
+            <a:schemeClr val="tx1"/>
+          </a:fontRef>
+        </p:style>
+      </p:cxnSp>
+      <p:cxnSp>
+        <p:nvCxnSpPr>
+          <p:cNvPr id="184" name="Elbow Connector 183"/>
+          <p:cNvCxnSpPr>
+            <a:stCxn id="153" idx="0"/>
+            <a:endCxn id="63" idx="4"/>
+          </p:cNvCxnSpPr>
+          <p:nvPr/>
+        </p:nvCxnSpPr>
+        <p:spPr>
+          <a:xfrm rot="16200000" flipH="1">
+            <a:off x="7031509" y="134209"/>
+            <a:ext cx="754560" cy="1043932"/>
+          </a:xfrm>
+          <a:prstGeom prst="bentConnector5">
+            <a:avLst>
+              <a:gd name="adj1" fmla="val -8599"/>
+              <a:gd name="adj2" fmla="val 42755"/>
+              <a:gd name="adj3" fmla="val 121807"/>
+            </a:avLst>
+          </a:prstGeom>
+          <a:ln w="28575">
+            <a:solidFill>
+              <a:schemeClr val="accent2"/>
+            </a:solidFill>
+            <a:tailEnd type="arrow"/>
+          </a:ln>
+        </p:spPr>
+        <p:style>
+          <a:lnRef idx="1">
+            <a:schemeClr val="accent1"/>
+          </a:lnRef>
+          <a:fillRef idx="0">
+            <a:schemeClr val="accent1"/>
+          </a:fillRef>
+          <a:effectRef idx="0">
+            <a:schemeClr val="accent1"/>
+          </a:effectRef>
+          <a:fontRef idx="minor">
+            <a:schemeClr val="tx1"/>
+          </a:fontRef>
+        </p:style>
+      </p:cxnSp>
+      <p:cxnSp>
+        <p:nvCxnSpPr>
+          <p:cNvPr id="185" name="Elbow Connector 184"/>
+          <p:cNvCxnSpPr/>
+          <p:nvPr/>
+        </p:nvCxnSpPr>
+        <p:spPr>
+          <a:xfrm rot="16200000" flipH="1">
+            <a:off x="3909138" y="140131"/>
+            <a:ext cx="754560" cy="1032095"/>
+          </a:xfrm>
+          <a:prstGeom prst="bentConnector5">
+            <a:avLst>
+              <a:gd name="adj1" fmla="val -10052"/>
+              <a:gd name="adj2" fmla="val 43585"/>
+              <a:gd name="adj3" fmla="val 122036"/>
+            </a:avLst>
+          </a:prstGeom>
+          <a:ln w="28575">
+            <a:solidFill>
+              <a:schemeClr val="accent2"/>
+            </a:solidFill>
+            <a:tailEnd type="arrow"/>
+          </a:ln>
+        </p:spPr>
+        <p:style>
+          <a:lnRef idx="1">
+            <a:schemeClr val="accent1"/>
+          </a:lnRef>
+          <a:fillRef idx="0">
+            <a:schemeClr val="accent1"/>
+          </a:fillRef>
+          <a:effectRef idx="0">
+            <a:schemeClr val="accent1"/>
+          </a:effectRef>
+          <a:fontRef idx="minor">
+            <a:schemeClr val="tx1"/>
+          </a:fontRef>
+        </p:style>
+      </p:cxnSp>
+      <p:cxnSp>
+        <p:nvCxnSpPr>
+          <p:cNvPr id="186" name="Elbow Connector 185"/>
+          <p:cNvCxnSpPr>
+            <a:stCxn id="115" idx="3"/>
+            <a:endCxn id="160" idx="1"/>
+          </p:cNvCxnSpPr>
+          <p:nvPr/>
+        </p:nvCxnSpPr>
+        <p:spPr>
+          <a:xfrm>
+            <a:off x="5227232" y="1863806"/>
+            <a:ext cx="475646" cy="1372335"/>
+          </a:xfrm>
+          <a:prstGeom prst="bentConnector3">
+            <a:avLst>
+              <a:gd name="adj1" fmla="val 9333"/>
+            </a:avLst>
+          </a:prstGeom>
+          <a:ln w="28575">
+            <a:solidFill>
+              <a:schemeClr val="accent2"/>
+            </a:solidFill>
+            <a:tailEnd type="arrow"/>
+          </a:ln>
+        </p:spPr>
+        <p:style>
+          <a:lnRef idx="1">
+            <a:schemeClr val="accent1"/>
+          </a:lnRef>
+          <a:fillRef idx="0">
+            <a:schemeClr val="accent1"/>
+          </a:fillRef>
+          <a:effectRef idx="0">
+            <a:schemeClr val="accent1"/>
+          </a:effectRef>
+          <a:fontRef idx="minor">
+            <a:schemeClr val="tx1"/>
+          </a:fontRef>
+        </p:style>
+      </p:cxnSp>
+      <p:cxnSp>
+        <p:nvCxnSpPr>
+          <p:cNvPr id="187" name="Elbow Connector 186"/>
+          <p:cNvCxnSpPr>
+            <a:stCxn id="203" idx="3"/>
+            <a:endCxn id="163" idx="1"/>
+          </p:cNvCxnSpPr>
+          <p:nvPr/>
+        </p:nvCxnSpPr>
+        <p:spPr>
+          <a:xfrm>
+            <a:off x="7294056" y="1863806"/>
+            <a:ext cx="484415" cy="1354797"/>
+          </a:xfrm>
+          <a:prstGeom prst="bentConnector3">
+            <a:avLst>
+              <a:gd name="adj1" fmla="val 14454"/>
+            </a:avLst>
+          </a:prstGeom>
+          <a:ln w="28575">
+            <a:solidFill>
+              <a:schemeClr val="accent2"/>
+            </a:solidFill>
+            <a:tailEnd type="arrow"/>
+          </a:ln>
+        </p:spPr>
+        <p:style>
+          <a:lnRef idx="1">
+            <a:schemeClr val="accent1"/>
+          </a:lnRef>
+          <a:fillRef idx="0">
+            <a:schemeClr val="accent1"/>
+          </a:fillRef>
+          <a:effectRef idx="0">
+            <a:schemeClr val="accent1"/>
+          </a:effectRef>
+          <a:fontRef idx="minor">
+            <a:schemeClr val="tx1"/>
+          </a:fontRef>
+        </p:style>
+      </p:cxnSp>
+      <p:sp>
+        <p:nvSpPr>
+          <p:cNvPr id="2" name="圆角矩形 1"/>
+          <p:cNvSpPr/>
+          <p:nvPr/>
+        </p:nvSpPr>
+        <p:spPr>
+          <a:xfrm>
+            <a:off x="374338" y="1052059"/>
+            <a:ext cx="1451076" cy="624343"/>
+          </a:xfrm>
+          <a:prstGeom prst="roundRect">
+            <a:avLst/>
+          </a:prstGeom>
+          <a:solidFill>
+            <a:schemeClr val="accent6">
+              <a:lumMod val="20000"/>
+              <a:lumOff val="80000"/>
+            </a:schemeClr>
+          </a:solidFill>
+          <a:ln>
+            <a:solidFill>
+              <a:schemeClr val="accent6">
+                <a:lumMod val="75000"/>
+              </a:schemeClr>
+            </a:solidFill>
+          </a:ln>
+        </p:spPr>
+        <p:style>
+          <a:lnRef idx="2">
+            <a:schemeClr val="accent1">
+              <a:shade val="50000"/>
+            </a:schemeClr>
+          </a:lnRef>
+          <a:fillRef idx="1">
+            <a:schemeClr val="accent1"/>
+          </a:fillRef>
+          <a:effectRef idx="0">
+            <a:schemeClr val="accent1"/>
+          </a:effectRef>
+          <a:fontRef idx="minor">
+            <a:schemeClr val="lt1"/>
+          </a:fontRef>
+        </p:style>
+        <p:txBody>
+          <a:bodyPr rtlCol="0" anchor="ctr"/>
+          <a:lstStyle/>
+          <a:p>
+            <a:pPr algn="ctr"/>
+            <a:r>
+              <a:rPr kumimoji="1" lang="en-US" altLang="zh-CN" sz="1400" dirty="0">
+                <a:solidFill>
+                  <a:schemeClr val="tx1"/>
+                </a:solidFill>
+                <a:latin typeface="Times New Roman" panose="02020603050405020304" pitchFamily="18" charset="0"/>
+                <a:cs typeface="Times New Roman" panose="02020603050405020304" pitchFamily="18" charset="0"/>
+              </a:rPr>
+              <a:t>Encoder Outputs</a:t>
+            </a:r>
+          </a:p>
+          <a:p>
+            <a:pPr algn="ctr"/>
+            <a:r>
+              <a:rPr kumimoji="1" lang="" altLang="en-US" sz="1400" dirty="0">
+                <a:solidFill>
+                  <a:schemeClr val="tx1"/>
+                </a:solidFill>
+                <a:latin typeface="Times New Roman" panose="02020603050405020304" pitchFamily="18" charset="0"/>
+                <a:cs typeface="Times New Roman" panose="02020603050405020304" pitchFamily="18" charset="0"/>
+              </a:rPr>
+              <a:t>(</a:t>
+            </a:r>
+            <a:r>
+              <a:rPr kumimoji="1" lang="" altLang="en-US" sz="1400" i="1" dirty="0">
+                <a:solidFill>
+                  <a:schemeClr val="tx1"/>
+                </a:solidFill>
+                <a:latin typeface="Times New Roman" panose="02020603050405020304" pitchFamily="18" charset="0"/>
+                <a:cs typeface="Times New Roman" panose="02020603050405020304" pitchFamily="18" charset="0"/>
+              </a:rPr>
+              <a:t>T</a:t>
+            </a:r>
+            <a:r>
+              <a:rPr kumimoji="1" lang="" altLang="en-US" sz="1400" baseline="-25000" dirty="0">
+                <a:solidFill>
+                  <a:schemeClr val="tx1"/>
+                </a:solidFill>
+                <a:latin typeface="Times New Roman" panose="02020603050405020304" pitchFamily="18" charset="0"/>
+                <a:cs typeface="Times New Roman" panose="02020603050405020304" pitchFamily="18" charset="0"/>
+              </a:rPr>
+              <a:t>frames</a:t>
+            </a:r>
+            <a:r>
+              <a:rPr kumimoji="1" lang="" altLang="en-US" sz="1400" dirty="0">
+                <a:solidFill>
+                  <a:schemeClr val="tx1"/>
+                </a:solidFill>
+                <a:latin typeface="Times New Roman" panose="02020603050405020304" pitchFamily="18" charset="0"/>
+                <a:cs typeface="Times New Roman" panose="02020603050405020304" pitchFamily="18" charset="0"/>
+              </a:rPr>
+              <a:t>×</a:t>
+            </a:r>
+            <a:r>
+              <a:rPr kumimoji="1" lang="" altLang="en-US" sz="1400" i="1" dirty="0">
+                <a:solidFill>
+                  <a:schemeClr val="tx1"/>
+                </a:solidFill>
+                <a:latin typeface="Times New Roman" panose="02020603050405020304" pitchFamily="18" charset="0"/>
+                <a:cs typeface="Times New Roman" panose="02020603050405020304" pitchFamily="18" charset="0"/>
+              </a:rPr>
+              <a:t>D</a:t>
+            </a:r>
+            <a:r>
+              <a:rPr kumimoji="1" lang="" altLang="en-US" sz="1400" dirty="0">
+                <a:solidFill>
+                  <a:schemeClr val="tx1"/>
+                </a:solidFill>
+                <a:latin typeface="Times New Roman" panose="02020603050405020304" pitchFamily="18" charset="0"/>
+                <a:cs typeface="Times New Roman" panose="02020603050405020304" pitchFamily="18" charset="0"/>
+              </a:rPr>
+              <a:t>)</a:t>
+            </a:r>
+          </a:p>
+        </p:txBody>
+      </p:sp>
+      <p:sp>
+        <p:nvSpPr>
+          <p:cNvPr id="181" name="圆角矩形 180"/>
+          <p:cNvSpPr/>
+          <p:nvPr/>
+        </p:nvSpPr>
+        <p:spPr>
+          <a:xfrm>
+            <a:off x="1026335" y="2170968"/>
+            <a:ext cx="1326531" cy="651965"/>
+          </a:xfrm>
+          <a:prstGeom prst="roundRect">
+            <a:avLst/>
+          </a:prstGeom>
+          <a:solidFill>
+            <a:schemeClr val="accent6">
+              <a:lumMod val="20000"/>
+              <a:lumOff val="80000"/>
+            </a:schemeClr>
+          </a:solidFill>
+          <a:ln>
+            <a:solidFill>
+              <a:schemeClr val="accent6">
+                <a:lumMod val="75000"/>
+              </a:schemeClr>
+            </a:solidFill>
+          </a:ln>
+        </p:spPr>
+        <p:style>
+          <a:lnRef idx="2">
+            <a:schemeClr val="accent1">
+              <a:shade val="50000"/>
+            </a:schemeClr>
+          </a:lnRef>
+          <a:fillRef idx="1">
+            <a:schemeClr val="accent1"/>
+          </a:fillRef>
+          <a:effectRef idx="0">
+            <a:schemeClr val="accent1"/>
+          </a:effectRef>
+          <a:fontRef idx="minor">
+            <a:schemeClr val="lt1"/>
+          </a:fontRef>
+        </p:style>
+        <p:txBody>
+          <a:bodyPr rtlCol="0" anchor="ctr"/>
+          <a:lstStyle/>
+          <a:p>
+            <a:pPr algn="ctr"/>
+            <a:r>
+              <a:rPr kumimoji="1" lang="en-US" altLang="zh-CN" sz="1400" dirty="0">
+                <a:solidFill>
+                  <a:schemeClr val="tx1"/>
+                </a:solidFill>
+                <a:latin typeface="Times New Roman" panose="02020603050405020304" pitchFamily="18" charset="0"/>
+                <a:cs typeface="Times New Roman" panose="02020603050405020304" pitchFamily="18" charset="0"/>
+              </a:rPr>
+              <a:t>Encoder Hidden State</a:t>
+            </a:r>
+          </a:p>
+          <a:p>
+            <a:pPr algn="ctr"/>
+            <a:r>
+              <a:rPr kumimoji="1" lang="" altLang="en-US" sz="1400" dirty="0">
+                <a:solidFill>
+                  <a:schemeClr val="tx1"/>
+                </a:solidFill>
+                <a:latin typeface="Times New Roman" panose="02020603050405020304" pitchFamily="18" charset="0"/>
+                <a:cs typeface="Times New Roman" panose="02020603050405020304" pitchFamily="18" charset="0"/>
+              </a:rPr>
+              <a:t>(</a:t>
+            </a:r>
+            <a:r>
+              <a:rPr kumimoji="1" lang="" altLang="en-US" sz="1400" i="1" dirty="0">
+                <a:solidFill>
+                  <a:schemeClr val="tx1"/>
+                </a:solidFill>
+                <a:latin typeface="Times New Roman" panose="02020603050405020304" pitchFamily="18" charset="0"/>
+                <a:cs typeface="Times New Roman" panose="02020603050405020304" pitchFamily="18" charset="0"/>
+              </a:rPr>
+              <a:t>N</a:t>
+            </a:r>
+            <a:r>
+              <a:rPr kumimoji="1" lang="" altLang="en-US" sz="1400" baseline="-25000" dirty="0">
+                <a:solidFill>
+                  <a:schemeClr val="tx1"/>
+                </a:solidFill>
+                <a:latin typeface="Times New Roman" panose="02020603050405020304" pitchFamily="18" charset="0"/>
+                <a:cs typeface="Times New Roman" panose="02020603050405020304" pitchFamily="18" charset="0"/>
+              </a:rPr>
+              <a:t>layers</a:t>
+            </a:r>
+            <a:r>
+              <a:rPr kumimoji="1" lang="" altLang="en-US" sz="1400" dirty="0">
+                <a:solidFill>
+                  <a:schemeClr val="tx1"/>
+                </a:solidFill>
+                <a:latin typeface="Times New Roman" panose="02020603050405020304" pitchFamily="18" charset="0"/>
+                <a:cs typeface="Times New Roman" panose="02020603050405020304" pitchFamily="18" charset="0"/>
+              </a:rPr>
+              <a:t>×</a:t>
+            </a:r>
+            <a:r>
+              <a:rPr kumimoji="1" lang="" altLang="en-US" sz="1400" i="1" dirty="0">
+                <a:solidFill>
+                  <a:schemeClr val="tx1"/>
+                </a:solidFill>
+                <a:latin typeface="Times New Roman" panose="02020603050405020304" pitchFamily="18" charset="0"/>
+                <a:cs typeface="Times New Roman" panose="02020603050405020304" pitchFamily="18" charset="0"/>
+              </a:rPr>
+              <a:t>D</a:t>
+            </a:r>
+            <a:r>
+              <a:rPr kumimoji="1" lang="" altLang="en-US" sz="1400" dirty="0">
+                <a:solidFill>
+                  <a:schemeClr val="tx1"/>
+                </a:solidFill>
+                <a:latin typeface="Times New Roman" panose="02020603050405020304" pitchFamily="18" charset="0"/>
+                <a:cs typeface="Times New Roman" panose="02020603050405020304" pitchFamily="18" charset="0"/>
+              </a:rPr>
+              <a:t>)</a:t>
+            </a:r>
+          </a:p>
+        </p:txBody>
+      </p:sp>
+      <p:cxnSp>
+        <p:nvCxnSpPr>
+          <p:cNvPr id="217" name="Elbow Connector 185"/>
+          <p:cNvCxnSpPr>
+            <a:stCxn id="112" idx="3"/>
+            <a:endCxn id="135" idx="1"/>
+          </p:cNvCxnSpPr>
+          <p:nvPr/>
+        </p:nvCxnSpPr>
+        <p:spPr>
+          <a:xfrm>
+            <a:off x="4191638" y="1863801"/>
+            <a:ext cx="463805" cy="1371896"/>
+          </a:xfrm>
+          <a:prstGeom prst="bentConnector3">
+            <a:avLst>
+              <a:gd name="adj1" fmla="val 8295"/>
+            </a:avLst>
+          </a:prstGeom>
+          <a:ln w="28575">
+            <a:solidFill>
+              <a:schemeClr val="accent2"/>
+            </a:solidFill>
+            <a:tailEnd type="arrow"/>
+          </a:ln>
+        </p:spPr>
+        <p:style>
+          <a:lnRef idx="1">
+            <a:schemeClr val="accent1"/>
+          </a:lnRef>
+          <a:fillRef idx="0">
+            <a:schemeClr val="accent1"/>
+          </a:fillRef>
+          <a:effectRef idx="0">
+            <a:schemeClr val="accent1"/>
+          </a:effectRef>
+          <a:fontRef idx="minor">
+            <a:schemeClr val="tx1"/>
+          </a:fontRef>
+        </p:style>
+      </p:cxnSp>
+      <p:cxnSp>
+        <p:nvCxnSpPr>
+          <p:cNvPr id="3" name="直线箭头连接符 64"/>
+          <p:cNvCxnSpPr>
+            <a:cxnSpLocks/>
+            <a:stCxn id="181" idx="3"/>
+            <a:endCxn id="147" idx="2"/>
+          </p:cNvCxnSpPr>
+          <p:nvPr/>
+        </p:nvCxnSpPr>
+        <p:spPr>
+          <a:xfrm flipV="1">
+            <a:off x="2352866" y="656397"/>
+            <a:ext cx="1037371" cy="1840554"/>
+          </a:xfrm>
+          <a:prstGeom prst="straightConnector1">
+            <a:avLst/>
+          </a:prstGeom>
+          <a:ln w="47625">
+            <a:solidFill>
+              <a:schemeClr val="accent5">
+                <a:lumMod val="50000"/>
+              </a:schemeClr>
+            </a:solidFill>
+            <a:tailEnd type="triangle"/>
+          </a:ln>
+        </p:spPr>
+        <p:style>
+          <a:lnRef idx="1">
+            <a:schemeClr val="dk1"/>
+          </a:lnRef>
+          <a:fillRef idx="0">
+            <a:schemeClr val="dk1"/>
+          </a:fillRef>
+          <a:effectRef idx="0">
+            <a:schemeClr val="dk1"/>
+          </a:effectRef>
+          <a:fontRef idx="minor">
+            <a:schemeClr val="tx1"/>
+          </a:fontRef>
+        </p:style>
+      </p:cxnSp>
+      <p:sp>
+        <p:nvSpPr>
+          <p:cNvPr id="61" name="Oval 60"/>
+          <p:cNvSpPr/>
+          <p:nvPr/>
+        </p:nvSpPr>
+        <p:spPr>
+          <a:xfrm>
+            <a:off x="4422332" y="278459"/>
+            <a:ext cx="760260" cy="754999"/>
+          </a:xfrm>
+          <a:prstGeom prst="ellipse">
+            <a:avLst/>
+          </a:prstGeom>
+          <a:solidFill>
+            <a:schemeClr val="accent2">
+              <a:lumMod val="40000"/>
+              <a:lumOff val="60000"/>
+            </a:schemeClr>
+          </a:solidFill>
+          <a:ln>
+            <a:solidFill>
+              <a:schemeClr val="accent2">
+                <a:lumMod val="60000"/>
+                <a:lumOff val="40000"/>
+              </a:schemeClr>
+            </a:solidFill>
+          </a:ln>
+        </p:spPr>
+        <p:style>
+          <a:lnRef idx="2">
+            <a:schemeClr val="accent1">
+              <a:shade val="50000"/>
+            </a:schemeClr>
+          </a:lnRef>
+          <a:fillRef idx="1">
+            <a:schemeClr val="accent1"/>
+          </a:fillRef>
+          <a:effectRef idx="0">
+            <a:schemeClr val="accent1"/>
+          </a:effectRef>
+          <a:fontRef idx="minor">
+            <a:schemeClr val="lt1"/>
+          </a:fontRef>
+        </p:style>
+        <p:txBody>
+          <a:bodyPr lIns="0" rIns="0" rtlCol="0" anchor="ctr"/>
+          <a:lstStyle/>
+          <a:p>
+            <a:pPr algn="ctr"/>
+            <a:r>
+              <a:rPr lang="" altLang="en-US" sz="1271" dirty="0">
+                <a:solidFill>
+                  <a:schemeClr val="tx1"/>
+                </a:solidFill>
+                <a:latin typeface="Times New Roman" panose="02020603050405020304" pitchFamily="18" charset="0"/>
+                <a:cs typeface="Times New Roman" panose="02020603050405020304" pitchFamily="18" charset="0"/>
+              </a:rPr>
+              <a:t>GRU</a:t>
+            </a:r>
+          </a:p>
+          <a:p>
+            <a:pPr algn="ctr"/>
+            <a:r>
+              <a:rPr lang="" altLang="en-US" sz="1271" dirty="0">
+                <a:solidFill>
+                  <a:schemeClr val="tx1"/>
+                </a:solidFill>
+                <a:latin typeface="Times New Roman" panose="02020603050405020304" pitchFamily="18" charset="0"/>
+                <a:cs typeface="Times New Roman" panose="02020603050405020304" pitchFamily="18" charset="0"/>
+              </a:rPr>
+              <a:t>(</a:t>
+            </a:r>
+            <a:r>
+              <a:rPr lang="" altLang="en-US" sz="1271" i="1" dirty="0">
+                <a:solidFill>
+                  <a:schemeClr val="tx1"/>
+                </a:solidFill>
+                <a:latin typeface="Times New Roman" panose="02020603050405020304" pitchFamily="18" charset="0"/>
+                <a:cs typeface="Times New Roman" panose="02020603050405020304" pitchFamily="18" charset="0"/>
+              </a:rPr>
+              <a:t>t</a:t>
+            </a:r>
+            <a:r>
+              <a:rPr lang="" altLang="en-US" sz="1271" i="1" baseline="-25000" dirty="0">
+                <a:solidFill>
+                  <a:schemeClr val="tx1"/>
+                </a:solidFill>
+                <a:latin typeface="Times New Roman" panose="02020603050405020304" pitchFamily="18" charset="0"/>
+                <a:cs typeface="Times New Roman" panose="02020603050405020304" pitchFamily="18" charset="0"/>
+              </a:rPr>
+              <a:t>12</a:t>
+            </a:r>
+            <a:r>
+              <a:rPr lang="en-US" altLang="en-US" sz="1271" dirty="0">
+                <a:solidFill>
+                  <a:schemeClr val="tx1"/>
+                </a:solidFill>
+                <a:latin typeface="Times New Roman" panose="02020603050405020304" pitchFamily="18" charset="0"/>
+                <a:cs typeface="Times New Roman" panose="02020603050405020304" pitchFamily="18" charset="0"/>
+              </a:rPr>
+              <a:t>=2)</a:t>
+            </a:r>
+          </a:p>
+        </p:txBody>
+      </p:sp>
+      <p:sp>
+        <p:nvSpPr>
+          <p:cNvPr id="62" name="Oval 61"/>
+          <p:cNvSpPr/>
+          <p:nvPr/>
+        </p:nvSpPr>
+        <p:spPr>
+          <a:xfrm>
+            <a:off x="5462318" y="278459"/>
+            <a:ext cx="760260" cy="754999"/>
+          </a:xfrm>
+          <a:prstGeom prst="ellipse">
+            <a:avLst/>
+          </a:prstGeom>
+          <a:solidFill>
+            <a:schemeClr val="accent2">
+              <a:lumMod val="40000"/>
+              <a:lumOff val="60000"/>
+            </a:schemeClr>
+          </a:solidFill>
+          <a:ln>
+            <a:solidFill>
+              <a:schemeClr val="accent2">
+                <a:lumMod val="60000"/>
+                <a:lumOff val="40000"/>
+              </a:schemeClr>
+            </a:solidFill>
+          </a:ln>
+        </p:spPr>
+        <p:style>
+          <a:lnRef idx="2">
+            <a:schemeClr val="accent1">
+              <a:shade val="50000"/>
+            </a:schemeClr>
+          </a:lnRef>
+          <a:fillRef idx="1">
+            <a:schemeClr val="accent1"/>
+          </a:fillRef>
+          <a:effectRef idx="0">
+            <a:schemeClr val="accent1"/>
+          </a:effectRef>
+          <a:fontRef idx="minor">
+            <a:schemeClr val="lt1"/>
+          </a:fontRef>
+        </p:style>
+        <p:txBody>
+          <a:bodyPr lIns="0" rIns="0" rtlCol="0" anchor="ctr"/>
+          <a:lstStyle/>
+          <a:p>
+            <a:pPr algn="ctr"/>
+            <a:r>
+              <a:rPr lang="" altLang="en-US" sz="1271" dirty="0">
+                <a:solidFill>
+                  <a:schemeClr val="tx1"/>
+                </a:solidFill>
+                <a:latin typeface="Times New Roman" panose="02020603050405020304" pitchFamily="18" charset="0"/>
+                <a:cs typeface="Times New Roman" panose="02020603050405020304" pitchFamily="18" charset="0"/>
+              </a:rPr>
+              <a:t>GRU</a:t>
+            </a:r>
+          </a:p>
+          <a:p>
+            <a:pPr algn="ctr"/>
+            <a:r>
+              <a:rPr lang="" altLang="en-US" sz="1271" dirty="0">
+                <a:solidFill>
+                  <a:schemeClr val="tx1"/>
+                </a:solidFill>
+                <a:latin typeface="Times New Roman" panose="02020603050405020304" pitchFamily="18" charset="0"/>
+                <a:cs typeface="Times New Roman" panose="02020603050405020304" pitchFamily="18" charset="0"/>
+              </a:rPr>
+              <a:t>(</a:t>
+            </a:r>
+            <a:r>
+              <a:rPr lang="" altLang="en-US" sz="1271" i="1" dirty="0">
+                <a:solidFill>
+                  <a:schemeClr val="tx1"/>
+                </a:solidFill>
+                <a:latin typeface="Times New Roman" panose="02020603050405020304" pitchFamily="18" charset="0"/>
+                <a:cs typeface="Times New Roman" panose="02020603050405020304" pitchFamily="18" charset="0"/>
+              </a:rPr>
+              <a:t>t</a:t>
+            </a:r>
+            <a:r>
+              <a:rPr lang="" altLang="en-US" sz="1271" i="1" baseline="-25000" dirty="0">
+                <a:solidFill>
+                  <a:schemeClr val="tx1"/>
+                </a:solidFill>
+                <a:latin typeface="Times New Roman" panose="02020603050405020304" pitchFamily="18" charset="0"/>
+                <a:cs typeface="Times New Roman" panose="02020603050405020304" pitchFamily="18" charset="0"/>
+              </a:rPr>
+              <a:t>13</a:t>
+            </a:r>
+            <a:r>
+              <a:rPr lang="en-US" altLang="en-US" sz="1271" dirty="0">
+                <a:solidFill>
+                  <a:schemeClr val="tx1"/>
+                </a:solidFill>
+                <a:latin typeface="Times New Roman" panose="02020603050405020304" pitchFamily="18" charset="0"/>
+                <a:cs typeface="Times New Roman" panose="02020603050405020304" pitchFamily="18" charset="0"/>
+              </a:rPr>
+              <a:t>=3)</a:t>
+            </a:r>
+          </a:p>
+        </p:txBody>
+      </p:sp>
+      <p:sp>
+        <p:nvSpPr>
+          <p:cNvPr id="63" name="Oval 62"/>
+          <p:cNvSpPr/>
+          <p:nvPr/>
+        </p:nvSpPr>
+        <p:spPr>
+          <a:xfrm>
+            <a:off x="7550622" y="278459"/>
+            <a:ext cx="760260" cy="754999"/>
+          </a:xfrm>
+          <a:prstGeom prst="ellipse">
+            <a:avLst/>
+          </a:prstGeom>
+          <a:solidFill>
+            <a:schemeClr val="accent2">
+              <a:lumMod val="40000"/>
+              <a:lumOff val="60000"/>
+            </a:schemeClr>
+          </a:solidFill>
+          <a:ln>
+            <a:solidFill>
+              <a:schemeClr val="accent2">
+                <a:lumMod val="60000"/>
+                <a:lumOff val="40000"/>
+              </a:schemeClr>
+            </a:solidFill>
+          </a:ln>
+        </p:spPr>
+        <p:style>
+          <a:lnRef idx="2">
+            <a:schemeClr val="accent1">
+              <a:shade val="50000"/>
+            </a:schemeClr>
+          </a:lnRef>
+          <a:fillRef idx="1">
+            <a:schemeClr val="accent1"/>
+          </a:fillRef>
+          <a:effectRef idx="0">
+            <a:schemeClr val="accent1"/>
+          </a:effectRef>
+          <a:fontRef idx="minor">
+            <a:schemeClr val="lt1"/>
+          </a:fontRef>
+        </p:style>
+        <p:txBody>
+          <a:bodyPr lIns="0" rIns="0" rtlCol="0" anchor="ctr"/>
+          <a:lstStyle/>
+          <a:p>
+            <a:pPr algn="ctr"/>
+            <a:r>
+              <a:rPr lang="" altLang="en-US" sz="1271" dirty="0">
+                <a:solidFill>
+                  <a:schemeClr val="tx1"/>
+                </a:solidFill>
+                <a:latin typeface="Times New Roman" panose="02020603050405020304" pitchFamily="18" charset="0"/>
+                <a:cs typeface="Times New Roman" panose="02020603050405020304" pitchFamily="18" charset="0"/>
+              </a:rPr>
+              <a:t>GRU</a:t>
+            </a:r>
+          </a:p>
+          <a:p>
+            <a:pPr algn="ctr"/>
+            <a:r>
+              <a:rPr lang="" altLang="en-US" sz="1271" dirty="0">
+                <a:solidFill>
+                  <a:schemeClr val="tx1"/>
+                </a:solidFill>
+                <a:latin typeface="Times New Roman" panose="02020603050405020304" pitchFamily="18" charset="0"/>
+                <a:cs typeface="Times New Roman" panose="02020603050405020304" pitchFamily="18" charset="0"/>
+              </a:rPr>
+              <a:t>(</a:t>
+            </a:r>
+            <a:r>
+              <a:rPr lang="" altLang="en-US" sz="1271" i="1" dirty="0">
+                <a:solidFill>
+                  <a:schemeClr val="tx1"/>
+                </a:solidFill>
+                <a:latin typeface="Times New Roman" panose="02020603050405020304" pitchFamily="18" charset="0"/>
+                <a:cs typeface="Times New Roman" panose="02020603050405020304" pitchFamily="18" charset="0"/>
+              </a:rPr>
+              <a:t>t</a:t>
+            </a:r>
+            <a:r>
+              <a:rPr lang="" altLang="en-US" sz="1271" i="1" baseline="-25000" dirty="0">
+                <a:solidFill>
+                  <a:schemeClr val="tx1"/>
+                </a:solidFill>
+                <a:latin typeface="Times New Roman" panose="02020603050405020304" pitchFamily="18" charset="0"/>
+                <a:cs typeface="Times New Roman" panose="02020603050405020304" pitchFamily="18" charset="0"/>
+              </a:rPr>
+              <a:t>1U</a:t>
+            </a:r>
+            <a:r>
+              <a:rPr lang="en-US" altLang="en-US" sz="1271" dirty="0">
+                <a:solidFill>
+                  <a:schemeClr val="tx1"/>
+                </a:solidFill>
+                <a:latin typeface="Times New Roman" panose="02020603050405020304" pitchFamily="18" charset="0"/>
+                <a:cs typeface="Times New Roman" panose="02020603050405020304" pitchFamily="18" charset="0"/>
+              </a:rPr>
+              <a:t>=</a:t>
+            </a:r>
+            <a:r>
+              <a:rPr lang="en-US" altLang="en-US" sz="1271" i="1" dirty="0">
+                <a:solidFill>
+                  <a:schemeClr val="tx1"/>
+                </a:solidFill>
+                <a:latin typeface="Times New Roman" panose="02020603050405020304" pitchFamily="18" charset="0"/>
+                <a:cs typeface="Times New Roman" panose="02020603050405020304" pitchFamily="18" charset="0"/>
+              </a:rPr>
+              <a:t>U</a:t>
+            </a:r>
+            <a:r>
+              <a:rPr lang="en-US" altLang="en-US" sz="1271" dirty="0">
+                <a:solidFill>
+                  <a:schemeClr val="tx1"/>
+                </a:solidFill>
+                <a:latin typeface="Times New Roman" panose="02020603050405020304" pitchFamily="18" charset="0"/>
+                <a:cs typeface="Times New Roman" panose="02020603050405020304" pitchFamily="18" charset="0"/>
+              </a:rPr>
+              <a:t>)</a:t>
+            </a:r>
+          </a:p>
+        </p:txBody>
+      </p:sp>
+      <p:cxnSp>
+        <p:nvCxnSpPr>
+          <p:cNvPr id="64" name="Elbow Connector 63"/>
+          <p:cNvCxnSpPr>
+            <a:stCxn id="61" idx="0"/>
+            <a:endCxn id="62" idx="4"/>
+          </p:cNvCxnSpPr>
+          <p:nvPr/>
+        </p:nvCxnSpPr>
+        <p:spPr>
+          <a:xfrm rot="16200000" flipH="1">
+            <a:off x="4944961" y="135960"/>
+            <a:ext cx="754999" cy="1039986"/>
+          </a:xfrm>
+          <a:prstGeom prst="bentConnector5">
+            <a:avLst>
+              <a:gd name="adj1" fmla="val -9291"/>
+              <a:gd name="adj2" fmla="val 43655"/>
+              <a:gd name="adj3" fmla="val 121795"/>
+            </a:avLst>
+          </a:prstGeom>
+          <a:ln w="28575">
+            <a:solidFill>
+              <a:schemeClr val="accent2"/>
+            </a:solidFill>
+            <a:tailEnd type="arrow"/>
+          </a:ln>
+        </p:spPr>
+        <p:style>
+          <a:lnRef idx="1">
+            <a:schemeClr val="accent1"/>
+          </a:lnRef>
+          <a:fillRef idx="0">
+            <a:schemeClr val="accent1"/>
+          </a:fillRef>
+          <a:effectRef idx="0">
+            <a:schemeClr val="accent1"/>
+          </a:effectRef>
+          <a:fontRef idx="minor">
+            <a:schemeClr val="tx1"/>
+          </a:fontRef>
+        </p:style>
+      </p:cxnSp>
+      <p:cxnSp>
+        <p:nvCxnSpPr>
+          <p:cNvPr id="68" name="直线箭头连接符 64"/>
+          <p:cNvCxnSpPr/>
+          <p:nvPr/>
+        </p:nvCxnSpPr>
+        <p:spPr>
+          <a:xfrm>
+            <a:off x="7270900" y="655953"/>
+            <a:ext cx="279727" cy="0"/>
+          </a:xfrm>
+          <a:prstGeom prst="straightConnector1">
+            <a:avLst/>
+          </a:prstGeom>
+          <a:ln w="47625">
+            <a:solidFill>
+              <a:schemeClr val="accent1">
+                <a:lumMod val="50000"/>
+              </a:schemeClr>
+            </a:solidFill>
+            <a:tailEnd type="triangle"/>
+          </a:ln>
+        </p:spPr>
+        <p:style>
+          <a:lnRef idx="1">
+            <a:schemeClr val="dk1"/>
+          </a:lnRef>
+          <a:fillRef idx="0">
+            <a:schemeClr val="dk1"/>
+          </a:fillRef>
+          <a:effectRef idx="0">
+            <a:schemeClr val="dk1"/>
+          </a:effectRef>
+          <a:fontRef idx="minor">
+            <a:schemeClr val="tx1"/>
+          </a:fontRef>
+        </p:style>
+      </p:cxnSp>
+      <p:cxnSp>
+        <p:nvCxnSpPr>
+          <p:cNvPr id="69" name="直线箭头连接符 64"/>
+          <p:cNvCxnSpPr/>
+          <p:nvPr/>
+        </p:nvCxnSpPr>
+        <p:spPr>
+          <a:xfrm>
+            <a:off x="4150502" y="655515"/>
+            <a:ext cx="279727" cy="0"/>
+          </a:xfrm>
+          <a:prstGeom prst="straightConnector1">
+            <a:avLst/>
+          </a:prstGeom>
+          <a:ln w="47625">
+            <a:solidFill>
+              <a:schemeClr val="accent1">
+                <a:lumMod val="50000"/>
+              </a:schemeClr>
+            </a:solidFill>
+            <a:tailEnd type="triangle"/>
+          </a:ln>
+        </p:spPr>
+        <p:style>
+          <a:lnRef idx="1">
+            <a:schemeClr val="dk1"/>
+          </a:lnRef>
+          <a:fillRef idx="0">
+            <a:schemeClr val="dk1"/>
+          </a:fillRef>
+          <a:effectRef idx="0">
+            <a:schemeClr val="dk1"/>
+          </a:effectRef>
+          <a:fontRef idx="minor">
+            <a:schemeClr val="tx1"/>
+          </a:fontRef>
+        </p:style>
+      </p:cxnSp>
+      <p:sp>
+        <p:nvSpPr>
+          <p:cNvPr id="70" name="Oval 69"/>
+          <p:cNvSpPr/>
+          <p:nvPr/>
+        </p:nvSpPr>
+        <p:spPr>
+          <a:xfrm>
+            <a:off x="3396733" y="2106514"/>
+            <a:ext cx="760260" cy="754999"/>
+          </a:xfrm>
+          <a:prstGeom prst="ellipse">
+            <a:avLst/>
+          </a:prstGeom>
+          <a:solidFill>
+            <a:schemeClr val="accent2">
+              <a:lumMod val="40000"/>
+              <a:lumOff val="60000"/>
+            </a:schemeClr>
+          </a:solidFill>
+          <a:ln>
+            <a:solidFill>
+              <a:schemeClr val="accent2">
+                <a:lumMod val="60000"/>
+                <a:lumOff val="40000"/>
+              </a:schemeClr>
+            </a:solidFill>
+          </a:ln>
+        </p:spPr>
+        <p:style>
+          <a:lnRef idx="2">
+            <a:schemeClr val="accent1">
+              <a:shade val="50000"/>
+            </a:schemeClr>
+          </a:lnRef>
+          <a:fillRef idx="1">
+            <a:schemeClr val="accent1"/>
+          </a:fillRef>
+          <a:effectRef idx="0">
+            <a:schemeClr val="accent1"/>
+          </a:effectRef>
+          <a:fontRef idx="minor">
+            <a:schemeClr val="lt1"/>
+          </a:fontRef>
+        </p:style>
+        <p:txBody>
+          <a:bodyPr lIns="0" rIns="0" rtlCol="0" anchor="ctr"/>
+          <a:lstStyle/>
+          <a:p>
+            <a:pPr algn="ctr"/>
+            <a:r>
+              <a:rPr lang="en-US" altLang="en-US" sz="1271" dirty="0">
+                <a:solidFill>
+                  <a:schemeClr val="tx1"/>
+                </a:solidFill>
+                <a:latin typeface="Times New Roman" panose="02020603050405020304" pitchFamily="18" charset="0"/>
+                <a:cs typeface="Times New Roman" panose="02020603050405020304" pitchFamily="18" charset="0"/>
+              </a:rPr>
+              <a:t>GRU</a:t>
+            </a:r>
+          </a:p>
+          <a:p>
+            <a:pPr algn="ctr"/>
+            <a:r>
+              <a:rPr lang="en-US" altLang="en-US" sz="1271" dirty="0">
+                <a:solidFill>
+                  <a:schemeClr val="tx1"/>
+                </a:solidFill>
+                <a:latin typeface="Times New Roman" panose="02020603050405020304" pitchFamily="18" charset="0"/>
+                <a:cs typeface="Times New Roman" panose="02020603050405020304" pitchFamily="18" charset="0"/>
+              </a:rPr>
+              <a:t>(</a:t>
+            </a:r>
+            <a:r>
+              <a:rPr lang="en-US" altLang="en-US" sz="1271" i="1" dirty="0">
+                <a:solidFill>
+                  <a:schemeClr val="tx1"/>
+                </a:solidFill>
+                <a:latin typeface="Times New Roman" panose="02020603050405020304" pitchFamily="18" charset="0"/>
+                <a:cs typeface="Times New Roman" panose="02020603050405020304" pitchFamily="18" charset="0"/>
+              </a:rPr>
+              <a:t>t</a:t>
+            </a:r>
+            <a:r>
+              <a:rPr lang="" altLang="en-US" sz="1271" i="1" baseline="-25000" dirty="0">
+                <a:solidFill>
+                  <a:schemeClr val="tx1"/>
+                </a:solidFill>
+                <a:latin typeface="Times New Roman" panose="02020603050405020304" pitchFamily="18" charset="0"/>
+                <a:cs typeface="Times New Roman" panose="02020603050405020304" pitchFamily="18" charset="0"/>
+              </a:rPr>
+              <a:t>i1</a:t>
+            </a:r>
+            <a:r>
+              <a:rPr lang="en-US" altLang="en-US" sz="1271" dirty="0">
+                <a:solidFill>
+                  <a:schemeClr val="tx1"/>
+                </a:solidFill>
+                <a:latin typeface="Times New Roman" panose="02020603050405020304" pitchFamily="18" charset="0"/>
+                <a:cs typeface="Times New Roman" panose="02020603050405020304" pitchFamily="18" charset="0"/>
+              </a:rPr>
+              <a:t>=1)</a:t>
+            </a:r>
+          </a:p>
+        </p:txBody>
+      </p:sp>
+      <p:sp>
+        <p:nvSpPr>
+          <p:cNvPr id="71" name="Oval 70"/>
+          <p:cNvSpPr/>
+          <p:nvPr/>
+        </p:nvSpPr>
+        <p:spPr>
+          <a:xfrm>
+            <a:off x="6512313" y="2111332"/>
+            <a:ext cx="759383" cy="746230"/>
+          </a:xfrm>
+          <a:prstGeom prst="ellipse">
+            <a:avLst/>
+          </a:prstGeom>
+          <a:solidFill>
+            <a:schemeClr val="accent2">
+              <a:lumMod val="40000"/>
+              <a:lumOff val="60000"/>
+            </a:schemeClr>
+          </a:solidFill>
+          <a:ln>
+            <a:solidFill>
+              <a:schemeClr val="accent2">
+                <a:lumMod val="60000"/>
+                <a:lumOff val="40000"/>
+              </a:schemeClr>
+            </a:solidFill>
+          </a:ln>
+        </p:spPr>
+        <p:style>
+          <a:lnRef idx="2">
+            <a:schemeClr val="accent1">
+              <a:shade val="50000"/>
+            </a:schemeClr>
+          </a:lnRef>
+          <a:fillRef idx="1">
+            <a:schemeClr val="accent1"/>
+          </a:fillRef>
+          <a:effectRef idx="0">
+            <a:schemeClr val="accent1"/>
+          </a:effectRef>
+          <a:fontRef idx="minor">
+            <a:schemeClr val="lt1"/>
+          </a:fontRef>
+        </p:style>
+        <p:txBody>
+          <a:bodyPr lIns="0" rIns="0" rtlCol="0" anchor="ctr"/>
+          <a:lstStyle/>
+          <a:p>
+            <a:pPr algn="ctr"/>
+            <a:endParaRPr lang="en-US" sz="1526">
+              <a:latin typeface="Times New Roman" panose="02020603050405020304" pitchFamily="18" charset="0"/>
+              <a:cs typeface="Times New Roman" panose="02020603050405020304" pitchFamily="18" charset="0"/>
+            </a:endParaRPr>
+          </a:p>
+        </p:txBody>
+      </p:sp>
+      <p:sp>
+        <p:nvSpPr>
+          <p:cNvPr id="72" name="椭圆 14"/>
+          <p:cNvSpPr/>
+          <p:nvPr/>
+        </p:nvSpPr>
+        <p:spPr>
+          <a:xfrm rot="5030305" flipH="1">
+            <a:off x="7008593" y="2454893"/>
+            <a:ext cx="30868" cy="30868"/>
+          </a:xfrm>
+          <a:prstGeom prst="ellipse">
+            <a:avLst/>
+          </a:prstGeom>
+        </p:spPr>
+        <p:style>
+          <a:lnRef idx="2">
+            <a:schemeClr val="dk1">
+              <a:shade val="50000"/>
+            </a:schemeClr>
+          </a:lnRef>
+          <a:fillRef idx="1">
+            <a:schemeClr val="dk1"/>
+          </a:fillRef>
+          <a:effectRef idx="0">
+            <a:schemeClr val="dk1"/>
+          </a:effectRef>
+          <a:fontRef idx="minor">
+            <a:schemeClr val="lt1"/>
+          </a:fontRef>
+        </p:style>
+        <p:txBody>
+          <a:bodyPr rot="0" spcFirstLastPara="0" vertOverflow="overflow" horzOverflow="overflow" vert="horz" wrap="square" lIns="61739" tIns="30869" rIns="61739" bIns="30869" numCol="1" spcCol="0" rtlCol="0" fromWordArt="0" anchor="ctr" anchorCtr="0" forceAA="0" compatLnSpc="1">
+            <a:noAutofit/>
+          </a:bodyPr>
+          <a:lstStyle/>
+          <a:p>
+            <a:pPr algn="ctr"/>
+            <a:endParaRPr kumimoji="1" lang="zh-CN" altLang="en-US" sz="400">
+              <a:latin typeface="Times New Roman" panose="02020603050405020304" pitchFamily="18" charset="0"/>
+              <a:cs typeface="Times New Roman" panose="02020603050405020304" pitchFamily="18" charset="0"/>
+            </a:endParaRPr>
+          </a:p>
+        </p:txBody>
+      </p:sp>
+      <p:sp>
+        <p:nvSpPr>
+          <p:cNvPr id="82" name="椭圆 14"/>
+          <p:cNvSpPr/>
+          <p:nvPr/>
+        </p:nvSpPr>
+        <p:spPr>
+          <a:xfrm rot="5030305" flipH="1">
+            <a:off x="6886137" y="2454858"/>
+            <a:ext cx="30868" cy="30868"/>
+          </a:xfrm>
+          <a:prstGeom prst="ellipse">
+            <a:avLst/>
+          </a:prstGeom>
+        </p:spPr>
+        <p:style>
+          <a:lnRef idx="2">
+            <a:schemeClr val="dk1">
+              <a:shade val="50000"/>
+            </a:schemeClr>
+          </a:lnRef>
+          <a:fillRef idx="1">
+            <a:schemeClr val="dk1"/>
+          </a:fillRef>
+          <a:effectRef idx="0">
+            <a:schemeClr val="dk1"/>
+          </a:effectRef>
+          <a:fontRef idx="minor">
+            <a:schemeClr val="lt1"/>
+          </a:fontRef>
+        </p:style>
+        <p:txBody>
+          <a:bodyPr rot="0" spcFirstLastPara="0" vertOverflow="overflow" horzOverflow="overflow" vert="horz" wrap="square" lIns="61739" tIns="30869" rIns="61739" bIns="30869" numCol="1" spcCol="0" rtlCol="0" fromWordArt="0" anchor="ctr" anchorCtr="0" forceAA="0" compatLnSpc="1">
+            <a:noAutofit/>
+          </a:bodyPr>
+          <a:lstStyle/>
+          <a:p>
+            <a:pPr algn="ctr"/>
+            <a:endParaRPr kumimoji="1" lang="zh-CN" altLang="en-US" sz="400">
+              <a:latin typeface="Times New Roman" panose="02020603050405020304" pitchFamily="18" charset="0"/>
+              <a:cs typeface="Times New Roman" panose="02020603050405020304" pitchFamily="18" charset="0"/>
+            </a:endParaRPr>
+          </a:p>
+        </p:txBody>
+      </p:sp>
+      <p:sp>
+        <p:nvSpPr>
+          <p:cNvPr id="83" name="椭圆 14"/>
+          <p:cNvSpPr/>
+          <p:nvPr/>
+        </p:nvSpPr>
+        <p:spPr>
+          <a:xfrm rot="5030305" flipH="1">
+            <a:off x="6758912" y="2455735"/>
+            <a:ext cx="30868" cy="30868"/>
+          </a:xfrm>
+          <a:prstGeom prst="ellipse">
+            <a:avLst/>
+          </a:prstGeom>
+        </p:spPr>
+        <p:style>
+          <a:lnRef idx="2">
+            <a:schemeClr val="dk1">
+              <a:shade val="50000"/>
+            </a:schemeClr>
+          </a:lnRef>
+          <a:fillRef idx="1">
+            <a:schemeClr val="dk1"/>
+          </a:fillRef>
+          <a:effectRef idx="0">
+            <a:schemeClr val="dk1"/>
+          </a:effectRef>
+          <a:fontRef idx="minor">
+            <a:schemeClr val="lt1"/>
+          </a:fontRef>
+        </p:style>
+        <p:txBody>
+          <a:bodyPr rot="0" spcFirstLastPara="0" vertOverflow="overflow" horzOverflow="overflow" vert="horz" wrap="square" lIns="61739" tIns="30869" rIns="61739" bIns="30869" numCol="1" spcCol="0" rtlCol="0" fromWordArt="0" anchor="ctr" anchorCtr="0" forceAA="0" compatLnSpc="1">
+            <a:noAutofit/>
+          </a:bodyPr>
+          <a:lstStyle/>
+          <a:p>
+            <a:pPr algn="ctr"/>
+            <a:endParaRPr kumimoji="1" lang="zh-CN" altLang="en-US" sz="400">
+              <a:latin typeface="Times New Roman" panose="02020603050405020304" pitchFamily="18" charset="0"/>
+              <a:cs typeface="Times New Roman" panose="02020603050405020304" pitchFamily="18" charset="0"/>
+            </a:endParaRPr>
+          </a:p>
+        </p:txBody>
+      </p:sp>
+      <p:sp>
+        <p:nvSpPr>
+          <p:cNvPr id="109" name="Oval 108"/>
+          <p:cNvSpPr/>
+          <p:nvPr/>
+        </p:nvSpPr>
+        <p:spPr>
+          <a:xfrm>
+            <a:off x="5466622" y="2102568"/>
+            <a:ext cx="760260" cy="754999"/>
+          </a:xfrm>
+          <a:prstGeom prst="ellipse">
+            <a:avLst/>
+          </a:prstGeom>
+          <a:solidFill>
+            <a:schemeClr val="accent2">
+              <a:lumMod val="40000"/>
+              <a:lumOff val="60000"/>
+            </a:schemeClr>
+          </a:solidFill>
+          <a:ln>
+            <a:solidFill>
+              <a:schemeClr val="accent2">
+                <a:lumMod val="60000"/>
+                <a:lumOff val="40000"/>
+              </a:schemeClr>
+            </a:solidFill>
+          </a:ln>
+        </p:spPr>
+        <p:style>
+          <a:lnRef idx="2">
+            <a:schemeClr val="accent1">
+              <a:shade val="50000"/>
+            </a:schemeClr>
+          </a:lnRef>
+          <a:fillRef idx="1">
+            <a:schemeClr val="accent1"/>
+          </a:fillRef>
+          <a:effectRef idx="0">
+            <a:schemeClr val="accent1"/>
+          </a:effectRef>
+          <a:fontRef idx="minor">
+            <a:schemeClr val="lt1"/>
+          </a:fontRef>
+        </p:style>
+        <p:txBody>
+          <a:bodyPr lIns="0" rIns="0" rtlCol="0" anchor="ctr"/>
+          <a:lstStyle/>
+          <a:p>
+            <a:pPr algn="ctr"/>
+            <a:r>
+              <a:rPr lang="en-US" altLang="en-US" sz="1271" dirty="0">
+                <a:solidFill>
+                  <a:schemeClr val="tx1"/>
+                </a:solidFill>
+                <a:latin typeface="Times New Roman" panose="02020603050405020304" pitchFamily="18" charset="0"/>
+                <a:cs typeface="Times New Roman" panose="02020603050405020304" pitchFamily="18" charset="0"/>
+              </a:rPr>
+              <a:t>GRU</a:t>
+            </a:r>
+          </a:p>
+          <a:p>
+            <a:pPr algn="ctr"/>
+            <a:r>
+              <a:rPr lang="en-US" altLang="en-US" sz="1271" dirty="0">
+                <a:solidFill>
+                  <a:schemeClr val="tx1"/>
+                </a:solidFill>
+                <a:latin typeface="Times New Roman" panose="02020603050405020304" pitchFamily="18" charset="0"/>
+                <a:cs typeface="Times New Roman" panose="02020603050405020304" pitchFamily="18" charset="0"/>
+              </a:rPr>
+              <a:t>(</a:t>
+            </a:r>
+            <a:r>
+              <a:rPr lang="en-US" altLang="en-US" sz="1271" i="1" dirty="0">
+                <a:solidFill>
+                  <a:schemeClr val="tx1"/>
+                </a:solidFill>
+                <a:latin typeface="Times New Roman" panose="02020603050405020304" pitchFamily="18" charset="0"/>
+                <a:cs typeface="Times New Roman" panose="02020603050405020304" pitchFamily="18" charset="0"/>
+              </a:rPr>
+              <a:t>t</a:t>
+            </a:r>
+            <a:r>
+              <a:rPr lang="en-US" altLang="en-US" sz="1271" i="1" baseline="-25000" dirty="0">
+                <a:solidFill>
+                  <a:schemeClr val="tx1"/>
+                </a:solidFill>
+                <a:latin typeface="Times New Roman" panose="02020603050405020304" pitchFamily="18" charset="0"/>
+                <a:cs typeface="Times New Roman" panose="02020603050405020304" pitchFamily="18" charset="0"/>
+              </a:rPr>
+              <a:t>i3</a:t>
+            </a:r>
+            <a:r>
+              <a:rPr lang="en-US" altLang="en-US" sz="1271" dirty="0">
+                <a:solidFill>
+                  <a:schemeClr val="tx1"/>
+                </a:solidFill>
+                <a:latin typeface="Times New Roman" panose="02020603050405020304" pitchFamily="18" charset="0"/>
+                <a:cs typeface="Times New Roman" panose="02020603050405020304" pitchFamily="18" charset="0"/>
+              </a:rPr>
+              <a:t>=3)</a:t>
+            </a:r>
+          </a:p>
+        </p:txBody>
+      </p:sp>
+      <p:sp>
+        <p:nvSpPr>
+          <p:cNvPr id="110" name="Oval 109"/>
+          <p:cNvSpPr/>
+          <p:nvPr/>
+        </p:nvSpPr>
+        <p:spPr>
+          <a:xfrm>
+            <a:off x="7555802" y="2106953"/>
+            <a:ext cx="760260" cy="754999"/>
+          </a:xfrm>
+          <a:prstGeom prst="ellipse">
+            <a:avLst/>
+          </a:prstGeom>
+          <a:solidFill>
+            <a:schemeClr val="accent2">
+              <a:lumMod val="40000"/>
+              <a:lumOff val="60000"/>
+            </a:schemeClr>
+          </a:solidFill>
+          <a:ln>
+            <a:solidFill>
+              <a:schemeClr val="accent2">
+                <a:lumMod val="60000"/>
+                <a:lumOff val="40000"/>
+              </a:schemeClr>
+            </a:solidFill>
+          </a:ln>
+        </p:spPr>
+        <p:style>
+          <a:lnRef idx="2">
+            <a:schemeClr val="accent1">
+              <a:shade val="50000"/>
+            </a:schemeClr>
+          </a:lnRef>
+          <a:fillRef idx="1">
+            <a:schemeClr val="accent1"/>
+          </a:fillRef>
+          <a:effectRef idx="0">
+            <a:schemeClr val="accent1"/>
+          </a:effectRef>
+          <a:fontRef idx="minor">
+            <a:schemeClr val="lt1"/>
+          </a:fontRef>
+        </p:style>
+        <p:txBody>
+          <a:bodyPr lIns="0" rIns="0" rtlCol="0" anchor="ctr"/>
+          <a:lstStyle/>
+          <a:p>
+            <a:pPr algn="ctr"/>
+            <a:r>
+              <a:rPr lang="en-US" altLang="en-US" sz="1271" dirty="0">
+                <a:solidFill>
+                  <a:schemeClr val="tx1"/>
+                </a:solidFill>
+                <a:latin typeface="Times New Roman" panose="02020603050405020304" pitchFamily="18" charset="0"/>
+                <a:cs typeface="Times New Roman" panose="02020603050405020304" pitchFamily="18" charset="0"/>
+              </a:rPr>
+              <a:t>GRU</a:t>
+            </a:r>
+          </a:p>
+          <a:p>
+            <a:pPr algn="ctr"/>
+            <a:r>
+              <a:rPr lang="en-US" altLang="en-US" sz="1271" dirty="0">
+                <a:solidFill>
+                  <a:schemeClr val="tx1"/>
+                </a:solidFill>
+                <a:latin typeface="Times New Roman" panose="02020603050405020304" pitchFamily="18" charset="0"/>
+                <a:cs typeface="Times New Roman" panose="02020603050405020304" pitchFamily="18" charset="0"/>
+              </a:rPr>
+              <a:t>(</a:t>
+            </a:r>
+            <a:r>
+              <a:rPr lang="en-US" altLang="en-US" sz="1271" i="1" dirty="0" err="1">
+                <a:solidFill>
+                  <a:schemeClr val="tx1"/>
+                </a:solidFill>
+                <a:latin typeface="Times New Roman" panose="02020603050405020304" pitchFamily="18" charset="0"/>
+                <a:cs typeface="Times New Roman" panose="02020603050405020304" pitchFamily="18" charset="0"/>
+              </a:rPr>
+              <a:t>t</a:t>
+            </a:r>
+            <a:r>
+              <a:rPr lang="en-US" altLang="en-US" sz="1271" i="1" baseline="-25000" dirty="0" err="1">
+                <a:solidFill>
+                  <a:schemeClr val="tx1"/>
+                </a:solidFill>
+                <a:latin typeface="Times New Roman" panose="02020603050405020304" pitchFamily="18" charset="0"/>
+                <a:cs typeface="Times New Roman" panose="02020603050405020304" pitchFamily="18" charset="0"/>
+              </a:rPr>
+              <a:t>iU</a:t>
+            </a:r>
+            <a:r>
+              <a:rPr lang="en-US" altLang="en-US" sz="1271" dirty="0">
+                <a:solidFill>
+                  <a:schemeClr val="tx1"/>
+                </a:solidFill>
+                <a:latin typeface="Times New Roman" panose="02020603050405020304" pitchFamily="18" charset="0"/>
+                <a:cs typeface="Times New Roman" panose="02020603050405020304" pitchFamily="18" charset="0"/>
+              </a:rPr>
+              <a:t>=</a:t>
+            </a:r>
+            <a:r>
+              <a:rPr lang="en-US" altLang="en-US" sz="1271" i="1" dirty="0">
+                <a:solidFill>
+                  <a:schemeClr val="tx1"/>
+                </a:solidFill>
+                <a:latin typeface="Times New Roman" panose="02020603050405020304" pitchFamily="18" charset="0"/>
+                <a:cs typeface="Times New Roman" panose="02020603050405020304" pitchFamily="18" charset="0"/>
+              </a:rPr>
+              <a:t>U</a:t>
+            </a:r>
+            <a:r>
+              <a:rPr lang="en-US" altLang="en-US" sz="1271" dirty="0">
+                <a:solidFill>
+                  <a:schemeClr val="tx1"/>
+                </a:solidFill>
+                <a:latin typeface="Times New Roman" panose="02020603050405020304" pitchFamily="18" charset="0"/>
+                <a:cs typeface="Times New Roman" panose="02020603050405020304" pitchFamily="18" charset="0"/>
+              </a:rPr>
+              <a:t>)</a:t>
+            </a:r>
+          </a:p>
+        </p:txBody>
+      </p:sp>
+      <p:cxnSp>
+        <p:nvCxnSpPr>
+          <p:cNvPr id="116" name="直线箭头连接符 64"/>
+          <p:cNvCxnSpPr/>
+          <p:nvPr/>
+        </p:nvCxnSpPr>
+        <p:spPr>
+          <a:xfrm>
+            <a:off x="7276080" y="2484447"/>
+            <a:ext cx="279727" cy="0"/>
+          </a:xfrm>
+          <a:prstGeom prst="straightConnector1">
+            <a:avLst/>
+          </a:prstGeom>
+          <a:ln w="47625">
+            <a:solidFill>
+              <a:schemeClr val="accent1">
+                <a:lumMod val="50000"/>
+              </a:schemeClr>
+            </a:solidFill>
+            <a:tailEnd type="triangle"/>
+          </a:ln>
+        </p:spPr>
+        <p:style>
+          <a:lnRef idx="1">
+            <a:schemeClr val="dk1"/>
+          </a:lnRef>
+          <a:fillRef idx="0">
+            <a:schemeClr val="dk1"/>
+          </a:fillRef>
+          <a:effectRef idx="0">
+            <a:schemeClr val="dk1"/>
+          </a:effectRef>
+          <a:fontRef idx="minor">
+            <a:schemeClr val="tx1"/>
+          </a:fontRef>
+        </p:style>
+      </p:cxnSp>
+      <p:cxnSp>
+        <p:nvCxnSpPr>
+          <p:cNvPr id="128" name="直线箭头连接符 64"/>
+          <p:cNvCxnSpPr/>
+          <p:nvPr/>
+        </p:nvCxnSpPr>
+        <p:spPr>
+          <a:xfrm>
+            <a:off x="4155682" y="2484009"/>
+            <a:ext cx="279727" cy="0"/>
+          </a:xfrm>
+          <a:prstGeom prst="straightConnector1">
+            <a:avLst/>
+          </a:prstGeom>
+          <a:ln w="47625">
+            <a:solidFill>
+              <a:schemeClr val="accent1">
+                <a:lumMod val="50000"/>
+              </a:schemeClr>
+            </a:solidFill>
+            <a:tailEnd type="triangle"/>
+          </a:ln>
+        </p:spPr>
+        <p:style>
+          <a:lnRef idx="1">
+            <a:schemeClr val="dk1"/>
+          </a:lnRef>
+          <a:fillRef idx="0">
+            <a:schemeClr val="dk1"/>
+          </a:fillRef>
+          <a:effectRef idx="0">
+            <a:schemeClr val="dk1"/>
+          </a:effectRef>
+          <a:fontRef idx="minor">
+            <a:schemeClr val="tx1"/>
+          </a:fontRef>
+        </p:style>
+      </p:cxnSp>
+      <p:cxnSp>
+        <p:nvCxnSpPr>
+          <p:cNvPr id="134" name="Straight Arrow Connector 133"/>
+          <p:cNvCxnSpPr/>
+          <p:nvPr/>
+        </p:nvCxnSpPr>
+        <p:spPr>
+          <a:xfrm flipV="1">
+            <a:off x="3775551" y="1949993"/>
+            <a:ext cx="2192" cy="157401"/>
+          </a:xfrm>
+          <a:prstGeom prst="straightConnector1">
+            <a:avLst/>
+          </a:prstGeom>
+          <a:ln w="28575">
+            <a:tailEnd type="arrow" w="med" len="med"/>
+          </a:ln>
+        </p:spPr>
+        <p:style>
+          <a:lnRef idx="1">
+            <a:schemeClr val="dk1"/>
+          </a:lnRef>
+          <a:fillRef idx="0">
+            <a:schemeClr val="dk1"/>
+          </a:fillRef>
+          <a:effectRef idx="0">
+            <a:schemeClr val="dk1"/>
+          </a:effectRef>
+          <a:fontRef idx="minor">
+            <a:schemeClr val="tx1"/>
+          </a:fontRef>
+        </p:style>
+      </p:cxnSp>
+      <p:cxnSp>
+        <p:nvCxnSpPr>
+          <p:cNvPr id="138" name="Straight Arrow Connector 137"/>
+          <p:cNvCxnSpPr/>
+          <p:nvPr/>
+        </p:nvCxnSpPr>
+        <p:spPr>
+          <a:xfrm flipH="1" flipV="1">
+            <a:off x="4810278" y="1958319"/>
+            <a:ext cx="877" cy="150386"/>
+          </a:xfrm>
+          <a:prstGeom prst="straightConnector1">
+            <a:avLst/>
+          </a:prstGeom>
+          <a:ln w="28575">
+            <a:tailEnd type="arrow" w="med" len="med"/>
+          </a:ln>
+        </p:spPr>
+        <p:style>
+          <a:lnRef idx="1">
+            <a:schemeClr val="dk1"/>
+          </a:lnRef>
+          <a:fillRef idx="0">
+            <a:schemeClr val="dk1"/>
+          </a:fillRef>
+          <a:effectRef idx="0">
+            <a:schemeClr val="dk1"/>
+          </a:effectRef>
+          <a:fontRef idx="minor">
+            <a:schemeClr val="tx1"/>
+          </a:fontRef>
+        </p:style>
+      </p:cxnSp>
+      <p:sp>
+        <p:nvSpPr>
+          <p:cNvPr id="142" name="Oval 141"/>
+          <p:cNvSpPr/>
+          <p:nvPr/>
+        </p:nvSpPr>
+        <p:spPr>
+          <a:xfrm>
+            <a:off x="4426635" y="2106514"/>
+            <a:ext cx="760260" cy="754999"/>
+          </a:xfrm>
+          <a:prstGeom prst="ellipse">
+            <a:avLst/>
+          </a:prstGeom>
+          <a:solidFill>
+            <a:schemeClr val="accent2">
+              <a:lumMod val="40000"/>
+              <a:lumOff val="60000"/>
+            </a:schemeClr>
+          </a:solidFill>
+          <a:ln>
+            <a:solidFill>
+              <a:schemeClr val="accent2">
+                <a:lumMod val="60000"/>
+                <a:lumOff val="40000"/>
+              </a:schemeClr>
+            </a:solidFill>
+          </a:ln>
+        </p:spPr>
+        <p:style>
+          <a:lnRef idx="2">
+            <a:schemeClr val="accent1">
+              <a:shade val="50000"/>
+            </a:schemeClr>
+          </a:lnRef>
+          <a:fillRef idx="1">
+            <a:schemeClr val="accent1"/>
+          </a:fillRef>
+          <a:effectRef idx="0">
+            <a:schemeClr val="accent1"/>
+          </a:effectRef>
+          <a:fontRef idx="minor">
+            <a:schemeClr val="lt1"/>
+          </a:fontRef>
+        </p:style>
+        <p:txBody>
+          <a:bodyPr lIns="0" rIns="0" rtlCol="0" anchor="ctr"/>
+          <a:lstStyle/>
+          <a:p>
+            <a:pPr algn="ctr"/>
+            <a:r>
+              <a:rPr lang="en-US" altLang="en-US" sz="1271" dirty="0">
+                <a:solidFill>
+                  <a:schemeClr val="tx1"/>
+                </a:solidFill>
+                <a:latin typeface="Times New Roman" panose="02020603050405020304" pitchFamily="18" charset="0"/>
+                <a:cs typeface="Times New Roman" panose="02020603050405020304" pitchFamily="18" charset="0"/>
+              </a:rPr>
+              <a:t>GRU</a:t>
+            </a:r>
+          </a:p>
+          <a:p>
+            <a:pPr algn="ctr"/>
+            <a:r>
+              <a:rPr lang="en-US" altLang="en-US" sz="1271" dirty="0">
+                <a:solidFill>
+                  <a:schemeClr val="tx1"/>
+                </a:solidFill>
+                <a:latin typeface="Times New Roman" panose="02020603050405020304" pitchFamily="18" charset="0"/>
+                <a:cs typeface="Times New Roman" panose="02020603050405020304" pitchFamily="18" charset="0"/>
+              </a:rPr>
+              <a:t>(</a:t>
+            </a:r>
+            <a:r>
+              <a:rPr lang="en-US" altLang="en-US" sz="1271" i="1" dirty="0" err="1">
+                <a:solidFill>
+                  <a:schemeClr val="tx1"/>
+                </a:solidFill>
+                <a:latin typeface="Times New Roman" panose="02020603050405020304" pitchFamily="18" charset="0"/>
+                <a:cs typeface="Times New Roman" panose="02020603050405020304" pitchFamily="18" charset="0"/>
+              </a:rPr>
+              <a:t>t</a:t>
+            </a:r>
+            <a:r>
+              <a:rPr lang="en-US" altLang="en-US" sz="1271" i="1" baseline="-25000" dirty="0" err="1">
+                <a:solidFill>
+                  <a:schemeClr val="tx1"/>
+                </a:solidFill>
+                <a:latin typeface="Times New Roman" panose="02020603050405020304" pitchFamily="18" charset="0"/>
+                <a:cs typeface="Times New Roman" panose="02020603050405020304" pitchFamily="18" charset="0"/>
+              </a:rPr>
+              <a:t>i</a:t>
+            </a:r>
+            <a:r>
+              <a:rPr lang="" altLang="en-US" sz="1271" i="1" baseline="-25000" dirty="0">
+                <a:solidFill>
+                  <a:schemeClr val="tx1"/>
+                </a:solidFill>
+                <a:latin typeface="Times New Roman" panose="02020603050405020304" pitchFamily="18" charset="0"/>
+                <a:cs typeface="Times New Roman" panose="02020603050405020304" pitchFamily="18" charset="0"/>
+              </a:rPr>
+              <a:t>2</a:t>
+            </a:r>
+            <a:r>
+              <a:rPr lang="en-US" altLang="en-US" sz="1271" dirty="0">
+                <a:solidFill>
+                  <a:schemeClr val="tx1"/>
+                </a:solidFill>
+                <a:latin typeface="Times New Roman" panose="02020603050405020304" pitchFamily="18" charset="0"/>
+                <a:cs typeface="Times New Roman" panose="02020603050405020304" pitchFamily="18" charset="0"/>
+              </a:rPr>
+              <a:t>=</a:t>
+            </a:r>
+            <a:r>
+              <a:rPr lang="" altLang="en-US" sz="1271" dirty="0">
+                <a:solidFill>
+                  <a:schemeClr val="tx1"/>
+                </a:solidFill>
+                <a:latin typeface="Times New Roman" panose="02020603050405020304" pitchFamily="18" charset="0"/>
+                <a:cs typeface="Times New Roman" panose="02020603050405020304" pitchFamily="18" charset="0"/>
+              </a:rPr>
+              <a:t>2)</a:t>
+            </a:r>
+          </a:p>
+        </p:txBody>
+      </p:sp>
+      <p:cxnSp>
+        <p:nvCxnSpPr>
+          <p:cNvPr id="156" name="直线箭头连接符 64"/>
+          <p:cNvCxnSpPr/>
+          <p:nvPr/>
+        </p:nvCxnSpPr>
+        <p:spPr>
+          <a:xfrm>
+            <a:off x="5186900" y="2480063"/>
+            <a:ext cx="279727" cy="0"/>
+          </a:xfrm>
+          <a:prstGeom prst="straightConnector1">
+            <a:avLst/>
+          </a:prstGeom>
+          <a:ln w="47625">
+            <a:solidFill>
+              <a:schemeClr val="accent1">
+                <a:lumMod val="50000"/>
+              </a:schemeClr>
+            </a:solidFill>
+            <a:tailEnd type="triangle"/>
+          </a:ln>
+        </p:spPr>
+        <p:style>
+          <a:lnRef idx="1">
+            <a:schemeClr val="dk1"/>
+          </a:lnRef>
+          <a:fillRef idx="0">
+            <a:schemeClr val="dk1"/>
+          </a:fillRef>
+          <a:effectRef idx="0">
+            <a:schemeClr val="dk1"/>
+          </a:effectRef>
+          <a:fontRef idx="minor">
+            <a:schemeClr val="tx1"/>
+          </a:fontRef>
+        </p:style>
+      </p:cxnSp>
+      <p:cxnSp>
+        <p:nvCxnSpPr>
+          <p:cNvPr id="157" name="Straight Arrow Connector 156"/>
+          <p:cNvCxnSpPr/>
+          <p:nvPr/>
+        </p:nvCxnSpPr>
+        <p:spPr>
+          <a:xfrm flipH="1" flipV="1">
+            <a:off x="5853772" y="1958319"/>
+            <a:ext cx="877" cy="150386"/>
+          </a:xfrm>
+          <a:prstGeom prst="straightConnector1">
+            <a:avLst/>
+          </a:prstGeom>
+          <a:ln w="28575">
+            <a:tailEnd type="arrow" w="med" len="med"/>
+          </a:ln>
+        </p:spPr>
+        <p:style>
+          <a:lnRef idx="1">
+            <a:schemeClr val="dk1"/>
+          </a:lnRef>
+          <a:fillRef idx="0">
+            <a:schemeClr val="dk1"/>
+          </a:fillRef>
+          <a:effectRef idx="0">
+            <a:schemeClr val="dk1"/>
+          </a:effectRef>
+          <a:fontRef idx="minor">
+            <a:schemeClr val="tx1"/>
+          </a:fontRef>
+        </p:style>
+      </p:cxnSp>
+      <p:cxnSp>
+        <p:nvCxnSpPr>
+          <p:cNvPr id="158" name="Elbow Connector 157"/>
+          <p:cNvCxnSpPr/>
+          <p:nvPr/>
+        </p:nvCxnSpPr>
+        <p:spPr>
+          <a:xfrm>
+            <a:off x="6273798" y="1850897"/>
+            <a:ext cx="445020" cy="1366188"/>
+          </a:xfrm>
+          <a:prstGeom prst="bentConnector3">
+            <a:avLst>
+              <a:gd name="adj1" fmla="val 11760"/>
+            </a:avLst>
+          </a:prstGeom>
+          <a:ln w="28575">
+            <a:solidFill>
+              <a:schemeClr val="accent2"/>
+            </a:solidFill>
+            <a:tailEnd type="arrow"/>
+          </a:ln>
+        </p:spPr>
+        <p:style>
+          <a:lnRef idx="1">
+            <a:schemeClr val="accent1"/>
+          </a:lnRef>
+          <a:fillRef idx="0">
+            <a:schemeClr val="accent1"/>
+          </a:fillRef>
+          <a:effectRef idx="0">
+            <a:schemeClr val="accent1"/>
+          </a:effectRef>
+          <a:fontRef idx="minor">
+            <a:schemeClr val="tx1"/>
+          </a:fontRef>
+        </p:style>
+      </p:cxnSp>
+      <p:cxnSp>
+        <p:nvCxnSpPr>
+          <p:cNvPr id="159" name="Straight Arrow Connector 158"/>
+          <p:cNvCxnSpPr/>
+          <p:nvPr/>
+        </p:nvCxnSpPr>
+        <p:spPr>
+          <a:xfrm flipV="1">
+            <a:off x="4811153" y="2862393"/>
+            <a:ext cx="2192" cy="256489"/>
+          </a:xfrm>
+          <a:prstGeom prst="straightConnector1">
+            <a:avLst/>
+          </a:prstGeom>
+          <a:ln w="28575">
+            <a:tailEnd type="arrow" w="med" len="med"/>
+          </a:ln>
+        </p:spPr>
+        <p:style>
+          <a:lnRef idx="1">
+            <a:schemeClr val="dk1"/>
+          </a:lnRef>
+          <a:fillRef idx="0">
+            <a:schemeClr val="dk1"/>
+          </a:fillRef>
+          <a:effectRef idx="0">
+            <a:schemeClr val="dk1"/>
+          </a:effectRef>
+          <a:fontRef idx="minor">
+            <a:schemeClr val="tx1"/>
+          </a:fontRef>
+        </p:style>
+      </p:cxnSp>
+      <p:sp>
+        <p:nvSpPr>
+          <p:cNvPr id="160" name="Text Box 159"/>
+          <p:cNvSpPr txBox="1"/>
+          <p:nvPr/>
+        </p:nvSpPr>
+        <p:spPr>
+          <a:xfrm>
+            <a:off x="5702878" y="3083727"/>
+            <a:ext cx="332142" cy="304827"/>
+          </a:xfrm>
+          <a:prstGeom prst="rect">
+            <a:avLst/>
+          </a:prstGeom>
+          <a:noFill/>
+        </p:spPr>
+        <p:txBody>
+          <a:bodyPr wrap="none" rtlCol="0">
+            <a:spAutoFit/>
+          </a:bodyPr>
+          <a:lstStyle/>
+          <a:p>
+            <a:r>
+              <a:rPr lang="en-US" altLang="en-US" sz="1381" dirty="0">
+                <a:latin typeface="Times New Roman" panose="02020603050405020304" pitchFamily="18" charset="0"/>
+                <a:cs typeface="Times New Roman" panose="02020603050405020304" pitchFamily="18" charset="0"/>
+              </a:rPr>
+              <a:t>y</a:t>
+            </a:r>
+            <a:r>
+              <a:rPr lang="" altLang="en-US" sz="1381" baseline="-25000" dirty="0">
+                <a:latin typeface="Times New Roman" panose="02020603050405020304" pitchFamily="18" charset="0"/>
+                <a:cs typeface="Times New Roman" panose="02020603050405020304" pitchFamily="18" charset="0"/>
+              </a:rPr>
+              <a:t>2</a:t>
+            </a:r>
+          </a:p>
+        </p:txBody>
+      </p:sp>
+      <p:cxnSp>
+        <p:nvCxnSpPr>
+          <p:cNvPr id="161" name="Straight Arrow Connector 160"/>
+          <p:cNvCxnSpPr/>
+          <p:nvPr/>
+        </p:nvCxnSpPr>
+        <p:spPr>
+          <a:xfrm flipV="1">
+            <a:off x="5855962" y="2853624"/>
+            <a:ext cx="2192" cy="256489"/>
+          </a:xfrm>
+          <a:prstGeom prst="straightConnector1">
+            <a:avLst/>
+          </a:prstGeom>
+          <a:ln w="28575">
+            <a:tailEnd type="arrow" w="med" len="med"/>
+          </a:ln>
+        </p:spPr>
+        <p:style>
+          <a:lnRef idx="1">
+            <a:schemeClr val="dk1"/>
+          </a:lnRef>
+          <a:fillRef idx="0">
+            <a:schemeClr val="dk1"/>
+          </a:fillRef>
+          <a:effectRef idx="0">
+            <a:schemeClr val="dk1"/>
+          </a:effectRef>
+          <a:fontRef idx="minor">
+            <a:schemeClr val="tx1"/>
+          </a:fontRef>
+        </p:style>
+      </p:cxnSp>
+      <p:sp>
+        <p:nvSpPr>
+          <p:cNvPr id="163" name="Text Box 162"/>
+          <p:cNvSpPr txBox="1"/>
+          <p:nvPr/>
+        </p:nvSpPr>
+        <p:spPr>
+          <a:xfrm>
+            <a:off x="7778466" y="3066189"/>
+            <a:ext cx="357790" cy="304827"/>
+          </a:xfrm>
+          <a:prstGeom prst="rect">
+            <a:avLst/>
+          </a:prstGeom>
+          <a:noFill/>
+        </p:spPr>
+        <p:txBody>
+          <a:bodyPr wrap="none" rtlCol="0">
+            <a:spAutoFit/>
+          </a:bodyPr>
+          <a:lstStyle/>
+          <a:p>
+            <a:r>
+              <a:rPr lang="en-US" altLang="en-US" sz="1381" dirty="0">
+                <a:latin typeface="Times New Roman" panose="02020603050405020304" pitchFamily="18" charset="0"/>
+                <a:cs typeface="Times New Roman" panose="02020603050405020304" pitchFamily="18" charset="0"/>
+              </a:rPr>
+              <a:t>y</a:t>
+            </a:r>
+            <a:r>
+              <a:rPr lang="" altLang="en-US" sz="1381" i="1" baseline="-25000" dirty="0">
+                <a:latin typeface="Times New Roman" panose="02020603050405020304" pitchFamily="18" charset="0"/>
+                <a:cs typeface="Times New Roman" panose="02020603050405020304" pitchFamily="18" charset="0"/>
+              </a:rPr>
+              <a:t>U</a:t>
+            </a:r>
+          </a:p>
+        </p:txBody>
+      </p:sp>
+      <p:sp>
+        <p:nvSpPr>
+          <p:cNvPr id="164" name="Rounded Rectangle 163"/>
+          <p:cNvSpPr/>
+          <p:nvPr/>
+        </p:nvSpPr>
+        <p:spPr>
+          <a:xfrm>
+            <a:off x="3314306" y="3484537"/>
+            <a:ext cx="5134750" cy="1136029"/>
+          </a:xfrm>
+          <a:prstGeom prst="roundRect">
+            <a:avLst/>
+          </a:prstGeom>
+          <a:solidFill>
+            <a:schemeClr val="accent4">
+              <a:lumMod val="20000"/>
+              <a:lumOff val="80000"/>
+            </a:schemeClr>
+          </a:solidFill>
+          <a:ln>
+            <a:solidFill>
+              <a:srgbClr val="FF0000"/>
+            </a:solidFill>
+            <a:prstDash val="sysDash"/>
+          </a:ln>
+        </p:spPr>
+        <p:style>
+          <a:lnRef idx="2">
+            <a:schemeClr val="accent6"/>
+          </a:lnRef>
+          <a:fillRef idx="1">
+            <a:schemeClr val="lt1"/>
+          </a:fillRef>
+          <a:effectRef idx="0">
+            <a:schemeClr val="accent6"/>
+          </a:effectRef>
+          <a:fontRef idx="minor">
+            <a:schemeClr val="dk1"/>
+          </a:fontRef>
+        </p:style>
+        <p:txBody>
+          <a:bodyPr rtlCol="0" anchor="ctr"/>
+          <a:lstStyle/>
+          <a:p>
+            <a:pPr algn="ctr"/>
+            <a:endParaRPr lang="en-US" sz="1143">
+              <a:latin typeface="Times New Roman" panose="02020603050405020304" pitchFamily="18" charset="0"/>
+              <a:cs typeface="Times New Roman" panose="02020603050405020304" pitchFamily="18" charset="0"/>
+            </a:endParaRPr>
+          </a:p>
+        </p:txBody>
+      </p:sp>
+      <p:sp>
+        <p:nvSpPr>
+          <p:cNvPr id="165" name="Oval 164"/>
+          <p:cNvSpPr/>
+          <p:nvPr/>
+        </p:nvSpPr>
+        <p:spPr>
+          <a:xfrm>
+            <a:off x="3392787" y="3587136"/>
+            <a:ext cx="760260" cy="754999"/>
+          </a:xfrm>
+          <a:prstGeom prst="ellipse">
+            <a:avLst/>
+          </a:prstGeom>
+          <a:solidFill>
+            <a:schemeClr val="accent2">
+              <a:lumMod val="40000"/>
+              <a:lumOff val="60000"/>
+            </a:schemeClr>
+          </a:solidFill>
+          <a:ln>
+            <a:solidFill>
+              <a:schemeClr val="accent2">
+                <a:lumMod val="60000"/>
+                <a:lumOff val="40000"/>
+              </a:schemeClr>
+            </a:solidFill>
+          </a:ln>
+        </p:spPr>
+        <p:style>
+          <a:lnRef idx="2">
+            <a:schemeClr val="accent1">
+              <a:shade val="50000"/>
+            </a:schemeClr>
+          </a:lnRef>
+          <a:fillRef idx="1">
+            <a:schemeClr val="accent1"/>
+          </a:fillRef>
+          <a:effectRef idx="0">
+            <a:schemeClr val="accent1"/>
+          </a:effectRef>
+          <a:fontRef idx="minor">
+            <a:schemeClr val="lt1"/>
+          </a:fontRef>
+        </p:style>
+        <p:txBody>
+          <a:bodyPr lIns="0" rIns="0" rtlCol="0" anchor="ctr"/>
+          <a:lstStyle/>
+          <a:p>
+            <a:pPr algn="ctr"/>
+            <a:r>
+              <a:rPr lang="en-US" altLang="en-US" sz="1271" dirty="0">
+                <a:solidFill>
+                  <a:schemeClr val="tx1"/>
+                </a:solidFill>
+                <a:latin typeface="Times New Roman" panose="02020603050405020304" pitchFamily="18" charset="0"/>
+                <a:cs typeface="Times New Roman" panose="02020603050405020304" pitchFamily="18" charset="0"/>
+              </a:rPr>
+              <a:t>GRU</a:t>
+            </a:r>
+          </a:p>
+          <a:p>
+            <a:pPr algn="ctr"/>
+            <a:r>
+              <a:rPr lang="en-US" altLang="en-US" sz="1271" dirty="0">
+                <a:solidFill>
+                  <a:schemeClr val="tx1"/>
+                </a:solidFill>
+                <a:latin typeface="Times New Roman" panose="02020603050405020304" pitchFamily="18" charset="0"/>
+                <a:cs typeface="Times New Roman" panose="02020603050405020304" pitchFamily="18" charset="0"/>
+              </a:rPr>
+              <a:t>(</a:t>
+            </a:r>
+            <a:r>
+              <a:rPr lang="en-US" altLang="en-US" sz="1271" i="1" dirty="0">
+                <a:solidFill>
+                  <a:schemeClr val="tx1"/>
+                </a:solidFill>
+                <a:latin typeface="Times New Roman" panose="02020603050405020304" pitchFamily="18" charset="0"/>
+                <a:cs typeface="Times New Roman" panose="02020603050405020304" pitchFamily="18" charset="0"/>
+              </a:rPr>
+              <a:t>t</a:t>
+            </a:r>
+            <a:r>
+              <a:rPr lang="" altLang="en-US" sz="1271" i="1" baseline="-25000" dirty="0">
+                <a:solidFill>
+                  <a:schemeClr val="tx1"/>
+                </a:solidFill>
+                <a:latin typeface="Times New Roman" panose="02020603050405020304" pitchFamily="18" charset="0"/>
+                <a:cs typeface="Times New Roman" panose="02020603050405020304" pitchFamily="18" charset="0"/>
+              </a:rPr>
+              <a:t>M1</a:t>
+            </a:r>
+            <a:r>
+              <a:rPr lang="en-US" altLang="en-US" sz="1271" dirty="0">
+                <a:solidFill>
+                  <a:schemeClr val="tx1"/>
+                </a:solidFill>
+                <a:latin typeface="Times New Roman" panose="02020603050405020304" pitchFamily="18" charset="0"/>
+                <a:cs typeface="Times New Roman" panose="02020603050405020304" pitchFamily="18" charset="0"/>
+              </a:rPr>
+              <a:t>=1)</a:t>
+            </a:r>
+          </a:p>
+        </p:txBody>
+      </p:sp>
+      <p:sp>
+        <p:nvSpPr>
+          <p:cNvPr id="175" name="Oval 174"/>
+          <p:cNvSpPr/>
+          <p:nvPr/>
+        </p:nvSpPr>
+        <p:spPr>
+          <a:xfrm>
+            <a:off x="6509682" y="3587134"/>
+            <a:ext cx="759383" cy="754560"/>
+          </a:xfrm>
+          <a:prstGeom prst="ellipse">
+            <a:avLst/>
+          </a:prstGeom>
+          <a:solidFill>
+            <a:schemeClr val="accent2">
+              <a:lumMod val="40000"/>
+              <a:lumOff val="60000"/>
+            </a:schemeClr>
+          </a:solidFill>
+          <a:ln>
+            <a:solidFill>
+              <a:schemeClr val="accent2">
+                <a:lumMod val="60000"/>
+                <a:lumOff val="40000"/>
+              </a:schemeClr>
+            </a:solidFill>
+          </a:ln>
+        </p:spPr>
+        <p:style>
+          <a:lnRef idx="2">
+            <a:schemeClr val="accent1">
+              <a:shade val="50000"/>
+            </a:schemeClr>
+          </a:lnRef>
+          <a:fillRef idx="1">
+            <a:schemeClr val="accent1"/>
+          </a:fillRef>
+          <a:effectRef idx="0">
+            <a:schemeClr val="accent1"/>
+          </a:effectRef>
+          <a:fontRef idx="minor">
+            <a:schemeClr val="lt1"/>
+          </a:fontRef>
+        </p:style>
+        <p:txBody>
+          <a:bodyPr lIns="0" rIns="0" rtlCol="0" anchor="ctr"/>
+          <a:lstStyle/>
+          <a:p>
+            <a:pPr algn="ctr"/>
+            <a:endParaRPr lang="en-US" sz="1526">
+              <a:latin typeface="Times New Roman" panose="02020603050405020304" pitchFamily="18" charset="0"/>
+              <a:cs typeface="Times New Roman" panose="02020603050405020304" pitchFamily="18" charset="0"/>
+            </a:endParaRPr>
+          </a:p>
+        </p:txBody>
+      </p:sp>
+      <p:sp>
+        <p:nvSpPr>
+          <p:cNvPr id="189" name="椭圆 14"/>
+          <p:cNvSpPr/>
+          <p:nvPr/>
+        </p:nvSpPr>
+        <p:spPr>
+          <a:xfrm rot="5030305" flipH="1">
+            <a:off x="6979218" y="3948230"/>
+            <a:ext cx="30868" cy="30868"/>
+          </a:xfrm>
+          <a:prstGeom prst="ellipse">
+            <a:avLst/>
+          </a:prstGeom>
+        </p:spPr>
+        <p:style>
+          <a:lnRef idx="2">
+            <a:schemeClr val="dk1">
+              <a:shade val="50000"/>
+            </a:schemeClr>
+          </a:lnRef>
+          <a:fillRef idx="1">
+            <a:schemeClr val="dk1"/>
+          </a:fillRef>
+          <a:effectRef idx="0">
+            <a:schemeClr val="dk1"/>
+          </a:effectRef>
+          <a:fontRef idx="minor">
+            <a:schemeClr val="lt1"/>
+          </a:fontRef>
+        </p:style>
+        <p:txBody>
+          <a:bodyPr rot="0" spcFirstLastPara="0" vertOverflow="overflow" horzOverflow="overflow" vert="horz" wrap="square" lIns="61739" tIns="30869" rIns="61739" bIns="30869" numCol="1" spcCol="0" rtlCol="0" fromWordArt="0" anchor="ctr" anchorCtr="0" forceAA="0" compatLnSpc="1">
+            <a:noAutofit/>
+          </a:bodyPr>
+          <a:lstStyle/>
+          <a:p>
+            <a:pPr algn="ctr"/>
+            <a:endParaRPr kumimoji="1" lang="zh-CN" altLang="en-US" sz="400">
+              <a:latin typeface="Times New Roman" panose="02020603050405020304" pitchFamily="18" charset="0"/>
+              <a:cs typeface="Times New Roman" panose="02020603050405020304" pitchFamily="18" charset="0"/>
+            </a:endParaRPr>
+          </a:p>
+        </p:txBody>
+      </p:sp>
+      <p:sp>
+        <p:nvSpPr>
+          <p:cNvPr id="190" name="椭圆 14"/>
+          <p:cNvSpPr/>
+          <p:nvPr/>
+        </p:nvSpPr>
+        <p:spPr>
+          <a:xfrm rot="5030305" flipH="1">
+            <a:off x="6856762" y="3948194"/>
+            <a:ext cx="30868" cy="30868"/>
+          </a:xfrm>
+          <a:prstGeom prst="ellipse">
+            <a:avLst/>
+          </a:prstGeom>
+        </p:spPr>
+        <p:style>
+          <a:lnRef idx="2">
+            <a:schemeClr val="dk1">
+              <a:shade val="50000"/>
+            </a:schemeClr>
+          </a:lnRef>
+          <a:fillRef idx="1">
+            <a:schemeClr val="dk1"/>
+          </a:fillRef>
+          <a:effectRef idx="0">
+            <a:schemeClr val="dk1"/>
+          </a:effectRef>
+          <a:fontRef idx="minor">
+            <a:schemeClr val="lt1"/>
+          </a:fontRef>
+        </p:style>
+        <p:txBody>
+          <a:bodyPr rot="0" spcFirstLastPara="0" vertOverflow="overflow" horzOverflow="overflow" vert="horz" wrap="square" lIns="61739" tIns="30869" rIns="61739" bIns="30869" numCol="1" spcCol="0" rtlCol="0" fromWordArt="0" anchor="ctr" anchorCtr="0" forceAA="0" compatLnSpc="1">
+            <a:noAutofit/>
+          </a:bodyPr>
+          <a:lstStyle/>
+          <a:p>
+            <a:pPr algn="ctr"/>
+            <a:endParaRPr kumimoji="1" lang="zh-CN" altLang="en-US" sz="400">
+              <a:latin typeface="Times New Roman" panose="02020603050405020304" pitchFamily="18" charset="0"/>
+              <a:cs typeface="Times New Roman" panose="02020603050405020304" pitchFamily="18" charset="0"/>
+            </a:endParaRPr>
+          </a:p>
+        </p:txBody>
+      </p:sp>
+      <p:sp>
+        <p:nvSpPr>
+          <p:cNvPr id="192" name="椭圆 14"/>
+          <p:cNvSpPr/>
+          <p:nvPr/>
+        </p:nvSpPr>
+        <p:spPr>
+          <a:xfrm rot="5030305" flipH="1">
+            <a:off x="6729536" y="3949071"/>
+            <a:ext cx="30868" cy="30868"/>
+          </a:xfrm>
+          <a:prstGeom prst="ellipse">
+            <a:avLst/>
+          </a:prstGeom>
+        </p:spPr>
+        <p:style>
+          <a:lnRef idx="2">
+            <a:schemeClr val="dk1">
+              <a:shade val="50000"/>
+            </a:schemeClr>
+          </a:lnRef>
+          <a:fillRef idx="1">
+            <a:schemeClr val="dk1"/>
+          </a:fillRef>
+          <a:effectRef idx="0">
+            <a:schemeClr val="dk1"/>
+          </a:effectRef>
+          <a:fontRef idx="minor">
+            <a:schemeClr val="lt1"/>
+          </a:fontRef>
+        </p:style>
+        <p:txBody>
+          <a:bodyPr rot="0" spcFirstLastPara="0" vertOverflow="overflow" horzOverflow="overflow" vert="horz" wrap="square" lIns="61739" tIns="30869" rIns="61739" bIns="30869" numCol="1" spcCol="0" rtlCol="0" fromWordArt="0" anchor="ctr" anchorCtr="0" forceAA="0" compatLnSpc="1">
+            <a:noAutofit/>
+          </a:bodyPr>
+          <a:lstStyle/>
+          <a:p>
+            <a:pPr algn="ctr"/>
+            <a:endParaRPr kumimoji="1" lang="zh-CN" altLang="en-US" sz="400">
+              <a:latin typeface="Times New Roman" panose="02020603050405020304" pitchFamily="18" charset="0"/>
+              <a:cs typeface="Times New Roman" panose="02020603050405020304" pitchFamily="18" charset="0"/>
+            </a:endParaRPr>
+          </a:p>
+        </p:txBody>
+      </p:sp>
+      <p:cxnSp>
+        <p:nvCxnSpPr>
+          <p:cNvPr id="197" name="Elbow Connector 196"/>
+          <p:cNvCxnSpPr>
+            <a:stCxn id="221" idx="0"/>
+            <a:endCxn id="175" idx="4"/>
+          </p:cNvCxnSpPr>
+          <p:nvPr/>
+        </p:nvCxnSpPr>
+        <p:spPr>
+          <a:xfrm rot="16200000" flipH="1">
+            <a:off x="5989689" y="3442011"/>
+            <a:ext cx="754999" cy="1044371"/>
+          </a:xfrm>
+          <a:prstGeom prst="bentConnector5">
+            <a:avLst>
+              <a:gd name="adj1" fmla="val -8710"/>
+              <a:gd name="adj2" fmla="val 50042"/>
+              <a:gd name="adj3" fmla="val 128635"/>
+            </a:avLst>
+          </a:prstGeom>
+          <a:ln w="28575">
+            <a:solidFill>
+              <a:schemeClr val="accent2"/>
+            </a:solidFill>
+            <a:tailEnd type="arrow"/>
+          </a:ln>
+        </p:spPr>
+        <p:style>
+          <a:lnRef idx="1">
+            <a:schemeClr val="accent1"/>
+          </a:lnRef>
+          <a:fillRef idx="0">
+            <a:schemeClr val="accent1"/>
+          </a:fillRef>
+          <a:effectRef idx="0">
+            <a:schemeClr val="accent1"/>
+          </a:effectRef>
+          <a:fontRef idx="minor">
+            <a:schemeClr val="tx1"/>
+          </a:fontRef>
+        </p:style>
+      </p:cxnSp>
+      <p:cxnSp>
+        <p:nvCxnSpPr>
+          <p:cNvPr id="218" name="Elbow Connector 217"/>
+          <p:cNvCxnSpPr>
+            <a:stCxn id="175" idx="0"/>
+            <a:endCxn id="222" idx="4"/>
+          </p:cNvCxnSpPr>
+          <p:nvPr/>
+        </p:nvCxnSpPr>
+        <p:spPr>
+          <a:xfrm rot="16200000" flipH="1">
+            <a:off x="7034058" y="3442448"/>
+            <a:ext cx="754560" cy="1043932"/>
+          </a:xfrm>
+          <a:prstGeom prst="bentConnector5">
+            <a:avLst>
+              <a:gd name="adj1" fmla="val -8715"/>
+              <a:gd name="adj2" fmla="val 49979"/>
+              <a:gd name="adj3" fmla="val 127279"/>
+            </a:avLst>
+          </a:prstGeom>
+          <a:ln w="28575">
+            <a:solidFill>
+              <a:schemeClr val="accent2"/>
+            </a:solidFill>
+            <a:tailEnd type="arrow"/>
+          </a:ln>
+        </p:spPr>
+        <p:style>
+          <a:lnRef idx="1">
+            <a:schemeClr val="accent1"/>
+          </a:lnRef>
+          <a:fillRef idx="0">
+            <a:schemeClr val="accent1"/>
+          </a:fillRef>
+          <a:effectRef idx="0">
+            <a:schemeClr val="accent1"/>
+          </a:effectRef>
+          <a:fontRef idx="minor">
+            <a:schemeClr val="tx1"/>
+          </a:fontRef>
+        </p:style>
+      </p:cxnSp>
+      <p:cxnSp>
+        <p:nvCxnSpPr>
+          <p:cNvPr id="219" name="Elbow Connector 218"/>
+          <p:cNvCxnSpPr/>
+          <p:nvPr/>
+        </p:nvCxnSpPr>
+        <p:spPr>
+          <a:xfrm rot="16200000" flipH="1">
+            <a:off x="3911687" y="3448369"/>
+            <a:ext cx="754560" cy="1032095"/>
+          </a:xfrm>
+          <a:prstGeom prst="bentConnector5">
+            <a:avLst>
+              <a:gd name="adj1" fmla="val -7437"/>
+              <a:gd name="adj2" fmla="val 49979"/>
+              <a:gd name="adj3" fmla="val 128053"/>
+            </a:avLst>
+          </a:prstGeom>
+          <a:ln w="28575">
+            <a:solidFill>
+              <a:schemeClr val="accent2"/>
+            </a:solidFill>
+            <a:tailEnd type="arrow"/>
+          </a:ln>
+        </p:spPr>
+        <p:style>
+          <a:lnRef idx="1">
+            <a:schemeClr val="accent1"/>
+          </a:lnRef>
+          <a:fillRef idx="0">
+            <a:schemeClr val="accent1"/>
+          </a:fillRef>
+          <a:effectRef idx="0">
+            <a:schemeClr val="accent1"/>
+          </a:effectRef>
+          <a:fontRef idx="minor">
+            <a:schemeClr val="tx1"/>
+          </a:fontRef>
+        </p:style>
+      </p:cxnSp>
+      <p:sp>
+        <p:nvSpPr>
+          <p:cNvPr id="220" name="Oval 219"/>
+          <p:cNvSpPr/>
+          <p:nvPr/>
+        </p:nvSpPr>
+        <p:spPr>
+          <a:xfrm>
+            <a:off x="4424881" y="3586697"/>
+            <a:ext cx="760260" cy="754999"/>
+          </a:xfrm>
+          <a:prstGeom prst="ellipse">
+            <a:avLst/>
+          </a:prstGeom>
+          <a:solidFill>
+            <a:schemeClr val="accent2">
+              <a:lumMod val="40000"/>
+              <a:lumOff val="60000"/>
+            </a:schemeClr>
+          </a:solidFill>
+          <a:ln>
+            <a:solidFill>
+              <a:schemeClr val="accent2">
+                <a:lumMod val="60000"/>
+                <a:lumOff val="40000"/>
+              </a:schemeClr>
+            </a:solidFill>
+          </a:ln>
+        </p:spPr>
+        <p:style>
+          <a:lnRef idx="2">
+            <a:schemeClr val="accent1">
+              <a:shade val="50000"/>
+            </a:schemeClr>
+          </a:lnRef>
+          <a:fillRef idx="1">
+            <a:schemeClr val="accent1"/>
+          </a:fillRef>
+          <a:effectRef idx="0">
+            <a:schemeClr val="accent1"/>
+          </a:effectRef>
+          <a:fontRef idx="minor">
+            <a:schemeClr val="lt1"/>
+          </a:fontRef>
+        </p:style>
+        <p:txBody>
+          <a:bodyPr lIns="0" rIns="0" rtlCol="0" anchor="ctr"/>
+          <a:lstStyle/>
+          <a:p>
+            <a:pPr algn="ctr"/>
+            <a:r>
+              <a:rPr lang="en-US" altLang="en-US" sz="1271" dirty="0">
+                <a:solidFill>
+                  <a:schemeClr val="tx1"/>
+                </a:solidFill>
+                <a:latin typeface="Times New Roman" panose="02020603050405020304" pitchFamily="18" charset="0"/>
+                <a:cs typeface="Times New Roman" panose="02020603050405020304" pitchFamily="18" charset="0"/>
+              </a:rPr>
+              <a:t>GRU</a:t>
+            </a:r>
+          </a:p>
+          <a:p>
+            <a:pPr algn="ctr"/>
+            <a:r>
+              <a:rPr lang="en-US" altLang="en-US" sz="1271" dirty="0">
+                <a:solidFill>
+                  <a:schemeClr val="tx1"/>
+                </a:solidFill>
+                <a:latin typeface="Times New Roman" panose="02020603050405020304" pitchFamily="18" charset="0"/>
+                <a:cs typeface="Times New Roman" panose="02020603050405020304" pitchFamily="18" charset="0"/>
+              </a:rPr>
+              <a:t>(</a:t>
+            </a:r>
+            <a:r>
+              <a:rPr lang="en-US" altLang="en-US" sz="1271" i="1" dirty="0">
+                <a:solidFill>
+                  <a:schemeClr val="tx1"/>
+                </a:solidFill>
+                <a:latin typeface="Times New Roman" panose="02020603050405020304" pitchFamily="18" charset="0"/>
+                <a:cs typeface="Times New Roman" panose="02020603050405020304" pitchFamily="18" charset="0"/>
+              </a:rPr>
+              <a:t>t</a:t>
+            </a:r>
+            <a:r>
+              <a:rPr lang="" altLang="en-US" sz="1271" i="1" baseline="-25000" dirty="0">
+                <a:solidFill>
+                  <a:schemeClr val="tx1"/>
+                </a:solidFill>
+                <a:latin typeface="Times New Roman" panose="02020603050405020304" pitchFamily="18" charset="0"/>
+                <a:cs typeface="Times New Roman" panose="02020603050405020304" pitchFamily="18" charset="0"/>
+              </a:rPr>
+              <a:t>M</a:t>
+            </a:r>
+            <a:r>
+              <a:rPr lang="en-US" altLang="en-US" sz="1271" i="1" baseline="-25000" dirty="0">
+                <a:solidFill>
+                  <a:schemeClr val="tx1"/>
+                </a:solidFill>
+                <a:latin typeface="Times New Roman" panose="02020603050405020304" pitchFamily="18" charset="0"/>
+                <a:cs typeface="Times New Roman" panose="02020603050405020304" pitchFamily="18" charset="0"/>
+              </a:rPr>
+              <a:t>2</a:t>
+            </a:r>
+            <a:r>
+              <a:rPr lang="en-US" altLang="en-US" sz="1271" dirty="0">
+                <a:solidFill>
+                  <a:schemeClr val="tx1"/>
+                </a:solidFill>
+                <a:latin typeface="Times New Roman" panose="02020603050405020304" pitchFamily="18" charset="0"/>
+                <a:cs typeface="Times New Roman" panose="02020603050405020304" pitchFamily="18" charset="0"/>
+              </a:rPr>
+              <a:t>=2)</a:t>
+            </a:r>
+          </a:p>
+        </p:txBody>
+      </p:sp>
+      <p:sp>
+        <p:nvSpPr>
+          <p:cNvPr id="221" name="Oval 220"/>
+          <p:cNvSpPr/>
+          <p:nvPr/>
+        </p:nvSpPr>
+        <p:spPr>
+          <a:xfrm>
+            <a:off x="5464868" y="3586697"/>
+            <a:ext cx="760260" cy="754999"/>
+          </a:xfrm>
+          <a:prstGeom prst="ellipse">
+            <a:avLst/>
+          </a:prstGeom>
+          <a:solidFill>
+            <a:schemeClr val="accent2">
+              <a:lumMod val="40000"/>
+              <a:lumOff val="60000"/>
+            </a:schemeClr>
+          </a:solidFill>
+          <a:ln>
+            <a:solidFill>
+              <a:schemeClr val="accent2">
+                <a:lumMod val="60000"/>
+                <a:lumOff val="40000"/>
+              </a:schemeClr>
+            </a:solidFill>
+          </a:ln>
+        </p:spPr>
+        <p:style>
+          <a:lnRef idx="2">
+            <a:schemeClr val="accent1">
+              <a:shade val="50000"/>
+            </a:schemeClr>
+          </a:lnRef>
+          <a:fillRef idx="1">
+            <a:schemeClr val="accent1"/>
+          </a:fillRef>
+          <a:effectRef idx="0">
+            <a:schemeClr val="accent1"/>
+          </a:effectRef>
+          <a:fontRef idx="minor">
+            <a:schemeClr val="lt1"/>
+          </a:fontRef>
+        </p:style>
+        <p:txBody>
+          <a:bodyPr lIns="0" rIns="0" rtlCol="0" anchor="ctr"/>
+          <a:lstStyle/>
+          <a:p>
+            <a:pPr algn="ctr"/>
+            <a:r>
+              <a:rPr lang="en-US" altLang="en-US" sz="1271" dirty="0">
+                <a:solidFill>
+                  <a:schemeClr val="tx1"/>
+                </a:solidFill>
+                <a:latin typeface="Times New Roman" panose="02020603050405020304" pitchFamily="18" charset="0"/>
+                <a:cs typeface="Times New Roman" panose="02020603050405020304" pitchFamily="18" charset="0"/>
+              </a:rPr>
+              <a:t>GRU</a:t>
+            </a:r>
+          </a:p>
+          <a:p>
+            <a:pPr algn="ctr"/>
+            <a:r>
+              <a:rPr lang="en-US" altLang="en-US" sz="1271" dirty="0">
+                <a:solidFill>
+                  <a:schemeClr val="tx1"/>
+                </a:solidFill>
+                <a:latin typeface="Times New Roman" panose="02020603050405020304" pitchFamily="18" charset="0"/>
+                <a:cs typeface="Times New Roman" panose="02020603050405020304" pitchFamily="18" charset="0"/>
+              </a:rPr>
+              <a:t>(</a:t>
+            </a:r>
+            <a:r>
+              <a:rPr lang="en-US" altLang="en-US" sz="1271" i="1" dirty="0">
+                <a:solidFill>
+                  <a:schemeClr val="tx1"/>
+                </a:solidFill>
+                <a:latin typeface="Times New Roman" panose="02020603050405020304" pitchFamily="18" charset="0"/>
+                <a:cs typeface="Times New Roman" panose="02020603050405020304" pitchFamily="18" charset="0"/>
+              </a:rPr>
+              <a:t>t</a:t>
+            </a:r>
+            <a:r>
+              <a:rPr lang="" altLang="en-US" sz="1271" i="1" baseline="-25000" dirty="0">
+                <a:solidFill>
+                  <a:schemeClr val="tx1"/>
+                </a:solidFill>
+                <a:latin typeface="Times New Roman" panose="02020603050405020304" pitchFamily="18" charset="0"/>
+                <a:cs typeface="Times New Roman" panose="02020603050405020304" pitchFamily="18" charset="0"/>
+              </a:rPr>
+              <a:t>M</a:t>
+            </a:r>
+            <a:r>
+              <a:rPr lang="en-US" altLang="en-US" sz="1271" i="1" baseline="-25000" dirty="0">
+                <a:solidFill>
+                  <a:schemeClr val="tx1"/>
+                </a:solidFill>
+                <a:latin typeface="Times New Roman" panose="02020603050405020304" pitchFamily="18" charset="0"/>
+                <a:cs typeface="Times New Roman" panose="02020603050405020304" pitchFamily="18" charset="0"/>
+              </a:rPr>
+              <a:t>3</a:t>
+            </a:r>
+            <a:r>
+              <a:rPr lang="en-US" altLang="en-US" sz="1271" dirty="0">
+                <a:solidFill>
+                  <a:schemeClr val="tx1"/>
+                </a:solidFill>
+                <a:latin typeface="Times New Roman" panose="02020603050405020304" pitchFamily="18" charset="0"/>
+                <a:cs typeface="Times New Roman" panose="02020603050405020304" pitchFamily="18" charset="0"/>
+              </a:rPr>
+              <a:t>=3)</a:t>
+            </a:r>
+          </a:p>
+        </p:txBody>
+      </p:sp>
+      <p:sp>
+        <p:nvSpPr>
+          <p:cNvPr id="222" name="Oval 221"/>
+          <p:cNvSpPr/>
+          <p:nvPr/>
+        </p:nvSpPr>
+        <p:spPr>
+          <a:xfrm>
+            <a:off x="7553171" y="3586697"/>
+            <a:ext cx="760260" cy="754999"/>
+          </a:xfrm>
+          <a:prstGeom prst="ellipse">
+            <a:avLst/>
+          </a:prstGeom>
+          <a:solidFill>
+            <a:schemeClr val="accent2">
+              <a:lumMod val="40000"/>
+              <a:lumOff val="60000"/>
+            </a:schemeClr>
+          </a:solidFill>
+          <a:ln>
+            <a:solidFill>
+              <a:schemeClr val="accent2">
+                <a:lumMod val="60000"/>
+                <a:lumOff val="40000"/>
+              </a:schemeClr>
+            </a:solidFill>
+          </a:ln>
+        </p:spPr>
+        <p:style>
+          <a:lnRef idx="2">
+            <a:schemeClr val="accent1">
+              <a:shade val="50000"/>
+            </a:schemeClr>
+          </a:lnRef>
+          <a:fillRef idx="1">
+            <a:schemeClr val="accent1"/>
+          </a:fillRef>
+          <a:effectRef idx="0">
+            <a:schemeClr val="accent1"/>
+          </a:effectRef>
+          <a:fontRef idx="minor">
+            <a:schemeClr val="lt1"/>
+          </a:fontRef>
+        </p:style>
+        <p:txBody>
+          <a:bodyPr lIns="0" rIns="0" rtlCol="0" anchor="ctr"/>
+          <a:lstStyle/>
+          <a:p>
+            <a:pPr algn="ctr"/>
+            <a:r>
+              <a:rPr lang="en-US" altLang="en-US" sz="1271" dirty="0">
+                <a:solidFill>
+                  <a:schemeClr val="tx1"/>
+                </a:solidFill>
+                <a:latin typeface="Times New Roman" panose="02020603050405020304" pitchFamily="18" charset="0"/>
+                <a:cs typeface="Times New Roman" panose="02020603050405020304" pitchFamily="18" charset="0"/>
+              </a:rPr>
+              <a:t>GRU</a:t>
+            </a:r>
+          </a:p>
+          <a:p>
+            <a:pPr algn="ctr"/>
+            <a:r>
+              <a:rPr lang="en-US" altLang="en-US" sz="1271" dirty="0">
+                <a:solidFill>
+                  <a:schemeClr val="tx1"/>
+                </a:solidFill>
+                <a:latin typeface="Times New Roman" panose="02020603050405020304" pitchFamily="18" charset="0"/>
+                <a:cs typeface="Times New Roman" panose="02020603050405020304" pitchFamily="18" charset="0"/>
+              </a:rPr>
+              <a:t>(</a:t>
+            </a:r>
+            <a:r>
+              <a:rPr lang="en-US" altLang="en-US" sz="1271" i="1" dirty="0">
+                <a:solidFill>
+                  <a:schemeClr val="tx1"/>
+                </a:solidFill>
+                <a:latin typeface="Times New Roman" panose="02020603050405020304" pitchFamily="18" charset="0"/>
+                <a:cs typeface="Times New Roman" panose="02020603050405020304" pitchFamily="18" charset="0"/>
+              </a:rPr>
+              <a:t>t</a:t>
+            </a:r>
+            <a:r>
+              <a:rPr lang="" altLang="en-US" sz="1271" i="1" baseline="-25000" dirty="0">
+                <a:solidFill>
+                  <a:schemeClr val="tx1"/>
+                </a:solidFill>
+                <a:latin typeface="Times New Roman" panose="02020603050405020304" pitchFamily="18" charset="0"/>
+                <a:cs typeface="Times New Roman" panose="02020603050405020304" pitchFamily="18" charset="0"/>
+              </a:rPr>
+              <a:t>M</a:t>
+            </a:r>
+            <a:r>
+              <a:rPr lang="en-US" altLang="en-US" sz="1271" i="1" baseline="-25000" dirty="0">
+                <a:solidFill>
+                  <a:schemeClr val="tx1"/>
+                </a:solidFill>
+                <a:latin typeface="Times New Roman" panose="02020603050405020304" pitchFamily="18" charset="0"/>
+                <a:cs typeface="Times New Roman" panose="02020603050405020304" pitchFamily="18" charset="0"/>
+              </a:rPr>
+              <a:t>U</a:t>
+            </a:r>
+            <a:r>
+              <a:rPr lang="en-US" altLang="en-US" sz="1271" dirty="0">
+                <a:solidFill>
+                  <a:schemeClr val="tx1"/>
+                </a:solidFill>
+                <a:latin typeface="Times New Roman" panose="02020603050405020304" pitchFamily="18" charset="0"/>
+                <a:cs typeface="Times New Roman" panose="02020603050405020304" pitchFamily="18" charset="0"/>
+              </a:rPr>
+              <a:t>=</a:t>
+            </a:r>
+            <a:r>
+              <a:rPr lang="en-US" altLang="en-US" sz="1271" i="1" dirty="0">
+                <a:solidFill>
+                  <a:schemeClr val="tx1"/>
+                </a:solidFill>
+                <a:latin typeface="Times New Roman" panose="02020603050405020304" pitchFamily="18" charset="0"/>
+                <a:cs typeface="Times New Roman" panose="02020603050405020304" pitchFamily="18" charset="0"/>
+              </a:rPr>
+              <a:t>U</a:t>
+            </a:r>
+            <a:r>
+              <a:rPr lang="en-US" altLang="en-US" sz="1271" dirty="0">
+                <a:solidFill>
+                  <a:schemeClr val="tx1"/>
+                </a:solidFill>
+                <a:latin typeface="Times New Roman" panose="02020603050405020304" pitchFamily="18" charset="0"/>
+                <a:cs typeface="Times New Roman" panose="02020603050405020304" pitchFamily="18" charset="0"/>
+              </a:rPr>
+              <a:t>)</a:t>
+            </a:r>
+          </a:p>
+        </p:txBody>
+      </p:sp>
+      <p:cxnSp>
+        <p:nvCxnSpPr>
+          <p:cNvPr id="223" name="Elbow Connector 222"/>
+          <p:cNvCxnSpPr/>
+          <p:nvPr/>
+        </p:nvCxnSpPr>
+        <p:spPr>
+          <a:xfrm rot="16200000" flipH="1">
+            <a:off x="4947510" y="3444637"/>
+            <a:ext cx="754999" cy="1039986"/>
+          </a:xfrm>
+          <a:prstGeom prst="bentConnector5">
+            <a:avLst>
+              <a:gd name="adj1" fmla="val -8710"/>
+              <a:gd name="adj2" fmla="val 50000"/>
+              <a:gd name="adj3" fmla="val 127764"/>
+            </a:avLst>
+          </a:prstGeom>
+          <a:ln w="28575">
+            <a:solidFill>
+              <a:schemeClr val="accent2"/>
+            </a:solidFill>
+            <a:tailEnd type="arrow"/>
+          </a:ln>
+        </p:spPr>
+        <p:style>
+          <a:lnRef idx="1">
+            <a:schemeClr val="accent1"/>
+          </a:lnRef>
+          <a:fillRef idx="0">
+            <a:schemeClr val="accent1"/>
+          </a:fillRef>
+          <a:effectRef idx="0">
+            <a:schemeClr val="accent1"/>
+          </a:effectRef>
+          <a:fontRef idx="minor">
+            <a:schemeClr val="tx1"/>
+          </a:fontRef>
+        </p:style>
+      </p:cxnSp>
+      <p:cxnSp>
+        <p:nvCxnSpPr>
+          <p:cNvPr id="224" name="直线箭头连接符 64"/>
+          <p:cNvCxnSpPr/>
+          <p:nvPr/>
+        </p:nvCxnSpPr>
+        <p:spPr>
+          <a:xfrm>
+            <a:off x="7273449" y="3964192"/>
+            <a:ext cx="279727" cy="0"/>
+          </a:xfrm>
+          <a:prstGeom prst="straightConnector1">
+            <a:avLst/>
+          </a:prstGeom>
+          <a:ln w="47625">
+            <a:solidFill>
+              <a:schemeClr val="accent1">
+                <a:lumMod val="50000"/>
+              </a:schemeClr>
+            </a:solidFill>
+            <a:tailEnd type="triangle"/>
+          </a:ln>
+        </p:spPr>
+        <p:style>
+          <a:lnRef idx="1">
+            <a:schemeClr val="dk1"/>
+          </a:lnRef>
+          <a:fillRef idx="0">
+            <a:schemeClr val="dk1"/>
+          </a:fillRef>
+          <a:effectRef idx="0">
+            <a:schemeClr val="dk1"/>
+          </a:effectRef>
+          <a:fontRef idx="minor">
+            <a:schemeClr val="tx1"/>
+          </a:fontRef>
+        </p:style>
+      </p:cxnSp>
+      <p:cxnSp>
+        <p:nvCxnSpPr>
+          <p:cNvPr id="225" name="直线箭头连接符 64"/>
+          <p:cNvCxnSpPr/>
+          <p:nvPr/>
+        </p:nvCxnSpPr>
+        <p:spPr>
+          <a:xfrm>
+            <a:off x="4153052" y="3963753"/>
+            <a:ext cx="279727" cy="0"/>
+          </a:xfrm>
+          <a:prstGeom prst="straightConnector1">
+            <a:avLst/>
+          </a:prstGeom>
+          <a:ln w="47625">
+            <a:solidFill>
+              <a:schemeClr val="accent1">
+                <a:lumMod val="50000"/>
+              </a:schemeClr>
+            </a:solidFill>
+            <a:tailEnd type="triangle"/>
+          </a:ln>
+        </p:spPr>
+        <p:style>
+          <a:lnRef idx="1">
+            <a:schemeClr val="dk1"/>
+          </a:lnRef>
+          <a:fillRef idx="0">
+            <a:schemeClr val="dk1"/>
+          </a:fillRef>
+          <a:effectRef idx="0">
+            <a:schemeClr val="dk1"/>
+          </a:effectRef>
+          <a:fontRef idx="minor">
+            <a:schemeClr val="tx1"/>
+          </a:fontRef>
+        </p:style>
+      </p:cxnSp>
+      <p:cxnSp>
+        <p:nvCxnSpPr>
+          <p:cNvPr id="60" name="直线箭头连接符 64"/>
+          <p:cNvCxnSpPr>
+            <a:cxnSpLocks/>
+            <a:stCxn id="181" idx="3"/>
+            <a:endCxn id="165" idx="2"/>
+          </p:cNvCxnSpPr>
+          <p:nvPr/>
+        </p:nvCxnSpPr>
+        <p:spPr>
+          <a:xfrm>
+            <a:off x="2352866" y="2496951"/>
+            <a:ext cx="1039921" cy="1467685"/>
+          </a:xfrm>
+          <a:prstGeom prst="straightConnector1">
+            <a:avLst/>
+          </a:prstGeom>
+          <a:ln w="47625">
+            <a:solidFill>
+              <a:schemeClr val="accent5">
+                <a:lumMod val="50000"/>
+              </a:schemeClr>
+            </a:solidFill>
+            <a:tailEnd type="triangle"/>
+          </a:ln>
+        </p:spPr>
+        <p:style>
+          <a:lnRef idx="1">
+            <a:schemeClr val="dk1"/>
+          </a:lnRef>
+          <a:fillRef idx="0">
+            <a:schemeClr val="dk1"/>
+          </a:fillRef>
+          <a:effectRef idx="0">
+            <a:schemeClr val="dk1"/>
+          </a:effectRef>
+          <a:fontRef idx="minor">
+            <a:schemeClr val="tx1"/>
+          </a:fontRef>
+        </p:style>
+      </p:cxnSp>
+      <p:cxnSp>
+        <p:nvCxnSpPr>
+          <p:cNvPr id="171" name="直线箭头连接符 64">
+            <a:extLst>
+              <a:ext uri="{FF2B5EF4-FFF2-40B4-BE49-F238E27FC236}">
+                <a16:creationId xmlns:a16="http://schemas.microsoft.com/office/drawing/2014/main" id="{5E68787B-03A7-C745-99BB-DB96FF877F92}"/>
+              </a:ext>
+            </a:extLst>
+          </p:cNvPr>
+          <p:cNvCxnSpPr>
+            <a:cxnSpLocks/>
+          </p:cNvCxnSpPr>
+          <p:nvPr/>
+        </p:nvCxnSpPr>
+        <p:spPr>
+          <a:xfrm>
+            <a:off x="8406907" y="2476629"/>
+            <a:ext cx="549608" cy="9411"/>
+          </a:xfrm>
+          <a:prstGeom prst="straightConnector1">
+            <a:avLst/>
+          </a:prstGeom>
+          <a:ln w="47625">
+            <a:solidFill>
+              <a:schemeClr val="accent1">
+                <a:lumMod val="50000"/>
+              </a:schemeClr>
+            </a:solidFill>
+            <a:tailEnd type="triangle"/>
+          </a:ln>
+        </p:spPr>
+        <p:style>
+          <a:lnRef idx="1">
+            <a:schemeClr val="dk1"/>
+          </a:lnRef>
+          <a:fillRef idx="0">
+            <a:schemeClr val="dk1"/>
+          </a:fillRef>
+          <a:effectRef idx="0">
+            <a:schemeClr val="dk1"/>
+          </a:effectRef>
+          <a:fontRef idx="minor">
+            <a:schemeClr val="tx1"/>
+          </a:fontRef>
+        </p:style>
+      </p:cxnSp>
+      <p:cxnSp>
+        <p:nvCxnSpPr>
+          <p:cNvPr id="174" name="直线箭头连接符 64">
+            <a:extLst>
+              <a:ext uri="{FF2B5EF4-FFF2-40B4-BE49-F238E27FC236}">
+                <a16:creationId xmlns:a16="http://schemas.microsoft.com/office/drawing/2014/main" id="{B173243C-B147-C649-9853-C149E90CFE79}"/>
+              </a:ext>
+            </a:extLst>
+          </p:cNvPr>
+          <p:cNvCxnSpPr>
+            <a:cxnSpLocks/>
+            <a:stCxn id="164" idx="3"/>
+            <a:endCxn id="258" idx="1"/>
+          </p:cNvCxnSpPr>
+          <p:nvPr/>
+        </p:nvCxnSpPr>
+        <p:spPr>
+          <a:xfrm flipV="1">
+            <a:off x="8449056" y="3339071"/>
+            <a:ext cx="506241" cy="713481"/>
+          </a:xfrm>
+          <a:prstGeom prst="straightConnector1">
+            <a:avLst/>
+          </a:prstGeom>
+          <a:ln w="47625">
+            <a:solidFill>
+              <a:schemeClr val="accent1">
+                <a:lumMod val="50000"/>
+              </a:schemeClr>
+            </a:solidFill>
+            <a:tailEnd type="triangle"/>
+          </a:ln>
+        </p:spPr>
+        <p:style>
+          <a:lnRef idx="1">
+            <a:schemeClr val="dk1"/>
+          </a:lnRef>
+          <a:fillRef idx="0">
+            <a:schemeClr val="dk1"/>
+          </a:fillRef>
+          <a:effectRef idx="0">
+            <a:schemeClr val="dk1"/>
+          </a:effectRef>
+          <a:fontRef idx="minor">
+            <a:schemeClr val="tx1"/>
+          </a:fontRef>
+        </p:style>
+      </p:cxnSp>
+      <p:cxnSp>
+        <p:nvCxnSpPr>
+          <p:cNvPr id="118" name="肘形连接符 117">
+            <a:extLst>
+              <a:ext uri="{FF2B5EF4-FFF2-40B4-BE49-F238E27FC236}">
+                <a16:creationId xmlns:a16="http://schemas.microsoft.com/office/drawing/2014/main" id="{E925C9F7-D802-5449-8B24-7717A90468C1}"/>
+              </a:ext>
+            </a:extLst>
+          </p:cNvPr>
+          <p:cNvCxnSpPr>
+            <a:endCxn id="142" idx="1"/>
+          </p:cNvCxnSpPr>
+          <p:nvPr/>
+        </p:nvCxnSpPr>
+        <p:spPr>
+          <a:xfrm rot="16200000" flipH="1">
+            <a:off x="4001633" y="1680735"/>
+            <a:ext cx="852849" cy="219836"/>
+          </a:xfrm>
+          <a:prstGeom prst="bentConnector3">
+            <a:avLst>
+              <a:gd name="adj1" fmla="val 100515"/>
+            </a:avLst>
+          </a:prstGeom>
+          <a:ln w="28575">
+            <a:solidFill>
+              <a:srgbClr val="C00000"/>
+            </a:solidFill>
+            <a:tailEnd type="triangle"/>
+          </a:ln>
+        </p:spPr>
+        <p:style>
+          <a:lnRef idx="1">
+            <a:schemeClr val="accent1"/>
+          </a:lnRef>
+          <a:fillRef idx="0">
+            <a:schemeClr val="accent1"/>
+          </a:fillRef>
+          <a:effectRef idx="0">
+            <a:schemeClr val="accent1"/>
+          </a:effectRef>
+          <a:fontRef idx="minor">
+            <a:schemeClr val="tx1"/>
+          </a:fontRef>
+        </p:style>
+      </p:cxnSp>
+      <p:cxnSp>
+        <p:nvCxnSpPr>
+          <p:cNvPr id="208" name="肘形连接符 207">
+            <a:extLst>
+              <a:ext uri="{FF2B5EF4-FFF2-40B4-BE49-F238E27FC236}">
+                <a16:creationId xmlns:a16="http://schemas.microsoft.com/office/drawing/2014/main" id="{5F0E6CA9-9336-634A-8D07-BAAFC3562223}"/>
+              </a:ext>
+            </a:extLst>
+          </p:cNvPr>
+          <p:cNvCxnSpPr>
+            <a:cxnSpLocks/>
+            <a:endCxn id="109" idx="1"/>
+          </p:cNvCxnSpPr>
+          <p:nvPr/>
+        </p:nvCxnSpPr>
+        <p:spPr>
+          <a:xfrm rot="16200000" flipH="1">
+            <a:off x="5035682" y="1670855"/>
+            <a:ext cx="864180" cy="220374"/>
+          </a:xfrm>
+          <a:prstGeom prst="bentConnector3">
+            <a:avLst>
+              <a:gd name="adj1" fmla="val 100871"/>
+            </a:avLst>
+          </a:prstGeom>
+          <a:ln w="28575">
+            <a:solidFill>
+              <a:srgbClr val="C00000"/>
+            </a:solidFill>
+            <a:tailEnd type="triangle"/>
+          </a:ln>
+        </p:spPr>
+        <p:style>
+          <a:lnRef idx="1">
+            <a:schemeClr val="accent1"/>
+          </a:lnRef>
+          <a:fillRef idx="0">
+            <a:schemeClr val="accent1"/>
+          </a:fillRef>
+          <a:effectRef idx="0">
+            <a:schemeClr val="accent1"/>
+          </a:effectRef>
+          <a:fontRef idx="minor">
+            <a:schemeClr val="tx1"/>
+          </a:fontRef>
+        </p:style>
+      </p:cxnSp>
+      <p:cxnSp>
+        <p:nvCxnSpPr>
+          <p:cNvPr id="209" name="肘形连接符 208">
+            <a:extLst>
+              <a:ext uri="{FF2B5EF4-FFF2-40B4-BE49-F238E27FC236}">
+                <a16:creationId xmlns:a16="http://schemas.microsoft.com/office/drawing/2014/main" id="{5605B0AC-9580-374B-BD1C-5C9E8CA22BBB}"/>
+              </a:ext>
+            </a:extLst>
+          </p:cNvPr>
+          <p:cNvCxnSpPr>
+            <a:cxnSpLocks/>
+            <a:endCxn id="71" idx="1"/>
+          </p:cNvCxnSpPr>
+          <p:nvPr/>
+        </p:nvCxnSpPr>
+        <p:spPr>
+          <a:xfrm rot="16200000" flipH="1">
+            <a:off x="6086345" y="1683444"/>
+            <a:ext cx="857796" cy="216551"/>
+          </a:xfrm>
+          <a:prstGeom prst="bentConnector3">
+            <a:avLst>
+              <a:gd name="adj1" fmla="val 100224"/>
+            </a:avLst>
+          </a:prstGeom>
+          <a:ln w="28575">
+            <a:solidFill>
+              <a:srgbClr val="C00000"/>
+            </a:solidFill>
+            <a:tailEnd type="triangle"/>
+          </a:ln>
+        </p:spPr>
+        <p:style>
+          <a:lnRef idx="1">
+            <a:schemeClr val="accent1"/>
+          </a:lnRef>
+          <a:fillRef idx="0">
+            <a:schemeClr val="accent1"/>
+          </a:fillRef>
+          <a:effectRef idx="0">
+            <a:schemeClr val="accent1"/>
+          </a:effectRef>
+          <a:fontRef idx="minor">
+            <a:schemeClr val="tx1"/>
+          </a:fontRef>
+        </p:style>
+      </p:cxnSp>
+      <p:cxnSp>
+        <p:nvCxnSpPr>
+          <p:cNvPr id="231" name="肘形连接符 230">
+            <a:extLst>
+              <a:ext uri="{FF2B5EF4-FFF2-40B4-BE49-F238E27FC236}">
+                <a16:creationId xmlns:a16="http://schemas.microsoft.com/office/drawing/2014/main" id="{96C8C345-AA10-734F-80A4-31F8343F0414}"/>
+              </a:ext>
+            </a:extLst>
+          </p:cNvPr>
+          <p:cNvCxnSpPr>
+            <a:cxnSpLocks/>
+            <a:endCxn id="110" idx="1"/>
+          </p:cNvCxnSpPr>
+          <p:nvPr/>
+        </p:nvCxnSpPr>
+        <p:spPr>
+          <a:xfrm rot="16200000" flipH="1">
+            <a:off x="7121806" y="1672184"/>
+            <a:ext cx="883662" cy="207004"/>
+          </a:xfrm>
+          <a:prstGeom prst="bentConnector3">
+            <a:avLst>
+              <a:gd name="adj1" fmla="val 100395"/>
+            </a:avLst>
+          </a:prstGeom>
+          <a:ln w="28575">
+            <a:solidFill>
+              <a:srgbClr val="C00000"/>
+            </a:solidFill>
+            <a:tailEnd type="triangle"/>
+          </a:ln>
+        </p:spPr>
+        <p:style>
+          <a:lnRef idx="1">
+            <a:schemeClr val="accent1"/>
+          </a:lnRef>
+          <a:fillRef idx="0">
+            <a:schemeClr val="accent1"/>
+          </a:fillRef>
+          <a:effectRef idx="0">
+            <a:schemeClr val="accent1"/>
+          </a:effectRef>
+          <a:fontRef idx="minor">
+            <a:schemeClr val="tx1"/>
+          </a:fontRef>
+        </p:style>
+      </p:cxnSp>
+      <p:sp>
+        <p:nvSpPr>
+          <p:cNvPr id="250" name="椭圆 14">
+            <a:extLst>
+              <a:ext uri="{FF2B5EF4-FFF2-40B4-BE49-F238E27FC236}">
+                <a16:creationId xmlns:a16="http://schemas.microsoft.com/office/drawing/2014/main" id="{A63130DA-0A68-A546-A42A-018518130A2B}"/>
+              </a:ext>
+            </a:extLst>
+          </p:cNvPr>
+          <p:cNvSpPr/>
+          <p:nvPr/>
+        </p:nvSpPr>
+        <p:spPr>
+          <a:xfrm rot="5030305" flipH="1">
+            <a:off x="10372170" y="2798803"/>
+            <a:ext cx="30868" cy="30868"/>
+          </a:xfrm>
+          <a:prstGeom prst="ellipse">
+            <a:avLst/>
+          </a:prstGeom>
+        </p:spPr>
+        <p:style>
+          <a:lnRef idx="2">
+            <a:schemeClr val="dk1">
+              <a:shade val="50000"/>
+            </a:schemeClr>
+          </a:lnRef>
+          <a:fillRef idx="1">
+            <a:schemeClr val="dk1"/>
+          </a:fillRef>
+          <a:effectRef idx="0">
+            <a:schemeClr val="dk1"/>
+          </a:effectRef>
+          <a:fontRef idx="minor">
+            <a:schemeClr val="lt1"/>
+          </a:fontRef>
+        </p:style>
+        <p:txBody>
+          <a:bodyPr rot="0" spcFirstLastPara="0" vertOverflow="overflow" horzOverflow="overflow" vert="horz" wrap="square" lIns="61739" tIns="30869" rIns="61739" bIns="30869" numCol="1" spcCol="0" rtlCol="0" fromWordArt="0" anchor="ctr" anchorCtr="0" forceAA="0" compatLnSpc="1">
+            <a:noAutofit/>
+          </a:bodyPr>
+          <a:lstStyle/>
+          <a:p>
+            <a:pPr algn="ctr"/>
+            <a:endParaRPr kumimoji="1" lang="zh-CN" altLang="en-US" sz="269">
+              <a:latin typeface="Times New Roman" panose="02020603050405020304" pitchFamily="18" charset="0"/>
+              <a:cs typeface="Times New Roman" panose="02020603050405020304" pitchFamily="18" charset="0"/>
+            </a:endParaRPr>
+          </a:p>
+        </p:txBody>
+      </p:sp>
+      <p:sp>
+        <p:nvSpPr>
+          <p:cNvPr id="251" name="椭圆 14">
+            <a:extLst>
+              <a:ext uri="{FF2B5EF4-FFF2-40B4-BE49-F238E27FC236}">
+                <a16:creationId xmlns:a16="http://schemas.microsoft.com/office/drawing/2014/main" id="{4ECD8B2C-2A1F-7C44-802B-9320AA933A4C}"/>
+              </a:ext>
+            </a:extLst>
+          </p:cNvPr>
+          <p:cNvSpPr/>
+          <p:nvPr/>
+        </p:nvSpPr>
+        <p:spPr>
+          <a:xfrm rot="5030305" flipH="1">
+            <a:off x="10372170" y="2888371"/>
+            <a:ext cx="30868" cy="30868"/>
+          </a:xfrm>
+          <a:prstGeom prst="ellipse">
+            <a:avLst/>
+          </a:prstGeom>
+        </p:spPr>
+        <p:style>
+          <a:lnRef idx="2">
+            <a:schemeClr val="dk1">
+              <a:shade val="50000"/>
+            </a:schemeClr>
+          </a:lnRef>
+          <a:fillRef idx="1">
+            <a:schemeClr val="dk1"/>
+          </a:fillRef>
+          <a:effectRef idx="0">
+            <a:schemeClr val="dk1"/>
+          </a:effectRef>
+          <a:fontRef idx="minor">
+            <a:schemeClr val="lt1"/>
+          </a:fontRef>
+        </p:style>
+        <p:txBody>
+          <a:bodyPr rot="0" spcFirstLastPara="0" vertOverflow="overflow" horzOverflow="overflow" vert="horz" wrap="square" lIns="61739" tIns="30869" rIns="61739" bIns="30869" numCol="1" spcCol="0" rtlCol="0" fromWordArt="0" anchor="ctr" anchorCtr="0" forceAA="0" compatLnSpc="1">
+            <a:noAutofit/>
+          </a:bodyPr>
+          <a:lstStyle/>
+          <a:p>
+            <a:pPr algn="ctr"/>
+            <a:endParaRPr kumimoji="1" lang="zh-CN" altLang="en-US" sz="269">
+              <a:latin typeface="Times New Roman" panose="02020603050405020304" pitchFamily="18" charset="0"/>
+              <a:cs typeface="Times New Roman" panose="02020603050405020304" pitchFamily="18" charset="0"/>
+            </a:endParaRPr>
+          </a:p>
+        </p:txBody>
+      </p:sp>
+      <p:sp>
+        <p:nvSpPr>
+          <p:cNvPr id="252" name="椭圆 14">
+            <a:extLst>
+              <a:ext uri="{FF2B5EF4-FFF2-40B4-BE49-F238E27FC236}">
+                <a16:creationId xmlns:a16="http://schemas.microsoft.com/office/drawing/2014/main" id="{12333D3F-0171-3144-ACC9-525FB19F8569}"/>
+              </a:ext>
+            </a:extLst>
+          </p:cNvPr>
+          <p:cNvSpPr/>
+          <p:nvPr/>
+        </p:nvSpPr>
+        <p:spPr>
+          <a:xfrm rot="5030305" flipH="1">
+            <a:off x="10372170" y="2994481"/>
+            <a:ext cx="30868" cy="30868"/>
+          </a:xfrm>
+          <a:prstGeom prst="ellipse">
+            <a:avLst/>
+          </a:prstGeom>
+        </p:spPr>
+        <p:style>
+          <a:lnRef idx="2">
+            <a:schemeClr val="dk1">
+              <a:shade val="50000"/>
+            </a:schemeClr>
+          </a:lnRef>
+          <a:fillRef idx="1">
+            <a:schemeClr val="dk1"/>
+          </a:fillRef>
+          <a:effectRef idx="0">
+            <a:schemeClr val="dk1"/>
+          </a:effectRef>
+          <a:fontRef idx="minor">
+            <a:schemeClr val="lt1"/>
+          </a:fontRef>
+        </p:style>
+        <p:txBody>
+          <a:bodyPr rot="0" spcFirstLastPara="0" vertOverflow="overflow" horzOverflow="overflow" vert="horz" wrap="square" lIns="61739" tIns="30869" rIns="61739" bIns="30869" numCol="1" spcCol="0" rtlCol="0" fromWordArt="0" anchor="ctr" anchorCtr="0" forceAA="0" compatLnSpc="1">
+            <a:noAutofit/>
+          </a:bodyPr>
+          <a:lstStyle/>
+          <a:p>
+            <a:pPr algn="ctr"/>
+            <a:endParaRPr kumimoji="1" lang="zh-CN" altLang="en-US" sz="269">
+              <a:latin typeface="Times New Roman" panose="02020603050405020304" pitchFamily="18" charset="0"/>
+              <a:cs typeface="Times New Roman" panose="02020603050405020304" pitchFamily="18" charset="0"/>
+            </a:endParaRPr>
+          </a:p>
+        </p:txBody>
+      </p:sp>
+      <p:sp>
+        <p:nvSpPr>
+          <p:cNvPr id="253" name="椭圆 14">
+            <a:extLst>
+              <a:ext uri="{FF2B5EF4-FFF2-40B4-BE49-F238E27FC236}">
+                <a16:creationId xmlns:a16="http://schemas.microsoft.com/office/drawing/2014/main" id="{26528013-16BC-984F-BADE-8B58F194FF7A}"/>
+              </a:ext>
+            </a:extLst>
+          </p:cNvPr>
+          <p:cNvSpPr/>
+          <p:nvPr/>
+        </p:nvSpPr>
+        <p:spPr>
+          <a:xfrm rot="5030305" flipH="1">
+            <a:off x="10389171" y="1825033"/>
+            <a:ext cx="30868" cy="30868"/>
+          </a:xfrm>
+          <a:prstGeom prst="ellipse">
+            <a:avLst/>
+          </a:prstGeom>
+        </p:spPr>
+        <p:style>
+          <a:lnRef idx="2">
+            <a:schemeClr val="dk1">
+              <a:shade val="50000"/>
+            </a:schemeClr>
+          </a:lnRef>
+          <a:fillRef idx="1">
+            <a:schemeClr val="dk1"/>
+          </a:fillRef>
+          <a:effectRef idx="0">
+            <a:schemeClr val="dk1"/>
+          </a:effectRef>
+          <a:fontRef idx="minor">
+            <a:schemeClr val="lt1"/>
+          </a:fontRef>
+        </p:style>
+        <p:txBody>
+          <a:bodyPr rot="0" spcFirstLastPara="0" vertOverflow="overflow" horzOverflow="overflow" vert="horz" wrap="square" lIns="61739" tIns="30869" rIns="61739" bIns="30869" numCol="1" spcCol="0" rtlCol="0" fromWordArt="0" anchor="ctr" anchorCtr="0" forceAA="0" compatLnSpc="1">
+            <a:noAutofit/>
+          </a:bodyPr>
+          <a:lstStyle/>
+          <a:p>
+            <a:pPr algn="ctr"/>
+            <a:endParaRPr kumimoji="1" lang="zh-CN" altLang="en-US" sz="269">
+              <a:latin typeface="Times New Roman" panose="02020603050405020304" pitchFamily="18" charset="0"/>
+              <a:cs typeface="Times New Roman" panose="02020603050405020304" pitchFamily="18" charset="0"/>
+            </a:endParaRPr>
+          </a:p>
+        </p:txBody>
+      </p:sp>
+      <p:sp>
+        <p:nvSpPr>
+          <p:cNvPr id="254" name="椭圆 14">
+            <a:extLst>
+              <a:ext uri="{FF2B5EF4-FFF2-40B4-BE49-F238E27FC236}">
+                <a16:creationId xmlns:a16="http://schemas.microsoft.com/office/drawing/2014/main" id="{CA8CB357-1BC2-3547-9126-941009F82A8B}"/>
+              </a:ext>
+            </a:extLst>
+          </p:cNvPr>
+          <p:cNvSpPr/>
+          <p:nvPr/>
+        </p:nvSpPr>
+        <p:spPr>
+          <a:xfrm rot="5030305" flipH="1">
+            <a:off x="10389171" y="1914601"/>
+            <a:ext cx="30868" cy="30868"/>
+          </a:xfrm>
+          <a:prstGeom prst="ellipse">
+            <a:avLst/>
+          </a:prstGeom>
+        </p:spPr>
+        <p:style>
+          <a:lnRef idx="2">
+            <a:schemeClr val="dk1">
+              <a:shade val="50000"/>
+            </a:schemeClr>
+          </a:lnRef>
+          <a:fillRef idx="1">
+            <a:schemeClr val="dk1"/>
+          </a:fillRef>
+          <a:effectRef idx="0">
+            <a:schemeClr val="dk1"/>
+          </a:effectRef>
+          <a:fontRef idx="minor">
+            <a:schemeClr val="lt1"/>
+          </a:fontRef>
+        </p:style>
+        <p:txBody>
+          <a:bodyPr rot="0" spcFirstLastPara="0" vertOverflow="overflow" horzOverflow="overflow" vert="horz" wrap="square" lIns="61739" tIns="30869" rIns="61739" bIns="30869" numCol="1" spcCol="0" rtlCol="0" fromWordArt="0" anchor="ctr" anchorCtr="0" forceAA="0" compatLnSpc="1">
+            <a:noAutofit/>
+          </a:bodyPr>
+          <a:lstStyle/>
+          <a:p>
+            <a:pPr algn="ctr"/>
+            <a:endParaRPr kumimoji="1" lang="zh-CN" altLang="en-US" sz="269">
+              <a:latin typeface="Times New Roman" panose="02020603050405020304" pitchFamily="18" charset="0"/>
+              <a:cs typeface="Times New Roman" panose="02020603050405020304" pitchFamily="18" charset="0"/>
+            </a:endParaRPr>
+          </a:p>
+        </p:txBody>
+      </p:sp>
+      <p:sp>
+        <p:nvSpPr>
+          <p:cNvPr id="255" name="椭圆 14">
+            <a:extLst>
+              <a:ext uri="{FF2B5EF4-FFF2-40B4-BE49-F238E27FC236}">
+                <a16:creationId xmlns:a16="http://schemas.microsoft.com/office/drawing/2014/main" id="{E9929107-F2C4-3847-8542-3CF891FFA5E9}"/>
+              </a:ext>
+            </a:extLst>
+          </p:cNvPr>
+          <p:cNvSpPr/>
+          <p:nvPr/>
+        </p:nvSpPr>
+        <p:spPr>
+          <a:xfrm rot="5030305" flipH="1">
+            <a:off x="10389171" y="2020711"/>
+            <a:ext cx="30868" cy="30868"/>
+          </a:xfrm>
+          <a:prstGeom prst="ellipse">
+            <a:avLst/>
+          </a:prstGeom>
+        </p:spPr>
+        <p:style>
+          <a:lnRef idx="2">
+            <a:schemeClr val="dk1">
+              <a:shade val="50000"/>
+            </a:schemeClr>
+          </a:lnRef>
+          <a:fillRef idx="1">
+            <a:schemeClr val="dk1"/>
+          </a:fillRef>
+          <a:effectRef idx="0">
+            <a:schemeClr val="dk1"/>
+          </a:effectRef>
+          <a:fontRef idx="minor">
+            <a:schemeClr val="lt1"/>
+          </a:fontRef>
+        </p:style>
+        <p:txBody>
+          <a:bodyPr rot="0" spcFirstLastPara="0" vertOverflow="overflow" horzOverflow="overflow" vert="horz" wrap="square" lIns="61739" tIns="30869" rIns="61739" bIns="30869" numCol="1" spcCol="0" rtlCol="0" fromWordArt="0" anchor="ctr" anchorCtr="0" forceAA="0" compatLnSpc="1">
+            <a:noAutofit/>
+          </a:bodyPr>
+          <a:lstStyle/>
+          <a:p>
+            <a:pPr algn="ctr"/>
+            <a:endParaRPr kumimoji="1" lang="zh-CN" altLang="en-US" sz="269">
+              <a:latin typeface="Times New Roman" panose="02020603050405020304" pitchFamily="18" charset="0"/>
+              <a:cs typeface="Times New Roman" panose="02020603050405020304" pitchFamily="18" charset="0"/>
+            </a:endParaRPr>
+          </a:p>
+        </p:txBody>
+      </p:sp>
+      <p:sp>
+        <p:nvSpPr>
+          <p:cNvPr id="258" name="文本框 257">
+            <a:extLst>
+              <a:ext uri="{FF2B5EF4-FFF2-40B4-BE49-F238E27FC236}">
+                <a16:creationId xmlns:a16="http://schemas.microsoft.com/office/drawing/2014/main" id="{C2F564AE-C1BD-CB46-95E4-D1C2F45729B7}"/>
+              </a:ext>
+            </a:extLst>
+          </p:cNvPr>
+          <p:cNvSpPr txBox="1"/>
+          <p:nvPr/>
+        </p:nvSpPr>
+        <p:spPr>
+          <a:xfrm>
+            <a:off x="8955066" y="3181611"/>
+            <a:ext cx="585417" cy="307777"/>
+          </a:xfrm>
+          <a:prstGeom prst="rect">
+            <a:avLst/>
+          </a:prstGeom>
+          <a:noFill/>
+        </p:spPr>
+        <p:txBody>
+          <a:bodyPr wrap="none" rtlCol="0">
+            <a:spAutoFit/>
+          </a:bodyPr>
+          <a:lstStyle/>
+          <a:p>
+            <a:r>
+              <a:rPr kumimoji="1" lang="en-US" altLang="zh-CN" sz="1400" i="1" dirty="0">
+                <a:latin typeface="Times New Roman" panose="02020603050405020304" pitchFamily="18" charset="0"/>
+                <a:cs typeface="Times New Roman" panose="02020603050405020304" pitchFamily="18" charset="0"/>
+              </a:rPr>
+              <a:t>m=M</a:t>
+            </a:r>
+            <a:endParaRPr kumimoji="1" lang="zh-CN" altLang="en-US" sz="1400" i="1" dirty="0">
+              <a:latin typeface="Times New Roman" panose="02020603050405020304" pitchFamily="18" charset="0"/>
+              <a:cs typeface="Times New Roman" panose="02020603050405020304" pitchFamily="18" charset="0"/>
+            </a:endParaRPr>
+          </a:p>
+        </p:txBody>
+      </p:sp>
+      <p:sp>
+        <p:nvSpPr>
+          <p:cNvPr id="261" name="文本框 260">
+            <a:extLst>
+              <a:ext uri="{FF2B5EF4-FFF2-40B4-BE49-F238E27FC236}">
+                <a16:creationId xmlns:a16="http://schemas.microsoft.com/office/drawing/2014/main" id="{56EF6B48-3D19-F44B-92B2-851484A6018D}"/>
+              </a:ext>
+            </a:extLst>
+          </p:cNvPr>
+          <p:cNvSpPr txBox="1"/>
+          <p:nvPr/>
+        </p:nvSpPr>
+        <p:spPr>
+          <a:xfrm>
+            <a:off x="8964428" y="2216493"/>
+            <a:ext cx="486030" cy="307777"/>
+          </a:xfrm>
+          <a:prstGeom prst="rect">
+            <a:avLst/>
+          </a:prstGeom>
+          <a:noFill/>
+        </p:spPr>
+        <p:txBody>
+          <a:bodyPr wrap="none" rtlCol="0">
+            <a:spAutoFit/>
+          </a:bodyPr>
+          <a:lstStyle/>
+          <a:p>
+            <a:r>
+              <a:rPr kumimoji="1" lang="en-US" altLang="zh-CN" sz="1400" i="1" dirty="0">
+                <a:latin typeface="Times New Roman" panose="02020603050405020304" pitchFamily="18" charset="0"/>
+                <a:cs typeface="Times New Roman" panose="02020603050405020304" pitchFamily="18" charset="0"/>
+              </a:rPr>
+              <a:t>m=</a:t>
+            </a:r>
+            <a:r>
+              <a:rPr kumimoji="1" lang="en-US" altLang="zh-CN" sz="1400" i="1" dirty="0" err="1">
+                <a:latin typeface="Times New Roman" panose="02020603050405020304" pitchFamily="18" charset="0"/>
+                <a:cs typeface="Times New Roman" panose="02020603050405020304" pitchFamily="18" charset="0"/>
+              </a:rPr>
+              <a:t>i</a:t>
+            </a:r>
+            <a:endParaRPr kumimoji="1" lang="zh-CN" altLang="en-US" sz="1400" i="1" dirty="0">
+              <a:latin typeface="Times New Roman" panose="02020603050405020304" pitchFamily="18" charset="0"/>
+              <a:cs typeface="Times New Roman" panose="02020603050405020304" pitchFamily="18" charset="0"/>
+            </a:endParaRPr>
+          </a:p>
+        </p:txBody>
+      </p:sp>
+      <p:sp>
+        <p:nvSpPr>
+          <p:cNvPr id="264" name="文本框 263">
+            <a:extLst>
+              <a:ext uri="{FF2B5EF4-FFF2-40B4-BE49-F238E27FC236}">
+                <a16:creationId xmlns:a16="http://schemas.microsoft.com/office/drawing/2014/main" id="{E11D2757-14A6-9F44-98DD-B27BF2E3E682}"/>
+              </a:ext>
+            </a:extLst>
+          </p:cNvPr>
+          <p:cNvSpPr txBox="1"/>
+          <p:nvPr/>
+        </p:nvSpPr>
+        <p:spPr>
+          <a:xfrm>
+            <a:off x="8956284" y="1302202"/>
+            <a:ext cx="526106" cy="307777"/>
+          </a:xfrm>
+          <a:prstGeom prst="rect">
+            <a:avLst/>
+          </a:prstGeom>
+          <a:noFill/>
+        </p:spPr>
+        <p:txBody>
+          <a:bodyPr wrap="none" rtlCol="0">
+            <a:spAutoFit/>
+          </a:bodyPr>
+          <a:lstStyle/>
+          <a:p>
+            <a:r>
+              <a:rPr kumimoji="1" lang="en-US" altLang="zh-CN" sz="1400" i="1" dirty="0">
+                <a:latin typeface="Times New Roman" panose="02020603050405020304" pitchFamily="18" charset="0"/>
+                <a:cs typeface="Times New Roman" panose="02020603050405020304" pitchFamily="18" charset="0"/>
+              </a:rPr>
+              <a:t>m=1</a:t>
+            </a:r>
+            <a:endParaRPr kumimoji="1" lang="zh-CN" altLang="en-US" sz="1400" i="1" dirty="0">
+              <a:latin typeface="Times New Roman" panose="02020603050405020304" pitchFamily="18" charset="0"/>
+              <a:cs typeface="Times New Roman" panose="02020603050405020304" pitchFamily="18" charset="0"/>
+            </a:endParaRPr>
+          </a:p>
+        </p:txBody>
+      </p:sp>
+      <p:sp>
+        <p:nvSpPr>
+          <p:cNvPr id="90" name="左中括号 89"/>
+          <p:cNvSpPr/>
+          <p:nvPr/>
+        </p:nvSpPr>
+        <p:spPr>
+          <a:xfrm>
+            <a:off x="8984068" y="1221897"/>
+            <a:ext cx="129221" cy="2386867"/>
+          </a:xfrm>
+          <a:prstGeom prst="leftBracket">
+            <a:avLst/>
+          </a:prstGeom>
+          <a:ln w="28575">
+            <a:solidFill>
+              <a:schemeClr val="accent2"/>
+            </a:solidFill>
+          </a:ln>
+        </p:spPr>
+        <p:style>
+          <a:lnRef idx="1">
+            <a:schemeClr val="accent1"/>
+          </a:lnRef>
+          <a:fillRef idx="0">
+            <a:schemeClr val="accent1"/>
+          </a:fillRef>
+          <a:effectRef idx="0">
+            <a:schemeClr val="accent1"/>
+          </a:effectRef>
+          <a:fontRef idx="minor">
+            <a:schemeClr val="tx1"/>
+          </a:fontRef>
+        </p:style>
+        <p:txBody>
+          <a:bodyPr rtlCol="0" anchor="ctr"/>
+          <a:lstStyle/>
+          <a:p>
+            <a:pPr algn="ctr"/>
+            <a:endParaRPr lang="zh-CN" altLang="en-US"/>
+          </a:p>
+        </p:txBody>
+      </p:sp>
+      <p:sp>
+        <p:nvSpPr>
+          <p:cNvPr id="95" name="右中括号 94"/>
+          <p:cNvSpPr/>
+          <p:nvPr/>
+        </p:nvSpPr>
+        <p:spPr>
+          <a:xfrm>
+            <a:off x="11385178" y="1221897"/>
+            <a:ext cx="107660" cy="2375025"/>
+          </a:xfrm>
+          <a:prstGeom prst="rightBracket">
+            <a:avLst/>
+          </a:prstGeom>
+          <a:noFill/>
+          <a:ln w="28575">
+            <a:solidFill>
+              <a:schemeClr val="accent2"/>
+            </a:solidFill>
+          </a:ln>
+        </p:spPr>
+        <p:style>
+          <a:lnRef idx="1">
+            <a:schemeClr val="accent1"/>
+          </a:lnRef>
+          <a:fillRef idx="0">
+            <a:schemeClr val="accent1"/>
+          </a:fillRef>
+          <a:effectRef idx="0">
+            <a:schemeClr val="accent1"/>
+          </a:effectRef>
+          <a:fontRef idx="minor">
+            <a:schemeClr val="tx1"/>
+          </a:fontRef>
+        </p:style>
+        <p:txBody>
+          <a:bodyPr rtlCol="0" anchor="ctr"/>
+          <a:lstStyle/>
+          <a:p>
+            <a:pPr algn="ctr"/>
+            <a:endParaRPr lang="zh-CN" altLang="en-US"/>
+          </a:p>
+        </p:txBody>
+      </p:sp>
+      <p:sp>
+        <p:nvSpPr>
+          <p:cNvPr id="96" name="文本框 95"/>
+          <p:cNvSpPr txBox="1"/>
+          <p:nvPr/>
+        </p:nvSpPr>
+        <p:spPr>
+          <a:xfrm>
+            <a:off x="9139546" y="870836"/>
+            <a:ext cx="2133918" cy="369332"/>
+          </a:xfrm>
+          <a:prstGeom prst="rect">
+            <a:avLst/>
+          </a:prstGeom>
+          <a:noFill/>
+        </p:spPr>
+        <p:txBody>
+          <a:bodyPr wrap="none" rtlCol="0">
+            <a:spAutoFit/>
+          </a:bodyPr>
+          <a:lstStyle/>
+          <a:p>
+            <a:r>
+              <a:rPr lang="en-US" altLang="zh-CN" i="1" dirty="0">
+                <a:latin typeface="Times New Roman" panose="02020603050405020304" pitchFamily="18" charset="0"/>
+                <a:cs typeface="Times New Roman" panose="02020603050405020304" pitchFamily="18" charset="0"/>
+              </a:rPr>
+              <a:t>M</a:t>
+            </a:r>
+            <a:r>
+              <a:rPr lang="en-US" altLang="zh-CN" dirty="0">
+                <a:latin typeface="Times New Roman" panose="02020603050405020304" pitchFamily="18" charset="0"/>
+                <a:cs typeface="Times New Roman" panose="02020603050405020304" pitchFamily="18" charset="0"/>
+              </a:rPr>
+              <a:t> Prediction Results</a:t>
+            </a:r>
+            <a:endParaRPr lang="zh-CN" altLang="en-US" dirty="0">
+              <a:latin typeface="Times New Roman" panose="02020603050405020304" pitchFamily="18" charset="0"/>
+              <a:cs typeface="Times New Roman" panose="02020603050405020304" pitchFamily="18" charset="0"/>
+            </a:endParaRPr>
+          </a:p>
+        </p:txBody>
+      </p:sp>
+      <p:sp>
+        <p:nvSpPr>
+          <p:cNvPr id="97" name="文本框 96"/>
+          <p:cNvSpPr txBox="1"/>
+          <p:nvPr/>
+        </p:nvSpPr>
+        <p:spPr>
+          <a:xfrm rot="18003626">
+            <a:off x="2019568" y="1397006"/>
+            <a:ext cx="1420582" cy="307777"/>
+          </a:xfrm>
+          <a:prstGeom prst="rect">
+            <a:avLst/>
+          </a:prstGeom>
+          <a:noFill/>
+        </p:spPr>
+        <p:txBody>
+          <a:bodyPr wrap="none" rtlCol="0">
+            <a:spAutoFit/>
+          </a:bodyPr>
+          <a:lstStyle/>
+          <a:p>
+            <a:r>
+              <a:rPr lang="en-US" altLang="zh-CN" sz="1400" dirty="0">
+                <a:latin typeface="Times New Roman" panose="02020603050405020304" pitchFamily="18" charset="0"/>
+                <a:cs typeface="Times New Roman" panose="02020603050405020304" pitchFamily="18" charset="0"/>
+              </a:rPr>
+              <a:t>The First Sample</a:t>
+            </a:r>
+            <a:endParaRPr lang="zh-CN" altLang="en-US" sz="1400" dirty="0">
+              <a:latin typeface="Times New Roman" panose="02020603050405020304" pitchFamily="18" charset="0"/>
+              <a:cs typeface="Times New Roman" panose="02020603050405020304" pitchFamily="18" charset="0"/>
+            </a:endParaRPr>
+          </a:p>
+        </p:txBody>
+      </p:sp>
+      <p:sp>
+        <p:nvSpPr>
+          <p:cNvPr id="198" name="文本框 197"/>
+          <p:cNvSpPr txBox="1"/>
+          <p:nvPr/>
+        </p:nvSpPr>
+        <p:spPr>
+          <a:xfrm rot="3301761">
+            <a:off x="2018642" y="3148074"/>
+            <a:ext cx="1451038" cy="307777"/>
+          </a:xfrm>
+          <a:prstGeom prst="rect">
+            <a:avLst/>
+          </a:prstGeom>
+          <a:noFill/>
+        </p:spPr>
+        <p:txBody>
+          <a:bodyPr wrap="none" rtlCol="0">
+            <a:spAutoFit/>
+          </a:bodyPr>
+          <a:lstStyle/>
+          <a:p>
+            <a:r>
+              <a:rPr lang="en-US" altLang="zh-CN" sz="1400" dirty="0">
+                <a:latin typeface="Times New Roman" panose="02020603050405020304" pitchFamily="18" charset="0"/>
+                <a:cs typeface="Times New Roman" panose="02020603050405020304" pitchFamily="18" charset="0"/>
+              </a:rPr>
+              <a:t>The M-</a:t>
+            </a:r>
+            <a:r>
+              <a:rPr lang="en-US" altLang="zh-CN" sz="1400" dirty="0" err="1">
+                <a:latin typeface="Times New Roman" panose="02020603050405020304" pitchFamily="18" charset="0"/>
+                <a:cs typeface="Times New Roman" panose="02020603050405020304" pitchFamily="18" charset="0"/>
+              </a:rPr>
+              <a:t>th</a:t>
+            </a:r>
+            <a:r>
+              <a:rPr lang="en-US" altLang="zh-CN" sz="1400" dirty="0">
+                <a:latin typeface="Times New Roman" panose="02020603050405020304" pitchFamily="18" charset="0"/>
+                <a:cs typeface="Times New Roman" panose="02020603050405020304" pitchFamily="18" charset="0"/>
+              </a:rPr>
+              <a:t> Sample</a:t>
+            </a:r>
+            <a:endParaRPr lang="zh-CN" altLang="en-US" sz="1400" dirty="0">
+              <a:latin typeface="Times New Roman" panose="02020603050405020304" pitchFamily="18" charset="0"/>
+              <a:cs typeface="Times New Roman" panose="02020603050405020304" pitchFamily="18" charset="0"/>
+            </a:endParaRPr>
+          </a:p>
+        </p:txBody>
+      </p:sp>
+      <p:sp>
+        <p:nvSpPr>
+          <p:cNvPr id="199" name="文本框 198"/>
+          <p:cNvSpPr txBox="1"/>
+          <p:nvPr/>
+        </p:nvSpPr>
+        <p:spPr>
+          <a:xfrm>
+            <a:off x="2571342" y="2519135"/>
+            <a:ext cx="830502" cy="398379"/>
+          </a:xfrm>
+          <a:prstGeom prst="rect">
+            <a:avLst/>
+          </a:prstGeom>
+          <a:noFill/>
+        </p:spPr>
+        <p:txBody>
+          <a:bodyPr wrap="square" rtlCol="0">
+            <a:spAutoFit/>
+          </a:bodyPr>
+          <a:lstStyle/>
+          <a:p>
+            <a:pPr>
+              <a:lnSpc>
+                <a:spcPct val="70000"/>
+              </a:lnSpc>
+            </a:pPr>
+            <a:r>
+              <a:rPr lang="en-US" altLang="zh-CN" sz="1400" dirty="0">
+                <a:latin typeface="Times New Roman" panose="02020603050405020304" pitchFamily="18" charset="0"/>
+                <a:cs typeface="Times New Roman" panose="02020603050405020304" pitchFamily="18" charset="0"/>
+              </a:rPr>
+              <a:t>The </a:t>
+            </a:r>
+            <a:r>
+              <a:rPr lang="en-US" altLang="zh-CN" sz="1400" i="1" dirty="0" err="1">
+                <a:latin typeface="Times New Roman" panose="02020603050405020304" pitchFamily="18" charset="0"/>
+                <a:cs typeface="Times New Roman" panose="02020603050405020304" pitchFamily="18" charset="0"/>
+              </a:rPr>
+              <a:t>i</a:t>
+            </a:r>
+            <a:r>
+              <a:rPr lang="en-US" altLang="zh-CN" sz="1400" dirty="0" err="1">
+                <a:latin typeface="Times New Roman" panose="02020603050405020304" pitchFamily="18" charset="0"/>
+                <a:cs typeface="Times New Roman" panose="02020603050405020304" pitchFamily="18" charset="0"/>
+              </a:rPr>
+              <a:t>-th</a:t>
+            </a:r>
+            <a:r>
+              <a:rPr lang="en-US" altLang="zh-CN" sz="1400" dirty="0">
+                <a:latin typeface="Times New Roman" panose="02020603050405020304" pitchFamily="18" charset="0"/>
+                <a:cs typeface="Times New Roman" panose="02020603050405020304" pitchFamily="18" charset="0"/>
+              </a:rPr>
+              <a:t> Sample</a:t>
+            </a:r>
+            <a:endParaRPr lang="zh-CN" altLang="en-US" sz="1400" dirty="0">
+              <a:latin typeface="Times New Roman" panose="02020603050405020304" pitchFamily="18" charset="0"/>
+              <a:cs typeface="Times New Roman" panose="02020603050405020304" pitchFamily="18" charset="0"/>
+            </a:endParaRPr>
+          </a:p>
+        </p:txBody>
+      </p:sp>
+      <p:sp>
+        <p:nvSpPr>
+          <p:cNvPr id="100" name="文本框 99"/>
+          <p:cNvSpPr txBox="1"/>
+          <p:nvPr/>
+        </p:nvSpPr>
+        <p:spPr>
+          <a:xfrm>
+            <a:off x="2924262" y="1467043"/>
+            <a:ext cx="615553" cy="733687"/>
+          </a:xfrm>
+          <a:prstGeom prst="rect">
+            <a:avLst/>
+          </a:prstGeom>
+          <a:noFill/>
+        </p:spPr>
+        <p:txBody>
+          <a:bodyPr vert="eaVert" wrap="square" rtlCol="0" anchor="t">
+            <a:spAutoFit/>
+          </a:bodyPr>
+          <a:lstStyle/>
+          <a:p>
+            <a:r>
+              <a:rPr lang="en-US" altLang="zh-CN" sz="2800" dirty="0"/>
+              <a:t>… …</a:t>
+            </a:r>
+            <a:endParaRPr lang="zh-CN" altLang="en-US" sz="2800" dirty="0"/>
+          </a:p>
+        </p:txBody>
+      </p:sp>
+      <p:sp>
+        <p:nvSpPr>
+          <p:cNvPr id="212" name="文本框 211"/>
+          <p:cNvSpPr txBox="1"/>
+          <p:nvPr/>
+        </p:nvSpPr>
+        <p:spPr>
+          <a:xfrm>
+            <a:off x="2945147" y="2870661"/>
+            <a:ext cx="615553" cy="733687"/>
+          </a:xfrm>
+          <a:prstGeom prst="rect">
+            <a:avLst/>
+          </a:prstGeom>
+          <a:noFill/>
+        </p:spPr>
+        <p:txBody>
+          <a:bodyPr vert="eaVert" wrap="square" rtlCol="0" anchor="t">
+            <a:spAutoFit/>
+          </a:bodyPr>
+          <a:lstStyle/>
+          <a:p>
+            <a:r>
+              <a:rPr lang="en-US" altLang="zh-CN" sz="2800" dirty="0"/>
+              <a:t>… …</a:t>
+            </a:r>
+            <a:endParaRPr lang="zh-CN" altLang="en-US" sz="2800" dirty="0"/>
+          </a:p>
+        </p:txBody>
+      </p:sp>
+      <p:cxnSp>
+        <p:nvCxnSpPr>
+          <p:cNvPr id="178" name="直线箭头连接符 64"/>
+          <p:cNvCxnSpPr>
+            <a:stCxn id="61" idx="6"/>
+            <a:endCxn id="62" idx="2"/>
+          </p:cNvCxnSpPr>
+          <p:nvPr/>
+        </p:nvCxnSpPr>
+        <p:spPr>
+          <a:xfrm>
+            <a:off x="5182597" y="655953"/>
+            <a:ext cx="279727" cy="0"/>
+          </a:xfrm>
+          <a:prstGeom prst="straightConnector1">
+            <a:avLst/>
+          </a:prstGeom>
+          <a:ln w="47625">
+            <a:solidFill>
+              <a:schemeClr val="accent1">
+                <a:lumMod val="50000"/>
+              </a:schemeClr>
+            </a:solidFill>
+            <a:tailEnd type="triangle"/>
+          </a:ln>
+        </p:spPr>
+        <p:style>
+          <a:lnRef idx="1">
+            <a:schemeClr val="dk1"/>
+          </a:lnRef>
+          <a:fillRef idx="0">
+            <a:schemeClr val="dk1"/>
+          </a:fillRef>
+          <a:effectRef idx="0">
+            <a:schemeClr val="dk1"/>
+          </a:effectRef>
+          <a:fontRef idx="minor">
+            <a:schemeClr val="tx1"/>
+          </a:fontRef>
+        </p:style>
+      </p:cxnSp>
+      <p:cxnSp>
+        <p:nvCxnSpPr>
+          <p:cNvPr id="179" name="直线箭头连接符 64"/>
+          <p:cNvCxnSpPr>
+            <a:stCxn id="62" idx="6"/>
+            <a:endCxn id="153" idx="2"/>
+          </p:cNvCxnSpPr>
+          <p:nvPr/>
+        </p:nvCxnSpPr>
+        <p:spPr>
+          <a:xfrm>
+            <a:off x="6222587" y="655957"/>
+            <a:ext cx="284549" cy="438"/>
+          </a:xfrm>
+          <a:prstGeom prst="straightConnector1">
+            <a:avLst/>
+          </a:prstGeom>
+          <a:ln w="47625">
+            <a:solidFill>
+              <a:schemeClr val="accent1">
+                <a:lumMod val="50000"/>
+              </a:schemeClr>
+            </a:solidFill>
+            <a:tailEnd type="triangle"/>
+          </a:ln>
+        </p:spPr>
+        <p:style>
+          <a:lnRef idx="1">
+            <a:schemeClr val="dk1"/>
+          </a:lnRef>
+          <a:fillRef idx="0">
+            <a:schemeClr val="dk1"/>
+          </a:fillRef>
+          <a:effectRef idx="0">
+            <a:schemeClr val="dk1"/>
+          </a:effectRef>
+          <a:fontRef idx="minor">
+            <a:schemeClr val="tx1"/>
+          </a:fontRef>
+        </p:style>
+      </p:cxnSp>
+      <p:cxnSp>
+        <p:nvCxnSpPr>
+          <p:cNvPr id="89" name="直线箭头连接符 64"/>
+          <p:cNvCxnSpPr>
+            <a:stCxn id="109" idx="6"/>
+            <a:endCxn id="71" idx="2"/>
+          </p:cNvCxnSpPr>
+          <p:nvPr/>
+        </p:nvCxnSpPr>
+        <p:spPr>
+          <a:xfrm>
+            <a:off x="6226885" y="2480063"/>
+            <a:ext cx="285426" cy="4384"/>
+          </a:xfrm>
+          <a:prstGeom prst="straightConnector1">
+            <a:avLst/>
+          </a:prstGeom>
+          <a:ln w="47625">
+            <a:solidFill>
+              <a:schemeClr val="accent1">
+                <a:lumMod val="50000"/>
+              </a:schemeClr>
+            </a:solidFill>
+            <a:tailEnd type="triangle"/>
+          </a:ln>
+        </p:spPr>
+        <p:style>
+          <a:lnRef idx="1">
+            <a:schemeClr val="dk1"/>
+          </a:lnRef>
+          <a:fillRef idx="0">
+            <a:schemeClr val="dk1"/>
+          </a:fillRef>
+          <a:effectRef idx="0">
+            <a:schemeClr val="dk1"/>
+          </a:effectRef>
+          <a:fontRef idx="minor">
+            <a:schemeClr val="tx1"/>
+          </a:fontRef>
+        </p:style>
+      </p:cxnSp>
+      <p:cxnSp>
+        <p:nvCxnSpPr>
+          <p:cNvPr id="193" name="直线箭头连接符 64"/>
+          <p:cNvCxnSpPr>
+            <a:stCxn id="220" idx="6"/>
+            <a:endCxn id="221" idx="2"/>
+          </p:cNvCxnSpPr>
+          <p:nvPr/>
+        </p:nvCxnSpPr>
+        <p:spPr>
+          <a:xfrm>
+            <a:off x="5185146" y="3964192"/>
+            <a:ext cx="279727" cy="0"/>
+          </a:xfrm>
+          <a:prstGeom prst="straightConnector1">
+            <a:avLst/>
+          </a:prstGeom>
+          <a:ln w="47625">
+            <a:solidFill>
+              <a:schemeClr val="accent1">
+                <a:lumMod val="50000"/>
+              </a:schemeClr>
+            </a:solidFill>
+            <a:tailEnd type="triangle"/>
+          </a:ln>
+        </p:spPr>
+        <p:style>
+          <a:lnRef idx="1">
+            <a:schemeClr val="dk1"/>
+          </a:lnRef>
+          <a:fillRef idx="0">
+            <a:schemeClr val="dk1"/>
+          </a:fillRef>
+          <a:effectRef idx="0">
+            <a:schemeClr val="dk1"/>
+          </a:effectRef>
+          <a:fontRef idx="minor">
+            <a:schemeClr val="tx1"/>
+          </a:fontRef>
+        </p:style>
+      </p:cxnSp>
+      <p:cxnSp>
+        <p:nvCxnSpPr>
+          <p:cNvPr id="195" name="直线箭头连接符 64"/>
+          <p:cNvCxnSpPr>
+            <a:stCxn id="221" idx="6"/>
+            <a:endCxn id="175" idx="2"/>
+          </p:cNvCxnSpPr>
+          <p:nvPr/>
+        </p:nvCxnSpPr>
+        <p:spPr>
+          <a:xfrm>
+            <a:off x="6225136" y="3964195"/>
+            <a:ext cx="284549" cy="438"/>
+          </a:xfrm>
+          <a:prstGeom prst="straightConnector1">
+            <a:avLst/>
+          </a:prstGeom>
+          <a:ln w="47625">
+            <a:solidFill>
+              <a:schemeClr val="accent1">
+                <a:lumMod val="50000"/>
+              </a:schemeClr>
+            </a:solidFill>
+            <a:tailEnd type="triangle"/>
+          </a:ln>
+        </p:spPr>
+        <p:style>
+          <a:lnRef idx="1">
+            <a:schemeClr val="dk1"/>
+          </a:lnRef>
+          <a:fillRef idx="0">
+            <a:schemeClr val="dk1"/>
+          </a:fillRef>
+          <a:effectRef idx="0">
+            <a:schemeClr val="dk1"/>
+          </a:effectRef>
+          <a:fontRef idx="minor">
+            <a:schemeClr val="tx1"/>
+          </a:fontRef>
+        </p:style>
+      </p:cxnSp>
+      <p:sp>
+        <p:nvSpPr>
+          <p:cNvPr id="106" name="文本框 105"/>
+          <p:cNvSpPr txBox="1"/>
+          <p:nvPr/>
+        </p:nvSpPr>
+        <p:spPr>
+          <a:xfrm>
+            <a:off x="9001207" y="3678810"/>
+            <a:ext cx="2295821" cy="535531"/>
+          </a:xfrm>
+          <a:prstGeom prst="rect">
+            <a:avLst/>
+          </a:prstGeom>
+          <a:noFill/>
+        </p:spPr>
+        <p:txBody>
+          <a:bodyPr wrap="none" rtlCol="0">
+            <a:spAutoFit/>
+          </a:bodyPr>
+          <a:lstStyle/>
+          <a:p>
+            <a:pPr>
+              <a:lnSpc>
+                <a:spcPct val="90000"/>
+              </a:lnSpc>
+            </a:pPr>
+            <a:r>
+              <a:rPr lang="en-US" altLang="zh-CN" sz="1600" b="1" dirty="0">
+                <a:latin typeface="Times New Roman" panose="02020603050405020304" pitchFamily="18" charset="0"/>
+                <a:cs typeface="Times New Roman" panose="02020603050405020304" pitchFamily="18" charset="0"/>
+              </a:rPr>
+              <a:t>Ground Truth</a:t>
+            </a:r>
+            <a:r>
+              <a:rPr lang="zh-CN" altLang="en-US" sz="1600" dirty="0">
+                <a:latin typeface="Times New Roman" panose="02020603050405020304" pitchFamily="18" charset="0"/>
+                <a:cs typeface="Times New Roman" panose="02020603050405020304" pitchFamily="18" charset="0"/>
+              </a:rPr>
+              <a:t>：</a:t>
+            </a:r>
+            <a:endParaRPr lang="en-US" altLang="zh-CN" sz="1600" dirty="0">
+              <a:latin typeface="Times New Roman" panose="02020603050405020304" pitchFamily="18" charset="0"/>
+              <a:cs typeface="Times New Roman" panose="02020603050405020304" pitchFamily="18" charset="0"/>
+            </a:endParaRPr>
+          </a:p>
+          <a:p>
+            <a:pPr>
+              <a:lnSpc>
+                <a:spcPct val="90000"/>
+              </a:lnSpc>
+            </a:pPr>
+            <a:r>
+              <a:rPr lang="en-US" altLang="zh-CN" sz="1600" dirty="0">
+                <a:latin typeface="Times New Roman" panose="02020603050405020304" pitchFamily="18" charset="0"/>
+                <a:cs typeface="Times New Roman" panose="02020603050405020304" pitchFamily="18" charset="0"/>
+              </a:rPr>
+              <a:t>       bin blue at f two now</a:t>
+            </a:r>
+            <a:endParaRPr lang="zh-CN" altLang="en-US" sz="1600" dirty="0">
+              <a:latin typeface="Times New Roman" panose="02020603050405020304" pitchFamily="18" charset="0"/>
+              <a:cs typeface="Times New Roman" panose="02020603050405020304" pitchFamily="18" charset="0"/>
+            </a:endParaRPr>
+          </a:p>
+        </p:txBody>
+      </p:sp>
+      <p:cxnSp>
+        <p:nvCxnSpPr>
+          <p:cNvPr id="216" name="直线箭头连接符 64">
+            <a:extLst>
+              <a:ext uri="{FF2B5EF4-FFF2-40B4-BE49-F238E27FC236}">
+                <a16:creationId xmlns:a16="http://schemas.microsoft.com/office/drawing/2014/main" id="{5E68787B-03A7-C745-99BB-DB96FF877F92}"/>
+              </a:ext>
+            </a:extLst>
+          </p:cNvPr>
+          <p:cNvCxnSpPr>
+            <a:cxnSpLocks/>
+          </p:cNvCxnSpPr>
+          <p:nvPr/>
+        </p:nvCxnSpPr>
+        <p:spPr>
+          <a:xfrm>
+            <a:off x="11492838" y="2470292"/>
+            <a:ext cx="352081" cy="0"/>
+          </a:xfrm>
+          <a:prstGeom prst="straightConnector1">
+            <a:avLst/>
+          </a:prstGeom>
+          <a:ln w="47625">
+            <a:solidFill>
+              <a:schemeClr val="accent1">
+                <a:lumMod val="50000"/>
+              </a:schemeClr>
+            </a:solidFill>
+            <a:tailEnd type="triangle"/>
+          </a:ln>
+        </p:spPr>
+        <p:style>
+          <a:lnRef idx="1">
+            <a:schemeClr val="dk1"/>
+          </a:lnRef>
+          <a:fillRef idx="0">
+            <a:schemeClr val="dk1"/>
+          </a:fillRef>
+          <a:effectRef idx="0">
+            <a:schemeClr val="dk1"/>
+          </a:effectRef>
+          <a:fontRef idx="minor">
+            <a:schemeClr val="tx1"/>
+          </a:fontRef>
+        </p:style>
+      </p:cxnSp>
+      <p:sp>
+        <p:nvSpPr>
+          <p:cNvPr id="117" name="文本框 116"/>
+          <p:cNvSpPr txBox="1"/>
+          <p:nvPr/>
+        </p:nvSpPr>
+        <p:spPr>
+          <a:xfrm>
+            <a:off x="11768711" y="2061349"/>
+            <a:ext cx="1559671" cy="830997"/>
+          </a:xfrm>
+          <a:prstGeom prst="rect">
+            <a:avLst/>
+          </a:prstGeom>
+          <a:noFill/>
+        </p:spPr>
+        <p:txBody>
+          <a:bodyPr wrap="square" rtlCol="0">
+            <a:spAutoFit/>
+          </a:bodyPr>
+          <a:lstStyle/>
+          <a:p>
+            <a:pPr algn="ctr"/>
+            <a:r>
+              <a:rPr lang="en-US" altLang="zh-CN" sz="1600" dirty="0">
+                <a:latin typeface="Times New Roman" panose="02020603050405020304" pitchFamily="18" charset="0"/>
+                <a:cs typeface="Times New Roman" panose="02020603050405020304" pitchFamily="18" charset="0"/>
+              </a:rPr>
+              <a:t>Computing the PCPG loss for Optimization</a:t>
+            </a:r>
+            <a:endParaRPr lang="zh-CN" altLang="en-US" sz="1600" dirty="0">
+              <a:latin typeface="Times New Roman" panose="02020603050405020304" pitchFamily="18" charset="0"/>
+              <a:cs typeface="Times New Roman" panose="02020603050405020304" pitchFamily="18" charset="0"/>
+            </a:endParaRPr>
+          </a:p>
+        </p:txBody>
+      </p:sp>
+      <p:cxnSp>
+        <p:nvCxnSpPr>
+          <p:cNvPr id="227" name="直线箭头连接符 64"/>
+          <p:cNvCxnSpPr>
+            <a:cxnSpLocks/>
+            <a:endCxn id="181" idx="1"/>
+          </p:cNvCxnSpPr>
+          <p:nvPr/>
+        </p:nvCxnSpPr>
+        <p:spPr>
+          <a:xfrm>
+            <a:off x="724619" y="2496951"/>
+            <a:ext cx="301716" cy="0"/>
+          </a:xfrm>
+          <a:prstGeom prst="straightConnector1">
+            <a:avLst/>
+          </a:prstGeom>
+          <a:ln w="47625">
+            <a:solidFill>
+              <a:schemeClr val="accent1">
+                <a:lumMod val="50000"/>
+              </a:schemeClr>
+            </a:solidFill>
+            <a:prstDash val="sysDot"/>
+            <a:tailEnd type="triangle"/>
+          </a:ln>
+        </p:spPr>
+        <p:style>
+          <a:lnRef idx="1">
+            <a:schemeClr val="dk1"/>
+          </a:lnRef>
+          <a:fillRef idx="0">
+            <a:schemeClr val="dk1"/>
+          </a:fillRef>
+          <a:effectRef idx="0">
+            <a:schemeClr val="dk1"/>
+          </a:effectRef>
+          <a:fontRef idx="minor">
+            <a:schemeClr val="tx1"/>
+          </a:fontRef>
+        </p:style>
+      </p:cxnSp>
+      <p:cxnSp>
+        <p:nvCxnSpPr>
+          <p:cNvPr id="228" name="直线箭头连接符 64"/>
+          <p:cNvCxnSpPr>
+            <a:cxnSpLocks/>
+          </p:cNvCxnSpPr>
+          <p:nvPr/>
+        </p:nvCxnSpPr>
+        <p:spPr>
+          <a:xfrm>
+            <a:off x="32343" y="1348952"/>
+            <a:ext cx="341995" cy="1"/>
+          </a:xfrm>
+          <a:prstGeom prst="straightConnector1">
+            <a:avLst/>
+          </a:prstGeom>
+          <a:ln w="47625">
+            <a:solidFill>
+              <a:schemeClr val="accent1">
+                <a:lumMod val="50000"/>
+              </a:schemeClr>
+            </a:solidFill>
+            <a:prstDash val="sysDot"/>
+            <a:tailEnd type="triangle"/>
+          </a:ln>
+        </p:spPr>
+        <p:style>
+          <a:lnRef idx="1">
+            <a:schemeClr val="dk1"/>
+          </a:lnRef>
+          <a:fillRef idx="0">
+            <a:schemeClr val="dk1"/>
+          </a:fillRef>
+          <a:effectRef idx="0">
+            <a:schemeClr val="dk1"/>
+          </a:effectRef>
+          <a:fontRef idx="minor">
+            <a:schemeClr val="tx1"/>
+          </a:fontRef>
+        </p:style>
+      </p:cxnSp>
+    </p:spTree>
+    <p:extLst>
+      <p:ext uri="{BB962C8B-B14F-4D97-AF65-F5344CB8AC3E}">
+        <p14:creationId xmlns:p14="http://schemas.microsoft.com/office/powerpoint/2010/main" val="2121907543"/>
       </p:ext>
     </p:extLst>
   </p:cSld>
